--- a/day3/R Workshop Day 3 Slides.pptx
+++ b/day3/R Workshop Day 3 Slides.pptx
@@ -270,7 +270,7 @@
           <a:p>
             <a:fld id="{A553AA83-0331-A946-ADDB-F287CC1969EF}" type="datetimeFigureOut">
               <a:rPr lang="en-US" smtClean="0"/>
-              <a:t>4/21/23</a:t>
+              <a:t>5/5/23</a:t>
             </a:fld>
             <a:endParaRPr lang="en-US"/>
           </a:p>
@@ -435,7 +435,7 @@
           <a:p>
             <a:fld id="{ADBB2523-9D72-CB41-8D09-2C15EA0C0F3C}" type="datetimeFigureOut">
               <a:rPr lang="en-US" smtClean="0"/>
-              <a:t>4/21/23</a:t>
+              <a:t>5/5/23</a:t>
             </a:fld>
             <a:endParaRPr lang="en-US"/>
           </a:p>
@@ -1497,7 +1497,7 @@
             <a:fld id="{B86A9B72-EFE5-0C44-9856-127B83BB47D0}" type="datetimeFigureOut">
               <a:rPr lang="en-US" smtClean="0"/>
               <a:pPr/>
-              <a:t>4/21/23</a:t>
+              <a:t>5/5/23</a:t>
             </a:fld>
             <a:endParaRPr lang="en-US"/>
           </a:p>
@@ -1767,7 +1767,7 @@
             <a:fld id="{B86A9B72-EFE5-0C44-9856-127B83BB47D0}" type="datetimeFigureOut">
               <a:rPr lang="en-US" smtClean="0"/>
               <a:pPr/>
-              <a:t>4/21/23</a:t>
+              <a:t>5/5/23</a:t>
             </a:fld>
             <a:endParaRPr lang="en-US"/>
           </a:p>
@@ -1953,7 +1953,7 @@
             <a:fld id="{B86A9B72-EFE5-0C44-9856-127B83BB47D0}" type="datetimeFigureOut">
               <a:rPr lang="en-US" smtClean="0"/>
               <a:pPr/>
-              <a:t>4/21/23</a:t>
+              <a:t>5/5/23</a:t>
             </a:fld>
             <a:endParaRPr lang="en-US"/>
           </a:p>
@@ -2149,7 +2149,7 @@
             <a:fld id="{B86A9B72-EFE5-0C44-9856-127B83BB47D0}" type="datetimeFigureOut">
               <a:rPr lang="en-US" smtClean="0"/>
               <a:pPr/>
-              <a:t>4/21/23</a:t>
+              <a:t>5/5/23</a:t>
             </a:fld>
             <a:endParaRPr lang="en-US"/>
           </a:p>
@@ -2958,7 +2958,7 @@
             <a:fld id="{B86A9B72-EFE5-0C44-9856-127B83BB47D0}" type="datetimeFigureOut">
               <a:rPr lang="en-US" smtClean="0"/>
               <a:pPr/>
-              <a:t>4/21/23</a:t>
+              <a:t>5/5/23</a:t>
             </a:fld>
             <a:endParaRPr lang="en-US"/>
           </a:p>
@@ -3395,7 +3395,7 @@
             <a:fld id="{B86A9B72-EFE5-0C44-9856-127B83BB47D0}" type="datetimeFigureOut">
               <a:rPr lang="en-US" smtClean="0"/>
               <a:pPr/>
-              <a:t>4/21/23</a:t>
+              <a:t>5/5/23</a:t>
             </a:fld>
             <a:endParaRPr lang="en-US"/>
           </a:p>
@@ -3530,7 +3530,7 @@
             <a:fld id="{B86A9B72-EFE5-0C44-9856-127B83BB47D0}" type="datetimeFigureOut">
               <a:rPr lang="en-US" smtClean="0"/>
               <a:pPr/>
-              <a:t>4/21/23</a:t>
+              <a:t>5/5/23</a:t>
             </a:fld>
             <a:endParaRPr lang="en-US"/>
           </a:p>
@@ -3643,7 +3643,7 @@
             <a:fld id="{B86A9B72-EFE5-0C44-9856-127B83BB47D0}" type="datetimeFigureOut">
               <a:rPr lang="en-US" smtClean="0"/>
               <a:pPr/>
-              <a:t>4/21/23</a:t>
+              <a:t>5/5/23</a:t>
             </a:fld>
             <a:endParaRPr lang="en-US"/>
           </a:p>
@@ -5434,6 +5434,140 @@
               <a:rPr lang="en-US" sz="3200" dirty="0"/>
               <a:t>Goals for today</a:t>
             </a:r>
+          </a:p>
+        </p:txBody>
+      </p:sp>
+      <p:sp>
+        <p:nvSpPr>
+          <p:cNvPr id="3" name="TextBox 2">
+            <a:extLst>
+              <a:ext uri="{FF2B5EF4-FFF2-40B4-BE49-F238E27FC236}">
+                <a16:creationId xmlns:a16="http://schemas.microsoft.com/office/drawing/2014/main" id="{84836432-9E19-66D5-27CC-2E1408EE4964}"/>
+              </a:ext>
+            </a:extLst>
+          </p:cNvPr>
+          <p:cNvSpPr txBox="1"/>
+          <p:nvPr/>
+        </p:nvSpPr>
+        <p:spPr>
+          <a:xfrm>
+            <a:off x="429869" y="1230992"/>
+            <a:ext cx="8284261" cy="3262432"/>
+          </a:xfrm>
+          <a:prstGeom prst="rect">
+            <a:avLst/>
+          </a:prstGeom>
+          <a:noFill/>
+        </p:spPr>
+        <p:txBody>
+          <a:bodyPr wrap="square" rtlCol="0">
+            <a:spAutoFit/>
+          </a:bodyPr>
+          <a:lstStyle/>
+          <a:p>
+            <a:pPr marL="457200" indent="-457200">
+              <a:spcBef>
+                <a:spcPts val="600"/>
+              </a:spcBef>
+              <a:spcAft>
+                <a:spcPts val="600"/>
+              </a:spcAft>
+              <a:buFont typeface="Arial" panose="020B0604020202020204" pitchFamily="34" charset="0"/>
+              <a:buChar char="•"/>
+            </a:pPr>
+            <a:r>
+              <a:rPr lang="en-US" sz="2600" b="1" dirty="0"/>
+              <a:t>Define </a:t>
+            </a:r>
+            <a:r>
+              <a:rPr lang="en-US" sz="2600" dirty="0"/>
+              <a:t>descriptive statistics &amp; exploratory data analysis</a:t>
+            </a:r>
+          </a:p>
+          <a:p>
+            <a:pPr marL="457200" indent="-457200">
+              <a:spcBef>
+                <a:spcPts val="600"/>
+              </a:spcBef>
+              <a:spcAft>
+                <a:spcPts val="600"/>
+              </a:spcAft>
+              <a:buFont typeface="Arial" panose="020B0604020202020204" pitchFamily="34" charset="0"/>
+              <a:buChar char="•"/>
+            </a:pPr>
+            <a:r>
+              <a:rPr lang="en-US" sz="2600" b="1" dirty="0"/>
+              <a:t>Create</a:t>
+            </a:r>
+            <a:r>
+              <a:rPr lang="en-US" sz="2600" dirty="0"/>
+              <a:t> your first data visualization in R</a:t>
+            </a:r>
+          </a:p>
+          <a:p>
+            <a:pPr marL="457200" indent="-457200">
+              <a:spcBef>
+                <a:spcPts val="600"/>
+              </a:spcBef>
+              <a:spcAft>
+                <a:spcPts val="600"/>
+              </a:spcAft>
+              <a:buFont typeface="Arial" panose="020B0604020202020204" pitchFamily="34" charset="0"/>
+              <a:buChar char="•"/>
+            </a:pPr>
+            <a:r>
+              <a:rPr lang="en-US" sz="2600" b="1" dirty="0"/>
+              <a:t>Identify </a:t>
+            </a:r>
+            <a:r>
+              <a:rPr lang="en-US" sz="2600" dirty="0"/>
+              <a:t>options for visualization in R, including ggplot2</a:t>
+            </a:r>
+            <a:endParaRPr lang="en-US" sz="2600" b="1" dirty="0"/>
+          </a:p>
+          <a:p>
+            <a:pPr marL="457200" indent="-457200">
+              <a:spcBef>
+                <a:spcPts val="600"/>
+              </a:spcBef>
+              <a:spcAft>
+                <a:spcPts val="600"/>
+              </a:spcAft>
+              <a:buFont typeface="Arial" panose="020B0604020202020204" pitchFamily="34" charset="0"/>
+              <a:buChar char="•"/>
+            </a:pPr>
+            <a:r>
+              <a:rPr lang="en-US" sz="2600" b="1" dirty="0"/>
+              <a:t>Great creative </a:t>
+            </a:r>
+            <a:r>
+              <a:rPr lang="en-US" sz="2600" dirty="0"/>
+              <a:t>and have fun exploring datasets</a:t>
+            </a:r>
+          </a:p>
+          <a:p>
+            <a:pPr lvl="1">
+              <a:spcBef>
+                <a:spcPts val="600"/>
+              </a:spcBef>
+              <a:spcAft>
+                <a:spcPts val="600"/>
+              </a:spcAft>
+            </a:pPr>
+            <a:endParaRPr lang="en-US" sz="2600" dirty="0"/>
+          </a:p>
+          <a:p>
+            <a:pPr marL="457200" indent="-457200">
+              <a:spcBef>
+                <a:spcPts val="600"/>
+              </a:spcBef>
+              <a:spcAft>
+                <a:spcPts val="600"/>
+              </a:spcAft>
+              <a:buFont typeface="Arial" panose="020B0604020202020204" pitchFamily="34" charset="0"/>
+              <a:buChar char="•"/>
+            </a:pPr>
+            <a:endParaRPr lang="en-US" sz="2600" dirty="0"/>
           </a:p>
         </p:txBody>
       </p:sp>

--- a/day3/R Workshop Day 3 Slides.pptx
+++ b/day3/R Workshop Day 3 Slides.pptx
@@ -5,29 +5,46 @@
     <p:sldMasterId id="2147483648" r:id="rId1"/>
   </p:sldMasterIdLst>
   <p:notesMasterIdLst>
-    <p:notesMasterId r:id="rId19"/>
+    <p:notesMasterId r:id="rId36"/>
   </p:notesMasterIdLst>
   <p:handoutMasterIdLst>
-    <p:handoutMasterId r:id="rId20"/>
+    <p:handoutMasterId r:id="rId37"/>
   </p:handoutMasterIdLst>
   <p:sldIdLst>
     <p:sldId id="260" r:id="rId2"/>
     <p:sldId id="288" r:id="rId3"/>
     <p:sldId id="318" r:id="rId4"/>
-    <p:sldId id="302" r:id="rId5"/>
-    <p:sldId id="327" r:id="rId6"/>
-    <p:sldId id="319" r:id="rId7"/>
-    <p:sldId id="311" r:id="rId8"/>
-    <p:sldId id="328" r:id="rId9"/>
-    <p:sldId id="329" r:id="rId10"/>
-    <p:sldId id="331" r:id="rId11"/>
-    <p:sldId id="332" r:id="rId12"/>
-    <p:sldId id="333" r:id="rId13"/>
-    <p:sldId id="330" r:id="rId14"/>
-    <p:sldId id="334" r:id="rId15"/>
-    <p:sldId id="315" r:id="rId16"/>
-    <p:sldId id="312" r:id="rId17"/>
-    <p:sldId id="301" r:id="rId18"/>
+    <p:sldId id="335" r:id="rId5"/>
+    <p:sldId id="336" r:id="rId6"/>
+    <p:sldId id="337" r:id="rId7"/>
+    <p:sldId id="338" r:id="rId8"/>
+    <p:sldId id="302" r:id="rId9"/>
+    <p:sldId id="319" r:id="rId10"/>
+    <p:sldId id="340" r:id="rId11"/>
+    <p:sldId id="393" r:id="rId12"/>
+    <p:sldId id="394" r:id="rId13"/>
+    <p:sldId id="311" r:id="rId14"/>
+    <p:sldId id="396" r:id="rId15"/>
+    <p:sldId id="395" r:id="rId16"/>
+    <p:sldId id="329" r:id="rId17"/>
+    <p:sldId id="397" r:id="rId18"/>
+    <p:sldId id="399" r:id="rId19"/>
+    <p:sldId id="401" r:id="rId20"/>
+    <p:sldId id="398" r:id="rId21"/>
+    <p:sldId id="400" r:id="rId22"/>
+    <p:sldId id="388" r:id="rId23"/>
+    <p:sldId id="334" r:id="rId24"/>
+    <p:sldId id="315" r:id="rId25"/>
+    <p:sldId id="403" r:id="rId26"/>
+    <p:sldId id="402" r:id="rId27"/>
+    <p:sldId id="404" r:id="rId28"/>
+    <p:sldId id="406" r:id="rId29"/>
+    <p:sldId id="405" r:id="rId30"/>
+    <p:sldId id="407" r:id="rId31"/>
+    <p:sldId id="408" r:id="rId32"/>
+    <p:sldId id="409" r:id="rId33"/>
+    <p:sldId id="410" r:id="rId34"/>
+    <p:sldId id="301" r:id="rId35"/>
   </p:sldIdLst>
   <p:sldSz cx="9144000" cy="6858000" type="screen4x3"/>
   <p:notesSz cx="6858000" cy="9144000"/>
@@ -134,19 +151,36 @@
             <p14:sldId id="260"/>
             <p14:sldId id="288"/>
             <p14:sldId id="318"/>
+            <p14:sldId id="335"/>
+            <p14:sldId id="336"/>
+            <p14:sldId id="337"/>
+            <p14:sldId id="338"/>
             <p14:sldId id="302"/>
-            <p14:sldId id="327"/>
             <p14:sldId id="319"/>
+            <p14:sldId id="340"/>
+            <p14:sldId id="393"/>
+            <p14:sldId id="394"/>
             <p14:sldId id="311"/>
-            <p14:sldId id="328"/>
+            <p14:sldId id="396"/>
+            <p14:sldId id="395"/>
             <p14:sldId id="329"/>
-            <p14:sldId id="331"/>
-            <p14:sldId id="332"/>
-            <p14:sldId id="333"/>
-            <p14:sldId id="330"/>
+            <p14:sldId id="397"/>
+            <p14:sldId id="399"/>
+            <p14:sldId id="401"/>
+            <p14:sldId id="398"/>
+            <p14:sldId id="400"/>
+            <p14:sldId id="388"/>
             <p14:sldId id="334"/>
             <p14:sldId id="315"/>
-            <p14:sldId id="312"/>
+            <p14:sldId id="403"/>
+            <p14:sldId id="402"/>
+            <p14:sldId id="404"/>
+            <p14:sldId id="406"/>
+            <p14:sldId id="405"/>
+            <p14:sldId id="407"/>
+            <p14:sldId id="408"/>
+            <p14:sldId id="409"/>
+            <p14:sldId id="410"/>
             <p14:sldId id="301"/>
           </p14:sldIdLst>
         </p14:section>
@@ -270,7 +304,7 @@
           <a:p>
             <a:fld id="{A553AA83-0331-A946-ADDB-F287CC1969EF}" type="datetimeFigureOut">
               <a:rPr lang="en-US" smtClean="0"/>
-              <a:t>5/5/23</a:t>
+              <a:t>6/2/23</a:t>
             </a:fld>
             <a:endParaRPr lang="en-US"/>
           </a:p>
@@ -435,7 +469,7 @@
           <a:p>
             <a:fld id="{ADBB2523-9D72-CB41-8D09-2C15EA0C0F3C}" type="datetimeFigureOut">
               <a:rPr lang="en-US" smtClean="0"/>
-              <a:t>5/5/23</a:t>
+              <a:t>6/2/23</a:t>
             </a:fld>
             <a:endParaRPr lang="en-US"/>
           </a:p>
@@ -950,7 +984,7 @@
           <a:p>
             <a:fld id="{7B79852F-C953-3445-B10C-3B6B94EB422C}" type="slidenum">
               <a:rPr lang="en-US" smtClean="0"/>
-              <a:t>6</a:t>
+              <a:t>9</a:t>
             </a:fld>
             <a:endParaRPr lang="en-US"/>
           </a:p>
@@ -996,12 +1030,7 @@
             <p:ph type="sldImg"/>
           </p:nvPr>
         </p:nvSpPr>
-        <p:spPr>
-          <a:xfrm>
-            <a:off x="1143000" y="685800"/>
-            <a:ext cx="4572000" cy="3429000"/>
-          </a:xfrm>
-        </p:spPr>
+        <p:spPr/>
       </p:sp>
       <p:sp>
         <p:nvSpPr>
@@ -1029,6 +1058,95 @@
             <a:spLocks noGrp="1"/>
           </p:cNvSpPr>
           <p:nvPr>
+            <p:ph type="sldNum" sz="quarter" idx="5"/>
+          </p:nvPr>
+        </p:nvSpPr>
+        <p:spPr/>
+        <p:txBody>
+          <a:bodyPr/>
+          <a:lstStyle/>
+          <a:p>
+            <a:fld id="{7B79852F-C953-3445-B10C-3B6B94EB422C}" type="slidenum">
+              <a:rPr lang="en-US" smtClean="0"/>
+              <a:t>22</a:t>
+            </a:fld>
+            <a:endParaRPr lang="en-US"/>
+          </a:p>
+        </p:txBody>
+      </p:sp>
+    </p:spTree>
+    <p:extLst>
+      <p:ext uri="{BB962C8B-B14F-4D97-AF65-F5344CB8AC3E}">
+        <p14:creationId xmlns:p14="http://schemas.microsoft.com/office/powerpoint/2010/main" val="1088677891"/>
+      </p:ext>
+    </p:extLst>
+  </p:cSld>
+  <p:clrMapOvr>
+    <a:masterClrMapping/>
+  </p:clrMapOvr>
+</p:notes>
+</file>
+
+<file path=ppt/notesSlides/notesSlide5.xml><?xml version="1.0" encoding="utf-8"?>
+<p:notes xmlns:a="http://schemas.openxmlformats.org/drawingml/2006/main" xmlns:r="http://schemas.openxmlformats.org/officeDocument/2006/relationships" xmlns:p="http://schemas.openxmlformats.org/presentationml/2006/main">
+  <p:cSld>
+    <p:spTree>
+      <p:nvGrpSpPr>
+        <p:cNvPr id="1" name=""/>
+        <p:cNvGrpSpPr/>
+        <p:nvPr/>
+      </p:nvGrpSpPr>
+      <p:grpSpPr>
+        <a:xfrm>
+          <a:off x="0" y="0"/>
+          <a:ext cx="0" cy="0"/>
+          <a:chOff x="0" y="0"/>
+          <a:chExt cx="0" cy="0"/>
+        </a:xfrm>
+      </p:grpSpPr>
+      <p:sp>
+        <p:nvSpPr>
+          <p:cNvPr id="2" name="Slide Image Placeholder 1"/>
+          <p:cNvSpPr>
+            <a:spLocks noGrp="1" noRot="1" noChangeAspect="1"/>
+          </p:cNvSpPr>
+          <p:nvPr>
+            <p:ph type="sldImg"/>
+          </p:nvPr>
+        </p:nvSpPr>
+        <p:spPr>
+          <a:xfrm>
+            <a:off x="1143000" y="685800"/>
+            <a:ext cx="4572000" cy="3429000"/>
+          </a:xfrm>
+        </p:spPr>
+      </p:sp>
+      <p:sp>
+        <p:nvSpPr>
+          <p:cNvPr id="3" name="Notes Placeholder 2"/>
+          <p:cNvSpPr>
+            <a:spLocks noGrp="1"/>
+          </p:cNvSpPr>
+          <p:nvPr>
+            <p:ph type="body" idx="1"/>
+          </p:nvPr>
+        </p:nvSpPr>
+        <p:spPr/>
+        <p:txBody>
+          <a:bodyPr/>
+          <a:lstStyle/>
+          <a:p>
+            <a:endParaRPr lang="en-US" dirty="0"/>
+          </a:p>
+        </p:txBody>
+      </p:sp>
+      <p:sp>
+        <p:nvSpPr>
+          <p:cNvPr id="4" name="Slide Number Placeholder 3"/>
+          <p:cNvSpPr>
+            <a:spLocks noGrp="1"/>
+          </p:cNvSpPr>
+          <p:nvPr>
             <p:ph type="sldNum" sz="quarter" idx="10"/>
           </p:nvPr>
         </p:nvSpPr>
@@ -1039,7 +1157,7 @@
           <a:p>
             <a:fld id="{7B79852F-C953-3445-B10C-3B6B94EB422C}" type="slidenum">
               <a:rPr lang="en-US" smtClean="0"/>
-              <a:t>14</a:t>
+              <a:t>23</a:t>
             </a:fld>
             <a:endParaRPr lang="en-US"/>
           </a:p>
@@ -1497,7 +1615,7 @@
             <a:fld id="{B86A9B72-EFE5-0C44-9856-127B83BB47D0}" type="datetimeFigureOut">
               <a:rPr lang="en-US" smtClean="0"/>
               <a:pPr/>
-              <a:t>5/5/23</a:t>
+              <a:t>6/2/23</a:t>
             </a:fld>
             <a:endParaRPr lang="en-US"/>
           </a:p>
@@ -1767,7 +1885,7 @@
             <a:fld id="{B86A9B72-EFE5-0C44-9856-127B83BB47D0}" type="datetimeFigureOut">
               <a:rPr lang="en-US" smtClean="0"/>
               <a:pPr/>
-              <a:t>5/5/23</a:t>
+              <a:t>6/2/23</a:t>
             </a:fld>
             <a:endParaRPr lang="en-US"/>
           </a:p>
@@ -1953,7 +2071,7 @@
             <a:fld id="{B86A9B72-EFE5-0C44-9856-127B83BB47D0}" type="datetimeFigureOut">
               <a:rPr lang="en-US" smtClean="0"/>
               <a:pPr/>
-              <a:t>5/5/23</a:t>
+              <a:t>6/2/23</a:t>
             </a:fld>
             <a:endParaRPr lang="en-US"/>
           </a:p>
@@ -2149,7 +2267,7 @@
             <a:fld id="{B86A9B72-EFE5-0C44-9856-127B83BB47D0}" type="datetimeFigureOut">
               <a:rPr lang="en-US" smtClean="0"/>
               <a:pPr/>
-              <a:t>5/5/23</a:t>
+              <a:t>6/2/23</a:t>
             </a:fld>
             <a:endParaRPr lang="en-US"/>
           </a:p>
@@ -2958,7 +3076,7 @@
             <a:fld id="{B86A9B72-EFE5-0C44-9856-127B83BB47D0}" type="datetimeFigureOut">
               <a:rPr lang="en-US" smtClean="0"/>
               <a:pPr/>
-              <a:t>5/5/23</a:t>
+              <a:t>6/2/23</a:t>
             </a:fld>
             <a:endParaRPr lang="en-US"/>
           </a:p>
@@ -3395,7 +3513,7 @@
             <a:fld id="{B86A9B72-EFE5-0C44-9856-127B83BB47D0}" type="datetimeFigureOut">
               <a:rPr lang="en-US" smtClean="0"/>
               <a:pPr/>
-              <a:t>5/5/23</a:t>
+              <a:t>6/2/23</a:t>
             </a:fld>
             <a:endParaRPr lang="en-US"/>
           </a:p>
@@ -3530,7 +3648,7 @@
             <a:fld id="{B86A9B72-EFE5-0C44-9856-127B83BB47D0}" type="datetimeFigureOut">
               <a:rPr lang="en-US" smtClean="0"/>
               <a:pPr/>
-              <a:t>5/5/23</a:t>
+              <a:t>6/2/23</a:t>
             </a:fld>
             <a:endParaRPr lang="en-US"/>
           </a:p>
@@ -3643,7 +3761,7 @@
             <a:fld id="{B86A9B72-EFE5-0C44-9856-127B83BB47D0}" type="datetimeFigureOut">
               <a:rPr lang="en-US" smtClean="0"/>
               <a:pPr/>
-              <a:t>5/5/23</a:t>
+              <a:t>6/2/23</a:t>
             </a:fld>
             <a:endParaRPr lang="en-US"/>
           </a:p>
@@ -4474,57 +4592,52 @@
             </a:lvl1pPr>
           </a:lstStyle>
           <a:p>
-            <a:endParaRPr lang="en-US" sz="3200" dirty="0"/>
-          </a:p>
-        </p:txBody>
-      </p:sp>
-      <p:sp>
-        <p:nvSpPr>
-          <p:cNvPr id="4" name="Title 2">
+            <a:r>
+              <a:rPr lang="en-US" sz="3200" dirty="0"/>
+              <a:t>Data visualization</a:t>
+            </a:r>
+          </a:p>
+        </p:txBody>
+      </p:sp>
+      <p:sp>
+        <p:nvSpPr>
+          <p:cNvPr id="3" name="TextBox 2">
             <a:extLst>
               <a:ext uri="{FF2B5EF4-FFF2-40B4-BE49-F238E27FC236}">
-                <a16:creationId xmlns:a16="http://schemas.microsoft.com/office/drawing/2014/main" id="{64A60DD7-2174-4D42-E979-F603D905ACBF}"/>
+                <a16:creationId xmlns:a16="http://schemas.microsoft.com/office/drawing/2014/main" id="{84836432-9E19-66D5-27CC-2E1408EE4964}"/>
               </a:ext>
             </a:extLst>
           </p:cNvPr>
-          <p:cNvSpPr txBox="1">
-            <a:spLocks/>
-          </p:cNvSpPr>
+          <p:cNvSpPr txBox="1"/>
           <p:nvPr/>
         </p:nvSpPr>
         <p:spPr>
           <a:xfrm>
-            <a:off x="582270" y="458781"/>
-            <a:ext cx="6598728" cy="1143000"/>
-          </a:xfrm>
-          <a:prstGeom prst="rect">
-            <a:avLst/>
-          </a:prstGeom>
-        </p:spPr>
-        <p:txBody>
-          <a:bodyPr>
-            <a:noAutofit/>
+            <a:off x="429869" y="1230992"/>
+            <a:ext cx="8284261" cy="1292662"/>
+          </a:xfrm>
+          <a:prstGeom prst="rect">
+            <a:avLst/>
+          </a:prstGeom>
+          <a:noFill/>
+        </p:spPr>
+        <p:txBody>
+          <a:bodyPr wrap="square" rtlCol="0">
+            <a:spAutoFit/>
           </a:bodyPr>
-          <a:lstStyle>
-            <a:lvl1pPr algn="l" defTabSz="342991" rtl="0" eaLnBrk="1" latinLnBrk="0" hangingPunct="1">
+          <a:lstStyle/>
+          <a:p>
+            <a:pPr>
               <a:spcBef>
-                <a:spcPct val="0"/>
+                <a:spcPts val="600"/>
               </a:spcBef>
-              <a:buNone/>
-              <a:defRPr sz="2701" b="1" i="0" kern="1200">
-                <a:solidFill>
-                  <a:srgbClr val="002D50"/>
-                </a:solidFill>
-                <a:latin typeface="Helvetica Neue"/>
-                <a:ea typeface="+mj-ea"/>
-                <a:cs typeface="Helvetica Neue"/>
-              </a:defRPr>
-            </a:lvl1pPr>
-          </a:lstStyle>
-          <a:p>
-            <a:r>
-              <a:rPr lang="en-US" sz="3200" dirty="0"/>
-              <a:t>Scatterplots</a:t>
+              <a:spcAft>
+                <a:spcPts val="600"/>
+              </a:spcAft>
+            </a:pPr>
+            <a:r>
+              <a:rPr lang="en-US" sz="2600" dirty="0"/>
+              <a:t>Data visualization is one of the major parts of any exploratory analysis, it’s easier to identify trends visually than by staring at raw data or summary tables</a:t>
             </a:r>
           </a:p>
         </p:txBody>
@@ -4532,7 +4645,7 @@
     </p:spTree>
     <p:extLst>
       <p:ext uri="{BB962C8B-B14F-4D97-AF65-F5344CB8AC3E}">
-        <p14:creationId xmlns:p14="http://schemas.microsoft.com/office/powerpoint/2010/main" val="991640943"/>
+        <p14:creationId xmlns:p14="http://schemas.microsoft.com/office/powerpoint/2010/main" val="2507506652"/>
       </p:ext>
     </p:extLst>
   </p:cSld>
@@ -4603,66 +4716,102 @@
             </a:lvl1pPr>
           </a:lstStyle>
           <a:p>
-            <a:endParaRPr lang="en-US" sz="3200" dirty="0"/>
-          </a:p>
-        </p:txBody>
-      </p:sp>
-      <p:sp>
-        <p:nvSpPr>
-          <p:cNvPr id="4" name="Title 2">
+            <a:r>
+              <a:rPr lang="en-US" sz="3200" dirty="0"/>
+              <a:t>What are you trying to learn?</a:t>
+            </a:r>
+          </a:p>
+        </p:txBody>
+      </p:sp>
+      <p:pic>
+        <p:nvPicPr>
+          <p:cNvPr id="5" name="Picture 4">
             <a:extLst>
               <a:ext uri="{FF2B5EF4-FFF2-40B4-BE49-F238E27FC236}">
-                <a16:creationId xmlns:a16="http://schemas.microsoft.com/office/drawing/2014/main" id="{64A60DD7-2174-4D42-E979-F603D905ACBF}"/>
+                <a16:creationId xmlns:a16="http://schemas.microsoft.com/office/drawing/2014/main" id="{9891814B-5B03-7E02-AE35-F8687510BC10}"/>
               </a:ext>
             </a:extLst>
           </p:cNvPr>
-          <p:cNvSpPr txBox="1">
-            <a:spLocks/>
-          </p:cNvSpPr>
+          <p:cNvPicPr>
+            <a:picLocks noChangeAspect="1"/>
+          </p:cNvPicPr>
           <p:nvPr/>
-        </p:nvSpPr>
-        <p:spPr>
-          <a:xfrm>
-            <a:off x="582270" y="458781"/>
-            <a:ext cx="6598728" cy="1143000"/>
-          </a:xfrm>
-          <a:prstGeom prst="rect">
-            <a:avLst/>
-          </a:prstGeom>
-        </p:spPr>
-        <p:txBody>
-          <a:bodyPr>
-            <a:noAutofit/>
+        </p:nvPicPr>
+        <p:blipFill>
+          <a:blip r:embed="rId2"/>
+          <a:stretch>
+            <a:fillRect/>
+          </a:stretch>
+        </p:blipFill>
+        <p:spPr>
+          <a:xfrm>
+            <a:off x="1028701" y="942897"/>
+            <a:ext cx="6417128" cy="4611377"/>
+          </a:xfrm>
+          <a:prstGeom prst="rect">
+            <a:avLst/>
+          </a:prstGeom>
+        </p:spPr>
+      </p:pic>
+      <p:sp>
+        <p:nvSpPr>
+          <p:cNvPr id="6" name="TextBox 5">
+            <a:extLst>
+              <a:ext uri="{FF2B5EF4-FFF2-40B4-BE49-F238E27FC236}">
+                <a16:creationId xmlns:a16="http://schemas.microsoft.com/office/drawing/2014/main" id="{A8D945FA-5FEE-3489-62B2-F3142F074365}"/>
+              </a:ext>
+            </a:extLst>
+          </p:cNvPr>
+          <p:cNvSpPr txBox="1"/>
+          <p:nvPr/>
+        </p:nvSpPr>
+        <p:spPr>
+          <a:xfrm>
+            <a:off x="212271" y="5514993"/>
+            <a:ext cx="4419800" cy="400110"/>
+          </a:xfrm>
+          <a:prstGeom prst="rect">
+            <a:avLst/>
+          </a:prstGeom>
+          <a:noFill/>
+        </p:spPr>
+        <p:txBody>
+          <a:bodyPr wrap="none" rtlCol="0">
+            <a:spAutoFit/>
           </a:bodyPr>
-          <a:lstStyle>
-            <a:lvl1pPr algn="l" defTabSz="342991" rtl="0" eaLnBrk="1" latinLnBrk="0" hangingPunct="1">
-              <a:spcBef>
-                <a:spcPct val="0"/>
-              </a:spcBef>
-              <a:buNone/>
-              <a:defRPr sz="2701" b="1" i="0" kern="1200">
-                <a:solidFill>
-                  <a:srgbClr val="002D50"/>
-                </a:solidFill>
-                <a:latin typeface="Helvetica Neue"/>
-                <a:ea typeface="+mj-ea"/>
-                <a:cs typeface="Helvetica Neue"/>
-              </a:defRPr>
-            </a:lvl1pPr>
-          </a:lstStyle>
-          <a:p>
-            <a:r>
-              <a:rPr lang="en-US" sz="3200" dirty="0" err="1"/>
-              <a:t>Barcharts</a:t>
-            </a:r>
-            <a:endParaRPr lang="en-US" sz="3200" dirty="0"/>
+          <a:lstStyle/>
+          <a:p>
+            <a:r>
+              <a:rPr lang="en-US" sz="1000" dirty="0"/>
+              <a:t>Graphic by Andrew Abela</a:t>
+            </a:r>
+            <a:endParaRPr lang="en-US" sz="1000" u="sng" dirty="0"/>
+          </a:p>
+          <a:p>
+            <a:r>
+              <a:rPr lang="en-US" sz="1000" dirty="0"/>
+              <a:t>https://</a:t>
+            </a:r>
+            <a:r>
+              <a:rPr lang="en-US" sz="1000" dirty="0" err="1"/>
+              <a:t>extremepresentation.typepad.com</a:t>
+            </a:r>
+            <a:r>
+              <a:rPr lang="en-US" sz="1000" dirty="0"/>
+              <a:t>/blog/2006/09/</a:t>
+            </a:r>
+            <a:r>
+              <a:rPr lang="en-US" sz="1000" dirty="0" err="1"/>
+              <a:t>choosing_a_good.html</a:t>
+            </a:r>
+            <a:endParaRPr lang="en-US" sz="1000" dirty="0"/>
           </a:p>
         </p:txBody>
       </p:sp>
     </p:spTree>
     <p:extLst>
       <p:ext uri="{BB962C8B-B14F-4D97-AF65-F5344CB8AC3E}">
-        <p14:creationId xmlns:p14="http://schemas.microsoft.com/office/powerpoint/2010/main" val="622659132"/>
+        <p14:creationId xmlns:p14="http://schemas.microsoft.com/office/powerpoint/2010/main" val="4091258642"/>
       </p:ext>
     </p:extLst>
   </p:cSld>
@@ -4733,65 +4882,105 @@
             </a:lvl1pPr>
           </a:lstStyle>
           <a:p>
-            <a:endParaRPr lang="en-US" sz="3200" dirty="0"/>
-          </a:p>
-        </p:txBody>
-      </p:sp>
-      <p:sp>
-        <p:nvSpPr>
-          <p:cNvPr id="4" name="Title 2">
+            <a:r>
+              <a:rPr lang="en-US" sz="3200" dirty="0"/>
+              <a:t>What are you trying to learn?</a:t>
+            </a:r>
+          </a:p>
+        </p:txBody>
+      </p:sp>
+      <p:sp>
+        <p:nvSpPr>
+          <p:cNvPr id="6" name="TextBox 5">
             <a:extLst>
               <a:ext uri="{FF2B5EF4-FFF2-40B4-BE49-F238E27FC236}">
-                <a16:creationId xmlns:a16="http://schemas.microsoft.com/office/drawing/2014/main" id="{64A60DD7-2174-4D42-E979-F603D905ACBF}"/>
+                <a16:creationId xmlns:a16="http://schemas.microsoft.com/office/drawing/2014/main" id="{A8D945FA-5FEE-3489-62B2-F3142F074365}"/>
               </a:ext>
             </a:extLst>
           </p:cNvPr>
-          <p:cNvSpPr txBox="1">
-            <a:spLocks/>
-          </p:cNvSpPr>
+          <p:cNvSpPr txBox="1"/>
           <p:nvPr/>
         </p:nvSpPr>
         <p:spPr>
           <a:xfrm>
-            <a:off x="582270" y="458781"/>
-            <a:ext cx="6598728" cy="1143000"/>
-          </a:xfrm>
-          <a:prstGeom prst="rect">
-            <a:avLst/>
-          </a:prstGeom>
-        </p:spPr>
-        <p:txBody>
-          <a:bodyPr>
-            <a:noAutofit/>
+            <a:off x="212271" y="5514993"/>
+            <a:ext cx="1758815" cy="400110"/>
+          </a:xfrm>
+          <a:prstGeom prst="rect">
+            <a:avLst/>
+          </a:prstGeom>
+          <a:noFill/>
+        </p:spPr>
+        <p:txBody>
+          <a:bodyPr wrap="none" rtlCol="0">
+            <a:spAutoFit/>
           </a:bodyPr>
-          <a:lstStyle>
-            <a:lvl1pPr algn="l" defTabSz="342991" rtl="0" eaLnBrk="1" latinLnBrk="0" hangingPunct="1">
-              <a:spcBef>
-                <a:spcPct val="0"/>
-              </a:spcBef>
-              <a:buNone/>
-              <a:defRPr sz="2701" b="1" i="0" kern="1200">
-                <a:solidFill>
-                  <a:srgbClr val="002D50"/>
-                </a:solidFill>
-                <a:latin typeface="Helvetica Neue"/>
-                <a:ea typeface="+mj-ea"/>
-                <a:cs typeface="Helvetica Neue"/>
-              </a:defRPr>
-            </a:lvl1pPr>
-          </a:lstStyle>
-          <a:p>
-            <a:r>
-              <a:rPr lang="en-US" sz="3200" dirty="0"/>
-              <a:t>Histograms</a:t>
-            </a:r>
-          </a:p>
-        </p:txBody>
-      </p:sp>
+          <a:lstStyle/>
+          <a:p>
+            <a:r>
+              <a:rPr lang="en-US" sz="1000" dirty="0"/>
+              <a:t>Graphic by Data to Viz</a:t>
+            </a:r>
+            <a:endParaRPr lang="en-US" sz="1000" u="sng" dirty="0"/>
+          </a:p>
+          <a:p>
+            <a:r>
+              <a:rPr lang="en-US" sz="1000" dirty="0"/>
+              <a:t>https://</a:t>
+            </a:r>
+            <a:r>
+              <a:rPr lang="en-US" sz="1000" dirty="0" err="1"/>
+              <a:t>www.data</a:t>
+            </a:r>
+            <a:r>
+              <a:rPr lang="en-US" sz="1000" dirty="0"/>
+              <a:t>-to-</a:t>
+            </a:r>
+            <a:r>
+              <a:rPr lang="en-US" sz="1000" dirty="0" err="1"/>
+              <a:t>viz.com</a:t>
+            </a:r>
+            <a:r>
+              <a:rPr lang="en-US" sz="1000" dirty="0"/>
+              <a:t>/</a:t>
+            </a:r>
+          </a:p>
+        </p:txBody>
+      </p:sp>
+      <p:pic>
+        <p:nvPicPr>
+          <p:cNvPr id="4" name="Picture 3">
+            <a:extLst>
+              <a:ext uri="{FF2B5EF4-FFF2-40B4-BE49-F238E27FC236}">
+                <a16:creationId xmlns:a16="http://schemas.microsoft.com/office/drawing/2014/main" id="{609F97E0-0D75-7ED3-B9B3-9ECE26BF1F11}"/>
+              </a:ext>
+            </a:extLst>
+          </p:cNvPr>
+          <p:cNvPicPr>
+            <a:picLocks noChangeAspect="1"/>
+          </p:cNvPicPr>
+          <p:nvPr/>
+        </p:nvPicPr>
+        <p:blipFill>
+          <a:blip r:embed="rId2"/>
+          <a:stretch>
+            <a:fillRect/>
+          </a:stretch>
+        </p:blipFill>
+        <p:spPr>
+          <a:xfrm>
+            <a:off x="745871" y="942897"/>
+            <a:ext cx="7772400" cy="4375149"/>
+          </a:xfrm>
+          <a:prstGeom prst="rect">
+            <a:avLst/>
+          </a:prstGeom>
+        </p:spPr>
+      </p:pic>
     </p:spTree>
     <p:extLst>
       <p:ext uri="{BB962C8B-B14F-4D97-AF65-F5344CB8AC3E}">
-        <p14:creationId xmlns:p14="http://schemas.microsoft.com/office/powerpoint/2010/main" val="1938592690"/>
+        <p14:creationId xmlns:p14="http://schemas.microsoft.com/office/powerpoint/2010/main" val="3622336025"/>
       </p:ext>
     </p:extLst>
   </p:cSld>
@@ -4864,15 +5053,51 @@
           <a:p>
             <a:r>
               <a:rPr lang="en-US" sz="3200" dirty="0"/>
-              <a:t>Getting creative </a:t>
-            </a:r>
-          </a:p>
-        </p:txBody>
-      </p:sp>
+              <a:t>Basic plots in R</a:t>
+            </a:r>
+          </a:p>
+          <a:p>
+            <a:r>
+              <a:rPr lang="en-US" sz="3200" i="1" dirty="0"/>
+              <a:t>histogram</a:t>
+            </a:r>
+          </a:p>
+        </p:txBody>
+      </p:sp>
+      <p:pic>
+        <p:nvPicPr>
+          <p:cNvPr id="4" name="Picture 3">
+            <a:extLst>
+              <a:ext uri="{FF2B5EF4-FFF2-40B4-BE49-F238E27FC236}">
+                <a16:creationId xmlns:a16="http://schemas.microsoft.com/office/drawing/2014/main" id="{030A57FE-9F18-55C7-86B1-068DA7D8FAEC}"/>
+              </a:ext>
+            </a:extLst>
+          </p:cNvPr>
+          <p:cNvPicPr>
+            <a:picLocks noChangeAspect="1"/>
+          </p:cNvPicPr>
+          <p:nvPr/>
+        </p:nvPicPr>
+        <p:blipFill>
+          <a:blip r:embed="rId2"/>
+          <a:stretch>
+            <a:fillRect/>
+          </a:stretch>
+        </p:blipFill>
+        <p:spPr>
+          <a:xfrm>
+            <a:off x="1387929" y="1612667"/>
+            <a:ext cx="5845629" cy="3992704"/>
+          </a:xfrm>
+          <a:prstGeom prst="rect">
+            <a:avLst/>
+          </a:prstGeom>
+        </p:spPr>
+      </p:pic>
     </p:spTree>
     <p:extLst>
       <p:ext uri="{BB962C8B-B14F-4D97-AF65-F5344CB8AC3E}">
-        <p14:creationId xmlns:p14="http://schemas.microsoft.com/office/powerpoint/2010/main" val="2871798029"/>
+        <p14:creationId xmlns:p14="http://schemas.microsoft.com/office/powerpoint/2010/main" val="2147741963"/>
       </p:ext>
     </p:extLst>
   </p:cSld>
@@ -4901,48 +5126,13 @@
       </p:grpSpPr>
       <p:sp>
         <p:nvSpPr>
-          <p:cNvPr id="10" name="Rectangle 9"/>
-          <p:cNvSpPr/>
-          <p:nvPr/>
-        </p:nvSpPr>
-        <p:spPr>
-          <a:xfrm>
-            <a:off x="-1" y="1330504"/>
-            <a:ext cx="9144001" cy="5527496"/>
-          </a:xfrm>
-          <a:prstGeom prst="rect">
-            <a:avLst/>
-          </a:prstGeom>
-          <a:solidFill>
-            <a:srgbClr val="041E42"/>
-          </a:solidFill>
-        </p:spPr>
-        <p:style>
-          <a:lnRef idx="1">
-            <a:schemeClr val="accent1"/>
-          </a:lnRef>
-          <a:fillRef idx="3">
-            <a:schemeClr val="accent1"/>
-          </a:fillRef>
-          <a:effectRef idx="2">
-            <a:schemeClr val="accent1"/>
-          </a:effectRef>
-          <a:fontRef idx="minor">
-            <a:schemeClr val="lt1"/>
-          </a:fontRef>
-        </p:style>
-        <p:txBody>
-          <a:bodyPr rtlCol="0" anchor="ctr"/>
-          <a:lstStyle/>
-          <a:p>
-            <a:pPr algn="ctr"/>
-            <a:endParaRPr lang="en-US" sz="1350" dirty="0"/>
-          </a:p>
-        </p:txBody>
-      </p:sp>
-      <p:sp>
-        <p:nvSpPr>
-          <p:cNvPr id="8" name="Title 5"/>
+          <p:cNvPr id="2" name="Title 2">
+            <a:extLst>
+              <a:ext uri="{FF2B5EF4-FFF2-40B4-BE49-F238E27FC236}">
+                <a16:creationId xmlns:a16="http://schemas.microsoft.com/office/drawing/2014/main" id="{12BEE06C-3CB4-1A31-1F99-81886307D619}"/>
+              </a:ext>
+            </a:extLst>
+          </p:cNvPr>
           <p:cNvSpPr txBox="1">
             <a:spLocks/>
           </p:cNvSpPr>
@@ -4950,8 +5140,8 @@
         </p:nvSpPr>
         <p:spPr>
           <a:xfrm>
-            <a:off x="383218" y="1477992"/>
-            <a:ext cx="7954732" cy="815898"/>
+            <a:off x="429870" y="306381"/>
+            <a:ext cx="6598728" cy="1143000"/>
           </a:xfrm>
           <a:prstGeom prst="rect">
             <a:avLst/>
@@ -4962,53 +5152,59 @@
             <a:noAutofit/>
           </a:bodyPr>
           <a:lstStyle>
-            <a:lvl1pPr algn="ctr" defTabSz="457200" rtl="0" eaLnBrk="1" latinLnBrk="0" hangingPunct="1">
+            <a:lvl1pPr algn="l" defTabSz="342991" rtl="0" eaLnBrk="1" latinLnBrk="0" hangingPunct="1">
               <a:spcBef>
                 <a:spcPct val="0"/>
               </a:spcBef>
               <a:buNone/>
-              <a:defRPr sz="4200" b="0" i="1" kern="1200">
+              <a:defRPr sz="2701" b="1" i="0" kern="1200">
                 <a:solidFill>
                   <a:srgbClr val="002D50"/>
                 </a:solidFill>
-                <a:latin typeface="Adobe Caslon Pro"/>
+                <a:latin typeface="Helvetica Neue"/>
                 <a:ea typeface="+mj-ea"/>
-                <a:cs typeface="Adobe Caslon Pro"/>
+                <a:cs typeface="Helvetica Neue"/>
               </a:defRPr>
             </a:lvl1pPr>
           </a:lstStyle>
           <a:p>
-            <a:pPr algn="l"/>
-            <a:r>
-              <a:rPr lang="en-US" sz="4051" dirty="0">
-                <a:solidFill>
-                  <a:schemeClr val="bg1"/>
-                </a:solidFill>
-                <a:latin typeface="Helvetica Neue"/>
-                <a:cs typeface="Helvetica Neue"/>
-              </a:rPr>
-              <a:t>Fun with ggplot2</a:t>
+            <a:r>
+              <a:rPr lang="en-US" sz="3200" dirty="0"/>
+              <a:t>Basic plots in R</a:t>
+            </a:r>
+          </a:p>
+          <a:p>
+            <a:r>
+              <a:rPr lang="en-US" sz="3200" i="1" dirty="0"/>
+              <a:t>labeling </a:t>
             </a:r>
           </a:p>
         </p:txBody>
       </p:sp>
       <p:pic>
         <p:nvPicPr>
-          <p:cNvPr id="12" name="Picture 11"/>
+          <p:cNvPr id="4" name="Picture 3">
+            <a:extLst>
+              <a:ext uri="{FF2B5EF4-FFF2-40B4-BE49-F238E27FC236}">
+                <a16:creationId xmlns:a16="http://schemas.microsoft.com/office/drawing/2014/main" id="{062CE835-9C45-C2B7-4A64-58E733143CB0}"/>
+              </a:ext>
+            </a:extLst>
+          </p:cNvPr>
           <p:cNvPicPr>
             <a:picLocks noChangeAspect="1"/>
           </p:cNvPicPr>
           <p:nvPr/>
         </p:nvPicPr>
         <p:blipFill>
-          <a:blip r:embed="rId3"/>
-          <a:srcRect/>
-          <a:stretch/>
+          <a:blip r:embed="rId2"/>
+          <a:stretch>
+            <a:fillRect/>
+          </a:stretch>
         </p:blipFill>
         <p:spPr>
           <a:xfrm>
-            <a:off x="263465" y="398530"/>
-            <a:ext cx="5120827" cy="556906"/>
+            <a:off x="1763485" y="1547868"/>
+            <a:ext cx="5992586" cy="4028996"/>
           </a:xfrm>
           <a:prstGeom prst="rect">
             <a:avLst/>
@@ -5018,7 +5214,7 @@
     </p:spTree>
     <p:extLst>
       <p:ext uri="{BB962C8B-B14F-4D97-AF65-F5344CB8AC3E}">
-        <p14:creationId xmlns:p14="http://schemas.microsoft.com/office/powerpoint/2010/main" val="711495662"/>
+        <p14:creationId xmlns:p14="http://schemas.microsoft.com/office/powerpoint/2010/main" val="3499928977"/>
       </p:ext>
     </p:extLst>
   </p:cSld>
@@ -5091,15 +5287,51 @@
           <a:p>
             <a:r>
               <a:rPr lang="en-US" sz="3200" dirty="0"/>
-              <a:t>What is ggplot2?</a:t>
-            </a:r>
-          </a:p>
-        </p:txBody>
-      </p:sp>
+              <a:t>Basic plots in R</a:t>
+            </a:r>
+          </a:p>
+          <a:p>
+            <a:r>
+              <a:rPr lang="en-US" sz="3200" i="1" dirty="0"/>
+              <a:t>scatterplot</a:t>
+            </a:r>
+          </a:p>
+        </p:txBody>
+      </p:sp>
+      <p:pic>
+        <p:nvPicPr>
+          <p:cNvPr id="9" name="Picture 8">
+            <a:extLst>
+              <a:ext uri="{FF2B5EF4-FFF2-40B4-BE49-F238E27FC236}">
+                <a16:creationId xmlns:a16="http://schemas.microsoft.com/office/drawing/2014/main" id="{546D4978-9768-016A-9937-0BEBCD1CF4A8}"/>
+              </a:ext>
+            </a:extLst>
+          </p:cNvPr>
+          <p:cNvPicPr>
+            <a:picLocks noChangeAspect="1"/>
+          </p:cNvPicPr>
+          <p:nvPr/>
+        </p:nvPicPr>
+        <p:blipFill>
+          <a:blip r:embed="rId2"/>
+          <a:stretch>
+            <a:fillRect/>
+          </a:stretch>
+        </p:blipFill>
+        <p:spPr>
+          <a:xfrm>
+            <a:off x="1632857" y="1449381"/>
+            <a:ext cx="5633357" cy="4022775"/>
+          </a:xfrm>
+          <a:prstGeom prst="rect">
+            <a:avLst/>
+          </a:prstGeom>
+        </p:spPr>
+      </p:pic>
     </p:spTree>
     <p:extLst>
       <p:ext uri="{BB962C8B-B14F-4D97-AF65-F5344CB8AC3E}">
-        <p14:creationId xmlns:p14="http://schemas.microsoft.com/office/powerpoint/2010/main" val="939007962"/>
+        <p14:creationId xmlns:p14="http://schemas.microsoft.com/office/powerpoint/2010/main" val="500713563"/>
       </p:ext>
     </p:extLst>
   </p:cSld>
@@ -5172,20 +5404,99 @@
           <a:p>
             <a:r>
               <a:rPr lang="en-US" sz="3200" dirty="0"/>
-              <a:t>The </a:t>
-            </a:r>
-            <a:r>
-              <a:rPr lang="en-US" sz="3200" dirty="0" err="1"/>
-              <a:t>tidyverse</a:t>
-            </a:r>
-            <a:endParaRPr lang="en-US" sz="3200" dirty="0"/>
+              <a:t>Exporting plots from RStudio</a:t>
+            </a:r>
+          </a:p>
+        </p:txBody>
+      </p:sp>
+      <p:pic>
+        <p:nvPicPr>
+          <p:cNvPr id="4" name="Picture 3">
+            <a:extLst>
+              <a:ext uri="{FF2B5EF4-FFF2-40B4-BE49-F238E27FC236}">
+                <a16:creationId xmlns:a16="http://schemas.microsoft.com/office/drawing/2014/main" id="{08159F5E-43C1-C2D1-6262-FF3C87098728}"/>
+              </a:ext>
+            </a:extLst>
+          </p:cNvPr>
+          <p:cNvPicPr>
+            <a:picLocks noChangeAspect="1"/>
+          </p:cNvPicPr>
+          <p:nvPr/>
+        </p:nvPicPr>
+        <p:blipFill>
+          <a:blip r:embed="rId2"/>
+          <a:stretch>
+            <a:fillRect/>
+          </a:stretch>
+        </p:blipFill>
+        <p:spPr>
+          <a:xfrm>
+            <a:off x="1445079" y="1449381"/>
+            <a:ext cx="5461907" cy="4142187"/>
+          </a:xfrm>
+          <a:prstGeom prst="rect">
+            <a:avLst/>
+          </a:prstGeom>
+        </p:spPr>
+      </p:pic>
+      <p:sp>
+        <p:nvSpPr>
+          <p:cNvPr id="5" name="Oval 4">
+            <a:extLst>
+              <a:ext uri="{FF2B5EF4-FFF2-40B4-BE49-F238E27FC236}">
+                <a16:creationId xmlns:a16="http://schemas.microsoft.com/office/drawing/2014/main" id="{4FE5D7DE-C36F-2526-504A-29765E94A7A1}"/>
+              </a:ext>
+            </a:extLst>
+          </p:cNvPr>
+          <p:cNvSpPr/>
+          <p:nvPr/>
+        </p:nvSpPr>
+        <p:spPr>
+          <a:xfrm>
+            <a:off x="2684206" y="1681842"/>
+            <a:ext cx="1045028" cy="457201"/>
+          </a:xfrm>
+          <a:prstGeom prst="ellipse">
+            <a:avLst/>
+          </a:prstGeom>
+          <a:noFill/>
+          <a:ln w="76200">
+            <a:solidFill>
+              <a:schemeClr val="accent6">
+                <a:lumMod val="75000"/>
+                <a:lumOff val="25000"/>
+              </a:schemeClr>
+            </a:solidFill>
+          </a:ln>
+          <a:effectLst/>
+        </p:spPr>
+        <p:style>
+          <a:lnRef idx="1">
+            <a:schemeClr val="accent1"/>
+          </a:lnRef>
+          <a:fillRef idx="3">
+            <a:schemeClr val="accent1"/>
+          </a:fillRef>
+          <a:effectRef idx="2">
+            <a:schemeClr val="accent1"/>
+          </a:effectRef>
+          <a:fontRef idx="minor">
+            <a:schemeClr val="lt1"/>
+          </a:fontRef>
+        </p:style>
+        <p:txBody>
+          <a:bodyPr rtlCol="0" anchor="ctr"/>
+          <a:lstStyle/>
+          <a:p>
+            <a:pPr algn="ctr"/>
+            <a:endParaRPr lang="en-US"/>
           </a:p>
         </p:txBody>
       </p:sp>
     </p:spTree>
     <p:extLst>
       <p:ext uri="{BB962C8B-B14F-4D97-AF65-F5344CB8AC3E}">
-        <p14:creationId xmlns:p14="http://schemas.microsoft.com/office/powerpoint/2010/main" val="2614115046"/>
+        <p14:creationId xmlns:p14="http://schemas.microsoft.com/office/powerpoint/2010/main" val="4129198636"/>
       </p:ext>
     </p:extLst>
   </p:cSld>
@@ -5228,8 +5539,8 @@
         </p:nvSpPr>
         <p:spPr>
           <a:xfrm>
-            <a:off x="429870" y="306380"/>
-            <a:ext cx="7914030" cy="1587733"/>
+            <a:off x="429870" y="306381"/>
+            <a:ext cx="6598728" cy="1143000"/>
           </a:xfrm>
           <a:prstGeom prst="rect">
             <a:avLst/>
@@ -5258,78 +5569,266 @@
           <a:p>
             <a:r>
               <a:rPr lang="en-US" sz="3200" dirty="0"/>
-              <a:t>Thank you!</a:t>
-            </a:r>
-          </a:p>
-          <a:p>
-            <a:endParaRPr lang="en-US" sz="3200" dirty="0"/>
-          </a:p>
-          <a:p>
-            <a:r>
-              <a:rPr lang="en-US" sz="3200" dirty="0"/>
-              <a:t>See you tomorrow.</a:t>
-            </a:r>
-          </a:p>
-          <a:p>
-            <a:r>
-              <a:rPr lang="en-US" sz="2400" i="1" dirty="0"/>
-              <a:t>Please come with a fully charged laptop.</a:t>
-            </a:r>
-          </a:p>
-          <a:p>
-            <a:endParaRPr lang="en-US" sz="3200" dirty="0"/>
-          </a:p>
-          <a:p>
-            <a:endParaRPr lang="en-US" sz="1800" b="0" dirty="0"/>
-          </a:p>
-          <a:p>
-            <a:endParaRPr lang="en-US" sz="1800" b="0" dirty="0"/>
-          </a:p>
-          <a:p>
-            <a:endParaRPr lang="en-US" sz="1800" b="0" dirty="0"/>
-          </a:p>
-          <a:p>
-            <a:endParaRPr lang="en-US" sz="1800" b="0" dirty="0"/>
-          </a:p>
-          <a:p>
-            <a:endParaRPr lang="en-US" sz="1800" b="0" dirty="0"/>
-          </a:p>
-          <a:p>
-            <a:endParaRPr lang="en-US" sz="1800" b="0" dirty="0"/>
-          </a:p>
-          <a:p>
-            <a:endParaRPr lang="en-US" sz="1800" b="0" dirty="0"/>
-          </a:p>
-          <a:p>
-            <a:endParaRPr lang="en-US" sz="1800" b="0" dirty="0"/>
-          </a:p>
-          <a:p>
-            <a:r>
-              <a:rPr lang="en-US" sz="1600" b="0" dirty="0"/>
-              <a:t>Lecture and course material adapted from Intro to R materials created by Alex Douglas, available online </a:t>
-            </a:r>
-            <a:r>
-              <a:rPr lang="en-US" sz="1600" b="0" dirty="0">
-                <a:hlinkClick r:id="rId2"/>
-              </a:rPr>
-              <a:t>here</a:t>
-            </a:r>
-            <a:r>
-              <a:rPr lang="en-US" sz="1600" b="0" dirty="0"/>
-              <a:t>, with corresponding free online textbook.</a:t>
-            </a:r>
-          </a:p>
-          <a:p>
-            <a:endParaRPr lang="en-US" sz="1800" b="0" dirty="0"/>
-          </a:p>
-        </p:txBody>
-      </p:sp>
-      <p:sp>
-        <p:nvSpPr>
-          <p:cNvPr id="3" name="TextBox 2">
+              <a:t>Exporting plots from RStudio</a:t>
+            </a:r>
+          </a:p>
+        </p:txBody>
+      </p:sp>
+      <p:pic>
+        <p:nvPicPr>
+          <p:cNvPr id="6" name="Picture 5">
             <a:extLst>
               <a:ext uri="{FF2B5EF4-FFF2-40B4-BE49-F238E27FC236}">
-                <a16:creationId xmlns:a16="http://schemas.microsoft.com/office/drawing/2014/main" id="{90953270-FC82-8F69-DD7E-DA9BB724AB36}"/>
+                <a16:creationId xmlns:a16="http://schemas.microsoft.com/office/drawing/2014/main" id="{6E8EF685-415F-F6DD-FD5D-4366DDE38733}"/>
+              </a:ext>
+            </a:extLst>
+          </p:cNvPr>
+          <p:cNvPicPr>
+            <a:picLocks noChangeAspect="1"/>
+          </p:cNvPicPr>
+          <p:nvPr/>
+        </p:nvPicPr>
+        <p:blipFill>
+          <a:blip r:embed="rId2"/>
+          <a:stretch>
+            <a:fillRect/>
+          </a:stretch>
+        </p:blipFill>
+        <p:spPr>
+          <a:xfrm>
+            <a:off x="1253272" y="1140393"/>
+            <a:ext cx="6218042" cy="4329678"/>
+          </a:xfrm>
+          <a:prstGeom prst="rect">
+            <a:avLst/>
+          </a:prstGeom>
+        </p:spPr>
+      </p:pic>
+      <p:sp>
+        <p:nvSpPr>
+          <p:cNvPr id="5" name="Oval 4">
+            <a:extLst>
+              <a:ext uri="{FF2B5EF4-FFF2-40B4-BE49-F238E27FC236}">
+                <a16:creationId xmlns:a16="http://schemas.microsoft.com/office/drawing/2014/main" id="{4FE5D7DE-C36F-2526-504A-29765E94A7A1}"/>
+              </a:ext>
+            </a:extLst>
+          </p:cNvPr>
+          <p:cNvSpPr/>
+          <p:nvPr/>
+        </p:nvSpPr>
+        <p:spPr>
+          <a:xfrm>
+            <a:off x="2455606" y="1449381"/>
+            <a:ext cx="2116394" cy="643684"/>
+          </a:xfrm>
+          <a:prstGeom prst="ellipse">
+            <a:avLst/>
+          </a:prstGeom>
+          <a:noFill/>
+          <a:ln w="76200">
+            <a:solidFill>
+              <a:schemeClr val="accent6">
+                <a:lumMod val="10000"/>
+                <a:lumOff val="90000"/>
+              </a:schemeClr>
+            </a:solidFill>
+          </a:ln>
+          <a:effectLst/>
+        </p:spPr>
+        <p:style>
+          <a:lnRef idx="1">
+            <a:schemeClr val="accent1"/>
+          </a:lnRef>
+          <a:fillRef idx="3">
+            <a:schemeClr val="accent1"/>
+          </a:fillRef>
+          <a:effectRef idx="2">
+            <a:schemeClr val="accent1"/>
+          </a:effectRef>
+          <a:fontRef idx="minor">
+            <a:schemeClr val="lt1"/>
+          </a:fontRef>
+        </p:style>
+        <p:txBody>
+          <a:bodyPr rtlCol="0" anchor="ctr"/>
+          <a:lstStyle/>
+          <a:p>
+            <a:pPr algn="ctr"/>
+            <a:endParaRPr lang="en-US"/>
+          </a:p>
+        </p:txBody>
+      </p:sp>
+    </p:spTree>
+    <p:extLst>
+      <p:ext uri="{BB962C8B-B14F-4D97-AF65-F5344CB8AC3E}">
+        <p14:creationId xmlns:p14="http://schemas.microsoft.com/office/powerpoint/2010/main" val="2501297589"/>
+      </p:ext>
+    </p:extLst>
+  </p:cSld>
+  <p:clrMapOvr>
+    <a:masterClrMapping/>
+  </p:clrMapOvr>
+</p:sld>
+</file>
+
+<file path=ppt/slides/slide18.xml><?xml version="1.0" encoding="utf-8"?>
+<p:sld xmlns:a="http://schemas.openxmlformats.org/drawingml/2006/main" xmlns:r="http://schemas.openxmlformats.org/officeDocument/2006/relationships" xmlns:p="http://schemas.openxmlformats.org/presentationml/2006/main">
+  <p:cSld>
+    <p:spTree>
+      <p:nvGrpSpPr>
+        <p:cNvPr id="1" name=""/>
+        <p:cNvGrpSpPr/>
+        <p:nvPr/>
+      </p:nvGrpSpPr>
+      <p:grpSpPr>
+        <a:xfrm>
+          <a:off x="0" y="0"/>
+          <a:ext cx="0" cy="0"/>
+          <a:chOff x="0" y="0"/>
+          <a:chExt cx="0" cy="0"/>
+        </a:xfrm>
+      </p:grpSpPr>
+      <p:sp>
+        <p:nvSpPr>
+          <p:cNvPr id="2" name="Title 2">
+            <a:extLst>
+              <a:ext uri="{FF2B5EF4-FFF2-40B4-BE49-F238E27FC236}">
+                <a16:creationId xmlns:a16="http://schemas.microsoft.com/office/drawing/2014/main" id="{12BEE06C-3CB4-1A31-1F99-81886307D619}"/>
+              </a:ext>
+            </a:extLst>
+          </p:cNvPr>
+          <p:cNvSpPr txBox="1">
+            <a:spLocks/>
+          </p:cNvSpPr>
+          <p:nvPr/>
+        </p:nvSpPr>
+        <p:spPr>
+          <a:xfrm>
+            <a:off x="429870" y="306381"/>
+            <a:ext cx="6598728" cy="1143000"/>
+          </a:xfrm>
+          <a:prstGeom prst="rect">
+            <a:avLst/>
+          </a:prstGeom>
+        </p:spPr>
+        <p:txBody>
+          <a:bodyPr>
+            <a:noAutofit/>
+          </a:bodyPr>
+          <a:lstStyle>
+            <a:lvl1pPr algn="l" defTabSz="342991" rtl="0" eaLnBrk="1" latinLnBrk="0" hangingPunct="1">
+              <a:spcBef>
+                <a:spcPct val="0"/>
+              </a:spcBef>
+              <a:buNone/>
+              <a:defRPr sz="2701" b="1" i="0" kern="1200">
+                <a:solidFill>
+                  <a:srgbClr val="002D50"/>
+                </a:solidFill>
+                <a:latin typeface="Helvetica Neue"/>
+                <a:ea typeface="+mj-ea"/>
+                <a:cs typeface="Helvetica Neue"/>
+              </a:defRPr>
+            </a:lvl1pPr>
+          </a:lstStyle>
+          <a:p>
+            <a:r>
+              <a:rPr lang="en-US" sz="3200" dirty="0"/>
+              <a:t>Exporting plots from RStudio</a:t>
+            </a:r>
+          </a:p>
+        </p:txBody>
+      </p:sp>
+      <p:pic>
+        <p:nvPicPr>
+          <p:cNvPr id="4" name="Picture 3">
+            <a:extLst>
+              <a:ext uri="{FF2B5EF4-FFF2-40B4-BE49-F238E27FC236}">
+                <a16:creationId xmlns:a16="http://schemas.microsoft.com/office/drawing/2014/main" id="{88BA4FB7-7302-E0E4-8C9B-82971EC8BB12}"/>
+              </a:ext>
+            </a:extLst>
+          </p:cNvPr>
+          <p:cNvPicPr>
+            <a:picLocks noChangeAspect="1"/>
+          </p:cNvPicPr>
+          <p:nvPr/>
+        </p:nvPicPr>
+        <p:blipFill>
+          <a:blip r:embed="rId2"/>
+          <a:stretch>
+            <a:fillRect/>
+          </a:stretch>
+        </p:blipFill>
+        <p:spPr>
+          <a:xfrm>
+            <a:off x="2167962" y="1130057"/>
+            <a:ext cx="4808075" cy="4597886"/>
+          </a:xfrm>
+          <a:prstGeom prst="rect">
+            <a:avLst/>
+          </a:prstGeom>
+        </p:spPr>
+      </p:pic>
+      <p:sp>
+        <p:nvSpPr>
+          <p:cNvPr id="7" name="Oval 6">
+            <a:extLst>
+              <a:ext uri="{FF2B5EF4-FFF2-40B4-BE49-F238E27FC236}">
+                <a16:creationId xmlns:a16="http://schemas.microsoft.com/office/drawing/2014/main" id="{5A69257F-8797-3B96-F39F-0E9359D56484}"/>
+              </a:ext>
+            </a:extLst>
+          </p:cNvPr>
+          <p:cNvSpPr/>
+          <p:nvPr/>
+        </p:nvSpPr>
+        <p:spPr>
+          <a:xfrm>
+            <a:off x="2684206" y="1681842"/>
+            <a:ext cx="1045028" cy="457201"/>
+          </a:xfrm>
+          <a:prstGeom prst="ellipse">
+            <a:avLst/>
+          </a:prstGeom>
+          <a:noFill/>
+          <a:ln w="76200">
+            <a:solidFill>
+              <a:schemeClr val="accent6">
+                <a:lumMod val="75000"/>
+                <a:lumOff val="25000"/>
+              </a:schemeClr>
+            </a:solidFill>
+          </a:ln>
+          <a:effectLst/>
+        </p:spPr>
+        <p:style>
+          <a:lnRef idx="1">
+            <a:schemeClr val="accent1"/>
+          </a:lnRef>
+          <a:fillRef idx="3">
+            <a:schemeClr val="accent1"/>
+          </a:fillRef>
+          <a:effectRef idx="2">
+            <a:schemeClr val="accent1"/>
+          </a:effectRef>
+          <a:fontRef idx="minor">
+            <a:schemeClr val="lt1"/>
+          </a:fontRef>
+        </p:style>
+        <p:txBody>
+          <a:bodyPr rtlCol="0" anchor="ctr"/>
+          <a:lstStyle/>
+          <a:p>
+            <a:pPr algn="ctr"/>
+            <a:endParaRPr lang="en-US"/>
+          </a:p>
+        </p:txBody>
+      </p:sp>
+      <p:sp>
+        <p:nvSpPr>
+          <p:cNvPr id="8" name="TextBox 7">
+            <a:extLst>
+              <a:ext uri="{FF2B5EF4-FFF2-40B4-BE49-F238E27FC236}">
+                <a16:creationId xmlns:a16="http://schemas.microsoft.com/office/drawing/2014/main" id="{B6FFBE20-A358-5495-F4B2-B0A127556307}"/>
               </a:ext>
             </a:extLst>
           </p:cNvPr>
@@ -5338,8 +5837,8 @@
         </p:nvSpPr>
         <p:spPr>
           <a:xfrm>
-            <a:off x="930729" y="832757"/>
-            <a:ext cx="184731" cy="369332"/>
+            <a:off x="3544813" y="2088391"/>
+            <a:ext cx="1807822" cy="369332"/>
           </a:xfrm>
           <a:prstGeom prst="rect">
             <a:avLst/>
@@ -5347,19 +5846,236 @@
           <a:noFill/>
         </p:spPr>
         <p:txBody>
-          <a:bodyPr wrap="none" rtlCol="0">
+          <a:bodyPr wrap="square" rtlCol="0">
             <a:spAutoFit/>
           </a:bodyPr>
           <a:lstStyle/>
           <a:p>
-            <a:endParaRPr lang="en-US" dirty="0"/>
+            <a:pPr algn="ctr"/>
+            <a:r>
+              <a:rPr lang="en-US" dirty="0">
+                <a:solidFill>
+                  <a:schemeClr val="accent5">
+                    <a:lumMod val="75000"/>
+                  </a:schemeClr>
+                </a:solidFill>
+              </a:rPr>
+              <a:t>Name your file</a:t>
+            </a:r>
           </a:p>
         </p:txBody>
       </p:sp>
     </p:spTree>
     <p:extLst>
       <p:ext uri="{BB962C8B-B14F-4D97-AF65-F5344CB8AC3E}">
-        <p14:creationId xmlns:p14="http://schemas.microsoft.com/office/powerpoint/2010/main" val="1064813303"/>
+        <p14:creationId xmlns:p14="http://schemas.microsoft.com/office/powerpoint/2010/main" val="2530619488"/>
+      </p:ext>
+    </p:extLst>
+  </p:cSld>
+  <p:clrMapOvr>
+    <a:masterClrMapping/>
+  </p:clrMapOvr>
+</p:sld>
+</file>
+
+<file path=ppt/slides/slide19.xml><?xml version="1.0" encoding="utf-8"?>
+<p:sld xmlns:a="http://schemas.openxmlformats.org/drawingml/2006/main" xmlns:r="http://schemas.openxmlformats.org/officeDocument/2006/relationships" xmlns:p="http://schemas.openxmlformats.org/presentationml/2006/main">
+  <p:cSld>
+    <p:spTree>
+      <p:nvGrpSpPr>
+        <p:cNvPr id="1" name=""/>
+        <p:cNvGrpSpPr/>
+        <p:nvPr/>
+      </p:nvGrpSpPr>
+      <p:grpSpPr>
+        <a:xfrm>
+          <a:off x="0" y="0"/>
+          <a:ext cx="0" cy="0"/>
+          <a:chOff x="0" y="0"/>
+          <a:chExt cx="0" cy="0"/>
+        </a:xfrm>
+      </p:grpSpPr>
+      <p:sp>
+        <p:nvSpPr>
+          <p:cNvPr id="2" name="Title 2">
+            <a:extLst>
+              <a:ext uri="{FF2B5EF4-FFF2-40B4-BE49-F238E27FC236}">
+                <a16:creationId xmlns:a16="http://schemas.microsoft.com/office/drawing/2014/main" id="{12BEE06C-3CB4-1A31-1F99-81886307D619}"/>
+              </a:ext>
+            </a:extLst>
+          </p:cNvPr>
+          <p:cNvSpPr txBox="1">
+            <a:spLocks/>
+          </p:cNvSpPr>
+          <p:nvPr/>
+        </p:nvSpPr>
+        <p:spPr>
+          <a:xfrm>
+            <a:off x="429870" y="306381"/>
+            <a:ext cx="6598728" cy="1143000"/>
+          </a:xfrm>
+          <a:prstGeom prst="rect">
+            <a:avLst/>
+          </a:prstGeom>
+        </p:spPr>
+        <p:txBody>
+          <a:bodyPr>
+            <a:noAutofit/>
+          </a:bodyPr>
+          <a:lstStyle>
+            <a:lvl1pPr algn="l" defTabSz="342991" rtl="0" eaLnBrk="1" latinLnBrk="0" hangingPunct="1">
+              <a:spcBef>
+                <a:spcPct val="0"/>
+              </a:spcBef>
+              <a:buNone/>
+              <a:defRPr sz="2701" b="1" i="0" kern="1200">
+                <a:solidFill>
+                  <a:srgbClr val="002D50"/>
+                </a:solidFill>
+                <a:latin typeface="Helvetica Neue"/>
+                <a:ea typeface="+mj-ea"/>
+                <a:cs typeface="Helvetica Neue"/>
+              </a:defRPr>
+            </a:lvl1pPr>
+          </a:lstStyle>
+          <a:p>
+            <a:r>
+              <a:rPr lang="en-US" sz="3200" dirty="0"/>
+              <a:t>Exporting plots from RStudio</a:t>
+            </a:r>
+          </a:p>
+        </p:txBody>
+      </p:sp>
+      <p:pic>
+        <p:nvPicPr>
+          <p:cNvPr id="4" name="Picture 3">
+            <a:extLst>
+              <a:ext uri="{FF2B5EF4-FFF2-40B4-BE49-F238E27FC236}">
+                <a16:creationId xmlns:a16="http://schemas.microsoft.com/office/drawing/2014/main" id="{88BA4FB7-7302-E0E4-8C9B-82971EC8BB12}"/>
+              </a:ext>
+            </a:extLst>
+          </p:cNvPr>
+          <p:cNvPicPr>
+            <a:picLocks noChangeAspect="1"/>
+          </p:cNvPicPr>
+          <p:nvPr/>
+        </p:nvPicPr>
+        <p:blipFill>
+          <a:blip r:embed="rId2"/>
+          <a:stretch>
+            <a:fillRect/>
+          </a:stretch>
+        </p:blipFill>
+        <p:spPr>
+          <a:xfrm>
+            <a:off x="2167962" y="1130057"/>
+            <a:ext cx="4808075" cy="4597886"/>
+          </a:xfrm>
+          <a:prstGeom prst="rect">
+            <a:avLst/>
+          </a:prstGeom>
+        </p:spPr>
+      </p:pic>
+      <p:sp>
+        <p:nvSpPr>
+          <p:cNvPr id="7" name="Oval 6">
+            <a:extLst>
+              <a:ext uri="{FF2B5EF4-FFF2-40B4-BE49-F238E27FC236}">
+                <a16:creationId xmlns:a16="http://schemas.microsoft.com/office/drawing/2014/main" id="{5A69257F-8797-3B96-F39F-0E9359D56484}"/>
+              </a:ext>
+            </a:extLst>
+          </p:cNvPr>
+          <p:cNvSpPr/>
+          <p:nvPr/>
+        </p:nvSpPr>
+        <p:spPr>
+          <a:xfrm>
+            <a:off x="2880148" y="1447953"/>
+            <a:ext cx="2720551" cy="457201"/>
+          </a:xfrm>
+          <a:prstGeom prst="ellipse">
+            <a:avLst/>
+          </a:prstGeom>
+          <a:noFill/>
+          <a:ln w="76200">
+            <a:solidFill>
+              <a:schemeClr val="accent6">
+                <a:lumMod val="75000"/>
+                <a:lumOff val="25000"/>
+              </a:schemeClr>
+            </a:solidFill>
+          </a:ln>
+          <a:effectLst/>
+        </p:spPr>
+        <p:style>
+          <a:lnRef idx="1">
+            <a:schemeClr val="accent1"/>
+          </a:lnRef>
+          <a:fillRef idx="3">
+            <a:schemeClr val="accent1"/>
+          </a:fillRef>
+          <a:effectRef idx="2">
+            <a:schemeClr val="accent1"/>
+          </a:effectRef>
+          <a:fontRef idx="minor">
+            <a:schemeClr val="lt1"/>
+          </a:fontRef>
+        </p:style>
+        <p:txBody>
+          <a:bodyPr rtlCol="0" anchor="ctr"/>
+          <a:lstStyle/>
+          <a:p>
+            <a:pPr algn="ctr"/>
+            <a:endParaRPr lang="en-US"/>
+          </a:p>
+        </p:txBody>
+      </p:sp>
+      <p:sp>
+        <p:nvSpPr>
+          <p:cNvPr id="8" name="TextBox 7">
+            <a:extLst>
+              <a:ext uri="{FF2B5EF4-FFF2-40B4-BE49-F238E27FC236}">
+                <a16:creationId xmlns:a16="http://schemas.microsoft.com/office/drawing/2014/main" id="{B6FFBE20-A358-5495-F4B2-B0A127556307}"/>
+              </a:ext>
+            </a:extLst>
+          </p:cNvPr>
+          <p:cNvSpPr txBox="1"/>
+          <p:nvPr/>
+        </p:nvSpPr>
+        <p:spPr>
+          <a:xfrm>
+            <a:off x="6976037" y="753938"/>
+            <a:ext cx="1807822" cy="923330"/>
+          </a:xfrm>
+          <a:prstGeom prst="rect">
+            <a:avLst/>
+          </a:prstGeom>
+          <a:noFill/>
+        </p:spPr>
+        <p:txBody>
+          <a:bodyPr wrap="square" rtlCol="0">
+            <a:spAutoFit/>
+          </a:bodyPr>
+          <a:lstStyle/>
+          <a:p>
+            <a:pPr algn="ctr"/>
+            <a:r>
+              <a:rPr lang="en-US" dirty="0">
+                <a:solidFill>
+                  <a:schemeClr val="accent5">
+                    <a:lumMod val="75000"/>
+                  </a:schemeClr>
+                </a:solidFill>
+              </a:rPr>
+              <a:t>Specify where you want to save the file</a:t>
+            </a:r>
+          </a:p>
+        </p:txBody>
+      </p:sp>
+    </p:spTree>
+    <p:extLst>
+      <p:ext uri="{BB962C8B-B14F-4D97-AF65-F5344CB8AC3E}">
+        <p14:creationId xmlns:p14="http://schemas.microsoft.com/office/powerpoint/2010/main" val="2491453275"/>
       </p:ext>
     </p:extLst>
   </p:cSld>
@@ -5584,7 +6300,571 @@
 </p:sld>
 </file>
 
-<file path=ppt/slides/slide3.xml><?xml version="1.0" encoding="utf-8"?>
+<file path=ppt/slides/slide20.xml><?xml version="1.0" encoding="utf-8"?>
+<p:sld xmlns:a="http://schemas.openxmlformats.org/drawingml/2006/main" xmlns:r="http://schemas.openxmlformats.org/officeDocument/2006/relationships" xmlns:p="http://schemas.openxmlformats.org/presentationml/2006/main">
+  <p:cSld>
+    <p:spTree>
+      <p:nvGrpSpPr>
+        <p:cNvPr id="1" name=""/>
+        <p:cNvGrpSpPr/>
+        <p:nvPr/>
+      </p:nvGrpSpPr>
+      <p:grpSpPr>
+        <a:xfrm>
+          <a:off x="0" y="0"/>
+          <a:ext cx="0" cy="0"/>
+          <a:chOff x="0" y="0"/>
+          <a:chExt cx="0" cy="0"/>
+        </a:xfrm>
+      </p:grpSpPr>
+      <p:sp>
+        <p:nvSpPr>
+          <p:cNvPr id="2" name="Title 2">
+            <a:extLst>
+              <a:ext uri="{FF2B5EF4-FFF2-40B4-BE49-F238E27FC236}">
+                <a16:creationId xmlns:a16="http://schemas.microsoft.com/office/drawing/2014/main" id="{12BEE06C-3CB4-1A31-1F99-81886307D619}"/>
+              </a:ext>
+            </a:extLst>
+          </p:cNvPr>
+          <p:cNvSpPr txBox="1">
+            <a:spLocks/>
+          </p:cNvSpPr>
+          <p:nvPr/>
+        </p:nvSpPr>
+        <p:spPr>
+          <a:xfrm>
+            <a:off x="429870" y="306381"/>
+            <a:ext cx="6598728" cy="1143000"/>
+          </a:xfrm>
+          <a:prstGeom prst="rect">
+            <a:avLst/>
+          </a:prstGeom>
+        </p:spPr>
+        <p:txBody>
+          <a:bodyPr>
+            <a:noAutofit/>
+          </a:bodyPr>
+          <a:lstStyle>
+            <a:lvl1pPr algn="l" defTabSz="342991" rtl="0" eaLnBrk="1" latinLnBrk="0" hangingPunct="1">
+              <a:spcBef>
+                <a:spcPct val="0"/>
+              </a:spcBef>
+              <a:buNone/>
+              <a:defRPr sz="2701" b="1" i="0" kern="1200">
+                <a:solidFill>
+                  <a:srgbClr val="002D50"/>
+                </a:solidFill>
+                <a:latin typeface="Helvetica Neue"/>
+                <a:ea typeface="+mj-ea"/>
+                <a:cs typeface="Helvetica Neue"/>
+              </a:defRPr>
+            </a:lvl1pPr>
+          </a:lstStyle>
+          <a:p>
+            <a:r>
+              <a:rPr lang="en-US" sz="3200" dirty="0"/>
+              <a:t>Exporting plots from RStudio</a:t>
+            </a:r>
+          </a:p>
+        </p:txBody>
+      </p:sp>
+      <p:pic>
+        <p:nvPicPr>
+          <p:cNvPr id="4" name="Picture 3">
+            <a:extLst>
+              <a:ext uri="{FF2B5EF4-FFF2-40B4-BE49-F238E27FC236}">
+                <a16:creationId xmlns:a16="http://schemas.microsoft.com/office/drawing/2014/main" id="{88BA4FB7-7302-E0E4-8C9B-82971EC8BB12}"/>
+              </a:ext>
+            </a:extLst>
+          </p:cNvPr>
+          <p:cNvPicPr>
+            <a:picLocks noChangeAspect="1"/>
+          </p:cNvPicPr>
+          <p:nvPr/>
+        </p:nvPicPr>
+        <p:blipFill>
+          <a:blip r:embed="rId2"/>
+          <a:stretch>
+            <a:fillRect/>
+          </a:stretch>
+        </p:blipFill>
+        <p:spPr>
+          <a:xfrm>
+            <a:off x="2167962" y="1130057"/>
+            <a:ext cx="4808075" cy="4597886"/>
+          </a:xfrm>
+          <a:prstGeom prst="rect">
+            <a:avLst/>
+          </a:prstGeom>
+        </p:spPr>
+      </p:pic>
+      <p:sp>
+        <p:nvSpPr>
+          <p:cNvPr id="7" name="Oval 6">
+            <a:extLst>
+              <a:ext uri="{FF2B5EF4-FFF2-40B4-BE49-F238E27FC236}">
+                <a16:creationId xmlns:a16="http://schemas.microsoft.com/office/drawing/2014/main" id="{5A69257F-8797-3B96-F39F-0E9359D56484}"/>
+              </a:ext>
+            </a:extLst>
+          </p:cNvPr>
+          <p:cNvSpPr/>
+          <p:nvPr/>
+        </p:nvSpPr>
+        <p:spPr>
+          <a:xfrm>
+            <a:off x="6194848" y="4931230"/>
+            <a:ext cx="1045028" cy="587828"/>
+          </a:xfrm>
+          <a:prstGeom prst="ellipse">
+            <a:avLst/>
+          </a:prstGeom>
+          <a:noFill/>
+          <a:ln w="76200">
+            <a:solidFill>
+              <a:schemeClr val="accent6">
+                <a:lumMod val="75000"/>
+                <a:lumOff val="25000"/>
+              </a:schemeClr>
+            </a:solidFill>
+          </a:ln>
+          <a:effectLst/>
+        </p:spPr>
+        <p:style>
+          <a:lnRef idx="1">
+            <a:schemeClr val="accent1"/>
+          </a:lnRef>
+          <a:fillRef idx="3">
+            <a:schemeClr val="accent1"/>
+          </a:fillRef>
+          <a:effectRef idx="2">
+            <a:schemeClr val="accent1"/>
+          </a:effectRef>
+          <a:fontRef idx="minor">
+            <a:schemeClr val="lt1"/>
+          </a:fontRef>
+        </p:style>
+        <p:txBody>
+          <a:bodyPr rtlCol="0" anchor="ctr"/>
+          <a:lstStyle/>
+          <a:p>
+            <a:pPr algn="ctr"/>
+            <a:endParaRPr lang="en-US"/>
+          </a:p>
+        </p:txBody>
+      </p:sp>
+      <p:sp>
+        <p:nvSpPr>
+          <p:cNvPr id="8" name="TextBox 7">
+            <a:extLst>
+              <a:ext uri="{FF2B5EF4-FFF2-40B4-BE49-F238E27FC236}">
+                <a16:creationId xmlns:a16="http://schemas.microsoft.com/office/drawing/2014/main" id="{B6FFBE20-A358-5495-F4B2-B0A127556307}"/>
+              </a:ext>
+            </a:extLst>
+          </p:cNvPr>
+          <p:cNvSpPr txBox="1"/>
+          <p:nvPr/>
+        </p:nvSpPr>
+        <p:spPr>
+          <a:xfrm>
+            <a:off x="6976037" y="4334726"/>
+            <a:ext cx="1807822" cy="646331"/>
+          </a:xfrm>
+          <a:prstGeom prst="rect">
+            <a:avLst/>
+          </a:prstGeom>
+          <a:noFill/>
+        </p:spPr>
+        <p:txBody>
+          <a:bodyPr wrap="square" rtlCol="0">
+            <a:spAutoFit/>
+          </a:bodyPr>
+          <a:lstStyle/>
+          <a:p>
+            <a:pPr algn="ctr"/>
+            <a:r>
+              <a:rPr lang="en-US" dirty="0">
+                <a:solidFill>
+                  <a:schemeClr val="accent5">
+                    <a:lumMod val="75000"/>
+                  </a:schemeClr>
+                </a:solidFill>
+              </a:rPr>
+              <a:t>Adjust dimensions</a:t>
+            </a:r>
+          </a:p>
+        </p:txBody>
+      </p:sp>
+    </p:spTree>
+    <p:extLst>
+      <p:ext uri="{BB962C8B-B14F-4D97-AF65-F5344CB8AC3E}">
+        <p14:creationId xmlns:p14="http://schemas.microsoft.com/office/powerpoint/2010/main" val="2321492949"/>
+      </p:ext>
+    </p:extLst>
+  </p:cSld>
+  <p:clrMapOvr>
+    <a:masterClrMapping/>
+  </p:clrMapOvr>
+</p:sld>
+</file>
+
+<file path=ppt/slides/slide21.xml><?xml version="1.0" encoding="utf-8"?>
+<p:sld xmlns:a="http://schemas.openxmlformats.org/drawingml/2006/main" xmlns:r="http://schemas.openxmlformats.org/officeDocument/2006/relationships" xmlns:p="http://schemas.openxmlformats.org/presentationml/2006/main">
+  <p:cSld>
+    <p:spTree>
+      <p:nvGrpSpPr>
+        <p:cNvPr id="1" name=""/>
+        <p:cNvGrpSpPr/>
+        <p:nvPr/>
+      </p:nvGrpSpPr>
+      <p:grpSpPr>
+        <a:xfrm>
+          <a:off x="0" y="0"/>
+          <a:ext cx="0" cy="0"/>
+          <a:chOff x="0" y="0"/>
+          <a:chExt cx="0" cy="0"/>
+        </a:xfrm>
+      </p:grpSpPr>
+      <p:sp>
+        <p:nvSpPr>
+          <p:cNvPr id="2" name="Title 2">
+            <a:extLst>
+              <a:ext uri="{FF2B5EF4-FFF2-40B4-BE49-F238E27FC236}">
+                <a16:creationId xmlns:a16="http://schemas.microsoft.com/office/drawing/2014/main" id="{12BEE06C-3CB4-1A31-1F99-81886307D619}"/>
+              </a:ext>
+            </a:extLst>
+          </p:cNvPr>
+          <p:cNvSpPr txBox="1">
+            <a:spLocks/>
+          </p:cNvSpPr>
+          <p:nvPr/>
+        </p:nvSpPr>
+        <p:spPr>
+          <a:xfrm>
+            <a:off x="429870" y="306381"/>
+            <a:ext cx="6598728" cy="1143000"/>
+          </a:xfrm>
+          <a:prstGeom prst="rect">
+            <a:avLst/>
+          </a:prstGeom>
+        </p:spPr>
+        <p:txBody>
+          <a:bodyPr>
+            <a:noAutofit/>
+          </a:bodyPr>
+          <a:lstStyle>
+            <a:lvl1pPr algn="l" defTabSz="342991" rtl="0" eaLnBrk="1" latinLnBrk="0" hangingPunct="1">
+              <a:spcBef>
+                <a:spcPct val="0"/>
+              </a:spcBef>
+              <a:buNone/>
+              <a:defRPr sz="2701" b="1" i="0" kern="1200">
+                <a:solidFill>
+                  <a:srgbClr val="002D50"/>
+                </a:solidFill>
+                <a:latin typeface="Helvetica Neue"/>
+                <a:ea typeface="+mj-ea"/>
+                <a:cs typeface="Helvetica Neue"/>
+              </a:defRPr>
+            </a:lvl1pPr>
+          </a:lstStyle>
+          <a:p>
+            <a:r>
+              <a:rPr lang="en-US" sz="3200" dirty="0"/>
+              <a:t>Exporting plots from RStudio</a:t>
+            </a:r>
+          </a:p>
+        </p:txBody>
+      </p:sp>
+      <p:pic>
+        <p:nvPicPr>
+          <p:cNvPr id="4" name="Picture 3">
+            <a:extLst>
+              <a:ext uri="{FF2B5EF4-FFF2-40B4-BE49-F238E27FC236}">
+                <a16:creationId xmlns:a16="http://schemas.microsoft.com/office/drawing/2014/main" id="{88BA4FB7-7302-E0E4-8C9B-82971EC8BB12}"/>
+              </a:ext>
+            </a:extLst>
+          </p:cNvPr>
+          <p:cNvPicPr>
+            <a:picLocks noChangeAspect="1"/>
+          </p:cNvPicPr>
+          <p:nvPr/>
+        </p:nvPicPr>
+        <p:blipFill>
+          <a:blip r:embed="rId2"/>
+          <a:stretch>
+            <a:fillRect/>
+          </a:stretch>
+        </p:blipFill>
+        <p:spPr>
+          <a:xfrm>
+            <a:off x="2167962" y="1130057"/>
+            <a:ext cx="4808075" cy="4597886"/>
+          </a:xfrm>
+          <a:prstGeom prst="rect">
+            <a:avLst/>
+          </a:prstGeom>
+        </p:spPr>
+      </p:pic>
+      <p:sp>
+        <p:nvSpPr>
+          <p:cNvPr id="7" name="Oval 6">
+            <a:extLst>
+              <a:ext uri="{FF2B5EF4-FFF2-40B4-BE49-F238E27FC236}">
+                <a16:creationId xmlns:a16="http://schemas.microsoft.com/office/drawing/2014/main" id="{5A69257F-8797-3B96-F39F-0E9359D56484}"/>
+              </a:ext>
+            </a:extLst>
+          </p:cNvPr>
+          <p:cNvSpPr/>
+          <p:nvPr/>
+        </p:nvSpPr>
+        <p:spPr>
+          <a:xfrm>
+            <a:off x="5231463" y="5257802"/>
+            <a:ext cx="1045028" cy="587828"/>
+          </a:xfrm>
+          <a:prstGeom prst="ellipse">
+            <a:avLst/>
+          </a:prstGeom>
+          <a:noFill/>
+          <a:ln w="76200">
+            <a:solidFill>
+              <a:schemeClr val="accent6">
+                <a:lumMod val="75000"/>
+                <a:lumOff val="25000"/>
+              </a:schemeClr>
+            </a:solidFill>
+          </a:ln>
+          <a:effectLst/>
+        </p:spPr>
+        <p:style>
+          <a:lnRef idx="1">
+            <a:schemeClr val="accent1"/>
+          </a:lnRef>
+          <a:fillRef idx="3">
+            <a:schemeClr val="accent1"/>
+          </a:fillRef>
+          <a:effectRef idx="2">
+            <a:schemeClr val="accent1"/>
+          </a:effectRef>
+          <a:fontRef idx="minor">
+            <a:schemeClr val="lt1"/>
+          </a:fontRef>
+        </p:style>
+        <p:txBody>
+          <a:bodyPr rtlCol="0" anchor="ctr"/>
+          <a:lstStyle/>
+          <a:p>
+            <a:pPr algn="ctr"/>
+            <a:endParaRPr lang="en-US"/>
+          </a:p>
+        </p:txBody>
+      </p:sp>
+      <p:sp>
+        <p:nvSpPr>
+          <p:cNvPr id="8" name="TextBox 7">
+            <a:extLst>
+              <a:ext uri="{FF2B5EF4-FFF2-40B4-BE49-F238E27FC236}">
+                <a16:creationId xmlns:a16="http://schemas.microsoft.com/office/drawing/2014/main" id="{B6FFBE20-A358-5495-F4B2-B0A127556307}"/>
+              </a:ext>
+            </a:extLst>
+          </p:cNvPr>
+          <p:cNvSpPr txBox="1"/>
+          <p:nvPr/>
+        </p:nvSpPr>
+        <p:spPr>
+          <a:xfrm>
+            <a:off x="6906307" y="4905385"/>
+            <a:ext cx="1807822" cy="646331"/>
+          </a:xfrm>
+          <a:prstGeom prst="rect">
+            <a:avLst/>
+          </a:prstGeom>
+          <a:noFill/>
+        </p:spPr>
+        <p:txBody>
+          <a:bodyPr wrap="square" rtlCol="0">
+            <a:spAutoFit/>
+          </a:bodyPr>
+          <a:lstStyle/>
+          <a:p>
+            <a:pPr algn="ctr"/>
+            <a:r>
+              <a:rPr lang="en-US" dirty="0">
+                <a:solidFill>
+                  <a:schemeClr val="accent5">
+                    <a:lumMod val="75000"/>
+                  </a:schemeClr>
+                </a:solidFill>
+              </a:rPr>
+              <a:t>Save to your computer</a:t>
+            </a:r>
+          </a:p>
+        </p:txBody>
+      </p:sp>
+    </p:spTree>
+    <p:extLst>
+      <p:ext uri="{BB962C8B-B14F-4D97-AF65-F5344CB8AC3E}">
+        <p14:creationId xmlns:p14="http://schemas.microsoft.com/office/powerpoint/2010/main" val="796531077"/>
+      </p:ext>
+    </p:extLst>
+  </p:cSld>
+  <p:clrMapOvr>
+    <a:masterClrMapping/>
+  </p:clrMapOvr>
+</p:sld>
+</file>
+
+<file path=ppt/slides/slide22.xml><?xml version="1.0" encoding="utf-8"?>
+<p:sld xmlns:a="http://schemas.openxmlformats.org/drawingml/2006/main" xmlns:r="http://schemas.openxmlformats.org/officeDocument/2006/relationships" xmlns:p="http://schemas.openxmlformats.org/presentationml/2006/main">
+  <p:cSld>
+    <p:spTree>
+      <p:nvGrpSpPr>
+        <p:cNvPr id="1" name=""/>
+        <p:cNvGrpSpPr/>
+        <p:nvPr/>
+      </p:nvGrpSpPr>
+      <p:grpSpPr>
+        <a:xfrm>
+          <a:off x="0" y="0"/>
+          <a:ext cx="0" cy="0"/>
+          <a:chOff x="0" y="0"/>
+          <a:chExt cx="0" cy="0"/>
+        </a:xfrm>
+      </p:grpSpPr>
+      <p:sp>
+        <p:nvSpPr>
+          <p:cNvPr id="2" name="Title 2">
+            <a:extLst>
+              <a:ext uri="{FF2B5EF4-FFF2-40B4-BE49-F238E27FC236}">
+                <a16:creationId xmlns:a16="http://schemas.microsoft.com/office/drawing/2014/main" id="{12BEE06C-3CB4-1A31-1F99-81886307D619}"/>
+              </a:ext>
+            </a:extLst>
+          </p:cNvPr>
+          <p:cNvSpPr txBox="1">
+            <a:spLocks/>
+          </p:cNvSpPr>
+          <p:nvPr/>
+        </p:nvSpPr>
+        <p:spPr>
+          <a:xfrm>
+            <a:off x="429870" y="306381"/>
+            <a:ext cx="6598728" cy="1143000"/>
+          </a:xfrm>
+          <a:prstGeom prst="rect">
+            <a:avLst/>
+          </a:prstGeom>
+        </p:spPr>
+        <p:txBody>
+          <a:bodyPr>
+            <a:noAutofit/>
+          </a:bodyPr>
+          <a:lstStyle>
+            <a:lvl1pPr algn="l" defTabSz="342991" rtl="0" eaLnBrk="1" latinLnBrk="0" hangingPunct="1">
+              <a:spcBef>
+                <a:spcPct val="0"/>
+              </a:spcBef>
+              <a:buNone/>
+              <a:defRPr sz="2701" b="1" i="0" kern="1200">
+                <a:solidFill>
+                  <a:srgbClr val="002D50"/>
+                </a:solidFill>
+                <a:latin typeface="Helvetica Neue"/>
+                <a:ea typeface="+mj-ea"/>
+                <a:cs typeface="Helvetica Neue"/>
+              </a:defRPr>
+            </a:lvl1pPr>
+          </a:lstStyle>
+          <a:p>
+            <a:r>
+              <a:rPr lang="en-US" sz="3200" dirty="0"/>
+              <a:t>Now you try!</a:t>
+            </a:r>
+          </a:p>
+        </p:txBody>
+      </p:sp>
+      <p:sp>
+        <p:nvSpPr>
+          <p:cNvPr id="4" name="TextBox 3">
+            <a:extLst>
+              <a:ext uri="{FF2B5EF4-FFF2-40B4-BE49-F238E27FC236}">
+                <a16:creationId xmlns:a16="http://schemas.microsoft.com/office/drawing/2014/main" id="{865D5AA2-9148-F048-F920-939CF2727948}"/>
+              </a:ext>
+            </a:extLst>
+          </p:cNvPr>
+          <p:cNvSpPr txBox="1"/>
+          <p:nvPr/>
+        </p:nvSpPr>
+        <p:spPr>
+          <a:xfrm>
+            <a:off x="429869" y="1230992"/>
+            <a:ext cx="8567174" cy="1046440"/>
+          </a:xfrm>
+          <a:prstGeom prst="rect">
+            <a:avLst/>
+          </a:prstGeom>
+          <a:noFill/>
+        </p:spPr>
+        <p:txBody>
+          <a:bodyPr wrap="square" rtlCol="0">
+            <a:spAutoFit/>
+          </a:bodyPr>
+          <a:lstStyle/>
+          <a:p>
+            <a:pPr marL="457200" indent="-457200">
+              <a:spcBef>
+                <a:spcPts val="600"/>
+              </a:spcBef>
+              <a:spcAft>
+                <a:spcPts val="600"/>
+              </a:spcAft>
+              <a:buFont typeface="Arial" panose="020B0604020202020204" pitchFamily="34" charset="0"/>
+              <a:buChar char="•"/>
+            </a:pPr>
+            <a:r>
+              <a:rPr lang="en-US" sz="2600" dirty="0"/>
+              <a:t>Make a histogram or </a:t>
+            </a:r>
+            <a:r>
+              <a:rPr lang="en-US" sz="2600" dirty="0" err="1"/>
+              <a:t>barchart</a:t>
+            </a:r>
+            <a:r>
+              <a:rPr lang="en-US" sz="2600" dirty="0"/>
+              <a:t>  using the countries dataset</a:t>
+            </a:r>
+          </a:p>
+          <a:p>
+            <a:pPr marL="457200" indent="-457200">
+              <a:spcBef>
+                <a:spcPts val="600"/>
+              </a:spcBef>
+              <a:spcAft>
+                <a:spcPts val="600"/>
+              </a:spcAft>
+              <a:buFont typeface="Arial" panose="020B0604020202020204" pitchFamily="34" charset="0"/>
+              <a:buChar char="•"/>
+            </a:pPr>
+            <a:r>
+              <a:rPr lang="en-US" sz="2600" dirty="0"/>
+              <a:t>Save it to your computer</a:t>
+            </a:r>
+          </a:p>
+        </p:txBody>
+      </p:sp>
+    </p:spTree>
+    <p:extLst>
+      <p:ext uri="{BB962C8B-B14F-4D97-AF65-F5344CB8AC3E}">
+        <p14:creationId xmlns:p14="http://schemas.microsoft.com/office/powerpoint/2010/main" val="3476616978"/>
+      </p:ext>
+    </p:extLst>
+  </p:cSld>
+  <p:clrMapOvr>
+    <a:masterClrMapping/>
+  </p:clrMapOvr>
+</p:sld>
+</file>
+
+<file path=ppt/slides/slide23.xml><?xml version="1.0" encoding="utf-8"?>
 <p:sld xmlns:a="http://schemas.openxmlformats.org/drawingml/2006/main" xmlns:r="http://schemas.openxmlformats.org/officeDocument/2006/relationships" xmlns:p="http://schemas.openxmlformats.org/presentationml/2006/main">
   <p:cSld>
     <p:spTree>
@@ -5689,7 +6969,7 @@
                 <a:latin typeface="Helvetica Neue"/>
                 <a:cs typeface="Helvetica Neue"/>
               </a:rPr>
-              <a:t>Descriptive statistics</a:t>
+              <a:t>Fun with ggplot2</a:t>
             </a:r>
           </a:p>
         </p:txBody>
@@ -5720,7 +7000,2159 @@
     </p:spTree>
     <p:extLst>
       <p:ext uri="{BB962C8B-B14F-4D97-AF65-F5344CB8AC3E}">
+        <p14:creationId xmlns:p14="http://schemas.microsoft.com/office/powerpoint/2010/main" val="711495662"/>
+      </p:ext>
+    </p:extLst>
+  </p:cSld>
+  <p:clrMapOvr>
+    <a:masterClrMapping/>
+  </p:clrMapOvr>
+</p:sld>
+</file>
+
+<file path=ppt/slides/slide24.xml><?xml version="1.0" encoding="utf-8"?>
+<p:sld xmlns:a="http://schemas.openxmlformats.org/drawingml/2006/main" xmlns:r="http://schemas.openxmlformats.org/officeDocument/2006/relationships" xmlns:p="http://schemas.openxmlformats.org/presentationml/2006/main">
+  <p:cSld>
+    <p:spTree>
+      <p:nvGrpSpPr>
+        <p:cNvPr id="1" name=""/>
+        <p:cNvGrpSpPr/>
+        <p:nvPr/>
+      </p:nvGrpSpPr>
+      <p:grpSpPr>
+        <a:xfrm>
+          <a:off x="0" y="0"/>
+          <a:ext cx="0" cy="0"/>
+          <a:chOff x="0" y="0"/>
+          <a:chExt cx="0" cy="0"/>
+        </a:xfrm>
+      </p:grpSpPr>
+      <p:sp>
+        <p:nvSpPr>
+          <p:cNvPr id="2" name="Title 2">
+            <a:extLst>
+              <a:ext uri="{FF2B5EF4-FFF2-40B4-BE49-F238E27FC236}">
+                <a16:creationId xmlns:a16="http://schemas.microsoft.com/office/drawing/2014/main" id="{12BEE06C-3CB4-1A31-1F99-81886307D619}"/>
+              </a:ext>
+            </a:extLst>
+          </p:cNvPr>
+          <p:cNvSpPr txBox="1">
+            <a:spLocks/>
+          </p:cNvSpPr>
+          <p:nvPr/>
+        </p:nvSpPr>
+        <p:spPr>
+          <a:xfrm>
+            <a:off x="429870" y="306381"/>
+            <a:ext cx="6598728" cy="1143000"/>
+          </a:xfrm>
+          <a:prstGeom prst="rect">
+            <a:avLst/>
+          </a:prstGeom>
+        </p:spPr>
+        <p:txBody>
+          <a:bodyPr>
+            <a:noAutofit/>
+          </a:bodyPr>
+          <a:lstStyle>
+            <a:lvl1pPr algn="l" defTabSz="342991" rtl="0" eaLnBrk="1" latinLnBrk="0" hangingPunct="1">
+              <a:spcBef>
+                <a:spcPct val="0"/>
+              </a:spcBef>
+              <a:buNone/>
+              <a:defRPr sz="2701" b="1" i="0" kern="1200">
+                <a:solidFill>
+                  <a:srgbClr val="002D50"/>
+                </a:solidFill>
+                <a:latin typeface="Helvetica Neue"/>
+                <a:ea typeface="+mj-ea"/>
+                <a:cs typeface="Helvetica Neue"/>
+              </a:defRPr>
+            </a:lvl1pPr>
+          </a:lstStyle>
+          <a:p>
+            <a:r>
+              <a:rPr lang="en-US" sz="3200" dirty="0"/>
+              <a:t>What is ggplot2?</a:t>
+            </a:r>
+          </a:p>
+        </p:txBody>
+      </p:sp>
+      <p:sp>
+        <p:nvSpPr>
+          <p:cNvPr id="3" name="TextBox 2">
+            <a:extLst>
+              <a:ext uri="{FF2B5EF4-FFF2-40B4-BE49-F238E27FC236}">
+                <a16:creationId xmlns:a16="http://schemas.microsoft.com/office/drawing/2014/main" id="{CACD242B-2E17-1439-3226-250A45B1D5F4}"/>
+              </a:ext>
+            </a:extLst>
+          </p:cNvPr>
+          <p:cNvSpPr txBox="1"/>
+          <p:nvPr/>
+        </p:nvSpPr>
+        <p:spPr>
+          <a:xfrm>
+            <a:off x="429869" y="1230992"/>
+            <a:ext cx="8284261" cy="2000548"/>
+          </a:xfrm>
+          <a:prstGeom prst="rect">
+            <a:avLst/>
+          </a:prstGeom>
+          <a:noFill/>
+        </p:spPr>
+        <p:txBody>
+          <a:bodyPr wrap="square" rtlCol="0">
+            <a:spAutoFit/>
+          </a:bodyPr>
+          <a:lstStyle/>
+          <a:p>
+            <a:pPr marL="457200" indent="-457200">
+              <a:spcBef>
+                <a:spcPts val="600"/>
+              </a:spcBef>
+              <a:spcAft>
+                <a:spcPts val="600"/>
+              </a:spcAft>
+              <a:buFont typeface="Arial" panose="020B0604020202020204" pitchFamily="34" charset="0"/>
+              <a:buChar char="•"/>
+            </a:pPr>
+            <a:r>
+              <a:rPr lang="en-US" sz="2600" dirty="0"/>
+              <a:t>ggplot2 is a plotting library in R</a:t>
+            </a:r>
+          </a:p>
+          <a:p>
+            <a:pPr marL="457200" indent="-457200">
+              <a:spcBef>
+                <a:spcPts val="600"/>
+              </a:spcBef>
+              <a:spcAft>
+                <a:spcPts val="600"/>
+              </a:spcAft>
+              <a:buFont typeface="Arial" panose="020B0604020202020204" pitchFamily="34" charset="0"/>
+              <a:buChar char="•"/>
+            </a:pPr>
+            <a:r>
+              <a:rPr lang="en-US" sz="2600" dirty="0"/>
+              <a:t>It’s a bit challenging to get the hang of at first, but it’s incredibly powerful and popular</a:t>
+            </a:r>
+          </a:p>
+          <a:p>
+            <a:pPr marL="457200" indent="-457200">
+              <a:spcBef>
+                <a:spcPts val="600"/>
+              </a:spcBef>
+              <a:spcAft>
+                <a:spcPts val="600"/>
+              </a:spcAft>
+              <a:buFont typeface="Arial" panose="020B0604020202020204" pitchFamily="34" charset="0"/>
+              <a:buChar char="•"/>
+            </a:pPr>
+            <a:endParaRPr lang="en-US" sz="2600" dirty="0"/>
+          </a:p>
+        </p:txBody>
+      </p:sp>
+    </p:spTree>
+    <p:extLst>
+      <p:ext uri="{BB962C8B-B14F-4D97-AF65-F5344CB8AC3E}">
+        <p14:creationId xmlns:p14="http://schemas.microsoft.com/office/powerpoint/2010/main" val="939007962"/>
+      </p:ext>
+    </p:extLst>
+  </p:cSld>
+  <p:clrMapOvr>
+    <a:masterClrMapping/>
+  </p:clrMapOvr>
+</p:sld>
+</file>
+
+<file path=ppt/slides/slide25.xml><?xml version="1.0" encoding="utf-8"?>
+<p:sld xmlns:a="http://schemas.openxmlformats.org/drawingml/2006/main" xmlns:r="http://schemas.openxmlformats.org/officeDocument/2006/relationships" xmlns:p="http://schemas.openxmlformats.org/presentationml/2006/main">
+  <p:cSld>
+    <p:spTree>
+      <p:nvGrpSpPr>
+        <p:cNvPr id="1" name=""/>
+        <p:cNvGrpSpPr/>
+        <p:nvPr/>
+      </p:nvGrpSpPr>
+      <p:grpSpPr>
+        <a:xfrm>
+          <a:off x="0" y="0"/>
+          <a:ext cx="0" cy="0"/>
+          <a:chOff x="0" y="0"/>
+          <a:chExt cx="0" cy="0"/>
+        </a:xfrm>
+      </p:grpSpPr>
+      <p:sp>
+        <p:nvSpPr>
+          <p:cNvPr id="2" name="Title 2">
+            <a:extLst>
+              <a:ext uri="{FF2B5EF4-FFF2-40B4-BE49-F238E27FC236}">
+                <a16:creationId xmlns:a16="http://schemas.microsoft.com/office/drawing/2014/main" id="{12BEE06C-3CB4-1A31-1F99-81886307D619}"/>
+              </a:ext>
+            </a:extLst>
+          </p:cNvPr>
+          <p:cNvSpPr txBox="1">
+            <a:spLocks/>
+          </p:cNvSpPr>
+          <p:nvPr/>
+        </p:nvSpPr>
+        <p:spPr>
+          <a:xfrm>
+            <a:off x="429870" y="306381"/>
+            <a:ext cx="6598728" cy="1143000"/>
+          </a:xfrm>
+          <a:prstGeom prst="rect">
+            <a:avLst/>
+          </a:prstGeom>
+        </p:spPr>
+        <p:txBody>
+          <a:bodyPr>
+            <a:noAutofit/>
+          </a:bodyPr>
+          <a:lstStyle>
+            <a:lvl1pPr algn="l" defTabSz="342991" rtl="0" eaLnBrk="1" latinLnBrk="0" hangingPunct="1">
+              <a:spcBef>
+                <a:spcPct val="0"/>
+              </a:spcBef>
+              <a:buNone/>
+              <a:defRPr sz="2701" b="1" i="0" kern="1200">
+                <a:solidFill>
+                  <a:srgbClr val="002D50"/>
+                </a:solidFill>
+                <a:latin typeface="Helvetica Neue"/>
+                <a:ea typeface="+mj-ea"/>
+                <a:cs typeface="Helvetica Neue"/>
+              </a:defRPr>
+            </a:lvl1pPr>
+          </a:lstStyle>
+          <a:p>
+            <a:r>
+              <a:rPr lang="en-US" sz="3200" dirty="0"/>
+              <a:t>Packages and libraries</a:t>
+            </a:r>
+          </a:p>
+        </p:txBody>
+      </p:sp>
+      <p:sp>
+        <p:nvSpPr>
+          <p:cNvPr id="3" name="TextBox 2">
+            <a:extLst>
+              <a:ext uri="{FF2B5EF4-FFF2-40B4-BE49-F238E27FC236}">
+                <a16:creationId xmlns:a16="http://schemas.microsoft.com/office/drawing/2014/main" id="{CACD242B-2E17-1439-3226-250A45B1D5F4}"/>
+              </a:ext>
+            </a:extLst>
+          </p:cNvPr>
+          <p:cNvSpPr txBox="1"/>
+          <p:nvPr/>
+        </p:nvSpPr>
+        <p:spPr>
+          <a:xfrm>
+            <a:off x="429869" y="1230992"/>
+            <a:ext cx="8284261" cy="3354765"/>
+          </a:xfrm>
+          <a:prstGeom prst="rect">
+            <a:avLst/>
+          </a:prstGeom>
+          <a:noFill/>
+        </p:spPr>
+        <p:txBody>
+          <a:bodyPr wrap="square" rtlCol="0">
+            <a:spAutoFit/>
+          </a:bodyPr>
+          <a:lstStyle/>
+          <a:p>
+            <a:pPr marL="457200" indent="-457200">
+              <a:spcBef>
+                <a:spcPts val="600"/>
+              </a:spcBef>
+              <a:spcAft>
+                <a:spcPts val="600"/>
+              </a:spcAft>
+              <a:buFont typeface="Arial" panose="020B0604020202020204" pitchFamily="34" charset="0"/>
+              <a:buChar char="•"/>
+            </a:pPr>
+            <a:r>
+              <a:rPr lang="en-US" sz="2600" dirty="0"/>
+              <a:t>Packages (like ggplot2) are sets of functions and data that can be loaded for specialized projects</a:t>
+            </a:r>
+          </a:p>
+          <a:p>
+            <a:pPr marL="457200" indent="-457200">
+              <a:spcBef>
+                <a:spcPts val="600"/>
+              </a:spcBef>
+              <a:spcAft>
+                <a:spcPts val="600"/>
+              </a:spcAft>
+              <a:buFont typeface="Arial" panose="020B0604020202020204" pitchFamily="34" charset="0"/>
+              <a:buChar char="•"/>
+            </a:pPr>
+            <a:r>
+              <a:rPr lang="en-US" sz="2600" dirty="0"/>
+              <a:t>The first time you use them, you need to install them: </a:t>
+            </a:r>
+            <a:r>
+              <a:rPr lang="en-US" sz="2600" dirty="0" err="1"/>
+              <a:t>install.packages</a:t>
+            </a:r>
+            <a:r>
+              <a:rPr lang="en-US" sz="2600" dirty="0"/>
+              <a:t>(”ggplot2”)</a:t>
+            </a:r>
+          </a:p>
+          <a:p>
+            <a:pPr marL="457200" indent="-457200">
+              <a:spcBef>
+                <a:spcPts val="600"/>
+              </a:spcBef>
+              <a:spcAft>
+                <a:spcPts val="600"/>
+              </a:spcAft>
+              <a:buFont typeface="Arial" panose="020B0604020202020204" pitchFamily="34" charset="0"/>
+              <a:buChar char="•"/>
+            </a:pPr>
+            <a:r>
+              <a:rPr lang="en-US" sz="2600" dirty="0"/>
+              <a:t>The next time you use them, you can just load them from your R library: library(“ggplot2”)</a:t>
+            </a:r>
+          </a:p>
+          <a:p>
+            <a:pPr marL="457200" indent="-457200">
+              <a:spcBef>
+                <a:spcPts val="600"/>
+              </a:spcBef>
+              <a:spcAft>
+                <a:spcPts val="600"/>
+              </a:spcAft>
+              <a:buFont typeface="Arial" panose="020B0604020202020204" pitchFamily="34" charset="0"/>
+              <a:buChar char="•"/>
+            </a:pPr>
+            <a:endParaRPr lang="en-US" sz="2600" dirty="0"/>
+          </a:p>
+        </p:txBody>
+      </p:sp>
+    </p:spTree>
+    <p:extLst>
+      <p:ext uri="{BB962C8B-B14F-4D97-AF65-F5344CB8AC3E}">
+        <p14:creationId xmlns:p14="http://schemas.microsoft.com/office/powerpoint/2010/main" val="1460200978"/>
+      </p:ext>
+    </p:extLst>
+  </p:cSld>
+  <p:clrMapOvr>
+    <a:masterClrMapping/>
+  </p:clrMapOvr>
+</p:sld>
+</file>
+
+<file path=ppt/slides/slide26.xml><?xml version="1.0" encoding="utf-8"?>
+<p:sld xmlns:a="http://schemas.openxmlformats.org/drawingml/2006/main" xmlns:r="http://schemas.openxmlformats.org/officeDocument/2006/relationships" xmlns:p="http://schemas.openxmlformats.org/presentationml/2006/main">
+  <p:cSld>
+    <p:spTree>
+      <p:nvGrpSpPr>
+        <p:cNvPr id="1" name=""/>
+        <p:cNvGrpSpPr/>
+        <p:nvPr/>
+      </p:nvGrpSpPr>
+      <p:grpSpPr>
+        <a:xfrm>
+          <a:off x="0" y="0"/>
+          <a:ext cx="0" cy="0"/>
+          <a:chOff x="0" y="0"/>
+          <a:chExt cx="0" cy="0"/>
+        </a:xfrm>
+      </p:grpSpPr>
+      <p:sp>
+        <p:nvSpPr>
+          <p:cNvPr id="2" name="Title 2">
+            <a:extLst>
+              <a:ext uri="{FF2B5EF4-FFF2-40B4-BE49-F238E27FC236}">
+                <a16:creationId xmlns:a16="http://schemas.microsoft.com/office/drawing/2014/main" id="{12BEE06C-3CB4-1A31-1F99-81886307D619}"/>
+              </a:ext>
+            </a:extLst>
+          </p:cNvPr>
+          <p:cNvSpPr txBox="1">
+            <a:spLocks/>
+          </p:cNvSpPr>
+          <p:nvPr/>
+        </p:nvSpPr>
+        <p:spPr>
+          <a:xfrm>
+            <a:off x="429870" y="306381"/>
+            <a:ext cx="6598728" cy="1143000"/>
+          </a:xfrm>
+          <a:prstGeom prst="rect">
+            <a:avLst/>
+          </a:prstGeom>
+        </p:spPr>
+        <p:txBody>
+          <a:bodyPr>
+            <a:noAutofit/>
+          </a:bodyPr>
+          <a:lstStyle>
+            <a:lvl1pPr algn="l" defTabSz="342991" rtl="0" eaLnBrk="1" latinLnBrk="0" hangingPunct="1">
+              <a:spcBef>
+                <a:spcPct val="0"/>
+              </a:spcBef>
+              <a:buNone/>
+              <a:defRPr sz="2701" b="1" i="0" kern="1200">
+                <a:solidFill>
+                  <a:srgbClr val="002D50"/>
+                </a:solidFill>
+                <a:latin typeface="Helvetica Neue"/>
+                <a:ea typeface="+mj-ea"/>
+                <a:cs typeface="Helvetica Neue"/>
+              </a:defRPr>
+            </a:lvl1pPr>
+          </a:lstStyle>
+          <a:p>
+            <a:r>
+              <a:rPr lang="en-US" sz="3200" dirty="0"/>
+              <a:t>Now you try!</a:t>
+            </a:r>
+          </a:p>
+        </p:txBody>
+      </p:sp>
+      <p:sp>
+        <p:nvSpPr>
+          <p:cNvPr id="3" name="TextBox 2">
+            <a:extLst>
+              <a:ext uri="{FF2B5EF4-FFF2-40B4-BE49-F238E27FC236}">
+                <a16:creationId xmlns:a16="http://schemas.microsoft.com/office/drawing/2014/main" id="{1BC36FA6-0E47-0E04-5273-716A758CAEC4}"/>
+              </a:ext>
+            </a:extLst>
+          </p:cNvPr>
+          <p:cNvSpPr txBox="1"/>
+          <p:nvPr/>
+        </p:nvSpPr>
+        <p:spPr>
+          <a:xfrm>
+            <a:off x="429869" y="1230992"/>
+            <a:ext cx="8284261" cy="1600438"/>
+          </a:xfrm>
+          <a:prstGeom prst="rect">
+            <a:avLst/>
+          </a:prstGeom>
+          <a:noFill/>
+        </p:spPr>
+        <p:txBody>
+          <a:bodyPr wrap="square" rtlCol="0">
+            <a:spAutoFit/>
+          </a:bodyPr>
+          <a:lstStyle/>
+          <a:p>
+            <a:pPr marL="457200" indent="-457200">
+              <a:spcBef>
+                <a:spcPts val="600"/>
+              </a:spcBef>
+              <a:spcAft>
+                <a:spcPts val="600"/>
+              </a:spcAft>
+              <a:buFont typeface="Arial" panose="020B0604020202020204" pitchFamily="34" charset="0"/>
+              <a:buChar char="•"/>
+            </a:pPr>
+            <a:r>
+              <a:rPr lang="en-US" sz="2600" dirty="0" err="1"/>
+              <a:t>install.package</a:t>
+            </a:r>
+            <a:r>
+              <a:rPr lang="en-US" sz="2600" dirty="0"/>
+              <a:t>(”ggplot2”)</a:t>
+            </a:r>
+          </a:p>
+          <a:p>
+            <a:pPr marL="457200" indent="-457200">
+              <a:spcBef>
+                <a:spcPts val="600"/>
+              </a:spcBef>
+              <a:spcAft>
+                <a:spcPts val="600"/>
+              </a:spcAft>
+              <a:buFont typeface="Arial" panose="020B0604020202020204" pitchFamily="34" charset="0"/>
+              <a:buChar char="•"/>
+            </a:pPr>
+            <a:r>
+              <a:rPr lang="en-US" sz="2600" dirty="0"/>
+              <a:t>Try installing ggplot2 on your computer</a:t>
+            </a:r>
+          </a:p>
+          <a:p>
+            <a:pPr marL="457200" indent="-457200">
+              <a:spcBef>
+                <a:spcPts val="600"/>
+              </a:spcBef>
+              <a:spcAft>
+                <a:spcPts val="600"/>
+              </a:spcAft>
+              <a:buFont typeface="Arial" panose="020B0604020202020204" pitchFamily="34" charset="0"/>
+              <a:buChar char="•"/>
+            </a:pPr>
+            <a:endParaRPr lang="en-US" sz="2600" dirty="0"/>
+          </a:p>
+        </p:txBody>
+      </p:sp>
+    </p:spTree>
+    <p:extLst>
+      <p:ext uri="{BB962C8B-B14F-4D97-AF65-F5344CB8AC3E}">
+        <p14:creationId xmlns:p14="http://schemas.microsoft.com/office/powerpoint/2010/main" val="3211967178"/>
+      </p:ext>
+    </p:extLst>
+  </p:cSld>
+  <p:clrMapOvr>
+    <a:masterClrMapping/>
+  </p:clrMapOvr>
+</p:sld>
+</file>
+
+<file path=ppt/slides/slide27.xml><?xml version="1.0" encoding="utf-8"?>
+<p:sld xmlns:a="http://schemas.openxmlformats.org/drawingml/2006/main" xmlns:r="http://schemas.openxmlformats.org/officeDocument/2006/relationships" xmlns:p="http://schemas.openxmlformats.org/presentationml/2006/main">
+  <p:cSld>
+    <p:spTree>
+      <p:nvGrpSpPr>
+        <p:cNvPr id="1" name=""/>
+        <p:cNvGrpSpPr/>
+        <p:nvPr/>
+      </p:nvGrpSpPr>
+      <p:grpSpPr>
+        <a:xfrm>
+          <a:off x="0" y="0"/>
+          <a:ext cx="0" cy="0"/>
+          <a:chOff x="0" y="0"/>
+          <a:chExt cx="0" cy="0"/>
+        </a:xfrm>
+      </p:grpSpPr>
+      <p:sp>
+        <p:nvSpPr>
+          <p:cNvPr id="2" name="Title 2">
+            <a:extLst>
+              <a:ext uri="{FF2B5EF4-FFF2-40B4-BE49-F238E27FC236}">
+                <a16:creationId xmlns:a16="http://schemas.microsoft.com/office/drawing/2014/main" id="{12BEE06C-3CB4-1A31-1F99-81886307D619}"/>
+              </a:ext>
+            </a:extLst>
+          </p:cNvPr>
+          <p:cNvSpPr txBox="1">
+            <a:spLocks/>
+          </p:cNvSpPr>
+          <p:nvPr/>
+        </p:nvSpPr>
+        <p:spPr>
+          <a:xfrm>
+            <a:off x="429870" y="306381"/>
+            <a:ext cx="6598728" cy="1143000"/>
+          </a:xfrm>
+          <a:prstGeom prst="rect">
+            <a:avLst/>
+          </a:prstGeom>
+        </p:spPr>
+        <p:txBody>
+          <a:bodyPr>
+            <a:noAutofit/>
+          </a:bodyPr>
+          <a:lstStyle>
+            <a:lvl1pPr algn="l" defTabSz="342991" rtl="0" eaLnBrk="1" latinLnBrk="0" hangingPunct="1">
+              <a:spcBef>
+                <a:spcPct val="0"/>
+              </a:spcBef>
+              <a:buNone/>
+              <a:defRPr sz="2701" b="1" i="0" kern="1200">
+                <a:solidFill>
+                  <a:srgbClr val="002D50"/>
+                </a:solidFill>
+                <a:latin typeface="Helvetica Neue"/>
+                <a:ea typeface="+mj-ea"/>
+                <a:cs typeface="Helvetica Neue"/>
+              </a:defRPr>
+            </a:lvl1pPr>
+          </a:lstStyle>
+          <a:p>
+            <a:r>
+              <a:rPr lang="en-US" sz="3200" dirty="0"/>
+              <a:t>Using </a:t>
+            </a:r>
+            <a:r>
+              <a:rPr lang="en-US" sz="3200" dirty="0" err="1"/>
+              <a:t>ggplot</a:t>
+            </a:r>
+            <a:endParaRPr lang="en-US" sz="3200" dirty="0"/>
+          </a:p>
+          <a:p>
+            <a:r>
+              <a:rPr lang="en-US" sz="3200" b="0" i="1" dirty="0"/>
+              <a:t>scatterplot with groups</a:t>
+            </a:r>
+          </a:p>
+        </p:txBody>
+      </p:sp>
+      <p:pic>
+        <p:nvPicPr>
+          <p:cNvPr id="5" name="Picture 4">
+            <a:extLst>
+              <a:ext uri="{FF2B5EF4-FFF2-40B4-BE49-F238E27FC236}">
+                <a16:creationId xmlns:a16="http://schemas.microsoft.com/office/drawing/2014/main" id="{DF9CFE36-12B3-37EB-A2BD-0FCDF3DCA82B}"/>
+              </a:ext>
+            </a:extLst>
+          </p:cNvPr>
+          <p:cNvPicPr>
+            <a:picLocks noChangeAspect="1"/>
+          </p:cNvPicPr>
+          <p:nvPr/>
+        </p:nvPicPr>
+        <p:blipFill>
+          <a:blip r:embed="rId2"/>
+          <a:stretch>
+            <a:fillRect/>
+          </a:stretch>
+        </p:blipFill>
+        <p:spPr>
+          <a:xfrm>
+            <a:off x="1479086" y="1852793"/>
+            <a:ext cx="6185828" cy="3688154"/>
+          </a:xfrm>
+          <a:prstGeom prst="rect">
+            <a:avLst/>
+          </a:prstGeom>
+        </p:spPr>
+      </p:pic>
+    </p:spTree>
+    <p:extLst>
+      <p:ext uri="{BB962C8B-B14F-4D97-AF65-F5344CB8AC3E}">
+        <p14:creationId xmlns:p14="http://schemas.microsoft.com/office/powerpoint/2010/main" val="1925861568"/>
+      </p:ext>
+    </p:extLst>
+  </p:cSld>
+  <p:clrMapOvr>
+    <a:masterClrMapping/>
+  </p:clrMapOvr>
+</p:sld>
+</file>
+
+<file path=ppt/slides/slide28.xml><?xml version="1.0" encoding="utf-8"?>
+<p:sld xmlns:a="http://schemas.openxmlformats.org/drawingml/2006/main" xmlns:r="http://schemas.openxmlformats.org/officeDocument/2006/relationships" xmlns:p="http://schemas.openxmlformats.org/presentationml/2006/main">
+  <p:cSld>
+    <p:spTree>
+      <p:nvGrpSpPr>
+        <p:cNvPr id="1" name=""/>
+        <p:cNvGrpSpPr/>
+        <p:nvPr/>
+      </p:nvGrpSpPr>
+      <p:grpSpPr>
+        <a:xfrm>
+          <a:off x="0" y="0"/>
+          <a:ext cx="0" cy="0"/>
+          <a:chOff x="0" y="0"/>
+          <a:chExt cx="0" cy="0"/>
+        </a:xfrm>
+      </p:grpSpPr>
+      <p:pic>
+        <p:nvPicPr>
+          <p:cNvPr id="4" name="Picture 3">
+            <a:extLst>
+              <a:ext uri="{FF2B5EF4-FFF2-40B4-BE49-F238E27FC236}">
+                <a16:creationId xmlns:a16="http://schemas.microsoft.com/office/drawing/2014/main" id="{6F8B83C6-8DA1-EBF3-576A-33C5CFBCBBAD}"/>
+              </a:ext>
+            </a:extLst>
+          </p:cNvPr>
+          <p:cNvPicPr>
+            <a:picLocks noChangeAspect="1"/>
+          </p:cNvPicPr>
+          <p:nvPr/>
+        </p:nvPicPr>
+        <p:blipFill>
+          <a:blip r:embed="rId2"/>
+          <a:stretch>
+            <a:fillRect/>
+          </a:stretch>
+        </p:blipFill>
+        <p:spPr>
+          <a:xfrm>
+            <a:off x="279399" y="1975758"/>
+            <a:ext cx="8262985" cy="2200202"/>
+          </a:xfrm>
+          <a:prstGeom prst="rect">
+            <a:avLst/>
+          </a:prstGeom>
+        </p:spPr>
+      </p:pic>
+      <p:sp>
+        <p:nvSpPr>
+          <p:cNvPr id="6" name="Title 2">
+            <a:extLst>
+              <a:ext uri="{FF2B5EF4-FFF2-40B4-BE49-F238E27FC236}">
+                <a16:creationId xmlns:a16="http://schemas.microsoft.com/office/drawing/2014/main" id="{4CBDF9EB-241A-608A-74C3-09817AD32732}"/>
+              </a:ext>
+            </a:extLst>
+          </p:cNvPr>
+          <p:cNvSpPr txBox="1">
+            <a:spLocks/>
+          </p:cNvSpPr>
+          <p:nvPr/>
+        </p:nvSpPr>
+        <p:spPr>
+          <a:xfrm>
+            <a:off x="429870" y="306381"/>
+            <a:ext cx="6598728" cy="1143000"/>
+          </a:xfrm>
+          <a:prstGeom prst="rect">
+            <a:avLst/>
+          </a:prstGeom>
+        </p:spPr>
+        <p:txBody>
+          <a:bodyPr>
+            <a:noAutofit/>
+          </a:bodyPr>
+          <a:lstStyle>
+            <a:lvl1pPr algn="l" defTabSz="342991" rtl="0" eaLnBrk="1" latinLnBrk="0" hangingPunct="1">
+              <a:spcBef>
+                <a:spcPct val="0"/>
+              </a:spcBef>
+              <a:buNone/>
+              <a:defRPr sz="2701" b="1" i="0" kern="1200">
+                <a:solidFill>
+                  <a:srgbClr val="002D50"/>
+                </a:solidFill>
+                <a:latin typeface="Helvetica Neue"/>
+                <a:ea typeface="+mj-ea"/>
+                <a:cs typeface="Helvetica Neue"/>
+              </a:defRPr>
+            </a:lvl1pPr>
+          </a:lstStyle>
+          <a:p>
+            <a:r>
+              <a:rPr lang="en-US" sz="3200" dirty="0"/>
+              <a:t>Using </a:t>
+            </a:r>
+            <a:r>
+              <a:rPr lang="en-US" sz="3200" dirty="0" err="1"/>
+              <a:t>ggplot</a:t>
+            </a:r>
+            <a:endParaRPr lang="en-US" sz="3200" dirty="0"/>
+          </a:p>
+          <a:p>
+            <a:r>
+              <a:rPr lang="en-US" sz="3200" b="0" i="1" dirty="0"/>
+              <a:t>scatterplot with groups</a:t>
+            </a:r>
+          </a:p>
+        </p:txBody>
+      </p:sp>
+    </p:spTree>
+    <p:extLst>
+      <p:ext uri="{BB962C8B-B14F-4D97-AF65-F5344CB8AC3E}">
+        <p14:creationId xmlns:p14="http://schemas.microsoft.com/office/powerpoint/2010/main" val="626083114"/>
+      </p:ext>
+    </p:extLst>
+  </p:cSld>
+  <p:clrMapOvr>
+    <a:masterClrMapping/>
+  </p:clrMapOvr>
+</p:sld>
+</file>
+
+<file path=ppt/slides/slide29.xml><?xml version="1.0" encoding="utf-8"?>
+<p:sld xmlns:a="http://schemas.openxmlformats.org/drawingml/2006/main" xmlns:r="http://schemas.openxmlformats.org/officeDocument/2006/relationships" xmlns:p="http://schemas.openxmlformats.org/presentationml/2006/main">
+  <p:cSld>
+    <p:spTree>
+      <p:nvGrpSpPr>
+        <p:cNvPr id="1" name=""/>
+        <p:cNvGrpSpPr/>
+        <p:nvPr/>
+      </p:nvGrpSpPr>
+      <p:grpSpPr>
+        <a:xfrm>
+          <a:off x="0" y="0"/>
+          <a:ext cx="0" cy="0"/>
+          <a:chOff x="0" y="0"/>
+          <a:chExt cx="0" cy="0"/>
+        </a:xfrm>
+      </p:grpSpPr>
+      <p:pic>
+        <p:nvPicPr>
+          <p:cNvPr id="4" name="Picture 3">
+            <a:extLst>
+              <a:ext uri="{FF2B5EF4-FFF2-40B4-BE49-F238E27FC236}">
+                <a16:creationId xmlns:a16="http://schemas.microsoft.com/office/drawing/2014/main" id="{6F8B83C6-8DA1-EBF3-576A-33C5CFBCBBAD}"/>
+              </a:ext>
+            </a:extLst>
+          </p:cNvPr>
+          <p:cNvPicPr>
+            <a:picLocks noChangeAspect="1"/>
+          </p:cNvPicPr>
+          <p:nvPr/>
+        </p:nvPicPr>
+        <p:blipFill>
+          <a:blip r:embed="rId2"/>
+          <a:stretch>
+            <a:fillRect/>
+          </a:stretch>
+        </p:blipFill>
+        <p:spPr>
+          <a:xfrm>
+            <a:off x="279399" y="1975758"/>
+            <a:ext cx="8262985" cy="2200202"/>
+          </a:xfrm>
+          <a:prstGeom prst="rect">
+            <a:avLst/>
+          </a:prstGeom>
+        </p:spPr>
+      </p:pic>
+      <p:sp>
+        <p:nvSpPr>
+          <p:cNvPr id="6" name="Title 2">
+            <a:extLst>
+              <a:ext uri="{FF2B5EF4-FFF2-40B4-BE49-F238E27FC236}">
+                <a16:creationId xmlns:a16="http://schemas.microsoft.com/office/drawing/2014/main" id="{4CBDF9EB-241A-608A-74C3-09817AD32732}"/>
+              </a:ext>
+            </a:extLst>
+          </p:cNvPr>
+          <p:cNvSpPr txBox="1">
+            <a:spLocks/>
+          </p:cNvSpPr>
+          <p:nvPr/>
+        </p:nvSpPr>
+        <p:spPr>
+          <a:xfrm>
+            <a:off x="429870" y="306381"/>
+            <a:ext cx="6598728" cy="1143000"/>
+          </a:xfrm>
+          <a:prstGeom prst="rect">
+            <a:avLst/>
+          </a:prstGeom>
+        </p:spPr>
+        <p:txBody>
+          <a:bodyPr>
+            <a:noAutofit/>
+          </a:bodyPr>
+          <a:lstStyle>
+            <a:lvl1pPr algn="l" defTabSz="342991" rtl="0" eaLnBrk="1" latinLnBrk="0" hangingPunct="1">
+              <a:spcBef>
+                <a:spcPct val="0"/>
+              </a:spcBef>
+              <a:buNone/>
+              <a:defRPr sz="2701" b="1" i="0" kern="1200">
+                <a:solidFill>
+                  <a:srgbClr val="002D50"/>
+                </a:solidFill>
+                <a:latin typeface="Helvetica Neue"/>
+                <a:ea typeface="+mj-ea"/>
+                <a:cs typeface="Helvetica Neue"/>
+              </a:defRPr>
+            </a:lvl1pPr>
+          </a:lstStyle>
+          <a:p>
+            <a:r>
+              <a:rPr lang="en-US" sz="3200" dirty="0"/>
+              <a:t>Using </a:t>
+            </a:r>
+            <a:r>
+              <a:rPr lang="en-US" sz="3200" dirty="0" err="1"/>
+              <a:t>ggplot</a:t>
+            </a:r>
+            <a:endParaRPr lang="en-US" sz="3200" dirty="0"/>
+          </a:p>
+          <a:p>
+            <a:r>
+              <a:rPr lang="en-US" sz="3200" b="0" i="1" dirty="0"/>
+              <a:t>scatterplot with groups</a:t>
+            </a:r>
+          </a:p>
+        </p:txBody>
+      </p:sp>
+      <p:sp>
+        <p:nvSpPr>
+          <p:cNvPr id="7" name="Oval 6">
+            <a:extLst>
+              <a:ext uri="{FF2B5EF4-FFF2-40B4-BE49-F238E27FC236}">
+                <a16:creationId xmlns:a16="http://schemas.microsoft.com/office/drawing/2014/main" id="{B1211343-E00D-5D90-99EE-863B835582A6}"/>
+              </a:ext>
+            </a:extLst>
+          </p:cNvPr>
+          <p:cNvSpPr/>
+          <p:nvPr/>
+        </p:nvSpPr>
+        <p:spPr>
+          <a:xfrm>
+            <a:off x="937048" y="1975758"/>
+            <a:ext cx="1136681" cy="489856"/>
+          </a:xfrm>
+          <a:prstGeom prst="ellipse">
+            <a:avLst/>
+          </a:prstGeom>
+          <a:noFill/>
+          <a:ln w="76200">
+            <a:solidFill>
+              <a:schemeClr val="accent6">
+                <a:lumMod val="10000"/>
+                <a:lumOff val="90000"/>
+              </a:schemeClr>
+            </a:solidFill>
+          </a:ln>
+          <a:effectLst/>
+        </p:spPr>
+        <p:style>
+          <a:lnRef idx="1">
+            <a:schemeClr val="accent1"/>
+          </a:lnRef>
+          <a:fillRef idx="3">
+            <a:schemeClr val="accent1"/>
+          </a:fillRef>
+          <a:effectRef idx="2">
+            <a:schemeClr val="accent1"/>
+          </a:effectRef>
+          <a:fontRef idx="minor">
+            <a:schemeClr val="lt1"/>
+          </a:fontRef>
+        </p:style>
+        <p:txBody>
+          <a:bodyPr rtlCol="0" anchor="ctr"/>
+          <a:lstStyle/>
+          <a:p>
+            <a:pPr algn="ctr"/>
+            <a:endParaRPr lang="en-US"/>
+          </a:p>
+        </p:txBody>
+      </p:sp>
+      <p:sp>
+        <p:nvSpPr>
+          <p:cNvPr id="8" name="TextBox 7">
+            <a:extLst>
+              <a:ext uri="{FF2B5EF4-FFF2-40B4-BE49-F238E27FC236}">
+                <a16:creationId xmlns:a16="http://schemas.microsoft.com/office/drawing/2014/main" id="{A0172EAF-4A0A-DAC7-B215-C5BE42385912}"/>
+              </a:ext>
+            </a:extLst>
+          </p:cNvPr>
+          <p:cNvSpPr txBox="1"/>
+          <p:nvPr/>
+        </p:nvSpPr>
+        <p:spPr>
+          <a:xfrm>
+            <a:off x="4885980" y="2036020"/>
+            <a:ext cx="1563806" cy="369332"/>
+          </a:xfrm>
+          <a:prstGeom prst="rect">
+            <a:avLst/>
+          </a:prstGeom>
+          <a:noFill/>
+        </p:spPr>
+        <p:txBody>
+          <a:bodyPr wrap="square" rtlCol="0">
+            <a:spAutoFit/>
+          </a:bodyPr>
+          <a:lstStyle/>
+          <a:p>
+            <a:pPr algn="ctr"/>
+            <a:r>
+              <a:rPr lang="en-US" dirty="0">
+                <a:solidFill>
+                  <a:schemeClr val="accent6">
+                    <a:lumMod val="10000"/>
+                    <a:lumOff val="90000"/>
+                  </a:schemeClr>
+                </a:solidFill>
+              </a:rPr>
+              <a:t>Dataset name</a:t>
+            </a:r>
+          </a:p>
+        </p:txBody>
+      </p:sp>
+    </p:spTree>
+    <p:extLst>
+      <p:ext uri="{BB962C8B-B14F-4D97-AF65-F5344CB8AC3E}">
+        <p14:creationId xmlns:p14="http://schemas.microsoft.com/office/powerpoint/2010/main" val="2628198473"/>
+      </p:ext>
+    </p:extLst>
+  </p:cSld>
+  <p:clrMapOvr>
+    <a:masterClrMapping/>
+  </p:clrMapOvr>
+</p:sld>
+</file>
+
+<file path=ppt/slides/slide3.xml><?xml version="1.0" encoding="utf-8"?>
+<p:sld xmlns:a="http://schemas.openxmlformats.org/drawingml/2006/main" xmlns:r="http://schemas.openxmlformats.org/officeDocument/2006/relationships" xmlns:p="http://schemas.openxmlformats.org/presentationml/2006/main">
+  <p:cSld>
+    <p:spTree>
+      <p:nvGrpSpPr>
+        <p:cNvPr id="1" name=""/>
+        <p:cNvGrpSpPr/>
+        <p:nvPr/>
+      </p:nvGrpSpPr>
+      <p:grpSpPr>
+        <a:xfrm>
+          <a:off x="0" y="0"/>
+          <a:ext cx="0" cy="0"/>
+          <a:chOff x="0" y="0"/>
+          <a:chExt cx="0" cy="0"/>
+        </a:xfrm>
+      </p:grpSpPr>
+      <p:sp>
+        <p:nvSpPr>
+          <p:cNvPr id="10" name="Rectangle 9"/>
+          <p:cNvSpPr/>
+          <p:nvPr/>
+        </p:nvSpPr>
+        <p:spPr>
+          <a:xfrm>
+            <a:off x="-1" y="1330504"/>
+            <a:ext cx="9144001" cy="5527496"/>
+          </a:xfrm>
+          <a:prstGeom prst="rect">
+            <a:avLst/>
+          </a:prstGeom>
+          <a:solidFill>
+            <a:srgbClr val="041E42"/>
+          </a:solidFill>
+        </p:spPr>
+        <p:style>
+          <a:lnRef idx="1">
+            <a:schemeClr val="accent1"/>
+          </a:lnRef>
+          <a:fillRef idx="3">
+            <a:schemeClr val="accent1"/>
+          </a:fillRef>
+          <a:effectRef idx="2">
+            <a:schemeClr val="accent1"/>
+          </a:effectRef>
+          <a:fontRef idx="minor">
+            <a:schemeClr val="lt1"/>
+          </a:fontRef>
+        </p:style>
+        <p:txBody>
+          <a:bodyPr rtlCol="0" anchor="ctr"/>
+          <a:lstStyle/>
+          <a:p>
+            <a:pPr algn="ctr"/>
+            <a:endParaRPr lang="en-US" sz="1350" dirty="0"/>
+          </a:p>
+        </p:txBody>
+      </p:sp>
+      <p:sp>
+        <p:nvSpPr>
+          <p:cNvPr id="8" name="Title 5"/>
+          <p:cNvSpPr txBox="1">
+            <a:spLocks/>
+          </p:cNvSpPr>
+          <p:nvPr/>
+        </p:nvSpPr>
+        <p:spPr>
+          <a:xfrm>
+            <a:off x="383218" y="1477992"/>
+            <a:ext cx="7954732" cy="815898"/>
+          </a:xfrm>
+          <a:prstGeom prst="rect">
+            <a:avLst/>
+          </a:prstGeom>
+        </p:spPr>
+        <p:txBody>
+          <a:bodyPr>
+            <a:noAutofit/>
+          </a:bodyPr>
+          <a:lstStyle>
+            <a:lvl1pPr algn="ctr" defTabSz="457200" rtl="0" eaLnBrk="1" latinLnBrk="0" hangingPunct="1">
+              <a:spcBef>
+                <a:spcPct val="0"/>
+              </a:spcBef>
+              <a:buNone/>
+              <a:defRPr sz="4200" b="0" i="1" kern="1200">
+                <a:solidFill>
+                  <a:srgbClr val="002D50"/>
+                </a:solidFill>
+                <a:latin typeface="Adobe Caslon Pro"/>
+                <a:ea typeface="+mj-ea"/>
+                <a:cs typeface="Adobe Caslon Pro"/>
+              </a:defRPr>
+            </a:lvl1pPr>
+          </a:lstStyle>
+          <a:p>
+            <a:pPr algn="l"/>
+            <a:r>
+              <a:rPr lang="en-US" sz="4051" dirty="0">
+                <a:solidFill>
+                  <a:schemeClr val="bg1"/>
+                </a:solidFill>
+                <a:latin typeface="Helvetica Neue"/>
+                <a:cs typeface="Helvetica Neue"/>
+              </a:rPr>
+              <a:t>Descriptive statistics</a:t>
+            </a:r>
+          </a:p>
+        </p:txBody>
+      </p:sp>
+      <p:pic>
+        <p:nvPicPr>
+          <p:cNvPr id="12" name="Picture 11"/>
+          <p:cNvPicPr>
+            <a:picLocks noChangeAspect="1"/>
+          </p:cNvPicPr>
+          <p:nvPr/>
+        </p:nvPicPr>
+        <p:blipFill>
+          <a:blip r:embed="rId3"/>
+          <a:srcRect/>
+          <a:stretch/>
+        </p:blipFill>
+        <p:spPr>
+          <a:xfrm>
+            <a:off x="263465" y="398530"/>
+            <a:ext cx="5120827" cy="556906"/>
+          </a:xfrm>
+          <a:prstGeom prst="rect">
+            <a:avLst/>
+          </a:prstGeom>
+        </p:spPr>
+      </p:pic>
+    </p:spTree>
+    <p:extLst>
+      <p:ext uri="{BB962C8B-B14F-4D97-AF65-F5344CB8AC3E}">
         <p14:creationId xmlns:p14="http://schemas.microsoft.com/office/powerpoint/2010/main" val="3067880805"/>
+      </p:ext>
+    </p:extLst>
+  </p:cSld>
+  <p:clrMapOvr>
+    <a:masterClrMapping/>
+  </p:clrMapOvr>
+</p:sld>
+</file>
+
+<file path=ppt/slides/slide30.xml><?xml version="1.0" encoding="utf-8"?>
+<p:sld xmlns:a="http://schemas.openxmlformats.org/drawingml/2006/main" xmlns:r="http://schemas.openxmlformats.org/officeDocument/2006/relationships" xmlns:p="http://schemas.openxmlformats.org/presentationml/2006/main">
+  <p:cSld>
+    <p:spTree>
+      <p:nvGrpSpPr>
+        <p:cNvPr id="1" name=""/>
+        <p:cNvGrpSpPr/>
+        <p:nvPr/>
+      </p:nvGrpSpPr>
+      <p:grpSpPr>
+        <a:xfrm>
+          <a:off x="0" y="0"/>
+          <a:ext cx="0" cy="0"/>
+          <a:chOff x="0" y="0"/>
+          <a:chExt cx="0" cy="0"/>
+        </a:xfrm>
+      </p:grpSpPr>
+      <p:pic>
+        <p:nvPicPr>
+          <p:cNvPr id="4" name="Picture 3">
+            <a:extLst>
+              <a:ext uri="{FF2B5EF4-FFF2-40B4-BE49-F238E27FC236}">
+                <a16:creationId xmlns:a16="http://schemas.microsoft.com/office/drawing/2014/main" id="{6F8B83C6-8DA1-EBF3-576A-33C5CFBCBBAD}"/>
+              </a:ext>
+            </a:extLst>
+          </p:cNvPr>
+          <p:cNvPicPr>
+            <a:picLocks noChangeAspect="1"/>
+          </p:cNvPicPr>
+          <p:nvPr/>
+        </p:nvPicPr>
+        <p:blipFill>
+          <a:blip r:embed="rId2"/>
+          <a:stretch>
+            <a:fillRect/>
+          </a:stretch>
+        </p:blipFill>
+        <p:spPr>
+          <a:xfrm>
+            <a:off x="279399" y="1975758"/>
+            <a:ext cx="8262985" cy="2200202"/>
+          </a:xfrm>
+          <a:prstGeom prst="rect">
+            <a:avLst/>
+          </a:prstGeom>
+        </p:spPr>
+      </p:pic>
+      <p:sp>
+        <p:nvSpPr>
+          <p:cNvPr id="6" name="Title 2">
+            <a:extLst>
+              <a:ext uri="{FF2B5EF4-FFF2-40B4-BE49-F238E27FC236}">
+                <a16:creationId xmlns:a16="http://schemas.microsoft.com/office/drawing/2014/main" id="{4CBDF9EB-241A-608A-74C3-09817AD32732}"/>
+              </a:ext>
+            </a:extLst>
+          </p:cNvPr>
+          <p:cNvSpPr txBox="1">
+            <a:spLocks/>
+          </p:cNvSpPr>
+          <p:nvPr/>
+        </p:nvSpPr>
+        <p:spPr>
+          <a:xfrm>
+            <a:off x="429870" y="306381"/>
+            <a:ext cx="6598728" cy="1143000"/>
+          </a:xfrm>
+          <a:prstGeom prst="rect">
+            <a:avLst/>
+          </a:prstGeom>
+        </p:spPr>
+        <p:txBody>
+          <a:bodyPr>
+            <a:noAutofit/>
+          </a:bodyPr>
+          <a:lstStyle>
+            <a:lvl1pPr algn="l" defTabSz="342991" rtl="0" eaLnBrk="1" latinLnBrk="0" hangingPunct="1">
+              <a:spcBef>
+                <a:spcPct val="0"/>
+              </a:spcBef>
+              <a:buNone/>
+              <a:defRPr sz="2701" b="1" i="0" kern="1200">
+                <a:solidFill>
+                  <a:srgbClr val="002D50"/>
+                </a:solidFill>
+                <a:latin typeface="Helvetica Neue"/>
+                <a:ea typeface="+mj-ea"/>
+                <a:cs typeface="Helvetica Neue"/>
+              </a:defRPr>
+            </a:lvl1pPr>
+          </a:lstStyle>
+          <a:p>
+            <a:r>
+              <a:rPr lang="en-US" sz="3200" dirty="0"/>
+              <a:t>Using </a:t>
+            </a:r>
+            <a:r>
+              <a:rPr lang="en-US" sz="3200" dirty="0" err="1"/>
+              <a:t>ggplot</a:t>
+            </a:r>
+            <a:endParaRPr lang="en-US" sz="3200" dirty="0"/>
+          </a:p>
+          <a:p>
+            <a:r>
+              <a:rPr lang="en-US" sz="3200" b="0" i="1" dirty="0"/>
+              <a:t>scatterplot with groups</a:t>
+            </a:r>
+          </a:p>
+        </p:txBody>
+      </p:sp>
+      <p:sp>
+        <p:nvSpPr>
+          <p:cNvPr id="7" name="Oval 6">
+            <a:extLst>
+              <a:ext uri="{FF2B5EF4-FFF2-40B4-BE49-F238E27FC236}">
+                <a16:creationId xmlns:a16="http://schemas.microsoft.com/office/drawing/2014/main" id="{B1211343-E00D-5D90-99EE-863B835582A6}"/>
+              </a:ext>
+            </a:extLst>
+          </p:cNvPr>
+          <p:cNvSpPr/>
+          <p:nvPr/>
+        </p:nvSpPr>
+        <p:spPr>
+          <a:xfrm>
+            <a:off x="1230962" y="2220686"/>
+            <a:ext cx="3341038" cy="636814"/>
+          </a:xfrm>
+          <a:prstGeom prst="ellipse">
+            <a:avLst/>
+          </a:prstGeom>
+          <a:noFill/>
+          <a:ln w="76200">
+            <a:solidFill>
+              <a:schemeClr val="accent6">
+                <a:lumMod val="10000"/>
+                <a:lumOff val="90000"/>
+              </a:schemeClr>
+            </a:solidFill>
+          </a:ln>
+          <a:effectLst/>
+        </p:spPr>
+        <p:style>
+          <a:lnRef idx="1">
+            <a:schemeClr val="accent1"/>
+          </a:lnRef>
+          <a:fillRef idx="3">
+            <a:schemeClr val="accent1"/>
+          </a:fillRef>
+          <a:effectRef idx="2">
+            <a:schemeClr val="accent1"/>
+          </a:effectRef>
+          <a:fontRef idx="minor">
+            <a:schemeClr val="lt1"/>
+          </a:fontRef>
+        </p:style>
+        <p:txBody>
+          <a:bodyPr rtlCol="0" anchor="ctr"/>
+          <a:lstStyle/>
+          <a:p>
+            <a:pPr algn="ctr"/>
+            <a:endParaRPr lang="en-US"/>
+          </a:p>
+        </p:txBody>
+      </p:sp>
+      <p:sp>
+        <p:nvSpPr>
+          <p:cNvPr id="8" name="TextBox 7">
+            <a:extLst>
+              <a:ext uri="{FF2B5EF4-FFF2-40B4-BE49-F238E27FC236}">
+                <a16:creationId xmlns:a16="http://schemas.microsoft.com/office/drawing/2014/main" id="{A0172EAF-4A0A-DAC7-B215-C5BE42385912}"/>
+              </a:ext>
+            </a:extLst>
+          </p:cNvPr>
+          <p:cNvSpPr txBox="1"/>
+          <p:nvPr/>
+        </p:nvSpPr>
+        <p:spPr>
+          <a:xfrm>
+            <a:off x="4741660" y="2220686"/>
+            <a:ext cx="1563806" cy="369332"/>
+          </a:xfrm>
+          <a:prstGeom prst="rect">
+            <a:avLst/>
+          </a:prstGeom>
+          <a:noFill/>
+        </p:spPr>
+        <p:txBody>
+          <a:bodyPr wrap="square" rtlCol="0">
+            <a:spAutoFit/>
+          </a:bodyPr>
+          <a:lstStyle/>
+          <a:p>
+            <a:pPr algn="ctr"/>
+            <a:r>
+              <a:rPr lang="en-US" dirty="0">
+                <a:solidFill>
+                  <a:schemeClr val="accent6">
+                    <a:lumMod val="10000"/>
+                    <a:lumOff val="90000"/>
+                  </a:schemeClr>
+                </a:solidFill>
+              </a:rPr>
+              <a:t>X and Y axes</a:t>
+            </a:r>
+          </a:p>
+        </p:txBody>
+      </p:sp>
+    </p:spTree>
+    <p:extLst>
+      <p:ext uri="{BB962C8B-B14F-4D97-AF65-F5344CB8AC3E}">
+        <p14:creationId xmlns:p14="http://schemas.microsoft.com/office/powerpoint/2010/main" val="529568059"/>
+      </p:ext>
+    </p:extLst>
+  </p:cSld>
+  <p:clrMapOvr>
+    <a:masterClrMapping/>
+  </p:clrMapOvr>
+</p:sld>
+</file>
+
+<file path=ppt/slides/slide31.xml><?xml version="1.0" encoding="utf-8"?>
+<p:sld xmlns:a="http://schemas.openxmlformats.org/drawingml/2006/main" xmlns:r="http://schemas.openxmlformats.org/officeDocument/2006/relationships" xmlns:p="http://schemas.openxmlformats.org/presentationml/2006/main">
+  <p:cSld>
+    <p:spTree>
+      <p:nvGrpSpPr>
+        <p:cNvPr id="1" name=""/>
+        <p:cNvGrpSpPr/>
+        <p:nvPr/>
+      </p:nvGrpSpPr>
+      <p:grpSpPr>
+        <a:xfrm>
+          <a:off x="0" y="0"/>
+          <a:ext cx="0" cy="0"/>
+          <a:chOff x="0" y="0"/>
+          <a:chExt cx="0" cy="0"/>
+        </a:xfrm>
+      </p:grpSpPr>
+      <p:pic>
+        <p:nvPicPr>
+          <p:cNvPr id="4" name="Picture 3">
+            <a:extLst>
+              <a:ext uri="{FF2B5EF4-FFF2-40B4-BE49-F238E27FC236}">
+                <a16:creationId xmlns:a16="http://schemas.microsoft.com/office/drawing/2014/main" id="{6F8B83C6-8DA1-EBF3-576A-33C5CFBCBBAD}"/>
+              </a:ext>
+            </a:extLst>
+          </p:cNvPr>
+          <p:cNvPicPr>
+            <a:picLocks noChangeAspect="1"/>
+          </p:cNvPicPr>
+          <p:nvPr/>
+        </p:nvPicPr>
+        <p:blipFill>
+          <a:blip r:embed="rId2"/>
+          <a:stretch>
+            <a:fillRect/>
+          </a:stretch>
+        </p:blipFill>
+        <p:spPr>
+          <a:xfrm>
+            <a:off x="279399" y="1975758"/>
+            <a:ext cx="8262985" cy="2200202"/>
+          </a:xfrm>
+          <a:prstGeom prst="rect">
+            <a:avLst/>
+          </a:prstGeom>
+        </p:spPr>
+      </p:pic>
+      <p:sp>
+        <p:nvSpPr>
+          <p:cNvPr id="6" name="Title 2">
+            <a:extLst>
+              <a:ext uri="{FF2B5EF4-FFF2-40B4-BE49-F238E27FC236}">
+                <a16:creationId xmlns:a16="http://schemas.microsoft.com/office/drawing/2014/main" id="{4CBDF9EB-241A-608A-74C3-09817AD32732}"/>
+              </a:ext>
+            </a:extLst>
+          </p:cNvPr>
+          <p:cNvSpPr txBox="1">
+            <a:spLocks/>
+          </p:cNvSpPr>
+          <p:nvPr/>
+        </p:nvSpPr>
+        <p:spPr>
+          <a:xfrm>
+            <a:off x="429870" y="306381"/>
+            <a:ext cx="6598728" cy="1143000"/>
+          </a:xfrm>
+          <a:prstGeom prst="rect">
+            <a:avLst/>
+          </a:prstGeom>
+        </p:spPr>
+        <p:txBody>
+          <a:bodyPr>
+            <a:noAutofit/>
+          </a:bodyPr>
+          <a:lstStyle>
+            <a:lvl1pPr algn="l" defTabSz="342991" rtl="0" eaLnBrk="1" latinLnBrk="0" hangingPunct="1">
+              <a:spcBef>
+                <a:spcPct val="0"/>
+              </a:spcBef>
+              <a:buNone/>
+              <a:defRPr sz="2701" b="1" i="0" kern="1200">
+                <a:solidFill>
+                  <a:srgbClr val="002D50"/>
+                </a:solidFill>
+                <a:latin typeface="Helvetica Neue"/>
+                <a:ea typeface="+mj-ea"/>
+                <a:cs typeface="Helvetica Neue"/>
+              </a:defRPr>
+            </a:lvl1pPr>
+          </a:lstStyle>
+          <a:p>
+            <a:r>
+              <a:rPr lang="en-US" sz="3200" dirty="0"/>
+              <a:t>Using </a:t>
+            </a:r>
+            <a:r>
+              <a:rPr lang="en-US" sz="3200" dirty="0" err="1"/>
+              <a:t>ggplot</a:t>
+            </a:r>
+            <a:endParaRPr lang="en-US" sz="3200" dirty="0"/>
+          </a:p>
+          <a:p>
+            <a:r>
+              <a:rPr lang="en-US" sz="3200" b="0" i="1" dirty="0"/>
+              <a:t>scatterplot with groups</a:t>
+            </a:r>
+          </a:p>
+        </p:txBody>
+      </p:sp>
+      <p:sp>
+        <p:nvSpPr>
+          <p:cNvPr id="7" name="Oval 6">
+            <a:extLst>
+              <a:ext uri="{FF2B5EF4-FFF2-40B4-BE49-F238E27FC236}">
+                <a16:creationId xmlns:a16="http://schemas.microsoft.com/office/drawing/2014/main" id="{B1211343-E00D-5D90-99EE-863B835582A6}"/>
+              </a:ext>
+            </a:extLst>
+          </p:cNvPr>
+          <p:cNvSpPr/>
+          <p:nvPr/>
+        </p:nvSpPr>
+        <p:spPr>
+          <a:xfrm>
+            <a:off x="1230962" y="2590017"/>
+            <a:ext cx="2051081" cy="528739"/>
+          </a:xfrm>
+          <a:prstGeom prst="ellipse">
+            <a:avLst/>
+          </a:prstGeom>
+          <a:noFill/>
+          <a:ln w="76200">
+            <a:solidFill>
+              <a:schemeClr val="accent6">
+                <a:lumMod val="10000"/>
+                <a:lumOff val="90000"/>
+              </a:schemeClr>
+            </a:solidFill>
+          </a:ln>
+          <a:effectLst/>
+        </p:spPr>
+        <p:style>
+          <a:lnRef idx="1">
+            <a:schemeClr val="accent1"/>
+          </a:lnRef>
+          <a:fillRef idx="3">
+            <a:schemeClr val="accent1"/>
+          </a:fillRef>
+          <a:effectRef idx="2">
+            <a:schemeClr val="accent1"/>
+          </a:effectRef>
+          <a:fontRef idx="minor">
+            <a:schemeClr val="lt1"/>
+          </a:fontRef>
+        </p:style>
+        <p:txBody>
+          <a:bodyPr rtlCol="0" anchor="ctr"/>
+          <a:lstStyle/>
+          <a:p>
+            <a:pPr algn="ctr"/>
+            <a:endParaRPr lang="en-US"/>
+          </a:p>
+        </p:txBody>
+      </p:sp>
+      <p:sp>
+        <p:nvSpPr>
+          <p:cNvPr id="8" name="TextBox 7">
+            <a:extLst>
+              <a:ext uri="{FF2B5EF4-FFF2-40B4-BE49-F238E27FC236}">
+                <a16:creationId xmlns:a16="http://schemas.microsoft.com/office/drawing/2014/main" id="{A0172EAF-4A0A-DAC7-B215-C5BE42385912}"/>
+              </a:ext>
+            </a:extLst>
+          </p:cNvPr>
+          <p:cNvSpPr txBox="1"/>
+          <p:nvPr/>
+        </p:nvSpPr>
+        <p:spPr>
+          <a:xfrm>
+            <a:off x="4741660" y="2220686"/>
+            <a:ext cx="1563806" cy="923330"/>
+          </a:xfrm>
+          <a:prstGeom prst="rect">
+            <a:avLst/>
+          </a:prstGeom>
+          <a:noFill/>
+        </p:spPr>
+        <p:txBody>
+          <a:bodyPr wrap="square" rtlCol="0">
+            <a:spAutoFit/>
+          </a:bodyPr>
+          <a:lstStyle/>
+          <a:p>
+            <a:pPr algn="ctr"/>
+            <a:r>
+              <a:rPr lang="en-US" dirty="0">
+                <a:solidFill>
+                  <a:schemeClr val="accent6">
+                    <a:lumMod val="10000"/>
+                    <a:lumOff val="90000"/>
+                  </a:schemeClr>
+                </a:solidFill>
+              </a:rPr>
+              <a:t>Color the dots based on WHO region</a:t>
+            </a:r>
+          </a:p>
+        </p:txBody>
+      </p:sp>
+    </p:spTree>
+    <p:extLst>
+      <p:ext uri="{BB962C8B-B14F-4D97-AF65-F5344CB8AC3E}">
+        <p14:creationId xmlns:p14="http://schemas.microsoft.com/office/powerpoint/2010/main" val="4258951346"/>
+      </p:ext>
+    </p:extLst>
+  </p:cSld>
+  <p:clrMapOvr>
+    <a:masterClrMapping/>
+  </p:clrMapOvr>
+</p:sld>
+</file>
+
+<file path=ppt/slides/slide32.xml><?xml version="1.0" encoding="utf-8"?>
+<p:sld xmlns:a="http://schemas.openxmlformats.org/drawingml/2006/main" xmlns:r="http://schemas.openxmlformats.org/officeDocument/2006/relationships" xmlns:p="http://schemas.openxmlformats.org/presentationml/2006/main">
+  <p:cSld>
+    <p:spTree>
+      <p:nvGrpSpPr>
+        <p:cNvPr id="1" name=""/>
+        <p:cNvGrpSpPr/>
+        <p:nvPr/>
+      </p:nvGrpSpPr>
+      <p:grpSpPr>
+        <a:xfrm>
+          <a:off x="0" y="0"/>
+          <a:ext cx="0" cy="0"/>
+          <a:chOff x="0" y="0"/>
+          <a:chExt cx="0" cy="0"/>
+        </a:xfrm>
+      </p:grpSpPr>
+      <p:pic>
+        <p:nvPicPr>
+          <p:cNvPr id="4" name="Picture 3">
+            <a:extLst>
+              <a:ext uri="{FF2B5EF4-FFF2-40B4-BE49-F238E27FC236}">
+                <a16:creationId xmlns:a16="http://schemas.microsoft.com/office/drawing/2014/main" id="{6F8B83C6-8DA1-EBF3-576A-33C5CFBCBBAD}"/>
+              </a:ext>
+            </a:extLst>
+          </p:cNvPr>
+          <p:cNvPicPr>
+            <a:picLocks noChangeAspect="1"/>
+          </p:cNvPicPr>
+          <p:nvPr/>
+        </p:nvPicPr>
+        <p:blipFill>
+          <a:blip r:embed="rId2"/>
+          <a:stretch>
+            <a:fillRect/>
+          </a:stretch>
+        </p:blipFill>
+        <p:spPr>
+          <a:xfrm>
+            <a:off x="279399" y="1975758"/>
+            <a:ext cx="8262985" cy="2200202"/>
+          </a:xfrm>
+          <a:prstGeom prst="rect">
+            <a:avLst/>
+          </a:prstGeom>
+        </p:spPr>
+      </p:pic>
+      <p:sp>
+        <p:nvSpPr>
+          <p:cNvPr id="6" name="Title 2">
+            <a:extLst>
+              <a:ext uri="{FF2B5EF4-FFF2-40B4-BE49-F238E27FC236}">
+                <a16:creationId xmlns:a16="http://schemas.microsoft.com/office/drawing/2014/main" id="{4CBDF9EB-241A-608A-74C3-09817AD32732}"/>
+              </a:ext>
+            </a:extLst>
+          </p:cNvPr>
+          <p:cNvSpPr txBox="1">
+            <a:spLocks/>
+          </p:cNvSpPr>
+          <p:nvPr/>
+        </p:nvSpPr>
+        <p:spPr>
+          <a:xfrm>
+            <a:off x="429870" y="306381"/>
+            <a:ext cx="6598728" cy="1143000"/>
+          </a:xfrm>
+          <a:prstGeom prst="rect">
+            <a:avLst/>
+          </a:prstGeom>
+        </p:spPr>
+        <p:txBody>
+          <a:bodyPr>
+            <a:noAutofit/>
+          </a:bodyPr>
+          <a:lstStyle>
+            <a:lvl1pPr algn="l" defTabSz="342991" rtl="0" eaLnBrk="1" latinLnBrk="0" hangingPunct="1">
+              <a:spcBef>
+                <a:spcPct val="0"/>
+              </a:spcBef>
+              <a:buNone/>
+              <a:defRPr sz="2701" b="1" i="0" kern="1200">
+                <a:solidFill>
+                  <a:srgbClr val="002D50"/>
+                </a:solidFill>
+                <a:latin typeface="Helvetica Neue"/>
+                <a:ea typeface="+mj-ea"/>
+                <a:cs typeface="Helvetica Neue"/>
+              </a:defRPr>
+            </a:lvl1pPr>
+          </a:lstStyle>
+          <a:p>
+            <a:r>
+              <a:rPr lang="en-US" sz="3200" dirty="0"/>
+              <a:t>Using </a:t>
+            </a:r>
+            <a:r>
+              <a:rPr lang="en-US" sz="3200" dirty="0" err="1"/>
+              <a:t>ggplot</a:t>
+            </a:r>
+            <a:endParaRPr lang="en-US" sz="3200" dirty="0"/>
+          </a:p>
+          <a:p>
+            <a:r>
+              <a:rPr lang="en-US" sz="3200" b="0" i="1" dirty="0"/>
+              <a:t>scatterplot with groups</a:t>
+            </a:r>
+          </a:p>
+        </p:txBody>
+      </p:sp>
+      <p:sp>
+        <p:nvSpPr>
+          <p:cNvPr id="7" name="Oval 6">
+            <a:extLst>
+              <a:ext uri="{FF2B5EF4-FFF2-40B4-BE49-F238E27FC236}">
+                <a16:creationId xmlns:a16="http://schemas.microsoft.com/office/drawing/2014/main" id="{B1211343-E00D-5D90-99EE-863B835582A6}"/>
+              </a:ext>
+            </a:extLst>
+          </p:cNvPr>
+          <p:cNvSpPr/>
+          <p:nvPr/>
+        </p:nvSpPr>
+        <p:spPr>
+          <a:xfrm>
+            <a:off x="429870" y="2824843"/>
+            <a:ext cx="1563807" cy="519581"/>
+          </a:xfrm>
+          <a:prstGeom prst="ellipse">
+            <a:avLst/>
+          </a:prstGeom>
+          <a:noFill/>
+          <a:ln w="76200">
+            <a:solidFill>
+              <a:schemeClr val="accent6">
+                <a:lumMod val="10000"/>
+                <a:lumOff val="90000"/>
+              </a:schemeClr>
+            </a:solidFill>
+          </a:ln>
+          <a:effectLst/>
+        </p:spPr>
+        <p:style>
+          <a:lnRef idx="1">
+            <a:schemeClr val="accent1"/>
+          </a:lnRef>
+          <a:fillRef idx="3">
+            <a:schemeClr val="accent1"/>
+          </a:fillRef>
+          <a:effectRef idx="2">
+            <a:schemeClr val="accent1"/>
+          </a:effectRef>
+          <a:fontRef idx="minor">
+            <a:schemeClr val="lt1"/>
+          </a:fontRef>
+        </p:style>
+        <p:txBody>
+          <a:bodyPr rtlCol="0" anchor="ctr"/>
+          <a:lstStyle/>
+          <a:p>
+            <a:pPr algn="ctr"/>
+            <a:endParaRPr lang="en-US"/>
+          </a:p>
+        </p:txBody>
+      </p:sp>
+      <p:sp>
+        <p:nvSpPr>
+          <p:cNvPr id="8" name="TextBox 7">
+            <a:extLst>
+              <a:ext uri="{FF2B5EF4-FFF2-40B4-BE49-F238E27FC236}">
+                <a16:creationId xmlns:a16="http://schemas.microsoft.com/office/drawing/2014/main" id="{A0172EAF-4A0A-DAC7-B215-C5BE42385912}"/>
+              </a:ext>
+            </a:extLst>
+          </p:cNvPr>
+          <p:cNvSpPr txBox="1"/>
+          <p:nvPr/>
+        </p:nvSpPr>
+        <p:spPr>
+          <a:xfrm>
+            <a:off x="4572000" y="2616450"/>
+            <a:ext cx="1563806" cy="646331"/>
+          </a:xfrm>
+          <a:prstGeom prst="rect">
+            <a:avLst/>
+          </a:prstGeom>
+          <a:noFill/>
+        </p:spPr>
+        <p:txBody>
+          <a:bodyPr wrap="square" rtlCol="0">
+            <a:spAutoFit/>
+          </a:bodyPr>
+          <a:lstStyle/>
+          <a:p>
+            <a:pPr algn="ctr"/>
+            <a:r>
+              <a:rPr lang="en-US" dirty="0">
+                <a:solidFill>
+                  <a:schemeClr val="accent6">
+                    <a:lumMod val="10000"/>
+                    <a:lumOff val="90000"/>
+                  </a:schemeClr>
+                </a:solidFill>
+              </a:rPr>
+              <a:t>Make a scatterplot</a:t>
+            </a:r>
+          </a:p>
+        </p:txBody>
+      </p:sp>
+    </p:spTree>
+    <p:extLst>
+      <p:ext uri="{BB962C8B-B14F-4D97-AF65-F5344CB8AC3E}">
+        <p14:creationId xmlns:p14="http://schemas.microsoft.com/office/powerpoint/2010/main" val="3762402652"/>
+      </p:ext>
+    </p:extLst>
+  </p:cSld>
+  <p:clrMapOvr>
+    <a:masterClrMapping/>
+  </p:clrMapOvr>
+</p:sld>
+</file>
+
+<file path=ppt/slides/slide33.xml><?xml version="1.0" encoding="utf-8"?>
+<p:sld xmlns:a="http://schemas.openxmlformats.org/drawingml/2006/main" xmlns:r="http://schemas.openxmlformats.org/officeDocument/2006/relationships" xmlns:p="http://schemas.openxmlformats.org/presentationml/2006/main">
+  <p:cSld>
+    <p:spTree>
+      <p:nvGrpSpPr>
+        <p:cNvPr id="1" name=""/>
+        <p:cNvGrpSpPr/>
+        <p:nvPr/>
+      </p:nvGrpSpPr>
+      <p:grpSpPr>
+        <a:xfrm>
+          <a:off x="0" y="0"/>
+          <a:ext cx="0" cy="0"/>
+          <a:chOff x="0" y="0"/>
+          <a:chExt cx="0" cy="0"/>
+        </a:xfrm>
+      </p:grpSpPr>
+      <p:pic>
+        <p:nvPicPr>
+          <p:cNvPr id="4" name="Picture 3">
+            <a:extLst>
+              <a:ext uri="{FF2B5EF4-FFF2-40B4-BE49-F238E27FC236}">
+                <a16:creationId xmlns:a16="http://schemas.microsoft.com/office/drawing/2014/main" id="{6F8B83C6-8DA1-EBF3-576A-33C5CFBCBBAD}"/>
+              </a:ext>
+            </a:extLst>
+          </p:cNvPr>
+          <p:cNvPicPr>
+            <a:picLocks noChangeAspect="1"/>
+          </p:cNvPicPr>
+          <p:nvPr/>
+        </p:nvPicPr>
+        <p:blipFill>
+          <a:blip r:embed="rId2"/>
+          <a:stretch>
+            <a:fillRect/>
+          </a:stretch>
+        </p:blipFill>
+        <p:spPr>
+          <a:xfrm>
+            <a:off x="279399" y="1975758"/>
+            <a:ext cx="8262985" cy="2200202"/>
+          </a:xfrm>
+          <a:prstGeom prst="rect">
+            <a:avLst/>
+          </a:prstGeom>
+        </p:spPr>
+      </p:pic>
+      <p:sp>
+        <p:nvSpPr>
+          <p:cNvPr id="6" name="Title 2">
+            <a:extLst>
+              <a:ext uri="{FF2B5EF4-FFF2-40B4-BE49-F238E27FC236}">
+                <a16:creationId xmlns:a16="http://schemas.microsoft.com/office/drawing/2014/main" id="{4CBDF9EB-241A-608A-74C3-09817AD32732}"/>
+              </a:ext>
+            </a:extLst>
+          </p:cNvPr>
+          <p:cNvSpPr txBox="1">
+            <a:spLocks/>
+          </p:cNvSpPr>
+          <p:nvPr/>
+        </p:nvSpPr>
+        <p:spPr>
+          <a:xfrm>
+            <a:off x="429870" y="306381"/>
+            <a:ext cx="6598728" cy="1143000"/>
+          </a:xfrm>
+          <a:prstGeom prst="rect">
+            <a:avLst/>
+          </a:prstGeom>
+        </p:spPr>
+        <p:txBody>
+          <a:bodyPr>
+            <a:noAutofit/>
+          </a:bodyPr>
+          <a:lstStyle>
+            <a:lvl1pPr algn="l" defTabSz="342991" rtl="0" eaLnBrk="1" latinLnBrk="0" hangingPunct="1">
+              <a:spcBef>
+                <a:spcPct val="0"/>
+              </a:spcBef>
+              <a:buNone/>
+              <a:defRPr sz="2701" b="1" i="0" kern="1200">
+                <a:solidFill>
+                  <a:srgbClr val="002D50"/>
+                </a:solidFill>
+                <a:latin typeface="Helvetica Neue"/>
+                <a:ea typeface="+mj-ea"/>
+                <a:cs typeface="Helvetica Neue"/>
+              </a:defRPr>
+            </a:lvl1pPr>
+          </a:lstStyle>
+          <a:p>
+            <a:r>
+              <a:rPr lang="en-US" sz="3200" dirty="0"/>
+              <a:t>Using </a:t>
+            </a:r>
+            <a:r>
+              <a:rPr lang="en-US" sz="3200" dirty="0" err="1"/>
+              <a:t>ggplot</a:t>
+            </a:r>
+            <a:endParaRPr lang="en-US" sz="3200" dirty="0"/>
+          </a:p>
+          <a:p>
+            <a:r>
+              <a:rPr lang="en-US" sz="3200" b="0" i="1" dirty="0"/>
+              <a:t>scatterplot with groups</a:t>
+            </a:r>
+          </a:p>
+        </p:txBody>
+      </p:sp>
+      <p:sp>
+        <p:nvSpPr>
+          <p:cNvPr id="7" name="Oval 6">
+            <a:extLst>
+              <a:ext uri="{FF2B5EF4-FFF2-40B4-BE49-F238E27FC236}">
+                <a16:creationId xmlns:a16="http://schemas.microsoft.com/office/drawing/2014/main" id="{B1211343-E00D-5D90-99EE-863B835582A6}"/>
+              </a:ext>
+            </a:extLst>
+          </p:cNvPr>
+          <p:cNvSpPr/>
+          <p:nvPr/>
+        </p:nvSpPr>
+        <p:spPr>
+          <a:xfrm>
+            <a:off x="429870" y="3002990"/>
+            <a:ext cx="8262985" cy="1172970"/>
+          </a:xfrm>
+          <a:prstGeom prst="ellipse">
+            <a:avLst/>
+          </a:prstGeom>
+          <a:noFill/>
+          <a:ln w="76200">
+            <a:solidFill>
+              <a:schemeClr val="accent6">
+                <a:lumMod val="10000"/>
+                <a:lumOff val="90000"/>
+              </a:schemeClr>
+            </a:solidFill>
+          </a:ln>
+          <a:effectLst/>
+        </p:spPr>
+        <p:style>
+          <a:lnRef idx="1">
+            <a:schemeClr val="accent1"/>
+          </a:lnRef>
+          <a:fillRef idx="3">
+            <a:schemeClr val="accent1"/>
+          </a:fillRef>
+          <a:effectRef idx="2">
+            <a:schemeClr val="accent1"/>
+          </a:effectRef>
+          <a:fontRef idx="minor">
+            <a:schemeClr val="lt1"/>
+          </a:fontRef>
+        </p:style>
+        <p:txBody>
+          <a:bodyPr rtlCol="0" anchor="ctr"/>
+          <a:lstStyle/>
+          <a:p>
+            <a:pPr algn="ctr"/>
+            <a:endParaRPr lang="en-US"/>
+          </a:p>
+        </p:txBody>
+      </p:sp>
+      <p:sp>
+        <p:nvSpPr>
+          <p:cNvPr id="8" name="TextBox 7">
+            <a:extLst>
+              <a:ext uri="{FF2B5EF4-FFF2-40B4-BE49-F238E27FC236}">
+                <a16:creationId xmlns:a16="http://schemas.microsoft.com/office/drawing/2014/main" id="{A0172EAF-4A0A-DAC7-B215-C5BE42385912}"/>
+              </a:ext>
+            </a:extLst>
+          </p:cNvPr>
+          <p:cNvSpPr txBox="1"/>
+          <p:nvPr/>
+        </p:nvSpPr>
+        <p:spPr>
+          <a:xfrm>
+            <a:off x="7053814" y="2152529"/>
+            <a:ext cx="1563806" cy="923330"/>
+          </a:xfrm>
+          <a:prstGeom prst="rect">
+            <a:avLst/>
+          </a:prstGeom>
+          <a:noFill/>
+        </p:spPr>
+        <p:txBody>
+          <a:bodyPr wrap="square" rtlCol="0">
+            <a:spAutoFit/>
+          </a:bodyPr>
+          <a:lstStyle/>
+          <a:p>
+            <a:pPr algn="ctr"/>
+            <a:r>
+              <a:rPr lang="en-US" dirty="0">
+                <a:solidFill>
+                  <a:schemeClr val="accent6">
+                    <a:lumMod val="10000"/>
+                    <a:lumOff val="90000"/>
+                  </a:schemeClr>
+                </a:solidFill>
+              </a:rPr>
+              <a:t>Specify axis and legend titles</a:t>
+            </a:r>
+          </a:p>
+        </p:txBody>
+      </p:sp>
+    </p:spTree>
+    <p:extLst>
+      <p:ext uri="{BB962C8B-B14F-4D97-AF65-F5344CB8AC3E}">
+        <p14:creationId xmlns:p14="http://schemas.microsoft.com/office/powerpoint/2010/main" val="1605038591"/>
+      </p:ext>
+    </p:extLst>
+  </p:cSld>
+  <p:clrMapOvr>
+    <a:masterClrMapping/>
+  </p:clrMapOvr>
+</p:sld>
+</file>
+
+<file path=ppt/slides/slide34.xml><?xml version="1.0" encoding="utf-8"?>
+<p:sld xmlns:a="http://schemas.openxmlformats.org/drawingml/2006/main" xmlns:r="http://schemas.openxmlformats.org/officeDocument/2006/relationships" xmlns:p="http://schemas.openxmlformats.org/presentationml/2006/main">
+  <p:cSld>
+    <p:spTree>
+      <p:nvGrpSpPr>
+        <p:cNvPr id="1" name=""/>
+        <p:cNvGrpSpPr/>
+        <p:nvPr/>
+      </p:nvGrpSpPr>
+      <p:grpSpPr>
+        <a:xfrm>
+          <a:off x="0" y="0"/>
+          <a:ext cx="0" cy="0"/>
+          <a:chOff x="0" y="0"/>
+          <a:chExt cx="0" cy="0"/>
+        </a:xfrm>
+      </p:grpSpPr>
+      <p:sp>
+        <p:nvSpPr>
+          <p:cNvPr id="2" name="Title 2">
+            <a:extLst>
+              <a:ext uri="{FF2B5EF4-FFF2-40B4-BE49-F238E27FC236}">
+                <a16:creationId xmlns:a16="http://schemas.microsoft.com/office/drawing/2014/main" id="{12BEE06C-3CB4-1A31-1F99-81886307D619}"/>
+              </a:ext>
+            </a:extLst>
+          </p:cNvPr>
+          <p:cNvSpPr txBox="1">
+            <a:spLocks/>
+          </p:cNvSpPr>
+          <p:nvPr/>
+        </p:nvSpPr>
+        <p:spPr>
+          <a:xfrm>
+            <a:off x="429870" y="306380"/>
+            <a:ext cx="7914030" cy="1587733"/>
+          </a:xfrm>
+          <a:prstGeom prst="rect">
+            <a:avLst/>
+          </a:prstGeom>
+        </p:spPr>
+        <p:txBody>
+          <a:bodyPr>
+            <a:noAutofit/>
+          </a:bodyPr>
+          <a:lstStyle>
+            <a:lvl1pPr algn="l" defTabSz="342991" rtl="0" eaLnBrk="1" latinLnBrk="0" hangingPunct="1">
+              <a:spcBef>
+                <a:spcPct val="0"/>
+              </a:spcBef>
+              <a:buNone/>
+              <a:defRPr sz="2701" b="1" i="0" kern="1200">
+                <a:solidFill>
+                  <a:srgbClr val="002D50"/>
+                </a:solidFill>
+                <a:latin typeface="Helvetica Neue"/>
+                <a:ea typeface="+mj-ea"/>
+                <a:cs typeface="Helvetica Neue"/>
+              </a:defRPr>
+            </a:lvl1pPr>
+          </a:lstStyle>
+          <a:p>
+            <a:r>
+              <a:rPr lang="en-US" sz="3200" dirty="0"/>
+              <a:t>Thank you!</a:t>
+            </a:r>
+          </a:p>
+          <a:p>
+            <a:endParaRPr lang="en-US" sz="3200" dirty="0"/>
+          </a:p>
+          <a:p>
+            <a:r>
+              <a:rPr lang="en-US" sz="3200" dirty="0"/>
+              <a:t>See you tomorrow.</a:t>
+            </a:r>
+          </a:p>
+          <a:p>
+            <a:r>
+              <a:rPr lang="en-US" sz="2400" i="1" dirty="0"/>
+              <a:t>Please come with a fully charged laptop.</a:t>
+            </a:r>
+          </a:p>
+          <a:p>
+            <a:endParaRPr lang="en-US" sz="3200" dirty="0"/>
+          </a:p>
+          <a:p>
+            <a:endParaRPr lang="en-US" sz="1800" b="0" dirty="0"/>
+          </a:p>
+          <a:p>
+            <a:endParaRPr lang="en-US" sz="1800" b="0" dirty="0"/>
+          </a:p>
+          <a:p>
+            <a:endParaRPr lang="en-US" sz="1800" b="0" dirty="0"/>
+          </a:p>
+          <a:p>
+            <a:endParaRPr lang="en-US" sz="1800" b="0" dirty="0"/>
+          </a:p>
+          <a:p>
+            <a:endParaRPr lang="en-US" sz="1800" b="0" dirty="0"/>
+          </a:p>
+          <a:p>
+            <a:endParaRPr lang="en-US" sz="1800" b="0" dirty="0"/>
+          </a:p>
+          <a:p>
+            <a:endParaRPr lang="en-US" sz="1800" b="0" dirty="0"/>
+          </a:p>
+          <a:p>
+            <a:endParaRPr lang="en-US" sz="1800" b="0" dirty="0"/>
+          </a:p>
+          <a:p>
+            <a:r>
+              <a:rPr lang="en-US" sz="1600" b="0" dirty="0"/>
+              <a:t>Lecture and course material adapted from Intro to R materials created by Alex Douglas, available online </a:t>
+            </a:r>
+            <a:r>
+              <a:rPr lang="en-US" sz="1600" b="0" dirty="0">
+                <a:hlinkClick r:id="rId2"/>
+              </a:rPr>
+              <a:t>here</a:t>
+            </a:r>
+            <a:r>
+              <a:rPr lang="en-US" sz="1600" b="0" dirty="0"/>
+              <a:t>, with corresponding free online textbook.</a:t>
+            </a:r>
+          </a:p>
+          <a:p>
+            <a:endParaRPr lang="en-US" sz="1800" b="0" dirty="0"/>
+          </a:p>
+        </p:txBody>
+      </p:sp>
+      <p:sp>
+        <p:nvSpPr>
+          <p:cNvPr id="3" name="TextBox 2">
+            <a:extLst>
+              <a:ext uri="{FF2B5EF4-FFF2-40B4-BE49-F238E27FC236}">
+                <a16:creationId xmlns:a16="http://schemas.microsoft.com/office/drawing/2014/main" id="{90953270-FC82-8F69-DD7E-DA9BB724AB36}"/>
+              </a:ext>
+            </a:extLst>
+          </p:cNvPr>
+          <p:cNvSpPr txBox="1"/>
+          <p:nvPr/>
+        </p:nvSpPr>
+        <p:spPr>
+          <a:xfrm>
+            <a:off x="930729" y="832757"/>
+            <a:ext cx="184731" cy="369332"/>
+          </a:xfrm>
+          <a:prstGeom prst="rect">
+            <a:avLst/>
+          </a:prstGeom>
+          <a:noFill/>
+        </p:spPr>
+        <p:txBody>
+          <a:bodyPr wrap="none" rtlCol="0">
+            <a:spAutoFit/>
+          </a:bodyPr>
+          <a:lstStyle/>
+          <a:p>
+            <a:endParaRPr lang="en-US" dirty="0"/>
+          </a:p>
+        </p:txBody>
+      </p:sp>
+    </p:spTree>
+    <p:extLst>
+      <p:ext uri="{BB962C8B-B14F-4D97-AF65-F5344CB8AC3E}">
+        <p14:creationId xmlns:p14="http://schemas.microsoft.com/office/powerpoint/2010/main" val="1064813303"/>
       </p:ext>
     </p:extLst>
   </p:cSld>
@@ -5793,7 +9225,100 @@
           <a:p>
             <a:r>
               <a:rPr lang="en-US" sz="3200" dirty="0"/>
-              <a:t>Basic data summarization </a:t>
+              <a:t>Descriptive statistics</a:t>
+            </a:r>
+          </a:p>
+        </p:txBody>
+      </p:sp>
+      <p:sp>
+        <p:nvSpPr>
+          <p:cNvPr id="3" name="TextBox 2">
+            <a:extLst>
+              <a:ext uri="{FF2B5EF4-FFF2-40B4-BE49-F238E27FC236}">
+                <a16:creationId xmlns:a16="http://schemas.microsoft.com/office/drawing/2014/main" id="{84836432-9E19-66D5-27CC-2E1408EE4964}"/>
+              </a:ext>
+            </a:extLst>
+          </p:cNvPr>
+          <p:cNvSpPr txBox="1"/>
+          <p:nvPr/>
+        </p:nvSpPr>
+        <p:spPr>
+          <a:xfrm>
+            <a:off x="429869" y="1230992"/>
+            <a:ext cx="8284261" cy="2554545"/>
+          </a:xfrm>
+          <a:prstGeom prst="rect">
+            <a:avLst/>
+          </a:prstGeom>
+          <a:noFill/>
+        </p:spPr>
+        <p:txBody>
+          <a:bodyPr wrap="square" rtlCol="0">
+            <a:spAutoFit/>
+          </a:bodyPr>
+          <a:lstStyle/>
+          <a:p>
+            <a:pPr marL="457200" indent="-457200">
+              <a:spcBef>
+                <a:spcPts val="600"/>
+              </a:spcBef>
+              <a:spcAft>
+                <a:spcPts val="600"/>
+              </a:spcAft>
+              <a:buFont typeface="Arial" panose="020B0604020202020204" pitchFamily="34" charset="0"/>
+              <a:buChar char="•"/>
+            </a:pPr>
+            <a:r>
+              <a:rPr lang="en-US" sz="2600" dirty="0"/>
+              <a:t>Descriptive statistics summarize data, and typically describe three types of things:</a:t>
+            </a:r>
+          </a:p>
+          <a:p>
+            <a:pPr marL="914400" lvl="1" indent="-457200">
+              <a:spcBef>
+                <a:spcPts val="600"/>
+              </a:spcBef>
+              <a:spcAft>
+                <a:spcPts val="600"/>
+              </a:spcAft>
+              <a:buFont typeface="Arial" panose="020B0604020202020204" pitchFamily="34" charset="0"/>
+              <a:buChar char="•"/>
+            </a:pPr>
+            <a:r>
+              <a:rPr lang="en-US" sz="2600" dirty="0"/>
+              <a:t>center (e.g., mean, median)</a:t>
+            </a:r>
+          </a:p>
+          <a:p>
+            <a:pPr marL="914400" lvl="1" indent="-457200">
+              <a:spcBef>
+                <a:spcPts val="600"/>
+              </a:spcBef>
+              <a:spcAft>
+                <a:spcPts val="600"/>
+              </a:spcAft>
+              <a:buFont typeface="Arial" panose="020B0604020202020204" pitchFamily="34" charset="0"/>
+              <a:buChar char="•"/>
+            </a:pPr>
+            <a:r>
+              <a:rPr lang="en-US" sz="2600" dirty="0"/>
+              <a:t>spread (e.g., standard deviation, interquartile range)</a:t>
+            </a:r>
+          </a:p>
+          <a:p>
+            <a:pPr marL="914400" lvl="1" indent="-457200">
+              <a:spcBef>
+                <a:spcPts val="600"/>
+              </a:spcBef>
+              <a:spcAft>
+                <a:spcPts val="600"/>
+              </a:spcAft>
+              <a:buFont typeface="Arial" panose="020B0604020202020204" pitchFamily="34" charset="0"/>
+              <a:buChar char="•"/>
+            </a:pPr>
+            <a:r>
+              <a:rPr lang="en-US" sz="2600" dirty="0"/>
+              <a:t>counts &amp; rates (e.g., summary tables)</a:t>
             </a:r>
           </a:p>
         </p:txBody>
@@ -5801,7 +9326,7 @@
     </p:spTree>
     <p:extLst>
       <p:ext uri="{BB962C8B-B14F-4D97-AF65-F5344CB8AC3E}">
-        <p14:creationId xmlns:p14="http://schemas.microsoft.com/office/powerpoint/2010/main" val="2734654945"/>
+        <p14:creationId xmlns:p14="http://schemas.microsoft.com/office/powerpoint/2010/main" val="1114020328"/>
       </p:ext>
     </p:extLst>
   </p:cSld>
@@ -5874,15 +9399,54 @@
           <a:p>
             <a:r>
               <a:rPr lang="en-US" sz="3200" dirty="0"/>
-              <a:t>Counts and tables</a:t>
-            </a:r>
-          </a:p>
-        </p:txBody>
-      </p:sp>
+              <a:t>Descriptive statistics</a:t>
+            </a:r>
+          </a:p>
+          <a:p>
+            <a:r>
+              <a:rPr lang="en-US" sz="3200" b="0" i="1" dirty="0"/>
+              <a:t>Measures of centrality</a:t>
+            </a:r>
+          </a:p>
+          <a:p>
+            <a:endParaRPr lang="en-US" sz="3200" dirty="0"/>
+          </a:p>
+        </p:txBody>
+      </p:sp>
+      <p:pic>
+        <p:nvPicPr>
+          <p:cNvPr id="5" name="Picture 4">
+            <a:extLst>
+              <a:ext uri="{FF2B5EF4-FFF2-40B4-BE49-F238E27FC236}">
+                <a16:creationId xmlns:a16="http://schemas.microsoft.com/office/drawing/2014/main" id="{B733D9E9-725E-B1FA-F4C8-B35F71D82C4C}"/>
+              </a:ext>
+            </a:extLst>
+          </p:cNvPr>
+          <p:cNvPicPr>
+            <a:picLocks noChangeAspect="1"/>
+          </p:cNvPicPr>
+          <p:nvPr/>
+        </p:nvPicPr>
+        <p:blipFill>
+          <a:blip r:embed="rId2"/>
+          <a:stretch>
+            <a:fillRect/>
+          </a:stretch>
+        </p:blipFill>
+        <p:spPr>
+          <a:xfrm>
+            <a:off x="685800" y="1734974"/>
+            <a:ext cx="7772400" cy="2796567"/>
+          </a:xfrm>
+          <a:prstGeom prst="rect">
+            <a:avLst/>
+          </a:prstGeom>
+        </p:spPr>
+      </p:pic>
     </p:spTree>
     <p:extLst>
       <p:ext uri="{BB962C8B-B14F-4D97-AF65-F5344CB8AC3E}">
-        <p14:creationId xmlns:p14="http://schemas.microsoft.com/office/powerpoint/2010/main" val="3589557503"/>
+        <p14:creationId xmlns:p14="http://schemas.microsoft.com/office/powerpoint/2010/main" val="322481520"/>
       </p:ext>
     </p:extLst>
   </p:cSld>
@@ -5911,48 +9475,13 @@
       </p:grpSpPr>
       <p:sp>
         <p:nvSpPr>
-          <p:cNvPr id="10" name="Rectangle 9"/>
-          <p:cNvSpPr/>
-          <p:nvPr/>
-        </p:nvSpPr>
-        <p:spPr>
-          <a:xfrm>
-            <a:off x="-1" y="1330504"/>
-            <a:ext cx="9144001" cy="5527496"/>
-          </a:xfrm>
-          <a:prstGeom prst="rect">
-            <a:avLst/>
-          </a:prstGeom>
-          <a:solidFill>
-            <a:srgbClr val="041E42"/>
-          </a:solidFill>
-        </p:spPr>
-        <p:style>
-          <a:lnRef idx="1">
-            <a:schemeClr val="accent1"/>
-          </a:lnRef>
-          <a:fillRef idx="3">
-            <a:schemeClr val="accent1"/>
-          </a:fillRef>
-          <a:effectRef idx="2">
-            <a:schemeClr val="accent1"/>
-          </a:effectRef>
-          <a:fontRef idx="minor">
-            <a:schemeClr val="lt1"/>
-          </a:fontRef>
-        </p:style>
-        <p:txBody>
-          <a:bodyPr rtlCol="0" anchor="ctr"/>
-          <a:lstStyle/>
-          <a:p>
-            <a:pPr algn="ctr"/>
-            <a:endParaRPr lang="en-US" sz="1350" dirty="0"/>
-          </a:p>
-        </p:txBody>
-      </p:sp>
-      <p:sp>
-        <p:nvSpPr>
-          <p:cNvPr id="8" name="Title 5"/>
+          <p:cNvPr id="2" name="Title 2">
+            <a:extLst>
+              <a:ext uri="{FF2B5EF4-FFF2-40B4-BE49-F238E27FC236}">
+                <a16:creationId xmlns:a16="http://schemas.microsoft.com/office/drawing/2014/main" id="{12BEE06C-3CB4-1A31-1F99-81886307D619}"/>
+              </a:ext>
+            </a:extLst>
+          </p:cNvPr>
           <p:cNvSpPr txBox="1">
             <a:spLocks/>
           </p:cNvSpPr>
@@ -5960,8 +9489,8 @@
         </p:nvSpPr>
         <p:spPr>
           <a:xfrm>
-            <a:off x="383218" y="1477992"/>
-            <a:ext cx="7954732" cy="815898"/>
+            <a:off x="429870" y="306381"/>
+            <a:ext cx="6598728" cy="1143000"/>
           </a:xfrm>
           <a:prstGeom prst="rect">
             <a:avLst/>
@@ -5972,53 +9501,62 @@
             <a:noAutofit/>
           </a:bodyPr>
           <a:lstStyle>
-            <a:lvl1pPr algn="ctr" defTabSz="457200" rtl="0" eaLnBrk="1" latinLnBrk="0" hangingPunct="1">
+            <a:lvl1pPr algn="l" defTabSz="342991" rtl="0" eaLnBrk="1" latinLnBrk="0" hangingPunct="1">
               <a:spcBef>
                 <a:spcPct val="0"/>
               </a:spcBef>
               <a:buNone/>
-              <a:defRPr sz="4200" b="0" i="1" kern="1200">
+              <a:defRPr sz="2701" b="1" i="0" kern="1200">
                 <a:solidFill>
                   <a:srgbClr val="002D50"/>
                 </a:solidFill>
-                <a:latin typeface="Adobe Caslon Pro"/>
+                <a:latin typeface="Helvetica Neue"/>
                 <a:ea typeface="+mj-ea"/>
-                <a:cs typeface="Adobe Caslon Pro"/>
+                <a:cs typeface="Helvetica Neue"/>
               </a:defRPr>
             </a:lvl1pPr>
           </a:lstStyle>
           <a:p>
-            <a:pPr algn="l"/>
-            <a:r>
-              <a:rPr lang="en-US" sz="4051" dirty="0">
-                <a:solidFill>
-                  <a:schemeClr val="bg1"/>
-                </a:solidFill>
-                <a:latin typeface="Helvetica Neue"/>
-                <a:cs typeface="Helvetica Neue"/>
-              </a:rPr>
-              <a:t>Data visualization</a:t>
-            </a:r>
+            <a:r>
+              <a:rPr lang="en-US" sz="3200" dirty="0"/>
+              <a:t>Descriptive statistics</a:t>
+            </a:r>
+          </a:p>
+          <a:p>
+            <a:r>
+              <a:rPr lang="en-US" sz="3200" b="0" i="1" dirty="0"/>
+              <a:t>Measures of spread</a:t>
+            </a:r>
+          </a:p>
+          <a:p>
+            <a:endParaRPr lang="en-US" sz="3200" dirty="0"/>
           </a:p>
         </p:txBody>
       </p:sp>
       <p:pic>
         <p:nvPicPr>
-          <p:cNvPr id="12" name="Picture 11"/>
+          <p:cNvPr id="4" name="Picture 3">
+            <a:extLst>
+              <a:ext uri="{FF2B5EF4-FFF2-40B4-BE49-F238E27FC236}">
+                <a16:creationId xmlns:a16="http://schemas.microsoft.com/office/drawing/2014/main" id="{E626A1B5-0F5E-18A2-F43A-94F42EE3CC3F}"/>
+              </a:ext>
+            </a:extLst>
+          </p:cNvPr>
           <p:cNvPicPr>
             <a:picLocks noChangeAspect="1"/>
           </p:cNvPicPr>
           <p:nvPr/>
         </p:nvPicPr>
         <p:blipFill>
-          <a:blip r:embed="rId3"/>
-          <a:srcRect/>
-          <a:stretch/>
+          <a:blip r:embed="rId2"/>
+          <a:stretch>
+            <a:fillRect/>
+          </a:stretch>
         </p:blipFill>
         <p:spPr>
           <a:xfrm>
-            <a:off x="263465" y="398530"/>
-            <a:ext cx="5120827" cy="556906"/>
+            <a:off x="941730" y="1568912"/>
+            <a:ext cx="7320527" cy="3964917"/>
           </a:xfrm>
           <a:prstGeom prst="rect">
             <a:avLst/>
@@ -6028,7 +9566,7 @@
     </p:spTree>
     <p:extLst>
       <p:ext uri="{BB962C8B-B14F-4D97-AF65-F5344CB8AC3E}">
-        <p14:creationId xmlns:p14="http://schemas.microsoft.com/office/powerpoint/2010/main" val="4047090485"/>
+        <p14:creationId xmlns:p14="http://schemas.microsoft.com/office/powerpoint/2010/main" val="881120866"/>
       </p:ext>
     </p:extLst>
   </p:cSld>
@@ -6101,15 +9639,54 @@
           <a:p>
             <a:r>
               <a:rPr lang="en-US" sz="3200" dirty="0"/>
-              <a:t>Basic plots in R</a:t>
-            </a:r>
-          </a:p>
-        </p:txBody>
-      </p:sp>
+              <a:t>Descriptive statistics</a:t>
+            </a:r>
+          </a:p>
+          <a:p>
+            <a:r>
+              <a:rPr lang="en-US" sz="3200" b="0" i="1" dirty="0"/>
+              <a:t>Counts and rates</a:t>
+            </a:r>
+          </a:p>
+          <a:p>
+            <a:endParaRPr lang="en-US" sz="3200" dirty="0"/>
+          </a:p>
+        </p:txBody>
+      </p:sp>
+      <p:pic>
+        <p:nvPicPr>
+          <p:cNvPr id="5" name="Picture 4">
+            <a:extLst>
+              <a:ext uri="{FF2B5EF4-FFF2-40B4-BE49-F238E27FC236}">
+                <a16:creationId xmlns:a16="http://schemas.microsoft.com/office/drawing/2014/main" id="{06A8096A-E80E-D258-CCB8-DCE8A68A2708}"/>
+              </a:ext>
+            </a:extLst>
+          </p:cNvPr>
+          <p:cNvPicPr>
+            <a:picLocks noChangeAspect="1"/>
+          </p:cNvPicPr>
+          <p:nvPr/>
+        </p:nvPicPr>
+        <p:blipFill>
+          <a:blip r:embed="rId2"/>
+          <a:stretch>
+            <a:fillRect/>
+          </a:stretch>
+        </p:blipFill>
+        <p:spPr>
+          <a:xfrm>
+            <a:off x="1207823" y="1449380"/>
+            <a:ext cx="6221677" cy="4265619"/>
+          </a:xfrm>
+          <a:prstGeom prst="rect">
+            <a:avLst/>
+          </a:prstGeom>
+        </p:spPr>
+      </p:pic>
     </p:spTree>
     <p:extLst>
       <p:ext uri="{BB962C8B-B14F-4D97-AF65-F5344CB8AC3E}">
-        <p14:creationId xmlns:p14="http://schemas.microsoft.com/office/powerpoint/2010/main" val="2147741963"/>
+        <p14:creationId xmlns:p14="http://schemas.microsoft.com/office/powerpoint/2010/main" val="3838771328"/>
       </p:ext>
     </p:extLst>
   </p:cSld>
@@ -6182,15 +9759,45 @@
           <a:p>
             <a:r>
               <a:rPr lang="en-US" sz="3200" dirty="0"/>
-              <a:t>Exporting plots from R</a:t>
-            </a:r>
-          </a:p>
-        </p:txBody>
-      </p:sp>
+              <a:t>Basic data summarization </a:t>
+            </a:r>
+          </a:p>
+        </p:txBody>
+      </p:sp>
+      <p:pic>
+        <p:nvPicPr>
+          <p:cNvPr id="4" name="Picture 3">
+            <a:extLst>
+              <a:ext uri="{FF2B5EF4-FFF2-40B4-BE49-F238E27FC236}">
+                <a16:creationId xmlns:a16="http://schemas.microsoft.com/office/drawing/2014/main" id="{A0ED023A-138E-A95A-4D5A-D9D25C0A3509}"/>
+              </a:ext>
+            </a:extLst>
+          </p:cNvPr>
+          <p:cNvPicPr>
+            <a:picLocks noChangeAspect="1"/>
+          </p:cNvPicPr>
+          <p:nvPr/>
+        </p:nvPicPr>
+        <p:blipFill>
+          <a:blip r:embed="rId2"/>
+          <a:stretch>
+            <a:fillRect/>
+          </a:stretch>
+        </p:blipFill>
+        <p:spPr>
+          <a:xfrm>
+            <a:off x="941730" y="1222031"/>
+            <a:ext cx="7772400" cy="1864263"/>
+          </a:xfrm>
+          <a:prstGeom prst="rect">
+            <a:avLst/>
+          </a:prstGeom>
+        </p:spPr>
+      </p:pic>
     </p:spTree>
     <p:extLst>
       <p:ext uri="{BB962C8B-B14F-4D97-AF65-F5344CB8AC3E}">
-        <p14:creationId xmlns:p14="http://schemas.microsoft.com/office/powerpoint/2010/main" val="2719232736"/>
+        <p14:creationId xmlns:p14="http://schemas.microsoft.com/office/powerpoint/2010/main" val="2734654945"/>
       </p:ext>
     </p:extLst>
   </p:cSld>
@@ -6219,13 +9826,48 @@
       </p:grpSpPr>
       <p:sp>
         <p:nvSpPr>
-          <p:cNvPr id="2" name="Title 2">
-            <a:extLst>
-              <a:ext uri="{FF2B5EF4-FFF2-40B4-BE49-F238E27FC236}">
-                <a16:creationId xmlns:a16="http://schemas.microsoft.com/office/drawing/2014/main" id="{12BEE06C-3CB4-1A31-1F99-81886307D619}"/>
-              </a:ext>
-            </a:extLst>
-          </p:cNvPr>
+          <p:cNvPr id="10" name="Rectangle 9"/>
+          <p:cNvSpPr/>
+          <p:nvPr/>
+        </p:nvSpPr>
+        <p:spPr>
+          <a:xfrm>
+            <a:off x="-1" y="1330504"/>
+            <a:ext cx="9144001" cy="5527496"/>
+          </a:xfrm>
+          <a:prstGeom prst="rect">
+            <a:avLst/>
+          </a:prstGeom>
+          <a:solidFill>
+            <a:srgbClr val="041E42"/>
+          </a:solidFill>
+        </p:spPr>
+        <p:style>
+          <a:lnRef idx="1">
+            <a:schemeClr val="accent1"/>
+          </a:lnRef>
+          <a:fillRef idx="3">
+            <a:schemeClr val="accent1"/>
+          </a:fillRef>
+          <a:effectRef idx="2">
+            <a:schemeClr val="accent1"/>
+          </a:effectRef>
+          <a:fontRef idx="minor">
+            <a:schemeClr val="lt1"/>
+          </a:fontRef>
+        </p:style>
+        <p:txBody>
+          <a:bodyPr rtlCol="0" anchor="ctr"/>
+          <a:lstStyle/>
+          <a:p>
+            <a:pPr algn="ctr"/>
+            <a:endParaRPr lang="en-US" sz="1350" dirty="0"/>
+          </a:p>
+        </p:txBody>
+      </p:sp>
+      <p:sp>
+        <p:nvSpPr>
+          <p:cNvPr id="8" name="Title 5"/>
           <p:cNvSpPr txBox="1">
             <a:spLocks/>
           </p:cNvSpPr>
@@ -6233,8 +9875,8 @@
         </p:nvSpPr>
         <p:spPr>
           <a:xfrm>
-            <a:off x="429870" y="306381"/>
-            <a:ext cx="6598728" cy="1143000"/>
+            <a:off x="383218" y="1477992"/>
+            <a:ext cx="7954732" cy="815898"/>
           </a:xfrm>
           <a:prstGeom prst="rect">
             <a:avLst/>
@@ -6245,33 +9887,63 @@
             <a:noAutofit/>
           </a:bodyPr>
           <a:lstStyle>
-            <a:lvl1pPr algn="l" defTabSz="342991" rtl="0" eaLnBrk="1" latinLnBrk="0" hangingPunct="1">
+            <a:lvl1pPr algn="ctr" defTabSz="457200" rtl="0" eaLnBrk="1" latinLnBrk="0" hangingPunct="1">
               <a:spcBef>
                 <a:spcPct val="0"/>
               </a:spcBef>
               <a:buNone/>
-              <a:defRPr sz="2701" b="1" i="0" kern="1200">
+              <a:defRPr sz="4200" b="0" i="1" kern="1200">
                 <a:solidFill>
                   <a:srgbClr val="002D50"/>
                 </a:solidFill>
-                <a:latin typeface="Helvetica Neue"/>
+                <a:latin typeface="Adobe Caslon Pro"/>
                 <a:ea typeface="+mj-ea"/>
-                <a:cs typeface="Helvetica Neue"/>
+                <a:cs typeface="Adobe Caslon Pro"/>
               </a:defRPr>
             </a:lvl1pPr>
           </a:lstStyle>
           <a:p>
-            <a:r>
-              <a:rPr lang="en-US" sz="3200" dirty="0"/>
-              <a:t>Exporting plots from RStudio</a:t>
-            </a:r>
-          </a:p>
-        </p:txBody>
-      </p:sp>
+            <a:pPr algn="l"/>
+            <a:r>
+              <a:rPr lang="en-US" sz="4051" dirty="0">
+                <a:solidFill>
+                  <a:schemeClr val="bg1"/>
+                </a:solidFill>
+                <a:latin typeface="Helvetica Neue"/>
+                <a:cs typeface="Helvetica Neue"/>
+              </a:rPr>
+              <a:t>Data visualization</a:t>
+            </a:r>
+          </a:p>
+        </p:txBody>
+      </p:sp>
+      <p:pic>
+        <p:nvPicPr>
+          <p:cNvPr id="12" name="Picture 11"/>
+          <p:cNvPicPr>
+            <a:picLocks noChangeAspect="1"/>
+          </p:cNvPicPr>
+          <p:nvPr/>
+        </p:nvPicPr>
+        <p:blipFill>
+          <a:blip r:embed="rId3"/>
+          <a:srcRect/>
+          <a:stretch/>
+        </p:blipFill>
+        <p:spPr>
+          <a:xfrm>
+            <a:off x="263465" y="398530"/>
+            <a:ext cx="5120827" cy="556906"/>
+          </a:xfrm>
+          <a:prstGeom prst="rect">
+            <a:avLst/>
+          </a:prstGeom>
+        </p:spPr>
+      </p:pic>
     </p:spTree>
     <p:extLst>
       <p:ext uri="{BB962C8B-B14F-4D97-AF65-F5344CB8AC3E}">
-        <p14:creationId xmlns:p14="http://schemas.microsoft.com/office/powerpoint/2010/main" val="4129198636"/>
+        <p14:creationId xmlns:p14="http://schemas.microsoft.com/office/powerpoint/2010/main" val="4047090485"/>
       </p:ext>
     </p:extLst>
   </p:cSld>

--- a/day3/R Workshop Day 3 Slides.pptx
+++ b/day3/R Workshop Day 3 Slides.pptx
@@ -5,46 +5,22 @@
     <p:sldMasterId id="2147483648" r:id="rId1"/>
   </p:sldMasterIdLst>
   <p:notesMasterIdLst>
-    <p:notesMasterId r:id="rId36"/>
+    <p:notesMasterId r:id="rId12"/>
   </p:notesMasterIdLst>
   <p:handoutMasterIdLst>
-    <p:handoutMasterId r:id="rId37"/>
+    <p:handoutMasterId r:id="rId13"/>
   </p:handoutMasterIdLst>
   <p:sldIdLst>
     <p:sldId id="260" r:id="rId2"/>
     <p:sldId id="288" r:id="rId3"/>
     <p:sldId id="318" r:id="rId4"/>
-    <p:sldId id="335" r:id="rId5"/>
-    <p:sldId id="336" r:id="rId6"/>
-    <p:sldId id="337" r:id="rId7"/>
-    <p:sldId id="338" r:id="rId8"/>
-    <p:sldId id="302" r:id="rId9"/>
-    <p:sldId id="319" r:id="rId10"/>
-    <p:sldId id="340" r:id="rId11"/>
-    <p:sldId id="393" r:id="rId12"/>
-    <p:sldId id="394" r:id="rId13"/>
-    <p:sldId id="311" r:id="rId14"/>
-    <p:sldId id="396" r:id="rId15"/>
-    <p:sldId id="395" r:id="rId16"/>
-    <p:sldId id="329" r:id="rId17"/>
-    <p:sldId id="397" r:id="rId18"/>
-    <p:sldId id="399" r:id="rId19"/>
-    <p:sldId id="401" r:id="rId20"/>
-    <p:sldId id="398" r:id="rId21"/>
-    <p:sldId id="400" r:id="rId22"/>
-    <p:sldId id="388" r:id="rId23"/>
-    <p:sldId id="334" r:id="rId24"/>
-    <p:sldId id="315" r:id="rId25"/>
-    <p:sldId id="403" r:id="rId26"/>
-    <p:sldId id="402" r:id="rId27"/>
-    <p:sldId id="404" r:id="rId28"/>
-    <p:sldId id="406" r:id="rId29"/>
-    <p:sldId id="405" r:id="rId30"/>
-    <p:sldId id="407" r:id="rId31"/>
-    <p:sldId id="408" r:id="rId32"/>
-    <p:sldId id="409" r:id="rId33"/>
-    <p:sldId id="410" r:id="rId34"/>
-    <p:sldId id="301" r:id="rId35"/>
+    <p:sldId id="393" r:id="rId5"/>
+    <p:sldId id="394" r:id="rId6"/>
+    <p:sldId id="329" r:id="rId7"/>
+    <p:sldId id="397" r:id="rId8"/>
+    <p:sldId id="399" r:id="rId9"/>
+    <p:sldId id="401" r:id="rId10"/>
+    <p:sldId id="398" r:id="rId11"/>
   </p:sldIdLst>
   <p:sldSz cx="9144000" cy="6858000" type="screen4x3"/>
   <p:notesSz cx="6858000" cy="9144000"/>
@@ -151,37 +127,13 @@
             <p14:sldId id="260"/>
             <p14:sldId id="288"/>
             <p14:sldId id="318"/>
-            <p14:sldId id="335"/>
-            <p14:sldId id="336"/>
-            <p14:sldId id="337"/>
-            <p14:sldId id="338"/>
-            <p14:sldId id="302"/>
-            <p14:sldId id="319"/>
-            <p14:sldId id="340"/>
             <p14:sldId id="393"/>
             <p14:sldId id="394"/>
-            <p14:sldId id="311"/>
-            <p14:sldId id="396"/>
-            <p14:sldId id="395"/>
             <p14:sldId id="329"/>
             <p14:sldId id="397"/>
             <p14:sldId id="399"/>
             <p14:sldId id="401"/>
             <p14:sldId id="398"/>
-            <p14:sldId id="400"/>
-            <p14:sldId id="388"/>
-            <p14:sldId id="334"/>
-            <p14:sldId id="315"/>
-            <p14:sldId id="403"/>
-            <p14:sldId id="402"/>
-            <p14:sldId id="404"/>
-            <p14:sldId id="406"/>
-            <p14:sldId id="405"/>
-            <p14:sldId id="407"/>
-            <p14:sldId id="408"/>
-            <p14:sldId id="409"/>
-            <p14:sldId id="410"/>
-            <p14:sldId id="301"/>
           </p14:sldIdLst>
         </p14:section>
         <p14:section name="Placeholder Layouts" id="{5BEC25FF-7F29-2943-A432-7FFF68D68758}">
@@ -304,7 +256,7 @@
           <a:p>
             <a:fld id="{A553AA83-0331-A946-ADDB-F287CC1969EF}" type="datetimeFigureOut">
               <a:rPr lang="en-US" smtClean="0"/>
-              <a:t>6/2/23</a:t>
+              <a:t>6/14/23</a:t>
             </a:fld>
             <a:endParaRPr lang="en-US"/>
           </a:p>
@@ -469,7 +421,7 @@
           <a:p>
             <a:fld id="{ADBB2523-9D72-CB41-8D09-2C15EA0C0F3C}" type="datetimeFigureOut">
               <a:rPr lang="en-US" smtClean="0"/>
-              <a:t>6/2/23</a:t>
+              <a:t>6/14/23</a:t>
             </a:fld>
             <a:endParaRPr lang="en-US"/>
           </a:p>
@@ -914,268 +866,6 @@
 </p:notes>
 </file>
 
-<file path=ppt/notesSlides/notesSlide3.xml><?xml version="1.0" encoding="utf-8"?>
-<p:notes xmlns:a="http://schemas.openxmlformats.org/drawingml/2006/main" xmlns:r="http://schemas.openxmlformats.org/officeDocument/2006/relationships" xmlns:p="http://schemas.openxmlformats.org/presentationml/2006/main">
-  <p:cSld>
-    <p:spTree>
-      <p:nvGrpSpPr>
-        <p:cNvPr id="1" name=""/>
-        <p:cNvGrpSpPr/>
-        <p:nvPr/>
-      </p:nvGrpSpPr>
-      <p:grpSpPr>
-        <a:xfrm>
-          <a:off x="0" y="0"/>
-          <a:ext cx="0" cy="0"/>
-          <a:chOff x="0" y="0"/>
-          <a:chExt cx="0" cy="0"/>
-        </a:xfrm>
-      </p:grpSpPr>
-      <p:sp>
-        <p:nvSpPr>
-          <p:cNvPr id="2" name="Slide Image Placeholder 1"/>
-          <p:cNvSpPr>
-            <a:spLocks noGrp="1" noRot="1" noChangeAspect="1"/>
-          </p:cNvSpPr>
-          <p:nvPr>
-            <p:ph type="sldImg"/>
-          </p:nvPr>
-        </p:nvSpPr>
-        <p:spPr>
-          <a:xfrm>
-            <a:off x="1143000" y="685800"/>
-            <a:ext cx="4572000" cy="3429000"/>
-          </a:xfrm>
-        </p:spPr>
-      </p:sp>
-      <p:sp>
-        <p:nvSpPr>
-          <p:cNvPr id="3" name="Notes Placeholder 2"/>
-          <p:cNvSpPr>
-            <a:spLocks noGrp="1"/>
-          </p:cNvSpPr>
-          <p:nvPr>
-            <p:ph type="body" idx="1"/>
-          </p:nvPr>
-        </p:nvSpPr>
-        <p:spPr/>
-        <p:txBody>
-          <a:bodyPr/>
-          <a:lstStyle/>
-          <a:p>
-            <a:endParaRPr lang="en-US" dirty="0"/>
-          </a:p>
-        </p:txBody>
-      </p:sp>
-      <p:sp>
-        <p:nvSpPr>
-          <p:cNvPr id="4" name="Slide Number Placeholder 3"/>
-          <p:cNvSpPr>
-            <a:spLocks noGrp="1"/>
-          </p:cNvSpPr>
-          <p:nvPr>
-            <p:ph type="sldNum" sz="quarter" idx="10"/>
-          </p:nvPr>
-        </p:nvSpPr>
-        <p:spPr/>
-        <p:txBody>
-          <a:bodyPr/>
-          <a:lstStyle/>
-          <a:p>
-            <a:fld id="{7B79852F-C953-3445-B10C-3B6B94EB422C}" type="slidenum">
-              <a:rPr lang="en-US" smtClean="0"/>
-              <a:t>9</a:t>
-            </a:fld>
-            <a:endParaRPr lang="en-US"/>
-          </a:p>
-        </p:txBody>
-      </p:sp>
-    </p:spTree>
-    <p:extLst>
-      <p:ext uri="{BB962C8B-B14F-4D97-AF65-F5344CB8AC3E}">
-        <p14:creationId xmlns:p14="http://schemas.microsoft.com/office/powerpoint/2010/main" val="843163510"/>
-      </p:ext>
-    </p:extLst>
-  </p:cSld>
-  <p:clrMapOvr>
-    <a:masterClrMapping/>
-  </p:clrMapOvr>
-</p:notes>
-</file>
-
-<file path=ppt/notesSlides/notesSlide4.xml><?xml version="1.0" encoding="utf-8"?>
-<p:notes xmlns:a="http://schemas.openxmlformats.org/drawingml/2006/main" xmlns:r="http://schemas.openxmlformats.org/officeDocument/2006/relationships" xmlns:p="http://schemas.openxmlformats.org/presentationml/2006/main">
-  <p:cSld>
-    <p:spTree>
-      <p:nvGrpSpPr>
-        <p:cNvPr id="1" name=""/>
-        <p:cNvGrpSpPr/>
-        <p:nvPr/>
-      </p:nvGrpSpPr>
-      <p:grpSpPr>
-        <a:xfrm>
-          <a:off x="0" y="0"/>
-          <a:ext cx="0" cy="0"/>
-          <a:chOff x="0" y="0"/>
-          <a:chExt cx="0" cy="0"/>
-        </a:xfrm>
-      </p:grpSpPr>
-      <p:sp>
-        <p:nvSpPr>
-          <p:cNvPr id="2" name="Slide Image Placeholder 1"/>
-          <p:cNvSpPr>
-            <a:spLocks noGrp="1" noRot="1" noChangeAspect="1"/>
-          </p:cNvSpPr>
-          <p:nvPr>
-            <p:ph type="sldImg"/>
-          </p:nvPr>
-        </p:nvSpPr>
-        <p:spPr/>
-      </p:sp>
-      <p:sp>
-        <p:nvSpPr>
-          <p:cNvPr id="3" name="Notes Placeholder 2"/>
-          <p:cNvSpPr>
-            <a:spLocks noGrp="1"/>
-          </p:cNvSpPr>
-          <p:nvPr>
-            <p:ph type="body" idx="1"/>
-          </p:nvPr>
-        </p:nvSpPr>
-        <p:spPr/>
-        <p:txBody>
-          <a:bodyPr/>
-          <a:lstStyle/>
-          <a:p>
-            <a:endParaRPr lang="en-US" dirty="0"/>
-          </a:p>
-        </p:txBody>
-      </p:sp>
-      <p:sp>
-        <p:nvSpPr>
-          <p:cNvPr id="4" name="Slide Number Placeholder 3"/>
-          <p:cNvSpPr>
-            <a:spLocks noGrp="1"/>
-          </p:cNvSpPr>
-          <p:nvPr>
-            <p:ph type="sldNum" sz="quarter" idx="5"/>
-          </p:nvPr>
-        </p:nvSpPr>
-        <p:spPr/>
-        <p:txBody>
-          <a:bodyPr/>
-          <a:lstStyle/>
-          <a:p>
-            <a:fld id="{7B79852F-C953-3445-B10C-3B6B94EB422C}" type="slidenum">
-              <a:rPr lang="en-US" smtClean="0"/>
-              <a:t>22</a:t>
-            </a:fld>
-            <a:endParaRPr lang="en-US"/>
-          </a:p>
-        </p:txBody>
-      </p:sp>
-    </p:spTree>
-    <p:extLst>
-      <p:ext uri="{BB962C8B-B14F-4D97-AF65-F5344CB8AC3E}">
-        <p14:creationId xmlns:p14="http://schemas.microsoft.com/office/powerpoint/2010/main" val="1088677891"/>
-      </p:ext>
-    </p:extLst>
-  </p:cSld>
-  <p:clrMapOvr>
-    <a:masterClrMapping/>
-  </p:clrMapOvr>
-</p:notes>
-</file>
-
-<file path=ppt/notesSlides/notesSlide5.xml><?xml version="1.0" encoding="utf-8"?>
-<p:notes xmlns:a="http://schemas.openxmlformats.org/drawingml/2006/main" xmlns:r="http://schemas.openxmlformats.org/officeDocument/2006/relationships" xmlns:p="http://schemas.openxmlformats.org/presentationml/2006/main">
-  <p:cSld>
-    <p:spTree>
-      <p:nvGrpSpPr>
-        <p:cNvPr id="1" name=""/>
-        <p:cNvGrpSpPr/>
-        <p:nvPr/>
-      </p:nvGrpSpPr>
-      <p:grpSpPr>
-        <a:xfrm>
-          <a:off x="0" y="0"/>
-          <a:ext cx="0" cy="0"/>
-          <a:chOff x="0" y="0"/>
-          <a:chExt cx="0" cy="0"/>
-        </a:xfrm>
-      </p:grpSpPr>
-      <p:sp>
-        <p:nvSpPr>
-          <p:cNvPr id="2" name="Slide Image Placeholder 1"/>
-          <p:cNvSpPr>
-            <a:spLocks noGrp="1" noRot="1" noChangeAspect="1"/>
-          </p:cNvSpPr>
-          <p:nvPr>
-            <p:ph type="sldImg"/>
-          </p:nvPr>
-        </p:nvSpPr>
-        <p:spPr>
-          <a:xfrm>
-            <a:off x="1143000" y="685800"/>
-            <a:ext cx="4572000" cy="3429000"/>
-          </a:xfrm>
-        </p:spPr>
-      </p:sp>
-      <p:sp>
-        <p:nvSpPr>
-          <p:cNvPr id="3" name="Notes Placeholder 2"/>
-          <p:cNvSpPr>
-            <a:spLocks noGrp="1"/>
-          </p:cNvSpPr>
-          <p:nvPr>
-            <p:ph type="body" idx="1"/>
-          </p:nvPr>
-        </p:nvSpPr>
-        <p:spPr/>
-        <p:txBody>
-          <a:bodyPr/>
-          <a:lstStyle/>
-          <a:p>
-            <a:endParaRPr lang="en-US" dirty="0"/>
-          </a:p>
-        </p:txBody>
-      </p:sp>
-      <p:sp>
-        <p:nvSpPr>
-          <p:cNvPr id="4" name="Slide Number Placeholder 3"/>
-          <p:cNvSpPr>
-            <a:spLocks noGrp="1"/>
-          </p:cNvSpPr>
-          <p:nvPr>
-            <p:ph type="sldNum" sz="quarter" idx="10"/>
-          </p:nvPr>
-        </p:nvSpPr>
-        <p:spPr/>
-        <p:txBody>
-          <a:bodyPr/>
-          <a:lstStyle/>
-          <a:p>
-            <a:fld id="{7B79852F-C953-3445-B10C-3B6B94EB422C}" type="slidenum">
-              <a:rPr lang="en-US" smtClean="0"/>
-              <a:t>23</a:t>
-            </a:fld>
-            <a:endParaRPr lang="en-US"/>
-          </a:p>
-        </p:txBody>
-      </p:sp>
-    </p:spTree>
-    <p:extLst>
-      <p:ext uri="{BB962C8B-B14F-4D97-AF65-F5344CB8AC3E}">
-        <p14:creationId xmlns:p14="http://schemas.microsoft.com/office/powerpoint/2010/main" val="1893515867"/>
-      </p:ext>
-    </p:extLst>
-  </p:cSld>
-  <p:clrMapOvr>
-    <a:masterClrMapping/>
-  </p:clrMapOvr>
-</p:notes>
-</file>
-
 <file path=ppt/slideLayouts/slideLayout1.xml><?xml version="1.0" encoding="utf-8"?>
 <p:sldLayout xmlns:a="http://schemas.openxmlformats.org/drawingml/2006/main" xmlns:r="http://schemas.openxmlformats.org/officeDocument/2006/relationships" xmlns:p="http://schemas.openxmlformats.org/presentationml/2006/main" type="title" preserve="1">
   <p:cSld name="Title Slide">
@@ -1615,7 +1305,7 @@
             <a:fld id="{B86A9B72-EFE5-0C44-9856-127B83BB47D0}" type="datetimeFigureOut">
               <a:rPr lang="en-US" smtClean="0"/>
               <a:pPr/>
-              <a:t>6/2/23</a:t>
+              <a:t>6/14/23</a:t>
             </a:fld>
             <a:endParaRPr lang="en-US"/>
           </a:p>
@@ -1885,7 +1575,7 @@
             <a:fld id="{B86A9B72-EFE5-0C44-9856-127B83BB47D0}" type="datetimeFigureOut">
               <a:rPr lang="en-US" smtClean="0"/>
               <a:pPr/>
-              <a:t>6/2/23</a:t>
+              <a:t>6/14/23</a:t>
             </a:fld>
             <a:endParaRPr lang="en-US"/>
           </a:p>
@@ -2071,7 +1761,7 @@
             <a:fld id="{B86A9B72-EFE5-0C44-9856-127B83BB47D0}" type="datetimeFigureOut">
               <a:rPr lang="en-US" smtClean="0"/>
               <a:pPr/>
-              <a:t>6/2/23</a:t>
+              <a:t>6/14/23</a:t>
             </a:fld>
             <a:endParaRPr lang="en-US"/>
           </a:p>
@@ -2267,7 +1957,7 @@
             <a:fld id="{B86A9B72-EFE5-0C44-9856-127B83BB47D0}" type="datetimeFigureOut">
               <a:rPr lang="en-US" smtClean="0"/>
               <a:pPr/>
-              <a:t>6/2/23</a:t>
+              <a:t>6/14/23</a:t>
             </a:fld>
             <a:endParaRPr lang="en-US"/>
           </a:p>
@@ -3076,7 +2766,7 @@
             <a:fld id="{B86A9B72-EFE5-0C44-9856-127B83BB47D0}" type="datetimeFigureOut">
               <a:rPr lang="en-US" smtClean="0"/>
               <a:pPr/>
-              <a:t>6/2/23</a:t>
+              <a:t>6/14/23</a:t>
             </a:fld>
             <a:endParaRPr lang="en-US"/>
           </a:p>
@@ -3513,7 +3203,7 @@
             <a:fld id="{B86A9B72-EFE5-0C44-9856-127B83BB47D0}" type="datetimeFigureOut">
               <a:rPr lang="en-US" smtClean="0"/>
               <a:pPr/>
-              <a:t>6/2/23</a:t>
+              <a:t>6/14/23</a:t>
             </a:fld>
             <a:endParaRPr lang="en-US"/>
           </a:p>
@@ -3648,7 +3338,7 @@
             <a:fld id="{B86A9B72-EFE5-0C44-9856-127B83BB47D0}" type="datetimeFigureOut">
               <a:rPr lang="en-US" smtClean="0"/>
               <a:pPr/>
-              <a:t>6/2/23</a:t>
+              <a:t>6/14/23</a:t>
             </a:fld>
             <a:endParaRPr lang="en-US"/>
           </a:p>
@@ -3761,7 +3451,7 @@
             <a:fld id="{B86A9B72-EFE5-0C44-9856-127B83BB47D0}" type="datetimeFigureOut">
               <a:rPr lang="en-US" smtClean="0"/>
               <a:pPr/>
-              <a:t>6/2/23</a:t>
+              <a:t>6/14/23</a:t>
             </a:fld>
             <a:endParaRPr lang="en-US"/>
           </a:p>
@@ -4594,1146 +4284,6 @@
           <a:p>
             <a:r>
               <a:rPr lang="en-US" sz="3200" dirty="0"/>
-              <a:t>Data visualization</a:t>
-            </a:r>
-          </a:p>
-        </p:txBody>
-      </p:sp>
-      <p:sp>
-        <p:nvSpPr>
-          <p:cNvPr id="3" name="TextBox 2">
-            <a:extLst>
-              <a:ext uri="{FF2B5EF4-FFF2-40B4-BE49-F238E27FC236}">
-                <a16:creationId xmlns:a16="http://schemas.microsoft.com/office/drawing/2014/main" id="{84836432-9E19-66D5-27CC-2E1408EE4964}"/>
-              </a:ext>
-            </a:extLst>
-          </p:cNvPr>
-          <p:cNvSpPr txBox="1"/>
-          <p:nvPr/>
-        </p:nvSpPr>
-        <p:spPr>
-          <a:xfrm>
-            <a:off x="429869" y="1230992"/>
-            <a:ext cx="8284261" cy="1292662"/>
-          </a:xfrm>
-          <a:prstGeom prst="rect">
-            <a:avLst/>
-          </a:prstGeom>
-          <a:noFill/>
-        </p:spPr>
-        <p:txBody>
-          <a:bodyPr wrap="square" rtlCol="0">
-            <a:spAutoFit/>
-          </a:bodyPr>
-          <a:lstStyle/>
-          <a:p>
-            <a:pPr>
-              <a:spcBef>
-                <a:spcPts val="600"/>
-              </a:spcBef>
-              <a:spcAft>
-                <a:spcPts val="600"/>
-              </a:spcAft>
-            </a:pPr>
-            <a:r>
-              <a:rPr lang="en-US" sz="2600" dirty="0"/>
-              <a:t>Data visualization is one of the major parts of any exploratory analysis, it’s easier to identify trends visually than by staring at raw data or summary tables</a:t>
-            </a:r>
-          </a:p>
-        </p:txBody>
-      </p:sp>
-    </p:spTree>
-    <p:extLst>
-      <p:ext uri="{BB962C8B-B14F-4D97-AF65-F5344CB8AC3E}">
-        <p14:creationId xmlns:p14="http://schemas.microsoft.com/office/powerpoint/2010/main" val="2507506652"/>
-      </p:ext>
-    </p:extLst>
-  </p:cSld>
-  <p:clrMapOvr>
-    <a:masterClrMapping/>
-  </p:clrMapOvr>
-</p:sld>
-</file>
-
-<file path=ppt/slides/slide11.xml><?xml version="1.0" encoding="utf-8"?>
-<p:sld xmlns:a="http://schemas.openxmlformats.org/drawingml/2006/main" xmlns:r="http://schemas.openxmlformats.org/officeDocument/2006/relationships" xmlns:p="http://schemas.openxmlformats.org/presentationml/2006/main">
-  <p:cSld>
-    <p:spTree>
-      <p:nvGrpSpPr>
-        <p:cNvPr id="1" name=""/>
-        <p:cNvGrpSpPr/>
-        <p:nvPr/>
-      </p:nvGrpSpPr>
-      <p:grpSpPr>
-        <a:xfrm>
-          <a:off x="0" y="0"/>
-          <a:ext cx="0" cy="0"/>
-          <a:chOff x="0" y="0"/>
-          <a:chExt cx="0" cy="0"/>
-        </a:xfrm>
-      </p:grpSpPr>
-      <p:sp>
-        <p:nvSpPr>
-          <p:cNvPr id="2" name="Title 2">
-            <a:extLst>
-              <a:ext uri="{FF2B5EF4-FFF2-40B4-BE49-F238E27FC236}">
-                <a16:creationId xmlns:a16="http://schemas.microsoft.com/office/drawing/2014/main" id="{12BEE06C-3CB4-1A31-1F99-81886307D619}"/>
-              </a:ext>
-            </a:extLst>
-          </p:cNvPr>
-          <p:cNvSpPr txBox="1">
-            <a:spLocks/>
-          </p:cNvSpPr>
-          <p:nvPr/>
-        </p:nvSpPr>
-        <p:spPr>
-          <a:xfrm>
-            <a:off x="429870" y="306381"/>
-            <a:ext cx="6598728" cy="1143000"/>
-          </a:xfrm>
-          <a:prstGeom prst="rect">
-            <a:avLst/>
-          </a:prstGeom>
-        </p:spPr>
-        <p:txBody>
-          <a:bodyPr>
-            <a:noAutofit/>
-          </a:bodyPr>
-          <a:lstStyle>
-            <a:lvl1pPr algn="l" defTabSz="342991" rtl="0" eaLnBrk="1" latinLnBrk="0" hangingPunct="1">
-              <a:spcBef>
-                <a:spcPct val="0"/>
-              </a:spcBef>
-              <a:buNone/>
-              <a:defRPr sz="2701" b="1" i="0" kern="1200">
-                <a:solidFill>
-                  <a:srgbClr val="002D50"/>
-                </a:solidFill>
-                <a:latin typeface="Helvetica Neue"/>
-                <a:ea typeface="+mj-ea"/>
-                <a:cs typeface="Helvetica Neue"/>
-              </a:defRPr>
-            </a:lvl1pPr>
-          </a:lstStyle>
-          <a:p>
-            <a:r>
-              <a:rPr lang="en-US" sz="3200" dirty="0"/>
-              <a:t>What are you trying to learn?</a:t>
-            </a:r>
-          </a:p>
-        </p:txBody>
-      </p:sp>
-      <p:pic>
-        <p:nvPicPr>
-          <p:cNvPr id="5" name="Picture 4">
-            <a:extLst>
-              <a:ext uri="{FF2B5EF4-FFF2-40B4-BE49-F238E27FC236}">
-                <a16:creationId xmlns:a16="http://schemas.microsoft.com/office/drawing/2014/main" id="{9891814B-5B03-7E02-AE35-F8687510BC10}"/>
-              </a:ext>
-            </a:extLst>
-          </p:cNvPr>
-          <p:cNvPicPr>
-            <a:picLocks noChangeAspect="1"/>
-          </p:cNvPicPr>
-          <p:nvPr/>
-        </p:nvPicPr>
-        <p:blipFill>
-          <a:blip r:embed="rId2"/>
-          <a:stretch>
-            <a:fillRect/>
-          </a:stretch>
-        </p:blipFill>
-        <p:spPr>
-          <a:xfrm>
-            <a:off x="1028701" y="942897"/>
-            <a:ext cx="6417128" cy="4611377"/>
-          </a:xfrm>
-          <a:prstGeom prst="rect">
-            <a:avLst/>
-          </a:prstGeom>
-        </p:spPr>
-      </p:pic>
-      <p:sp>
-        <p:nvSpPr>
-          <p:cNvPr id="6" name="TextBox 5">
-            <a:extLst>
-              <a:ext uri="{FF2B5EF4-FFF2-40B4-BE49-F238E27FC236}">
-                <a16:creationId xmlns:a16="http://schemas.microsoft.com/office/drawing/2014/main" id="{A8D945FA-5FEE-3489-62B2-F3142F074365}"/>
-              </a:ext>
-            </a:extLst>
-          </p:cNvPr>
-          <p:cNvSpPr txBox="1"/>
-          <p:nvPr/>
-        </p:nvSpPr>
-        <p:spPr>
-          <a:xfrm>
-            <a:off x="212271" y="5514993"/>
-            <a:ext cx="4419800" cy="400110"/>
-          </a:xfrm>
-          <a:prstGeom prst="rect">
-            <a:avLst/>
-          </a:prstGeom>
-          <a:noFill/>
-        </p:spPr>
-        <p:txBody>
-          <a:bodyPr wrap="none" rtlCol="0">
-            <a:spAutoFit/>
-          </a:bodyPr>
-          <a:lstStyle/>
-          <a:p>
-            <a:r>
-              <a:rPr lang="en-US" sz="1000" dirty="0"/>
-              <a:t>Graphic by Andrew Abela</a:t>
-            </a:r>
-            <a:endParaRPr lang="en-US" sz="1000" u="sng" dirty="0"/>
-          </a:p>
-          <a:p>
-            <a:r>
-              <a:rPr lang="en-US" sz="1000" dirty="0"/>
-              <a:t>https://</a:t>
-            </a:r>
-            <a:r>
-              <a:rPr lang="en-US" sz="1000" dirty="0" err="1"/>
-              <a:t>extremepresentation.typepad.com</a:t>
-            </a:r>
-            <a:r>
-              <a:rPr lang="en-US" sz="1000" dirty="0"/>
-              <a:t>/blog/2006/09/</a:t>
-            </a:r>
-            <a:r>
-              <a:rPr lang="en-US" sz="1000" dirty="0" err="1"/>
-              <a:t>choosing_a_good.html</a:t>
-            </a:r>
-            <a:endParaRPr lang="en-US" sz="1000" dirty="0"/>
-          </a:p>
-        </p:txBody>
-      </p:sp>
-    </p:spTree>
-    <p:extLst>
-      <p:ext uri="{BB962C8B-B14F-4D97-AF65-F5344CB8AC3E}">
-        <p14:creationId xmlns:p14="http://schemas.microsoft.com/office/powerpoint/2010/main" val="4091258642"/>
-      </p:ext>
-    </p:extLst>
-  </p:cSld>
-  <p:clrMapOvr>
-    <a:masterClrMapping/>
-  </p:clrMapOvr>
-</p:sld>
-</file>
-
-<file path=ppt/slides/slide12.xml><?xml version="1.0" encoding="utf-8"?>
-<p:sld xmlns:a="http://schemas.openxmlformats.org/drawingml/2006/main" xmlns:r="http://schemas.openxmlformats.org/officeDocument/2006/relationships" xmlns:p="http://schemas.openxmlformats.org/presentationml/2006/main">
-  <p:cSld>
-    <p:spTree>
-      <p:nvGrpSpPr>
-        <p:cNvPr id="1" name=""/>
-        <p:cNvGrpSpPr/>
-        <p:nvPr/>
-      </p:nvGrpSpPr>
-      <p:grpSpPr>
-        <a:xfrm>
-          <a:off x="0" y="0"/>
-          <a:ext cx="0" cy="0"/>
-          <a:chOff x="0" y="0"/>
-          <a:chExt cx="0" cy="0"/>
-        </a:xfrm>
-      </p:grpSpPr>
-      <p:sp>
-        <p:nvSpPr>
-          <p:cNvPr id="2" name="Title 2">
-            <a:extLst>
-              <a:ext uri="{FF2B5EF4-FFF2-40B4-BE49-F238E27FC236}">
-                <a16:creationId xmlns:a16="http://schemas.microsoft.com/office/drawing/2014/main" id="{12BEE06C-3CB4-1A31-1F99-81886307D619}"/>
-              </a:ext>
-            </a:extLst>
-          </p:cNvPr>
-          <p:cNvSpPr txBox="1">
-            <a:spLocks/>
-          </p:cNvSpPr>
-          <p:nvPr/>
-        </p:nvSpPr>
-        <p:spPr>
-          <a:xfrm>
-            <a:off x="429870" y="306381"/>
-            <a:ext cx="6598728" cy="1143000"/>
-          </a:xfrm>
-          <a:prstGeom prst="rect">
-            <a:avLst/>
-          </a:prstGeom>
-        </p:spPr>
-        <p:txBody>
-          <a:bodyPr>
-            <a:noAutofit/>
-          </a:bodyPr>
-          <a:lstStyle>
-            <a:lvl1pPr algn="l" defTabSz="342991" rtl="0" eaLnBrk="1" latinLnBrk="0" hangingPunct="1">
-              <a:spcBef>
-                <a:spcPct val="0"/>
-              </a:spcBef>
-              <a:buNone/>
-              <a:defRPr sz="2701" b="1" i="0" kern="1200">
-                <a:solidFill>
-                  <a:srgbClr val="002D50"/>
-                </a:solidFill>
-                <a:latin typeface="Helvetica Neue"/>
-                <a:ea typeface="+mj-ea"/>
-                <a:cs typeface="Helvetica Neue"/>
-              </a:defRPr>
-            </a:lvl1pPr>
-          </a:lstStyle>
-          <a:p>
-            <a:r>
-              <a:rPr lang="en-US" sz="3200" dirty="0"/>
-              <a:t>What are you trying to learn?</a:t>
-            </a:r>
-          </a:p>
-        </p:txBody>
-      </p:sp>
-      <p:sp>
-        <p:nvSpPr>
-          <p:cNvPr id="6" name="TextBox 5">
-            <a:extLst>
-              <a:ext uri="{FF2B5EF4-FFF2-40B4-BE49-F238E27FC236}">
-                <a16:creationId xmlns:a16="http://schemas.microsoft.com/office/drawing/2014/main" id="{A8D945FA-5FEE-3489-62B2-F3142F074365}"/>
-              </a:ext>
-            </a:extLst>
-          </p:cNvPr>
-          <p:cNvSpPr txBox="1"/>
-          <p:nvPr/>
-        </p:nvSpPr>
-        <p:spPr>
-          <a:xfrm>
-            <a:off x="212271" y="5514993"/>
-            <a:ext cx="1758815" cy="400110"/>
-          </a:xfrm>
-          <a:prstGeom prst="rect">
-            <a:avLst/>
-          </a:prstGeom>
-          <a:noFill/>
-        </p:spPr>
-        <p:txBody>
-          <a:bodyPr wrap="none" rtlCol="0">
-            <a:spAutoFit/>
-          </a:bodyPr>
-          <a:lstStyle/>
-          <a:p>
-            <a:r>
-              <a:rPr lang="en-US" sz="1000" dirty="0"/>
-              <a:t>Graphic by Data to Viz</a:t>
-            </a:r>
-            <a:endParaRPr lang="en-US" sz="1000" u="sng" dirty="0"/>
-          </a:p>
-          <a:p>
-            <a:r>
-              <a:rPr lang="en-US" sz="1000" dirty="0"/>
-              <a:t>https://</a:t>
-            </a:r>
-            <a:r>
-              <a:rPr lang="en-US" sz="1000" dirty="0" err="1"/>
-              <a:t>www.data</a:t>
-            </a:r>
-            <a:r>
-              <a:rPr lang="en-US" sz="1000" dirty="0"/>
-              <a:t>-to-</a:t>
-            </a:r>
-            <a:r>
-              <a:rPr lang="en-US" sz="1000" dirty="0" err="1"/>
-              <a:t>viz.com</a:t>
-            </a:r>
-            <a:r>
-              <a:rPr lang="en-US" sz="1000" dirty="0"/>
-              <a:t>/</a:t>
-            </a:r>
-          </a:p>
-        </p:txBody>
-      </p:sp>
-      <p:pic>
-        <p:nvPicPr>
-          <p:cNvPr id="4" name="Picture 3">
-            <a:extLst>
-              <a:ext uri="{FF2B5EF4-FFF2-40B4-BE49-F238E27FC236}">
-                <a16:creationId xmlns:a16="http://schemas.microsoft.com/office/drawing/2014/main" id="{609F97E0-0D75-7ED3-B9B3-9ECE26BF1F11}"/>
-              </a:ext>
-            </a:extLst>
-          </p:cNvPr>
-          <p:cNvPicPr>
-            <a:picLocks noChangeAspect="1"/>
-          </p:cNvPicPr>
-          <p:nvPr/>
-        </p:nvPicPr>
-        <p:blipFill>
-          <a:blip r:embed="rId2"/>
-          <a:stretch>
-            <a:fillRect/>
-          </a:stretch>
-        </p:blipFill>
-        <p:spPr>
-          <a:xfrm>
-            <a:off x="745871" y="942897"/>
-            <a:ext cx="7772400" cy="4375149"/>
-          </a:xfrm>
-          <a:prstGeom prst="rect">
-            <a:avLst/>
-          </a:prstGeom>
-        </p:spPr>
-      </p:pic>
-    </p:spTree>
-    <p:extLst>
-      <p:ext uri="{BB962C8B-B14F-4D97-AF65-F5344CB8AC3E}">
-        <p14:creationId xmlns:p14="http://schemas.microsoft.com/office/powerpoint/2010/main" val="3622336025"/>
-      </p:ext>
-    </p:extLst>
-  </p:cSld>
-  <p:clrMapOvr>
-    <a:masterClrMapping/>
-  </p:clrMapOvr>
-</p:sld>
-</file>
-
-<file path=ppt/slides/slide13.xml><?xml version="1.0" encoding="utf-8"?>
-<p:sld xmlns:a="http://schemas.openxmlformats.org/drawingml/2006/main" xmlns:r="http://schemas.openxmlformats.org/officeDocument/2006/relationships" xmlns:p="http://schemas.openxmlformats.org/presentationml/2006/main">
-  <p:cSld>
-    <p:spTree>
-      <p:nvGrpSpPr>
-        <p:cNvPr id="1" name=""/>
-        <p:cNvGrpSpPr/>
-        <p:nvPr/>
-      </p:nvGrpSpPr>
-      <p:grpSpPr>
-        <a:xfrm>
-          <a:off x="0" y="0"/>
-          <a:ext cx="0" cy="0"/>
-          <a:chOff x="0" y="0"/>
-          <a:chExt cx="0" cy="0"/>
-        </a:xfrm>
-      </p:grpSpPr>
-      <p:sp>
-        <p:nvSpPr>
-          <p:cNvPr id="2" name="Title 2">
-            <a:extLst>
-              <a:ext uri="{FF2B5EF4-FFF2-40B4-BE49-F238E27FC236}">
-                <a16:creationId xmlns:a16="http://schemas.microsoft.com/office/drawing/2014/main" id="{12BEE06C-3CB4-1A31-1F99-81886307D619}"/>
-              </a:ext>
-            </a:extLst>
-          </p:cNvPr>
-          <p:cNvSpPr txBox="1">
-            <a:spLocks/>
-          </p:cNvSpPr>
-          <p:nvPr/>
-        </p:nvSpPr>
-        <p:spPr>
-          <a:xfrm>
-            <a:off x="429870" y="306381"/>
-            <a:ext cx="6598728" cy="1143000"/>
-          </a:xfrm>
-          <a:prstGeom prst="rect">
-            <a:avLst/>
-          </a:prstGeom>
-        </p:spPr>
-        <p:txBody>
-          <a:bodyPr>
-            <a:noAutofit/>
-          </a:bodyPr>
-          <a:lstStyle>
-            <a:lvl1pPr algn="l" defTabSz="342991" rtl="0" eaLnBrk="1" latinLnBrk="0" hangingPunct="1">
-              <a:spcBef>
-                <a:spcPct val="0"/>
-              </a:spcBef>
-              <a:buNone/>
-              <a:defRPr sz="2701" b="1" i="0" kern="1200">
-                <a:solidFill>
-                  <a:srgbClr val="002D50"/>
-                </a:solidFill>
-                <a:latin typeface="Helvetica Neue"/>
-                <a:ea typeface="+mj-ea"/>
-                <a:cs typeface="Helvetica Neue"/>
-              </a:defRPr>
-            </a:lvl1pPr>
-          </a:lstStyle>
-          <a:p>
-            <a:r>
-              <a:rPr lang="en-US" sz="3200" dirty="0"/>
-              <a:t>Basic plots in R</a:t>
-            </a:r>
-          </a:p>
-          <a:p>
-            <a:r>
-              <a:rPr lang="en-US" sz="3200" i="1" dirty="0"/>
-              <a:t>histogram</a:t>
-            </a:r>
-          </a:p>
-        </p:txBody>
-      </p:sp>
-      <p:pic>
-        <p:nvPicPr>
-          <p:cNvPr id="4" name="Picture 3">
-            <a:extLst>
-              <a:ext uri="{FF2B5EF4-FFF2-40B4-BE49-F238E27FC236}">
-                <a16:creationId xmlns:a16="http://schemas.microsoft.com/office/drawing/2014/main" id="{030A57FE-9F18-55C7-86B1-068DA7D8FAEC}"/>
-              </a:ext>
-            </a:extLst>
-          </p:cNvPr>
-          <p:cNvPicPr>
-            <a:picLocks noChangeAspect="1"/>
-          </p:cNvPicPr>
-          <p:nvPr/>
-        </p:nvPicPr>
-        <p:blipFill>
-          <a:blip r:embed="rId2"/>
-          <a:stretch>
-            <a:fillRect/>
-          </a:stretch>
-        </p:blipFill>
-        <p:spPr>
-          <a:xfrm>
-            <a:off x="1387929" y="1612667"/>
-            <a:ext cx="5845629" cy="3992704"/>
-          </a:xfrm>
-          <a:prstGeom prst="rect">
-            <a:avLst/>
-          </a:prstGeom>
-        </p:spPr>
-      </p:pic>
-    </p:spTree>
-    <p:extLst>
-      <p:ext uri="{BB962C8B-B14F-4D97-AF65-F5344CB8AC3E}">
-        <p14:creationId xmlns:p14="http://schemas.microsoft.com/office/powerpoint/2010/main" val="2147741963"/>
-      </p:ext>
-    </p:extLst>
-  </p:cSld>
-  <p:clrMapOvr>
-    <a:masterClrMapping/>
-  </p:clrMapOvr>
-</p:sld>
-</file>
-
-<file path=ppt/slides/slide14.xml><?xml version="1.0" encoding="utf-8"?>
-<p:sld xmlns:a="http://schemas.openxmlformats.org/drawingml/2006/main" xmlns:r="http://schemas.openxmlformats.org/officeDocument/2006/relationships" xmlns:p="http://schemas.openxmlformats.org/presentationml/2006/main">
-  <p:cSld>
-    <p:spTree>
-      <p:nvGrpSpPr>
-        <p:cNvPr id="1" name=""/>
-        <p:cNvGrpSpPr/>
-        <p:nvPr/>
-      </p:nvGrpSpPr>
-      <p:grpSpPr>
-        <a:xfrm>
-          <a:off x="0" y="0"/>
-          <a:ext cx="0" cy="0"/>
-          <a:chOff x="0" y="0"/>
-          <a:chExt cx="0" cy="0"/>
-        </a:xfrm>
-      </p:grpSpPr>
-      <p:sp>
-        <p:nvSpPr>
-          <p:cNvPr id="2" name="Title 2">
-            <a:extLst>
-              <a:ext uri="{FF2B5EF4-FFF2-40B4-BE49-F238E27FC236}">
-                <a16:creationId xmlns:a16="http://schemas.microsoft.com/office/drawing/2014/main" id="{12BEE06C-3CB4-1A31-1F99-81886307D619}"/>
-              </a:ext>
-            </a:extLst>
-          </p:cNvPr>
-          <p:cNvSpPr txBox="1">
-            <a:spLocks/>
-          </p:cNvSpPr>
-          <p:nvPr/>
-        </p:nvSpPr>
-        <p:spPr>
-          <a:xfrm>
-            <a:off x="429870" y="306381"/>
-            <a:ext cx="6598728" cy="1143000"/>
-          </a:xfrm>
-          <a:prstGeom prst="rect">
-            <a:avLst/>
-          </a:prstGeom>
-        </p:spPr>
-        <p:txBody>
-          <a:bodyPr>
-            <a:noAutofit/>
-          </a:bodyPr>
-          <a:lstStyle>
-            <a:lvl1pPr algn="l" defTabSz="342991" rtl="0" eaLnBrk="1" latinLnBrk="0" hangingPunct="1">
-              <a:spcBef>
-                <a:spcPct val="0"/>
-              </a:spcBef>
-              <a:buNone/>
-              <a:defRPr sz="2701" b="1" i="0" kern="1200">
-                <a:solidFill>
-                  <a:srgbClr val="002D50"/>
-                </a:solidFill>
-                <a:latin typeface="Helvetica Neue"/>
-                <a:ea typeface="+mj-ea"/>
-                <a:cs typeface="Helvetica Neue"/>
-              </a:defRPr>
-            </a:lvl1pPr>
-          </a:lstStyle>
-          <a:p>
-            <a:r>
-              <a:rPr lang="en-US" sz="3200" dirty="0"/>
-              <a:t>Basic plots in R</a:t>
-            </a:r>
-          </a:p>
-          <a:p>
-            <a:r>
-              <a:rPr lang="en-US" sz="3200" i="1" dirty="0"/>
-              <a:t>labeling </a:t>
-            </a:r>
-          </a:p>
-        </p:txBody>
-      </p:sp>
-      <p:pic>
-        <p:nvPicPr>
-          <p:cNvPr id="4" name="Picture 3">
-            <a:extLst>
-              <a:ext uri="{FF2B5EF4-FFF2-40B4-BE49-F238E27FC236}">
-                <a16:creationId xmlns:a16="http://schemas.microsoft.com/office/drawing/2014/main" id="{062CE835-9C45-C2B7-4A64-58E733143CB0}"/>
-              </a:ext>
-            </a:extLst>
-          </p:cNvPr>
-          <p:cNvPicPr>
-            <a:picLocks noChangeAspect="1"/>
-          </p:cNvPicPr>
-          <p:nvPr/>
-        </p:nvPicPr>
-        <p:blipFill>
-          <a:blip r:embed="rId2"/>
-          <a:stretch>
-            <a:fillRect/>
-          </a:stretch>
-        </p:blipFill>
-        <p:spPr>
-          <a:xfrm>
-            <a:off x="1763485" y="1547868"/>
-            <a:ext cx="5992586" cy="4028996"/>
-          </a:xfrm>
-          <a:prstGeom prst="rect">
-            <a:avLst/>
-          </a:prstGeom>
-        </p:spPr>
-      </p:pic>
-    </p:spTree>
-    <p:extLst>
-      <p:ext uri="{BB962C8B-B14F-4D97-AF65-F5344CB8AC3E}">
-        <p14:creationId xmlns:p14="http://schemas.microsoft.com/office/powerpoint/2010/main" val="3499928977"/>
-      </p:ext>
-    </p:extLst>
-  </p:cSld>
-  <p:clrMapOvr>
-    <a:masterClrMapping/>
-  </p:clrMapOvr>
-</p:sld>
-</file>
-
-<file path=ppt/slides/slide15.xml><?xml version="1.0" encoding="utf-8"?>
-<p:sld xmlns:a="http://schemas.openxmlformats.org/drawingml/2006/main" xmlns:r="http://schemas.openxmlformats.org/officeDocument/2006/relationships" xmlns:p="http://schemas.openxmlformats.org/presentationml/2006/main">
-  <p:cSld>
-    <p:spTree>
-      <p:nvGrpSpPr>
-        <p:cNvPr id="1" name=""/>
-        <p:cNvGrpSpPr/>
-        <p:nvPr/>
-      </p:nvGrpSpPr>
-      <p:grpSpPr>
-        <a:xfrm>
-          <a:off x="0" y="0"/>
-          <a:ext cx="0" cy="0"/>
-          <a:chOff x="0" y="0"/>
-          <a:chExt cx="0" cy="0"/>
-        </a:xfrm>
-      </p:grpSpPr>
-      <p:sp>
-        <p:nvSpPr>
-          <p:cNvPr id="2" name="Title 2">
-            <a:extLst>
-              <a:ext uri="{FF2B5EF4-FFF2-40B4-BE49-F238E27FC236}">
-                <a16:creationId xmlns:a16="http://schemas.microsoft.com/office/drawing/2014/main" id="{12BEE06C-3CB4-1A31-1F99-81886307D619}"/>
-              </a:ext>
-            </a:extLst>
-          </p:cNvPr>
-          <p:cNvSpPr txBox="1">
-            <a:spLocks/>
-          </p:cNvSpPr>
-          <p:nvPr/>
-        </p:nvSpPr>
-        <p:spPr>
-          <a:xfrm>
-            <a:off x="429870" y="306381"/>
-            <a:ext cx="6598728" cy="1143000"/>
-          </a:xfrm>
-          <a:prstGeom prst="rect">
-            <a:avLst/>
-          </a:prstGeom>
-        </p:spPr>
-        <p:txBody>
-          <a:bodyPr>
-            <a:noAutofit/>
-          </a:bodyPr>
-          <a:lstStyle>
-            <a:lvl1pPr algn="l" defTabSz="342991" rtl="0" eaLnBrk="1" latinLnBrk="0" hangingPunct="1">
-              <a:spcBef>
-                <a:spcPct val="0"/>
-              </a:spcBef>
-              <a:buNone/>
-              <a:defRPr sz="2701" b="1" i="0" kern="1200">
-                <a:solidFill>
-                  <a:srgbClr val="002D50"/>
-                </a:solidFill>
-                <a:latin typeface="Helvetica Neue"/>
-                <a:ea typeface="+mj-ea"/>
-                <a:cs typeface="Helvetica Neue"/>
-              </a:defRPr>
-            </a:lvl1pPr>
-          </a:lstStyle>
-          <a:p>
-            <a:r>
-              <a:rPr lang="en-US" sz="3200" dirty="0"/>
-              <a:t>Basic plots in R</a:t>
-            </a:r>
-          </a:p>
-          <a:p>
-            <a:r>
-              <a:rPr lang="en-US" sz="3200" i="1" dirty="0"/>
-              <a:t>scatterplot</a:t>
-            </a:r>
-          </a:p>
-        </p:txBody>
-      </p:sp>
-      <p:pic>
-        <p:nvPicPr>
-          <p:cNvPr id="9" name="Picture 8">
-            <a:extLst>
-              <a:ext uri="{FF2B5EF4-FFF2-40B4-BE49-F238E27FC236}">
-                <a16:creationId xmlns:a16="http://schemas.microsoft.com/office/drawing/2014/main" id="{546D4978-9768-016A-9937-0BEBCD1CF4A8}"/>
-              </a:ext>
-            </a:extLst>
-          </p:cNvPr>
-          <p:cNvPicPr>
-            <a:picLocks noChangeAspect="1"/>
-          </p:cNvPicPr>
-          <p:nvPr/>
-        </p:nvPicPr>
-        <p:blipFill>
-          <a:blip r:embed="rId2"/>
-          <a:stretch>
-            <a:fillRect/>
-          </a:stretch>
-        </p:blipFill>
-        <p:spPr>
-          <a:xfrm>
-            <a:off x="1632857" y="1449381"/>
-            <a:ext cx="5633357" cy="4022775"/>
-          </a:xfrm>
-          <a:prstGeom prst="rect">
-            <a:avLst/>
-          </a:prstGeom>
-        </p:spPr>
-      </p:pic>
-    </p:spTree>
-    <p:extLst>
-      <p:ext uri="{BB962C8B-B14F-4D97-AF65-F5344CB8AC3E}">
-        <p14:creationId xmlns:p14="http://schemas.microsoft.com/office/powerpoint/2010/main" val="500713563"/>
-      </p:ext>
-    </p:extLst>
-  </p:cSld>
-  <p:clrMapOvr>
-    <a:masterClrMapping/>
-  </p:clrMapOvr>
-</p:sld>
-</file>
-
-<file path=ppt/slides/slide16.xml><?xml version="1.0" encoding="utf-8"?>
-<p:sld xmlns:a="http://schemas.openxmlformats.org/drawingml/2006/main" xmlns:r="http://schemas.openxmlformats.org/officeDocument/2006/relationships" xmlns:p="http://schemas.openxmlformats.org/presentationml/2006/main">
-  <p:cSld>
-    <p:spTree>
-      <p:nvGrpSpPr>
-        <p:cNvPr id="1" name=""/>
-        <p:cNvGrpSpPr/>
-        <p:nvPr/>
-      </p:nvGrpSpPr>
-      <p:grpSpPr>
-        <a:xfrm>
-          <a:off x="0" y="0"/>
-          <a:ext cx="0" cy="0"/>
-          <a:chOff x="0" y="0"/>
-          <a:chExt cx="0" cy="0"/>
-        </a:xfrm>
-      </p:grpSpPr>
-      <p:sp>
-        <p:nvSpPr>
-          <p:cNvPr id="2" name="Title 2">
-            <a:extLst>
-              <a:ext uri="{FF2B5EF4-FFF2-40B4-BE49-F238E27FC236}">
-                <a16:creationId xmlns:a16="http://schemas.microsoft.com/office/drawing/2014/main" id="{12BEE06C-3CB4-1A31-1F99-81886307D619}"/>
-              </a:ext>
-            </a:extLst>
-          </p:cNvPr>
-          <p:cNvSpPr txBox="1">
-            <a:spLocks/>
-          </p:cNvSpPr>
-          <p:nvPr/>
-        </p:nvSpPr>
-        <p:spPr>
-          <a:xfrm>
-            <a:off x="429870" y="306381"/>
-            <a:ext cx="6598728" cy="1143000"/>
-          </a:xfrm>
-          <a:prstGeom prst="rect">
-            <a:avLst/>
-          </a:prstGeom>
-        </p:spPr>
-        <p:txBody>
-          <a:bodyPr>
-            <a:noAutofit/>
-          </a:bodyPr>
-          <a:lstStyle>
-            <a:lvl1pPr algn="l" defTabSz="342991" rtl="0" eaLnBrk="1" latinLnBrk="0" hangingPunct="1">
-              <a:spcBef>
-                <a:spcPct val="0"/>
-              </a:spcBef>
-              <a:buNone/>
-              <a:defRPr sz="2701" b="1" i="0" kern="1200">
-                <a:solidFill>
-                  <a:srgbClr val="002D50"/>
-                </a:solidFill>
-                <a:latin typeface="Helvetica Neue"/>
-                <a:ea typeface="+mj-ea"/>
-                <a:cs typeface="Helvetica Neue"/>
-              </a:defRPr>
-            </a:lvl1pPr>
-          </a:lstStyle>
-          <a:p>
-            <a:r>
-              <a:rPr lang="en-US" sz="3200" dirty="0"/>
-              <a:t>Exporting plots from RStudio</a:t>
-            </a:r>
-          </a:p>
-        </p:txBody>
-      </p:sp>
-      <p:pic>
-        <p:nvPicPr>
-          <p:cNvPr id="4" name="Picture 3">
-            <a:extLst>
-              <a:ext uri="{FF2B5EF4-FFF2-40B4-BE49-F238E27FC236}">
-                <a16:creationId xmlns:a16="http://schemas.microsoft.com/office/drawing/2014/main" id="{08159F5E-43C1-C2D1-6262-FF3C87098728}"/>
-              </a:ext>
-            </a:extLst>
-          </p:cNvPr>
-          <p:cNvPicPr>
-            <a:picLocks noChangeAspect="1"/>
-          </p:cNvPicPr>
-          <p:nvPr/>
-        </p:nvPicPr>
-        <p:blipFill>
-          <a:blip r:embed="rId2"/>
-          <a:stretch>
-            <a:fillRect/>
-          </a:stretch>
-        </p:blipFill>
-        <p:spPr>
-          <a:xfrm>
-            <a:off x="1445079" y="1449381"/>
-            <a:ext cx="5461907" cy="4142187"/>
-          </a:xfrm>
-          <a:prstGeom prst="rect">
-            <a:avLst/>
-          </a:prstGeom>
-        </p:spPr>
-      </p:pic>
-      <p:sp>
-        <p:nvSpPr>
-          <p:cNvPr id="5" name="Oval 4">
-            <a:extLst>
-              <a:ext uri="{FF2B5EF4-FFF2-40B4-BE49-F238E27FC236}">
-                <a16:creationId xmlns:a16="http://schemas.microsoft.com/office/drawing/2014/main" id="{4FE5D7DE-C36F-2526-504A-29765E94A7A1}"/>
-              </a:ext>
-            </a:extLst>
-          </p:cNvPr>
-          <p:cNvSpPr/>
-          <p:nvPr/>
-        </p:nvSpPr>
-        <p:spPr>
-          <a:xfrm>
-            <a:off x="2684206" y="1681842"/>
-            <a:ext cx="1045028" cy="457201"/>
-          </a:xfrm>
-          <a:prstGeom prst="ellipse">
-            <a:avLst/>
-          </a:prstGeom>
-          <a:noFill/>
-          <a:ln w="76200">
-            <a:solidFill>
-              <a:schemeClr val="accent6">
-                <a:lumMod val="75000"/>
-                <a:lumOff val="25000"/>
-              </a:schemeClr>
-            </a:solidFill>
-          </a:ln>
-          <a:effectLst/>
-        </p:spPr>
-        <p:style>
-          <a:lnRef idx="1">
-            <a:schemeClr val="accent1"/>
-          </a:lnRef>
-          <a:fillRef idx="3">
-            <a:schemeClr val="accent1"/>
-          </a:fillRef>
-          <a:effectRef idx="2">
-            <a:schemeClr val="accent1"/>
-          </a:effectRef>
-          <a:fontRef idx="minor">
-            <a:schemeClr val="lt1"/>
-          </a:fontRef>
-        </p:style>
-        <p:txBody>
-          <a:bodyPr rtlCol="0" anchor="ctr"/>
-          <a:lstStyle/>
-          <a:p>
-            <a:pPr algn="ctr"/>
-            <a:endParaRPr lang="en-US"/>
-          </a:p>
-        </p:txBody>
-      </p:sp>
-    </p:spTree>
-    <p:extLst>
-      <p:ext uri="{BB962C8B-B14F-4D97-AF65-F5344CB8AC3E}">
-        <p14:creationId xmlns:p14="http://schemas.microsoft.com/office/powerpoint/2010/main" val="4129198636"/>
-      </p:ext>
-    </p:extLst>
-  </p:cSld>
-  <p:clrMapOvr>
-    <a:masterClrMapping/>
-  </p:clrMapOvr>
-</p:sld>
-</file>
-
-<file path=ppt/slides/slide17.xml><?xml version="1.0" encoding="utf-8"?>
-<p:sld xmlns:a="http://schemas.openxmlformats.org/drawingml/2006/main" xmlns:r="http://schemas.openxmlformats.org/officeDocument/2006/relationships" xmlns:p="http://schemas.openxmlformats.org/presentationml/2006/main">
-  <p:cSld>
-    <p:spTree>
-      <p:nvGrpSpPr>
-        <p:cNvPr id="1" name=""/>
-        <p:cNvGrpSpPr/>
-        <p:nvPr/>
-      </p:nvGrpSpPr>
-      <p:grpSpPr>
-        <a:xfrm>
-          <a:off x="0" y="0"/>
-          <a:ext cx="0" cy="0"/>
-          <a:chOff x="0" y="0"/>
-          <a:chExt cx="0" cy="0"/>
-        </a:xfrm>
-      </p:grpSpPr>
-      <p:sp>
-        <p:nvSpPr>
-          <p:cNvPr id="2" name="Title 2">
-            <a:extLst>
-              <a:ext uri="{FF2B5EF4-FFF2-40B4-BE49-F238E27FC236}">
-                <a16:creationId xmlns:a16="http://schemas.microsoft.com/office/drawing/2014/main" id="{12BEE06C-3CB4-1A31-1F99-81886307D619}"/>
-              </a:ext>
-            </a:extLst>
-          </p:cNvPr>
-          <p:cNvSpPr txBox="1">
-            <a:spLocks/>
-          </p:cNvSpPr>
-          <p:nvPr/>
-        </p:nvSpPr>
-        <p:spPr>
-          <a:xfrm>
-            <a:off x="429870" y="306381"/>
-            <a:ext cx="6598728" cy="1143000"/>
-          </a:xfrm>
-          <a:prstGeom prst="rect">
-            <a:avLst/>
-          </a:prstGeom>
-        </p:spPr>
-        <p:txBody>
-          <a:bodyPr>
-            <a:noAutofit/>
-          </a:bodyPr>
-          <a:lstStyle>
-            <a:lvl1pPr algn="l" defTabSz="342991" rtl="0" eaLnBrk="1" latinLnBrk="0" hangingPunct="1">
-              <a:spcBef>
-                <a:spcPct val="0"/>
-              </a:spcBef>
-              <a:buNone/>
-              <a:defRPr sz="2701" b="1" i="0" kern="1200">
-                <a:solidFill>
-                  <a:srgbClr val="002D50"/>
-                </a:solidFill>
-                <a:latin typeface="Helvetica Neue"/>
-                <a:ea typeface="+mj-ea"/>
-                <a:cs typeface="Helvetica Neue"/>
-              </a:defRPr>
-            </a:lvl1pPr>
-          </a:lstStyle>
-          <a:p>
-            <a:r>
-              <a:rPr lang="en-US" sz="3200" dirty="0"/>
-              <a:t>Exporting plots from RStudio</a:t>
-            </a:r>
-          </a:p>
-        </p:txBody>
-      </p:sp>
-      <p:pic>
-        <p:nvPicPr>
-          <p:cNvPr id="6" name="Picture 5">
-            <a:extLst>
-              <a:ext uri="{FF2B5EF4-FFF2-40B4-BE49-F238E27FC236}">
-                <a16:creationId xmlns:a16="http://schemas.microsoft.com/office/drawing/2014/main" id="{6E8EF685-415F-F6DD-FD5D-4366DDE38733}"/>
-              </a:ext>
-            </a:extLst>
-          </p:cNvPr>
-          <p:cNvPicPr>
-            <a:picLocks noChangeAspect="1"/>
-          </p:cNvPicPr>
-          <p:nvPr/>
-        </p:nvPicPr>
-        <p:blipFill>
-          <a:blip r:embed="rId2"/>
-          <a:stretch>
-            <a:fillRect/>
-          </a:stretch>
-        </p:blipFill>
-        <p:spPr>
-          <a:xfrm>
-            <a:off x="1253272" y="1140393"/>
-            <a:ext cx="6218042" cy="4329678"/>
-          </a:xfrm>
-          <a:prstGeom prst="rect">
-            <a:avLst/>
-          </a:prstGeom>
-        </p:spPr>
-      </p:pic>
-      <p:sp>
-        <p:nvSpPr>
-          <p:cNvPr id="5" name="Oval 4">
-            <a:extLst>
-              <a:ext uri="{FF2B5EF4-FFF2-40B4-BE49-F238E27FC236}">
-                <a16:creationId xmlns:a16="http://schemas.microsoft.com/office/drawing/2014/main" id="{4FE5D7DE-C36F-2526-504A-29765E94A7A1}"/>
-              </a:ext>
-            </a:extLst>
-          </p:cNvPr>
-          <p:cNvSpPr/>
-          <p:nvPr/>
-        </p:nvSpPr>
-        <p:spPr>
-          <a:xfrm>
-            <a:off x="2455606" y="1449381"/>
-            <a:ext cx="2116394" cy="643684"/>
-          </a:xfrm>
-          <a:prstGeom prst="ellipse">
-            <a:avLst/>
-          </a:prstGeom>
-          <a:noFill/>
-          <a:ln w="76200">
-            <a:solidFill>
-              <a:schemeClr val="accent6">
-                <a:lumMod val="10000"/>
-                <a:lumOff val="90000"/>
-              </a:schemeClr>
-            </a:solidFill>
-          </a:ln>
-          <a:effectLst/>
-        </p:spPr>
-        <p:style>
-          <a:lnRef idx="1">
-            <a:schemeClr val="accent1"/>
-          </a:lnRef>
-          <a:fillRef idx="3">
-            <a:schemeClr val="accent1"/>
-          </a:fillRef>
-          <a:effectRef idx="2">
-            <a:schemeClr val="accent1"/>
-          </a:effectRef>
-          <a:fontRef idx="minor">
-            <a:schemeClr val="lt1"/>
-          </a:fontRef>
-        </p:style>
-        <p:txBody>
-          <a:bodyPr rtlCol="0" anchor="ctr"/>
-          <a:lstStyle/>
-          <a:p>
-            <a:pPr algn="ctr"/>
-            <a:endParaRPr lang="en-US"/>
-          </a:p>
-        </p:txBody>
-      </p:sp>
-    </p:spTree>
-    <p:extLst>
-      <p:ext uri="{BB962C8B-B14F-4D97-AF65-F5344CB8AC3E}">
-        <p14:creationId xmlns:p14="http://schemas.microsoft.com/office/powerpoint/2010/main" val="2501297589"/>
-      </p:ext>
-    </p:extLst>
-  </p:cSld>
-  <p:clrMapOvr>
-    <a:masterClrMapping/>
-  </p:clrMapOvr>
-</p:sld>
-</file>
-
-<file path=ppt/slides/slide18.xml><?xml version="1.0" encoding="utf-8"?>
-<p:sld xmlns:a="http://schemas.openxmlformats.org/drawingml/2006/main" xmlns:r="http://schemas.openxmlformats.org/officeDocument/2006/relationships" xmlns:p="http://schemas.openxmlformats.org/presentationml/2006/main">
-  <p:cSld>
-    <p:spTree>
-      <p:nvGrpSpPr>
-        <p:cNvPr id="1" name=""/>
-        <p:cNvGrpSpPr/>
-        <p:nvPr/>
-      </p:nvGrpSpPr>
-      <p:grpSpPr>
-        <a:xfrm>
-          <a:off x="0" y="0"/>
-          <a:ext cx="0" cy="0"/>
-          <a:chOff x="0" y="0"/>
-          <a:chExt cx="0" cy="0"/>
-        </a:xfrm>
-      </p:grpSpPr>
-      <p:sp>
-        <p:nvSpPr>
-          <p:cNvPr id="2" name="Title 2">
-            <a:extLst>
-              <a:ext uri="{FF2B5EF4-FFF2-40B4-BE49-F238E27FC236}">
-                <a16:creationId xmlns:a16="http://schemas.microsoft.com/office/drawing/2014/main" id="{12BEE06C-3CB4-1A31-1F99-81886307D619}"/>
-              </a:ext>
-            </a:extLst>
-          </p:cNvPr>
-          <p:cNvSpPr txBox="1">
-            <a:spLocks/>
-          </p:cNvSpPr>
-          <p:nvPr/>
-        </p:nvSpPr>
-        <p:spPr>
-          <a:xfrm>
-            <a:off x="429870" y="306381"/>
-            <a:ext cx="6598728" cy="1143000"/>
-          </a:xfrm>
-          <a:prstGeom prst="rect">
-            <a:avLst/>
-          </a:prstGeom>
-        </p:spPr>
-        <p:txBody>
-          <a:bodyPr>
-            <a:noAutofit/>
-          </a:bodyPr>
-          <a:lstStyle>
-            <a:lvl1pPr algn="l" defTabSz="342991" rtl="0" eaLnBrk="1" latinLnBrk="0" hangingPunct="1">
-              <a:spcBef>
-                <a:spcPct val="0"/>
-              </a:spcBef>
-              <a:buNone/>
-              <a:defRPr sz="2701" b="1" i="0" kern="1200">
-                <a:solidFill>
-                  <a:srgbClr val="002D50"/>
-                </a:solidFill>
-                <a:latin typeface="Helvetica Neue"/>
-                <a:ea typeface="+mj-ea"/>
-                <a:cs typeface="Helvetica Neue"/>
-              </a:defRPr>
-            </a:lvl1pPr>
-          </a:lstStyle>
-          <a:p>
-            <a:r>
-              <a:rPr lang="en-US" sz="3200" dirty="0"/>
               <a:t>Exporting plots from RStudio</a:t>
             </a:r>
           </a:p>
@@ -5783,8 +4333,8 @@
         </p:nvSpPr>
         <p:spPr>
           <a:xfrm>
-            <a:off x="2684206" y="1681842"/>
-            <a:ext cx="1045028" cy="457201"/>
+            <a:off x="6194848" y="4931230"/>
+            <a:ext cx="1045028" cy="587828"/>
           </a:xfrm>
           <a:prstGeom prst="ellipse">
             <a:avLst/>
@@ -5837,8 +4387,8 @@
         </p:nvSpPr>
         <p:spPr>
           <a:xfrm>
-            <a:off x="3544813" y="2088391"/>
-            <a:ext cx="1807822" cy="369332"/>
+            <a:off x="6976037" y="4334726"/>
+            <a:ext cx="1807822" cy="646331"/>
           </a:xfrm>
           <a:prstGeom prst="rect">
             <a:avLst/>
@@ -5860,7 +4410,7 @@
                   </a:schemeClr>
                 </a:solidFill>
               </a:rPr>
-              <a:t>Name your file</a:t>
+              <a:t>Adjust dimensions</a:t>
             </a:r>
           </a:p>
         </p:txBody>
@@ -5868,214 +4418,7 @@
     </p:spTree>
     <p:extLst>
       <p:ext uri="{BB962C8B-B14F-4D97-AF65-F5344CB8AC3E}">
-        <p14:creationId xmlns:p14="http://schemas.microsoft.com/office/powerpoint/2010/main" val="2530619488"/>
-      </p:ext>
-    </p:extLst>
-  </p:cSld>
-  <p:clrMapOvr>
-    <a:masterClrMapping/>
-  </p:clrMapOvr>
-</p:sld>
-</file>
-
-<file path=ppt/slides/slide19.xml><?xml version="1.0" encoding="utf-8"?>
-<p:sld xmlns:a="http://schemas.openxmlformats.org/drawingml/2006/main" xmlns:r="http://schemas.openxmlformats.org/officeDocument/2006/relationships" xmlns:p="http://schemas.openxmlformats.org/presentationml/2006/main">
-  <p:cSld>
-    <p:spTree>
-      <p:nvGrpSpPr>
-        <p:cNvPr id="1" name=""/>
-        <p:cNvGrpSpPr/>
-        <p:nvPr/>
-      </p:nvGrpSpPr>
-      <p:grpSpPr>
-        <a:xfrm>
-          <a:off x="0" y="0"/>
-          <a:ext cx="0" cy="0"/>
-          <a:chOff x="0" y="0"/>
-          <a:chExt cx="0" cy="0"/>
-        </a:xfrm>
-      </p:grpSpPr>
-      <p:sp>
-        <p:nvSpPr>
-          <p:cNvPr id="2" name="Title 2">
-            <a:extLst>
-              <a:ext uri="{FF2B5EF4-FFF2-40B4-BE49-F238E27FC236}">
-                <a16:creationId xmlns:a16="http://schemas.microsoft.com/office/drawing/2014/main" id="{12BEE06C-3CB4-1A31-1F99-81886307D619}"/>
-              </a:ext>
-            </a:extLst>
-          </p:cNvPr>
-          <p:cNvSpPr txBox="1">
-            <a:spLocks/>
-          </p:cNvSpPr>
-          <p:nvPr/>
-        </p:nvSpPr>
-        <p:spPr>
-          <a:xfrm>
-            <a:off x="429870" y="306381"/>
-            <a:ext cx="6598728" cy="1143000"/>
-          </a:xfrm>
-          <a:prstGeom prst="rect">
-            <a:avLst/>
-          </a:prstGeom>
-        </p:spPr>
-        <p:txBody>
-          <a:bodyPr>
-            <a:noAutofit/>
-          </a:bodyPr>
-          <a:lstStyle>
-            <a:lvl1pPr algn="l" defTabSz="342991" rtl="0" eaLnBrk="1" latinLnBrk="0" hangingPunct="1">
-              <a:spcBef>
-                <a:spcPct val="0"/>
-              </a:spcBef>
-              <a:buNone/>
-              <a:defRPr sz="2701" b="1" i="0" kern="1200">
-                <a:solidFill>
-                  <a:srgbClr val="002D50"/>
-                </a:solidFill>
-                <a:latin typeface="Helvetica Neue"/>
-                <a:ea typeface="+mj-ea"/>
-                <a:cs typeface="Helvetica Neue"/>
-              </a:defRPr>
-            </a:lvl1pPr>
-          </a:lstStyle>
-          <a:p>
-            <a:r>
-              <a:rPr lang="en-US" sz="3200" dirty="0"/>
-              <a:t>Exporting plots from RStudio</a:t>
-            </a:r>
-          </a:p>
-        </p:txBody>
-      </p:sp>
-      <p:pic>
-        <p:nvPicPr>
-          <p:cNvPr id="4" name="Picture 3">
-            <a:extLst>
-              <a:ext uri="{FF2B5EF4-FFF2-40B4-BE49-F238E27FC236}">
-                <a16:creationId xmlns:a16="http://schemas.microsoft.com/office/drawing/2014/main" id="{88BA4FB7-7302-E0E4-8C9B-82971EC8BB12}"/>
-              </a:ext>
-            </a:extLst>
-          </p:cNvPr>
-          <p:cNvPicPr>
-            <a:picLocks noChangeAspect="1"/>
-          </p:cNvPicPr>
-          <p:nvPr/>
-        </p:nvPicPr>
-        <p:blipFill>
-          <a:blip r:embed="rId2"/>
-          <a:stretch>
-            <a:fillRect/>
-          </a:stretch>
-        </p:blipFill>
-        <p:spPr>
-          <a:xfrm>
-            <a:off x="2167962" y="1130057"/>
-            <a:ext cx="4808075" cy="4597886"/>
-          </a:xfrm>
-          <a:prstGeom prst="rect">
-            <a:avLst/>
-          </a:prstGeom>
-        </p:spPr>
-      </p:pic>
-      <p:sp>
-        <p:nvSpPr>
-          <p:cNvPr id="7" name="Oval 6">
-            <a:extLst>
-              <a:ext uri="{FF2B5EF4-FFF2-40B4-BE49-F238E27FC236}">
-                <a16:creationId xmlns:a16="http://schemas.microsoft.com/office/drawing/2014/main" id="{5A69257F-8797-3B96-F39F-0E9359D56484}"/>
-              </a:ext>
-            </a:extLst>
-          </p:cNvPr>
-          <p:cNvSpPr/>
-          <p:nvPr/>
-        </p:nvSpPr>
-        <p:spPr>
-          <a:xfrm>
-            <a:off x="2880148" y="1447953"/>
-            <a:ext cx="2720551" cy="457201"/>
-          </a:xfrm>
-          <a:prstGeom prst="ellipse">
-            <a:avLst/>
-          </a:prstGeom>
-          <a:noFill/>
-          <a:ln w="76200">
-            <a:solidFill>
-              <a:schemeClr val="accent6">
-                <a:lumMod val="75000"/>
-                <a:lumOff val="25000"/>
-              </a:schemeClr>
-            </a:solidFill>
-          </a:ln>
-          <a:effectLst/>
-        </p:spPr>
-        <p:style>
-          <a:lnRef idx="1">
-            <a:schemeClr val="accent1"/>
-          </a:lnRef>
-          <a:fillRef idx="3">
-            <a:schemeClr val="accent1"/>
-          </a:fillRef>
-          <a:effectRef idx="2">
-            <a:schemeClr val="accent1"/>
-          </a:effectRef>
-          <a:fontRef idx="minor">
-            <a:schemeClr val="lt1"/>
-          </a:fontRef>
-        </p:style>
-        <p:txBody>
-          <a:bodyPr rtlCol="0" anchor="ctr"/>
-          <a:lstStyle/>
-          <a:p>
-            <a:pPr algn="ctr"/>
-            <a:endParaRPr lang="en-US"/>
-          </a:p>
-        </p:txBody>
-      </p:sp>
-      <p:sp>
-        <p:nvSpPr>
-          <p:cNvPr id="8" name="TextBox 7">
-            <a:extLst>
-              <a:ext uri="{FF2B5EF4-FFF2-40B4-BE49-F238E27FC236}">
-                <a16:creationId xmlns:a16="http://schemas.microsoft.com/office/drawing/2014/main" id="{B6FFBE20-A358-5495-F4B2-B0A127556307}"/>
-              </a:ext>
-            </a:extLst>
-          </p:cNvPr>
-          <p:cNvSpPr txBox="1"/>
-          <p:nvPr/>
-        </p:nvSpPr>
-        <p:spPr>
-          <a:xfrm>
-            <a:off x="6976037" y="753938"/>
-            <a:ext cx="1807822" cy="923330"/>
-          </a:xfrm>
-          <a:prstGeom prst="rect">
-            <a:avLst/>
-          </a:prstGeom>
-          <a:noFill/>
-        </p:spPr>
-        <p:txBody>
-          <a:bodyPr wrap="square" rtlCol="0">
-            <a:spAutoFit/>
-          </a:bodyPr>
-          <a:lstStyle/>
-          <a:p>
-            <a:pPr algn="ctr"/>
-            <a:r>
-              <a:rPr lang="en-US" dirty="0">
-                <a:solidFill>
-                  <a:schemeClr val="accent5">
-                    <a:lumMod val="75000"/>
-                  </a:schemeClr>
-                </a:solidFill>
-              </a:rPr>
-              <a:t>Specify where you want to save the file</a:t>
-            </a:r>
-          </a:p>
-        </p:txBody>
-      </p:sp>
-    </p:spTree>
-    <p:extLst>
-      <p:ext uri="{BB962C8B-B14F-4D97-AF65-F5344CB8AC3E}">
-        <p14:creationId xmlns:p14="http://schemas.microsoft.com/office/powerpoint/2010/main" val="2491453275"/>
+        <p14:creationId xmlns:p14="http://schemas.microsoft.com/office/powerpoint/2010/main" val="2321492949"/>
       </p:ext>
     </p:extLst>
   </p:cSld>
@@ -6300,1672 +4643,6 @@
 </p:sld>
 </file>
 
-<file path=ppt/slides/slide20.xml><?xml version="1.0" encoding="utf-8"?>
-<p:sld xmlns:a="http://schemas.openxmlformats.org/drawingml/2006/main" xmlns:r="http://schemas.openxmlformats.org/officeDocument/2006/relationships" xmlns:p="http://schemas.openxmlformats.org/presentationml/2006/main">
-  <p:cSld>
-    <p:spTree>
-      <p:nvGrpSpPr>
-        <p:cNvPr id="1" name=""/>
-        <p:cNvGrpSpPr/>
-        <p:nvPr/>
-      </p:nvGrpSpPr>
-      <p:grpSpPr>
-        <a:xfrm>
-          <a:off x="0" y="0"/>
-          <a:ext cx="0" cy="0"/>
-          <a:chOff x="0" y="0"/>
-          <a:chExt cx="0" cy="0"/>
-        </a:xfrm>
-      </p:grpSpPr>
-      <p:sp>
-        <p:nvSpPr>
-          <p:cNvPr id="2" name="Title 2">
-            <a:extLst>
-              <a:ext uri="{FF2B5EF4-FFF2-40B4-BE49-F238E27FC236}">
-                <a16:creationId xmlns:a16="http://schemas.microsoft.com/office/drawing/2014/main" id="{12BEE06C-3CB4-1A31-1F99-81886307D619}"/>
-              </a:ext>
-            </a:extLst>
-          </p:cNvPr>
-          <p:cNvSpPr txBox="1">
-            <a:spLocks/>
-          </p:cNvSpPr>
-          <p:nvPr/>
-        </p:nvSpPr>
-        <p:spPr>
-          <a:xfrm>
-            <a:off x="429870" y="306381"/>
-            <a:ext cx="6598728" cy="1143000"/>
-          </a:xfrm>
-          <a:prstGeom prst="rect">
-            <a:avLst/>
-          </a:prstGeom>
-        </p:spPr>
-        <p:txBody>
-          <a:bodyPr>
-            <a:noAutofit/>
-          </a:bodyPr>
-          <a:lstStyle>
-            <a:lvl1pPr algn="l" defTabSz="342991" rtl="0" eaLnBrk="1" latinLnBrk="0" hangingPunct="1">
-              <a:spcBef>
-                <a:spcPct val="0"/>
-              </a:spcBef>
-              <a:buNone/>
-              <a:defRPr sz="2701" b="1" i="0" kern="1200">
-                <a:solidFill>
-                  <a:srgbClr val="002D50"/>
-                </a:solidFill>
-                <a:latin typeface="Helvetica Neue"/>
-                <a:ea typeface="+mj-ea"/>
-                <a:cs typeface="Helvetica Neue"/>
-              </a:defRPr>
-            </a:lvl1pPr>
-          </a:lstStyle>
-          <a:p>
-            <a:r>
-              <a:rPr lang="en-US" sz="3200" dirty="0"/>
-              <a:t>Exporting plots from RStudio</a:t>
-            </a:r>
-          </a:p>
-        </p:txBody>
-      </p:sp>
-      <p:pic>
-        <p:nvPicPr>
-          <p:cNvPr id="4" name="Picture 3">
-            <a:extLst>
-              <a:ext uri="{FF2B5EF4-FFF2-40B4-BE49-F238E27FC236}">
-                <a16:creationId xmlns:a16="http://schemas.microsoft.com/office/drawing/2014/main" id="{88BA4FB7-7302-E0E4-8C9B-82971EC8BB12}"/>
-              </a:ext>
-            </a:extLst>
-          </p:cNvPr>
-          <p:cNvPicPr>
-            <a:picLocks noChangeAspect="1"/>
-          </p:cNvPicPr>
-          <p:nvPr/>
-        </p:nvPicPr>
-        <p:blipFill>
-          <a:blip r:embed="rId2"/>
-          <a:stretch>
-            <a:fillRect/>
-          </a:stretch>
-        </p:blipFill>
-        <p:spPr>
-          <a:xfrm>
-            <a:off x="2167962" y="1130057"/>
-            <a:ext cx="4808075" cy="4597886"/>
-          </a:xfrm>
-          <a:prstGeom prst="rect">
-            <a:avLst/>
-          </a:prstGeom>
-        </p:spPr>
-      </p:pic>
-      <p:sp>
-        <p:nvSpPr>
-          <p:cNvPr id="7" name="Oval 6">
-            <a:extLst>
-              <a:ext uri="{FF2B5EF4-FFF2-40B4-BE49-F238E27FC236}">
-                <a16:creationId xmlns:a16="http://schemas.microsoft.com/office/drawing/2014/main" id="{5A69257F-8797-3B96-F39F-0E9359D56484}"/>
-              </a:ext>
-            </a:extLst>
-          </p:cNvPr>
-          <p:cNvSpPr/>
-          <p:nvPr/>
-        </p:nvSpPr>
-        <p:spPr>
-          <a:xfrm>
-            <a:off x="6194848" y="4931230"/>
-            <a:ext cx="1045028" cy="587828"/>
-          </a:xfrm>
-          <a:prstGeom prst="ellipse">
-            <a:avLst/>
-          </a:prstGeom>
-          <a:noFill/>
-          <a:ln w="76200">
-            <a:solidFill>
-              <a:schemeClr val="accent6">
-                <a:lumMod val="75000"/>
-                <a:lumOff val="25000"/>
-              </a:schemeClr>
-            </a:solidFill>
-          </a:ln>
-          <a:effectLst/>
-        </p:spPr>
-        <p:style>
-          <a:lnRef idx="1">
-            <a:schemeClr val="accent1"/>
-          </a:lnRef>
-          <a:fillRef idx="3">
-            <a:schemeClr val="accent1"/>
-          </a:fillRef>
-          <a:effectRef idx="2">
-            <a:schemeClr val="accent1"/>
-          </a:effectRef>
-          <a:fontRef idx="minor">
-            <a:schemeClr val="lt1"/>
-          </a:fontRef>
-        </p:style>
-        <p:txBody>
-          <a:bodyPr rtlCol="0" anchor="ctr"/>
-          <a:lstStyle/>
-          <a:p>
-            <a:pPr algn="ctr"/>
-            <a:endParaRPr lang="en-US"/>
-          </a:p>
-        </p:txBody>
-      </p:sp>
-      <p:sp>
-        <p:nvSpPr>
-          <p:cNvPr id="8" name="TextBox 7">
-            <a:extLst>
-              <a:ext uri="{FF2B5EF4-FFF2-40B4-BE49-F238E27FC236}">
-                <a16:creationId xmlns:a16="http://schemas.microsoft.com/office/drawing/2014/main" id="{B6FFBE20-A358-5495-F4B2-B0A127556307}"/>
-              </a:ext>
-            </a:extLst>
-          </p:cNvPr>
-          <p:cNvSpPr txBox="1"/>
-          <p:nvPr/>
-        </p:nvSpPr>
-        <p:spPr>
-          <a:xfrm>
-            <a:off x="6976037" y="4334726"/>
-            <a:ext cx="1807822" cy="646331"/>
-          </a:xfrm>
-          <a:prstGeom prst="rect">
-            <a:avLst/>
-          </a:prstGeom>
-          <a:noFill/>
-        </p:spPr>
-        <p:txBody>
-          <a:bodyPr wrap="square" rtlCol="0">
-            <a:spAutoFit/>
-          </a:bodyPr>
-          <a:lstStyle/>
-          <a:p>
-            <a:pPr algn="ctr"/>
-            <a:r>
-              <a:rPr lang="en-US" dirty="0">
-                <a:solidFill>
-                  <a:schemeClr val="accent5">
-                    <a:lumMod val="75000"/>
-                  </a:schemeClr>
-                </a:solidFill>
-              </a:rPr>
-              <a:t>Adjust dimensions</a:t>
-            </a:r>
-          </a:p>
-        </p:txBody>
-      </p:sp>
-    </p:spTree>
-    <p:extLst>
-      <p:ext uri="{BB962C8B-B14F-4D97-AF65-F5344CB8AC3E}">
-        <p14:creationId xmlns:p14="http://schemas.microsoft.com/office/powerpoint/2010/main" val="2321492949"/>
-      </p:ext>
-    </p:extLst>
-  </p:cSld>
-  <p:clrMapOvr>
-    <a:masterClrMapping/>
-  </p:clrMapOvr>
-</p:sld>
-</file>
-
-<file path=ppt/slides/slide21.xml><?xml version="1.0" encoding="utf-8"?>
-<p:sld xmlns:a="http://schemas.openxmlformats.org/drawingml/2006/main" xmlns:r="http://schemas.openxmlformats.org/officeDocument/2006/relationships" xmlns:p="http://schemas.openxmlformats.org/presentationml/2006/main">
-  <p:cSld>
-    <p:spTree>
-      <p:nvGrpSpPr>
-        <p:cNvPr id="1" name=""/>
-        <p:cNvGrpSpPr/>
-        <p:nvPr/>
-      </p:nvGrpSpPr>
-      <p:grpSpPr>
-        <a:xfrm>
-          <a:off x="0" y="0"/>
-          <a:ext cx="0" cy="0"/>
-          <a:chOff x="0" y="0"/>
-          <a:chExt cx="0" cy="0"/>
-        </a:xfrm>
-      </p:grpSpPr>
-      <p:sp>
-        <p:nvSpPr>
-          <p:cNvPr id="2" name="Title 2">
-            <a:extLst>
-              <a:ext uri="{FF2B5EF4-FFF2-40B4-BE49-F238E27FC236}">
-                <a16:creationId xmlns:a16="http://schemas.microsoft.com/office/drawing/2014/main" id="{12BEE06C-3CB4-1A31-1F99-81886307D619}"/>
-              </a:ext>
-            </a:extLst>
-          </p:cNvPr>
-          <p:cNvSpPr txBox="1">
-            <a:spLocks/>
-          </p:cNvSpPr>
-          <p:nvPr/>
-        </p:nvSpPr>
-        <p:spPr>
-          <a:xfrm>
-            <a:off x="429870" y="306381"/>
-            <a:ext cx="6598728" cy="1143000"/>
-          </a:xfrm>
-          <a:prstGeom prst="rect">
-            <a:avLst/>
-          </a:prstGeom>
-        </p:spPr>
-        <p:txBody>
-          <a:bodyPr>
-            <a:noAutofit/>
-          </a:bodyPr>
-          <a:lstStyle>
-            <a:lvl1pPr algn="l" defTabSz="342991" rtl="0" eaLnBrk="1" latinLnBrk="0" hangingPunct="1">
-              <a:spcBef>
-                <a:spcPct val="0"/>
-              </a:spcBef>
-              <a:buNone/>
-              <a:defRPr sz="2701" b="1" i="0" kern="1200">
-                <a:solidFill>
-                  <a:srgbClr val="002D50"/>
-                </a:solidFill>
-                <a:latin typeface="Helvetica Neue"/>
-                <a:ea typeface="+mj-ea"/>
-                <a:cs typeface="Helvetica Neue"/>
-              </a:defRPr>
-            </a:lvl1pPr>
-          </a:lstStyle>
-          <a:p>
-            <a:r>
-              <a:rPr lang="en-US" sz="3200" dirty="0"/>
-              <a:t>Exporting plots from RStudio</a:t>
-            </a:r>
-          </a:p>
-        </p:txBody>
-      </p:sp>
-      <p:pic>
-        <p:nvPicPr>
-          <p:cNvPr id="4" name="Picture 3">
-            <a:extLst>
-              <a:ext uri="{FF2B5EF4-FFF2-40B4-BE49-F238E27FC236}">
-                <a16:creationId xmlns:a16="http://schemas.microsoft.com/office/drawing/2014/main" id="{88BA4FB7-7302-E0E4-8C9B-82971EC8BB12}"/>
-              </a:ext>
-            </a:extLst>
-          </p:cNvPr>
-          <p:cNvPicPr>
-            <a:picLocks noChangeAspect="1"/>
-          </p:cNvPicPr>
-          <p:nvPr/>
-        </p:nvPicPr>
-        <p:blipFill>
-          <a:blip r:embed="rId2"/>
-          <a:stretch>
-            <a:fillRect/>
-          </a:stretch>
-        </p:blipFill>
-        <p:spPr>
-          <a:xfrm>
-            <a:off x="2167962" y="1130057"/>
-            <a:ext cx="4808075" cy="4597886"/>
-          </a:xfrm>
-          <a:prstGeom prst="rect">
-            <a:avLst/>
-          </a:prstGeom>
-        </p:spPr>
-      </p:pic>
-      <p:sp>
-        <p:nvSpPr>
-          <p:cNvPr id="7" name="Oval 6">
-            <a:extLst>
-              <a:ext uri="{FF2B5EF4-FFF2-40B4-BE49-F238E27FC236}">
-                <a16:creationId xmlns:a16="http://schemas.microsoft.com/office/drawing/2014/main" id="{5A69257F-8797-3B96-F39F-0E9359D56484}"/>
-              </a:ext>
-            </a:extLst>
-          </p:cNvPr>
-          <p:cNvSpPr/>
-          <p:nvPr/>
-        </p:nvSpPr>
-        <p:spPr>
-          <a:xfrm>
-            <a:off x="5231463" y="5257802"/>
-            <a:ext cx="1045028" cy="587828"/>
-          </a:xfrm>
-          <a:prstGeom prst="ellipse">
-            <a:avLst/>
-          </a:prstGeom>
-          <a:noFill/>
-          <a:ln w="76200">
-            <a:solidFill>
-              <a:schemeClr val="accent6">
-                <a:lumMod val="75000"/>
-                <a:lumOff val="25000"/>
-              </a:schemeClr>
-            </a:solidFill>
-          </a:ln>
-          <a:effectLst/>
-        </p:spPr>
-        <p:style>
-          <a:lnRef idx="1">
-            <a:schemeClr val="accent1"/>
-          </a:lnRef>
-          <a:fillRef idx="3">
-            <a:schemeClr val="accent1"/>
-          </a:fillRef>
-          <a:effectRef idx="2">
-            <a:schemeClr val="accent1"/>
-          </a:effectRef>
-          <a:fontRef idx="minor">
-            <a:schemeClr val="lt1"/>
-          </a:fontRef>
-        </p:style>
-        <p:txBody>
-          <a:bodyPr rtlCol="0" anchor="ctr"/>
-          <a:lstStyle/>
-          <a:p>
-            <a:pPr algn="ctr"/>
-            <a:endParaRPr lang="en-US"/>
-          </a:p>
-        </p:txBody>
-      </p:sp>
-      <p:sp>
-        <p:nvSpPr>
-          <p:cNvPr id="8" name="TextBox 7">
-            <a:extLst>
-              <a:ext uri="{FF2B5EF4-FFF2-40B4-BE49-F238E27FC236}">
-                <a16:creationId xmlns:a16="http://schemas.microsoft.com/office/drawing/2014/main" id="{B6FFBE20-A358-5495-F4B2-B0A127556307}"/>
-              </a:ext>
-            </a:extLst>
-          </p:cNvPr>
-          <p:cNvSpPr txBox="1"/>
-          <p:nvPr/>
-        </p:nvSpPr>
-        <p:spPr>
-          <a:xfrm>
-            <a:off x="6906307" y="4905385"/>
-            <a:ext cx="1807822" cy="646331"/>
-          </a:xfrm>
-          <a:prstGeom prst="rect">
-            <a:avLst/>
-          </a:prstGeom>
-          <a:noFill/>
-        </p:spPr>
-        <p:txBody>
-          <a:bodyPr wrap="square" rtlCol="0">
-            <a:spAutoFit/>
-          </a:bodyPr>
-          <a:lstStyle/>
-          <a:p>
-            <a:pPr algn="ctr"/>
-            <a:r>
-              <a:rPr lang="en-US" dirty="0">
-                <a:solidFill>
-                  <a:schemeClr val="accent5">
-                    <a:lumMod val="75000"/>
-                  </a:schemeClr>
-                </a:solidFill>
-              </a:rPr>
-              <a:t>Save to your computer</a:t>
-            </a:r>
-          </a:p>
-        </p:txBody>
-      </p:sp>
-    </p:spTree>
-    <p:extLst>
-      <p:ext uri="{BB962C8B-B14F-4D97-AF65-F5344CB8AC3E}">
-        <p14:creationId xmlns:p14="http://schemas.microsoft.com/office/powerpoint/2010/main" val="796531077"/>
-      </p:ext>
-    </p:extLst>
-  </p:cSld>
-  <p:clrMapOvr>
-    <a:masterClrMapping/>
-  </p:clrMapOvr>
-</p:sld>
-</file>
-
-<file path=ppt/slides/slide22.xml><?xml version="1.0" encoding="utf-8"?>
-<p:sld xmlns:a="http://schemas.openxmlformats.org/drawingml/2006/main" xmlns:r="http://schemas.openxmlformats.org/officeDocument/2006/relationships" xmlns:p="http://schemas.openxmlformats.org/presentationml/2006/main">
-  <p:cSld>
-    <p:spTree>
-      <p:nvGrpSpPr>
-        <p:cNvPr id="1" name=""/>
-        <p:cNvGrpSpPr/>
-        <p:nvPr/>
-      </p:nvGrpSpPr>
-      <p:grpSpPr>
-        <a:xfrm>
-          <a:off x="0" y="0"/>
-          <a:ext cx="0" cy="0"/>
-          <a:chOff x="0" y="0"/>
-          <a:chExt cx="0" cy="0"/>
-        </a:xfrm>
-      </p:grpSpPr>
-      <p:sp>
-        <p:nvSpPr>
-          <p:cNvPr id="2" name="Title 2">
-            <a:extLst>
-              <a:ext uri="{FF2B5EF4-FFF2-40B4-BE49-F238E27FC236}">
-                <a16:creationId xmlns:a16="http://schemas.microsoft.com/office/drawing/2014/main" id="{12BEE06C-3CB4-1A31-1F99-81886307D619}"/>
-              </a:ext>
-            </a:extLst>
-          </p:cNvPr>
-          <p:cNvSpPr txBox="1">
-            <a:spLocks/>
-          </p:cNvSpPr>
-          <p:nvPr/>
-        </p:nvSpPr>
-        <p:spPr>
-          <a:xfrm>
-            <a:off x="429870" y="306381"/>
-            <a:ext cx="6598728" cy="1143000"/>
-          </a:xfrm>
-          <a:prstGeom prst="rect">
-            <a:avLst/>
-          </a:prstGeom>
-        </p:spPr>
-        <p:txBody>
-          <a:bodyPr>
-            <a:noAutofit/>
-          </a:bodyPr>
-          <a:lstStyle>
-            <a:lvl1pPr algn="l" defTabSz="342991" rtl="0" eaLnBrk="1" latinLnBrk="0" hangingPunct="1">
-              <a:spcBef>
-                <a:spcPct val="0"/>
-              </a:spcBef>
-              <a:buNone/>
-              <a:defRPr sz="2701" b="1" i="0" kern="1200">
-                <a:solidFill>
-                  <a:srgbClr val="002D50"/>
-                </a:solidFill>
-                <a:latin typeface="Helvetica Neue"/>
-                <a:ea typeface="+mj-ea"/>
-                <a:cs typeface="Helvetica Neue"/>
-              </a:defRPr>
-            </a:lvl1pPr>
-          </a:lstStyle>
-          <a:p>
-            <a:r>
-              <a:rPr lang="en-US" sz="3200" dirty="0"/>
-              <a:t>Now you try!</a:t>
-            </a:r>
-          </a:p>
-        </p:txBody>
-      </p:sp>
-      <p:sp>
-        <p:nvSpPr>
-          <p:cNvPr id="4" name="TextBox 3">
-            <a:extLst>
-              <a:ext uri="{FF2B5EF4-FFF2-40B4-BE49-F238E27FC236}">
-                <a16:creationId xmlns:a16="http://schemas.microsoft.com/office/drawing/2014/main" id="{865D5AA2-9148-F048-F920-939CF2727948}"/>
-              </a:ext>
-            </a:extLst>
-          </p:cNvPr>
-          <p:cNvSpPr txBox="1"/>
-          <p:nvPr/>
-        </p:nvSpPr>
-        <p:spPr>
-          <a:xfrm>
-            <a:off x="429869" y="1230992"/>
-            <a:ext cx="8567174" cy="1046440"/>
-          </a:xfrm>
-          <a:prstGeom prst="rect">
-            <a:avLst/>
-          </a:prstGeom>
-          <a:noFill/>
-        </p:spPr>
-        <p:txBody>
-          <a:bodyPr wrap="square" rtlCol="0">
-            <a:spAutoFit/>
-          </a:bodyPr>
-          <a:lstStyle/>
-          <a:p>
-            <a:pPr marL="457200" indent="-457200">
-              <a:spcBef>
-                <a:spcPts val="600"/>
-              </a:spcBef>
-              <a:spcAft>
-                <a:spcPts val="600"/>
-              </a:spcAft>
-              <a:buFont typeface="Arial" panose="020B0604020202020204" pitchFamily="34" charset="0"/>
-              <a:buChar char="•"/>
-            </a:pPr>
-            <a:r>
-              <a:rPr lang="en-US" sz="2600" dirty="0"/>
-              <a:t>Make a histogram or </a:t>
-            </a:r>
-            <a:r>
-              <a:rPr lang="en-US" sz="2600" dirty="0" err="1"/>
-              <a:t>barchart</a:t>
-            </a:r>
-            <a:r>
-              <a:rPr lang="en-US" sz="2600" dirty="0"/>
-              <a:t>  using the countries dataset</a:t>
-            </a:r>
-          </a:p>
-          <a:p>
-            <a:pPr marL="457200" indent="-457200">
-              <a:spcBef>
-                <a:spcPts val="600"/>
-              </a:spcBef>
-              <a:spcAft>
-                <a:spcPts val="600"/>
-              </a:spcAft>
-              <a:buFont typeface="Arial" panose="020B0604020202020204" pitchFamily="34" charset="0"/>
-              <a:buChar char="•"/>
-            </a:pPr>
-            <a:r>
-              <a:rPr lang="en-US" sz="2600" dirty="0"/>
-              <a:t>Save it to your computer</a:t>
-            </a:r>
-          </a:p>
-        </p:txBody>
-      </p:sp>
-    </p:spTree>
-    <p:extLst>
-      <p:ext uri="{BB962C8B-B14F-4D97-AF65-F5344CB8AC3E}">
-        <p14:creationId xmlns:p14="http://schemas.microsoft.com/office/powerpoint/2010/main" val="3476616978"/>
-      </p:ext>
-    </p:extLst>
-  </p:cSld>
-  <p:clrMapOvr>
-    <a:masterClrMapping/>
-  </p:clrMapOvr>
-</p:sld>
-</file>
-
-<file path=ppt/slides/slide23.xml><?xml version="1.0" encoding="utf-8"?>
-<p:sld xmlns:a="http://schemas.openxmlformats.org/drawingml/2006/main" xmlns:r="http://schemas.openxmlformats.org/officeDocument/2006/relationships" xmlns:p="http://schemas.openxmlformats.org/presentationml/2006/main">
-  <p:cSld>
-    <p:spTree>
-      <p:nvGrpSpPr>
-        <p:cNvPr id="1" name=""/>
-        <p:cNvGrpSpPr/>
-        <p:nvPr/>
-      </p:nvGrpSpPr>
-      <p:grpSpPr>
-        <a:xfrm>
-          <a:off x="0" y="0"/>
-          <a:ext cx="0" cy="0"/>
-          <a:chOff x="0" y="0"/>
-          <a:chExt cx="0" cy="0"/>
-        </a:xfrm>
-      </p:grpSpPr>
-      <p:sp>
-        <p:nvSpPr>
-          <p:cNvPr id="10" name="Rectangle 9"/>
-          <p:cNvSpPr/>
-          <p:nvPr/>
-        </p:nvSpPr>
-        <p:spPr>
-          <a:xfrm>
-            <a:off x="-1" y="1330504"/>
-            <a:ext cx="9144001" cy="5527496"/>
-          </a:xfrm>
-          <a:prstGeom prst="rect">
-            <a:avLst/>
-          </a:prstGeom>
-          <a:solidFill>
-            <a:srgbClr val="041E42"/>
-          </a:solidFill>
-        </p:spPr>
-        <p:style>
-          <a:lnRef idx="1">
-            <a:schemeClr val="accent1"/>
-          </a:lnRef>
-          <a:fillRef idx="3">
-            <a:schemeClr val="accent1"/>
-          </a:fillRef>
-          <a:effectRef idx="2">
-            <a:schemeClr val="accent1"/>
-          </a:effectRef>
-          <a:fontRef idx="minor">
-            <a:schemeClr val="lt1"/>
-          </a:fontRef>
-        </p:style>
-        <p:txBody>
-          <a:bodyPr rtlCol="0" anchor="ctr"/>
-          <a:lstStyle/>
-          <a:p>
-            <a:pPr algn="ctr"/>
-            <a:endParaRPr lang="en-US" sz="1350" dirty="0"/>
-          </a:p>
-        </p:txBody>
-      </p:sp>
-      <p:sp>
-        <p:nvSpPr>
-          <p:cNvPr id="8" name="Title 5"/>
-          <p:cNvSpPr txBox="1">
-            <a:spLocks/>
-          </p:cNvSpPr>
-          <p:nvPr/>
-        </p:nvSpPr>
-        <p:spPr>
-          <a:xfrm>
-            <a:off x="383218" y="1477992"/>
-            <a:ext cx="7954732" cy="815898"/>
-          </a:xfrm>
-          <a:prstGeom prst="rect">
-            <a:avLst/>
-          </a:prstGeom>
-        </p:spPr>
-        <p:txBody>
-          <a:bodyPr>
-            <a:noAutofit/>
-          </a:bodyPr>
-          <a:lstStyle>
-            <a:lvl1pPr algn="ctr" defTabSz="457200" rtl="0" eaLnBrk="1" latinLnBrk="0" hangingPunct="1">
-              <a:spcBef>
-                <a:spcPct val="0"/>
-              </a:spcBef>
-              <a:buNone/>
-              <a:defRPr sz="4200" b="0" i="1" kern="1200">
-                <a:solidFill>
-                  <a:srgbClr val="002D50"/>
-                </a:solidFill>
-                <a:latin typeface="Adobe Caslon Pro"/>
-                <a:ea typeface="+mj-ea"/>
-                <a:cs typeface="Adobe Caslon Pro"/>
-              </a:defRPr>
-            </a:lvl1pPr>
-          </a:lstStyle>
-          <a:p>
-            <a:pPr algn="l"/>
-            <a:r>
-              <a:rPr lang="en-US" sz="4051" dirty="0">
-                <a:solidFill>
-                  <a:schemeClr val="bg1"/>
-                </a:solidFill>
-                <a:latin typeface="Helvetica Neue"/>
-                <a:cs typeface="Helvetica Neue"/>
-              </a:rPr>
-              <a:t>Fun with ggplot2</a:t>
-            </a:r>
-          </a:p>
-        </p:txBody>
-      </p:sp>
-      <p:pic>
-        <p:nvPicPr>
-          <p:cNvPr id="12" name="Picture 11"/>
-          <p:cNvPicPr>
-            <a:picLocks noChangeAspect="1"/>
-          </p:cNvPicPr>
-          <p:nvPr/>
-        </p:nvPicPr>
-        <p:blipFill>
-          <a:blip r:embed="rId3"/>
-          <a:srcRect/>
-          <a:stretch/>
-        </p:blipFill>
-        <p:spPr>
-          <a:xfrm>
-            <a:off x="263465" y="398530"/>
-            <a:ext cx="5120827" cy="556906"/>
-          </a:xfrm>
-          <a:prstGeom prst="rect">
-            <a:avLst/>
-          </a:prstGeom>
-        </p:spPr>
-      </p:pic>
-    </p:spTree>
-    <p:extLst>
-      <p:ext uri="{BB962C8B-B14F-4D97-AF65-F5344CB8AC3E}">
-        <p14:creationId xmlns:p14="http://schemas.microsoft.com/office/powerpoint/2010/main" val="711495662"/>
-      </p:ext>
-    </p:extLst>
-  </p:cSld>
-  <p:clrMapOvr>
-    <a:masterClrMapping/>
-  </p:clrMapOvr>
-</p:sld>
-</file>
-
-<file path=ppt/slides/slide24.xml><?xml version="1.0" encoding="utf-8"?>
-<p:sld xmlns:a="http://schemas.openxmlformats.org/drawingml/2006/main" xmlns:r="http://schemas.openxmlformats.org/officeDocument/2006/relationships" xmlns:p="http://schemas.openxmlformats.org/presentationml/2006/main">
-  <p:cSld>
-    <p:spTree>
-      <p:nvGrpSpPr>
-        <p:cNvPr id="1" name=""/>
-        <p:cNvGrpSpPr/>
-        <p:nvPr/>
-      </p:nvGrpSpPr>
-      <p:grpSpPr>
-        <a:xfrm>
-          <a:off x="0" y="0"/>
-          <a:ext cx="0" cy="0"/>
-          <a:chOff x="0" y="0"/>
-          <a:chExt cx="0" cy="0"/>
-        </a:xfrm>
-      </p:grpSpPr>
-      <p:sp>
-        <p:nvSpPr>
-          <p:cNvPr id="2" name="Title 2">
-            <a:extLst>
-              <a:ext uri="{FF2B5EF4-FFF2-40B4-BE49-F238E27FC236}">
-                <a16:creationId xmlns:a16="http://schemas.microsoft.com/office/drawing/2014/main" id="{12BEE06C-3CB4-1A31-1F99-81886307D619}"/>
-              </a:ext>
-            </a:extLst>
-          </p:cNvPr>
-          <p:cNvSpPr txBox="1">
-            <a:spLocks/>
-          </p:cNvSpPr>
-          <p:nvPr/>
-        </p:nvSpPr>
-        <p:spPr>
-          <a:xfrm>
-            <a:off x="429870" y="306381"/>
-            <a:ext cx="6598728" cy="1143000"/>
-          </a:xfrm>
-          <a:prstGeom prst="rect">
-            <a:avLst/>
-          </a:prstGeom>
-        </p:spPr>
-        <p:txBody>
-          <a:bodyPr>
-            <a:noAutofit/>
-          </a:bodyPr>
-          <a:lstStyle>
-            <a:lvl1pPr algn="l" defTabSz="342991" rtl="0" eaLnBrk="1" latinLnBrk="0" hangingPunct="1">
-              <a:spcBef>
-                <a:spcPct val="0"/>
-              </a:spcBef>
-              <a:buNone/>
-              <a:defRPr sz="2701" b="1" i="0" kern="1200">
-                <a:solidFill>
-                  <a:srgbClr val="002D50"/>
-                </a:solidFill>
-                <a:latin typeface="Helvetica Neue"/>
-                <a:ea typeface="+mj-ea"/>
-                <a:cs typeface="Helvetica Neue"/>
-              </a:defRPr>
-            </a:lvl1pPr>
-          </a:lstStyle>
-          <a:p>
-            <a:r>
-              <a:rPr lang="en-US" sz="3200" dirty="0"/>
-              <a:t>What is ggplot2?</a:t>
-            </a:r>
-          </a:p>
-        </p:txBody>
-      </p:sp>
-      <p:sp>
-        <p:nvSpPr>
-          <p:cNvPr id="3" name="TextBox 2">
-            <a:extLst>
-              <a:ext uri="{FF2B5EF4-FFF2-40B4-BE49-F238E27FC236}">
-                <a16:creationId xmlns:a16="http://schemas.microsoft.com/office/drawing/2014/main" id="{CACD242B-2E17-1439-3226-250A45B1D5F4}"/>
-              </a:ext>
-            </a:extLst>
-          </p:cNvPr>
-          <p:cNvSpPr txBox="1"/>
-          <p:nvPr/>
-        </p:nvSpPr>
-        <p:spPr>
-          <a:xfrm>
-            <a:off x="429869" y="1230992"/>
-            <a:ext cx="8284261" cy="2000548"/>
-          </a:xfrm>
-          <a:prstGeom prst="rect">
-            <a:avLst/>
-          </a:prstGeom>
-          <a:noFill/>
-        </p:spPr>
-        <p:txBody>
-          <a:bodyPr wrap="square" rtlCol="0">
-            <a:spAutoFit/>
-          </a:bodyPr>
-          <a:lstStyle/>
-          <a:p>
-            <a:pPr marL="457200" indent="-457200">
-              <a:spcBef>
-                <a:spcPts val="600"/>
-              </a:spcBef>
-              <a:spcAft>
-                <a:spcPts val="600"/>
-              </a:spcAft>
-              <a:buFont typeface="Arial" panose="020B0604020202020204" pitchFamily="34" charset="0"/>
-              <a:buChar char="•"/>
-            </a:pPr>
-            <a:r>
-              <a:rPr lang="en-US" sz="2600" dirty="0"/>
-              <a:t>ggplot2 is a plotting library in R</a:t>
-            </a:r>
-          </a:p>
-          <a:p>
-            <a:pPr marL="457200" indent="-457200">
-              <a:spcBef>
-                <a:spcPts val="600"/>
-              </a:spcBef>
-              <a:spcAft>
-                <a:spcPts val="600"/>
-              </a:spcAft>
-              <a:buFont typeface="Arial" panose="020B0604020202020204" pitchFamily="34" charset="0"/>
-              <a:buChar char="•"/>
-            </a:pPr>
-            <a:r>
-              <a:rPr lang="en-US" sz="2600" dirty="0"/>
-              <a:t>It’s a bit challenging to get the hang of at first, but it’s incredibly powerful and popular</a:t>
-            </a:r>
-          </a:p>
-          <a:p>
-            <a:pPr marL="457200" indent="-457200">
-              <a:spcBef>
-                <a:spcPts val="600"/>
-              </a:spcBef>
-              <a:spcAft>
-                <a:spcPts val="600"/>
-              </a:spcAft>
-              <a:buFont typeface="Arial" panose="020B0604020202020204" pitchFamily="34" charset="0"/>
-              <a:buChar char="•"/>
-            </a:pPr>
-            <a:endParaRPr lang="en-US" sz="2600" dirty="0"/>
-          </a:p>
-        </p:txBody>
-      </p:sp>
-    </p:spTree>
-    <p:extLst>
-      <p:ext uri="{BB962C8B-B14F-4D97-AF65-F5344CB8AC3E}">
-        <p14:creationId xmlns:p14="http://schemas.microsoft.com/office/powerpoint/2010/main" val="939007962"/>
-      </p:ext>
-    </p:extLst>
-  </p:cSld>
-  <p:clrMapOvr>
-    <a:masterClrMapping/>
-  </p:clrMapOvr>
-</p:sld>
-</file>
-
-<file path=ppt/slides/slide25.xml><?xml version="1.0" encoding="utf-8"?>
-<p:sld xmlns:a="http://schemas.openxmlformats.org/drawingml/2006/main" xmlns:r="http://schemas.openxmlformats.org/officeDocument/2006/relationships" xmlns:p="http://schemas.openxmlformats.org/presentationml/2006/main">
-  <p:cSld>
-    <p:spTree>
-      <p:nvGrpSpPr>
-        <p:cNvPr id="1" name=""/>
-        <p:cNvGrpSpPr/>
-        <p:nvPr/>
-      </p:nvGrpSpPr>
-      <p:grpSpPr>
-        <a:xfrm>
-          <a:off x="0" y="0"/>
-          <a:ext cx="0" cy="0"/>
-          <a:chOff x="0" y="0"/>
-          <a:chExt cx="0" cy="0"/>
-        </a:xfrm>
-      </p:grpSpPr>
-      <p:sp>
-        <p:nvSpPr>
-          <p:cNvPr id="2" name="Title 2">
-            <a:extLst>
-              <a:ext uri="{FF2B5EF4-FFF2-40B4-BE49-F238E27FC236}">
-                <a16:creationId xmlns:a16="http://schemas.microsoft.com/office/drawing/2014/main" id="{12BEE06C-3CB4-1A31-1F99-81886307D619}"/>
-              </a:ext>
-            </a:extLst>
-          </p:cNvPr>
-          <p:cNvSpPr txBox="1">
-            <a:spLocks/>
-          </p:cNvSpPr>
-          <p:nvPr/>
-        </p:nvSpPr>
-        <p:spPr>
-          <a:xfrm>
-            <a:off x="429870" y="306381"/>
-            <a:ext cx="6598728" cy="1143000"/>
-          </a:xfrm>
-          <a:prstGeom prst="rect">
-            <a:avLst/>
-          </a:prstGeom>
-        </p:spPr>
-        <p:txBody>
-          <a:bodyPr>
-            <a:noAutofit/>
-          </a:bodyPr>
-          <a:lstStyle>
-            <a:lvl1pPr algn="l" defTabSz="342991" rtl="0" eaLnBrk="1" latinLnBrk="0" hangingPunct="1">
-              <a:spcBef>
-                <a:spcPct val="0"/>
-              </a:spcBef>
-              <a:buNone/>
-              <a:defRPr sz="2701" b="1" i="0" kern="1200">
-                <a:solidFill>
-                  <a:srgbClr val="002D50"/>
-                </a:solidFill>
-                <a:latin typeface="Helvetica Neue"/>
-                <a:ea typeface="+mj-ea"/>
-                <a:cs typeface="Helvetica Neue"/>
-              </a:defRPr>
-            </a:lvl1pPr>
-          </a:lstStyle>
-          <a:p>
-            <a:r>
-              <a:rPr lang="en-US" sz="3200" dirty="0"/>
-              <a:t>Packages and libraries</a:t>
-            </a:r>
-          </a:p>
-        </p:txBody>
-      </p:sp>
-      <p:sp>
-        <p:nvSpPr>
-          <p:cNvPr id="3" name="TextBox 2">
-            <a:extLst>
-              <a:ext uri="{FF2B5EF4-FFF2-40B4-BE49-F238E27FC236}">
-                <a16:creationId xmlns:a16="http://schemas.microsoft.com/office/drawing/2014/main" id="{CACD242B-2E17-1439-3226-250A45B1D5F4}"/>
-              </a:ext>
-            </a:extLst>
-          </p:cNvPr>
-          <p:cNvSpPr txBox="1"/>
-          <p:nvPr/>
-        </p:nvSpPr>
-        <p:spPr>
-          <a:xfrm>
-            <a:off x="429869" y="1230992"/>
-            <a:ext cx="8284261" cy="3354765"/>
-          </a:xfrm>
-          <a:prstGeom prst="rect">
-            <a:avLst/>
-          </a:prstGeom>
-          <a:noFill/>
-        </p:spPr>
-        <p:txBody>
-          <a:bodyPr wrap="square" rtlCol="0">
-            <a:spAutoFit/>
-          </a:bodyPr>
-          <a:lstStyle/>
-          <a:p>
-            <a:pPr marL="457200" indent="-457200">
-              <a:spcBef>
-                <a:spcPts val="600"/>
-              </a:spcBef>
-              <a:spcAft>
-                <a:spcPts val="600"/>
-              </a:spcAft>
-              <a:buFont typeface="Arial" panose="020B0604020202020204" pitchFamily="34" charset="0"/>
-              <a:buChar char="•"/>
-            </a:pPr>
-            <a:r>
-              <a:rPr lang="en-US" sz="2600" dirty="0"/>
-              <a:t>Packages (like ggplot2) are sets of functions and data that can be loaded for specialized projects</a:t>
-            </a:r>
-          </a:p>
-          <a:p>
-            <a:pPr marL="457200" indent="-457200">
-              <a:spcBef>
-                <a:spcPts val="600"/>
-              </a:spcBef>
-              <a:spcAft>
-                <a:spcPts val="600"/>
-              </a:spcAft>
-              <a:buFont typeface="Arial" panose="020B0604020202020204" pitchFamily="34" charset="0"/>
-              <a:buChar char="•"/>
-            </a:pPr>
-            <a:r>
-              <a:rPr lang="en-US" sz="2600" dirty="0"/>
-              <a:t>The first time you use them, you need to install them: </a:t>
-            </a:r>
-            <a:r>
-              <a:rPr lang="en-US" sz="2600" dirty="0" err="1"/>
-              <a:t>install.packages</a:t>
-            </a:r>
-            <a:r>
-              <a:rPr lang="en-US" sz="2600" dirty="0"/>
-              <a:t>(”ggplot2”)</a:t>
-            </a:r>
-          </a:p>
-          <a:p>
-            <a:pPr marL="457200" indent="-457200">
-              <a:spcBef>
-                <a:spcPts val="600"/>
-              </a:spcBef>
-              <a:spcAft>
-                <a:spcPts val="600"/>
-              </a:spcAft>
-              <a:buFont typeface="Arial" panose="020B0604020202020204" pitchFamily="34" charset="0"/>
-              <a:buChar char="•"/>
-            </a:pPr>
-            <a:r>
-              <a:rPr lang="en-US" sz="2600" dirty="0"/>
-              <a:t>The next time you use them, you can just load them from your R library: library(“ggplot2”)</a:t>
-            </a:r>
-          </a:p>
-          <a:p>
-            <a:pPr marL="457200" indent="-457200">
-              <a:spcBef>
-                <a:spcPts val="600"/>
-              </a:spcBef>
-              <a:spcAft>
-                <a:spcPts val="600"/>
-              </a:spcAft>
-              <a:buFont typeface="Arial" panose="020B0604020202020204" pitchFamily="34" charset="0"/>
-              <a:buChar char="•"/>
-            </a:pPr>
-            <a:endParaRPr lang="en-US" sz="2600" dirty="0"/>
-          </a:p>
-        </p:txBody>
-      </p:sp>
-    </p:spTree>
-    <p:extLst>
-      <p:ext uri="{BB962C8B-B14F-4D97-AF65-F5344CB8AC3E}">
-        <p14:creationId xmlns:p14="http://schemas.microsoft.com/office/powerpoint/2010/main" val="1460200978"/>
-      </p:ext>
-    </p:extLst>
-  </p:cSld>
-  <p:clrMapOvr>
-    <a:masterClrMapping/>
-  </p:clrMapOvr>
-</p:sld>
-</file>
-
-<file path=ppt/slides/slide26.xml><?xml version="1.0" encoding="utf-8"?>
-<p:sld xmlns:a="http://schemas.openxmlformats.org/drawingml/2006/main" xmlns:r="http://schemas.openxmlformats.org/officeDocument/2006/relationships" xmlns:p="http://schemas.openxmlformats.org/presentationml/2006/main">
-  <p:cSld>
-    <p:spTree>
-      <p:nvGrpSpPr>
-        <p:cNvPr id="1" name=""/>
-        <p:cNvGrpSpPr/>
-        <p:nvPr/>
-      </p:nvGrpSpPr>
-      <p:grpSpPr>
-        <a:xfrm>
-          <a:off x="0" y="0"/>
-          <a:ext cx="0" cy="0"/>
-          <a:chOff x="0" y="0"/>
-          <a:chExt cx="0" cy="0"/>
-        </a:xfrm>
-      </p:grpSpPr>
-      <p:sp>
-        <p:nvSpPr>
-          <p:cNvPr id="2" name="Title 2">
-            <a:extLst>
-              <a:ext uri="{FF2B5EF4-FFF2-40B4-BE49-F238E27FC236}">
-                <a16:creationId xmlns:a16="http://schemas.microsoft.com/office/drawing/2014/main" id="{12BEE06C-3CB4-1A31-1F99-81886307D619}"/>
-              </a:ext>
-            </a:extLst>
-          </p:cNvPr>
-          <p:cNvSpPr txBox="1">
-            <a:spLocks/>
-          </p:cNvSpPr>
-          <p:nvPr/>
-        </p:nvSpPr>
-        <p:spPr>
-          <a:xfrm>
-            <a:off x="429870" y="306381"/>
-            <a:ext cx="6598728" cy="1143000"/>
-          </a:xfrm>
-          <a:prstGeom prst="rect">
-            <a:avLst/>
-          </a:prstGeom>
-        </p:spPr>
-        <p:txBody>
-          <a:bodyPr>
-            <a:noAutofit/>
-          </a:bodyPr>
-          <a:lstStyle>
-            <a:lvl1pPr algn="l" defTabSz="342991" rtl="0" eaLnBrk="1" latinLnBrk="0" hangingPunct="1">
-              <a:spcBef>
-                <a:spcPct val="0"/>
-              </a:spcBef>
-              <a:buNone/>
-              <a:defRPr sz="2701" b="1" i="0" kern="1200">
-                <a:solidFill>
-                  <a:srgbClr val="002D50"/>
-                </a:solidFill>
-                <a:latin typeface="Helvetica Neue"/>
-                <a:ea typeface="+mj-ea"/>
-                <a:cs typeface="Helvetica Neue"/>
-              </a:defRPr>
-            </a:lvl1pPr>
-          </a:lstStyle>
-          <a:p>
-            <a:r>
-              <a:rPr lang="en-US" sz="3200" dirty="0"/>
-              <a:t>Now you try!</a:t>
-            </a:r>
-          </a:p>
-        </p:txBody>
-      </p:sp>
-      <p:sp>
-        <p:nvSpPr>
-          <p:cNvPr id="3" name="TextBox 2">
-            <a:extLst>
-              <a:ext uri="{FF2B5EF4-FFF2-40B4-BE49-F238E27FC236}">
-                <a16:creationId xmlns:a16="http://schemas.microsoft.com/office/drawing/2014/main" id="{1BC36FA6-0E47-0E04-5273-716A758CAEC4}"/>
-              </a:ext>
-            </a:extLst>
-          </p:cNvPr>
-          <p:cNvSpPr txBox="1"/>
-          <p:nvPr/>
-        </p:nvSpPr>
-        <p:spPr>
-          <a:xfrm>
-            <a:off x="429869" y="1230992"/>
-            <a:ext cx="8284261" cy="1600438"/>
-          </a:xfrm>
-          <a:prstGeom prst="rect">
-            <a:avLst/>
-          </a:prstGeom>
-          <a:noFill/>
-        </p:spPr>
-        <p:txBody>
-          <a:bodyPr wrap="square" rtlCol="0">
-            <a:spAutoFit/>
-          </a:bodyPr>
-          <a:lstStyle/>
-          <a:p>
-            <a:pPr marL="457200" indent="-457200">
-              <a:spcBef>
-                <a:spcPts val="600"/>
-              </a:spcBef>
-              <a:spcAft>
-                <a:spcPts val="600"/>
-              </a:spcAft>
-              <a:buFont typeface="Arial" panose="020B0604020202020204" pitchFamily="34" charset="0"/>
-              <a:buChar char="•"/>
-            </a:pPr>
-            <a:r>
-              <a:rPr lang="en-US" sz="2600" dirty="0" err="1"/>
-              <a:t>install.package</a:t>
-            </a:r>
-            <a:r>
-              <a:rPr lang="en-US" sz="2600" dirty="0"/>
-              <a:t>(”ggplot2”)</a:t>
-            </a:r>
-          </a:p>
-          <a:p>
-            <a:pPr marL="457200" indent="-457200">
-              <a:spcBef>
-                <a:spcPts val="600"/>
-              </a:spcBef>
-              <a:spcAft>
-                <a:spcPts val="600"/>
-              </a:spcAft>
-              <a:buFont typeface="Arial" panose="020B0604020202020204" pitchFamily="34" charset="0"/>
-              <a:buChar char="•"/>
-            </a:pPr>
-            <a:r>
-              <a:rPr lang="en-US" sz="2600" dirty="0"/>
-              <a:t>Try installing ggplot2 on your computer</a:t>
-            </a:r>
-          </a:p>
-          <a:p>
-            <a:pPr marL="457200" indent="-457200">
-              <a:spcBef>
-                <a:spcPts val="600"/>
-              </a:spcBef>
-              <a:spcAft>
-                <a:spcPts val="600"/>
-              </a:spcAft>
-              <a:buFont typeface="Arial" panose="020B0604020202020204" pitchFamily="34" charset="0"/>
-              <a:buChar char="•"/>
-            </a:pPr>
-            <a:endParaRPr lang="en-US" sz="2600" dirty="0"/>
-          </a:p>
-        </p:txBody>
-      </p:sp>
-    </p:spTree>
-    <p:extLst>
-      <p:ext uri="{BB962C8B-B14F-4D97-AF65-F5344CB8AC3E}">
-        <p14:creationId xmlns:p14="http://schemas.microsoft.com/office/powerpoint/2010/main" val="3211967178"/>
-      </p:ext>
-    </p:extLst>
-  </p:cSld>
-  <p:clrMapOvr>
-    <a:masterClrMapping/>
-  </p:clrMapOvr>
-</p:sld>
-</file>
-
-<file path=ppt/slides/slide27.xml><?xml version="1.0" encoding="utf-8"?>
-<p:sld xmlns:a="http://schemas.openxmlformats.org/drawingml/2006/main" xmlns:r="http://schemas.openxmlformats.org/officeDocument/2006/relationships" xmlns:p="http://schemas.openxmlformats.org/presentationml/2006/main">
-  <p:cSld>
-    <p:spTree>
-      <p:nvGrpSpPr>
-        <p:cNvPr id="1" name=""/>
-        <p:cNvGrpSpPr/>
-        <p:nvPr/>
-      </p:nvGrpSpPr>
-      <p:grpSpPr>
-        <a:xfrm>
-          <a:off x="0" y="0"/>
-          <a:ext cx="0" cy="0"/>
-          <a:chOff x="0" y="0"/>
-          <a:chExt cx="0" cy="0"/>
-        </a:xfrm>
-      </p:grpSpPr>
-      <p:sp>
-        <p:nvSpPr>
-          <p:cNvPr id="2" name="Title 2">
-            <a:extLst>
-              <a:ext uri="{FF2B5EF4-FFF2-40B4-BE49-F238E27FC236}">
-                <a16:creationId xmlns:a16="http://schemas.microsoft.com/office/drawing/2014/main" id="{12BEE06C-3CB4-1A31-1F99-81886307D619}"/>
-              </a:ext>
-            </a:extLst>
-          </p:cNvPr>
-          <p:cNvSpPr txBox="1">
-            <a:spLocks/>
-          </p:cNvSpPr>
-          <p:nvPr/>
-        </p:nvSpPr>
-        <p:spPr>
-          <a:xfrm>
-            <a:off x="429870" y="306381"/>
-            <a:ext cx="6598728" cy="1143000"/>
-          </a:xfrm>
-          <a:prstGeom prst="rect">
-            <a:avLst/>
-          </a:prstGeom>
-        </p:spPr>
-        <p:txBody>
-          <a:bodyPr>
-            <a:noAutofit/>
-          </a:bodyPr>
-          <a:lstStyle>
-            <a:lvl1pPr algn="l" defTabSz="342991" rtl="0" eaLnBrk="1" latinLnBrk="0" hangingPunct="1">
-              <a:spcBef>
-                <a:spcPct val="0"/>
-              </a:spcBef>
-              <a:buNone/>
-              <a:defRPr sz="2701" b="1" i="0" kern="1200">
-                <a:solidFill>
-                  <a:srgbClr val="002D50"/>
-                </a:solidFill>
-                <a:latin typeface="Helvetica Neue"/>
-                <a:ea typeface="+mj-ea"/>
-                <a:cs typeface="Helvetica Neue"/>
-              </a:defRPr>
-            </a:lvl1pPr>
-          </a:lstStyle>
-          <a:p>
-            <a:r>
-              <a:rPr lang="en-US" sz="3200" dirty="0"/>
-              <a:t>Using </a:t>
-            </a:r>
-            <a:r>
-              <a:rPr lang="en-US" sz="3200" dirty="0" err="1"/>
-              <a:t>ggplot</a:t>
-            </a:r>
-            <a:endParaRPr lang="en-US" sz="3200" dirty="0"/>
-          </a:p>
-          <a:p>
-            <a:r>
-              <a:rPr lang="en-US" sz="3200" b="0" i="1" dirty="0"/>
-              <a:t>scatterplot with groups</a:t>
-            </a:r>
-          </a:p>
-        </p:txBody>
-      </p:sp>
-      <p:pic>
-        <p:nvPicPr>
-          <p:cNvPr id="5" name="Picture 4">
-            <a:extLst>
-              <a:ext uri="{FF2B5EF4-FFF2-40B4-BE49-F238E27FC236}">
-                <a16:creationId xmlns:a16="http://schemas.microsoft.com/office/drawing/2014/main" id="{DF9CFE36-12B3-37EB-A2BD-0FCDF3DCA82B}"/>
-              </a:ext>
-            </a:extLst>
-          </p:cNvPr>
-          <p:cNvPicPr>
-            <a:picLocks noChangeAspect="1"/>
-          </p:cNvPicPr>
-          <p:nvPr/>
-        </p:nvPicPr>
-        <p:blipFill>
-          <a:blip r:embed="rId2"/>
-          <a:stretch>
-            <a:fillRect/>
-          </a:stretch>
-        </p:blipFill>
-        <p:spPr>
-          <a:xfrm>
-            <a:off x="1479086" y="1852793"/>
-            <a:ext cx="6185828" cy="3688154"/>
-          </a:xfrm>
-          <a:prstGeom prst="rect">
-            <a:avLst/>
-          </a:prstGeom>
-        </p:spPr>
-      </p:pic>
-    </p:spTree>
-    <p:extLst>
-      <p:ext uri="{BB962C8B-B14F-4D97-AF65-F5344CB8AC3E}">
-        <p14:creationId xmlns:p14="http://schemas.microsoft.com/office/powerpoint/2010/main" val="1925861568"/>
-      </p:ext>
-    </p:extLst>
-  </p:cSld>
-  <p:clrMapOvr>
-    <a:masterClrMapping/>
-  </p:clrMapOvr>
-</p:sld>
-</file>
-
-<file path=ppt/slides/slide28.xml><?xml version="1.0" encoding="utf-8"?>
-<p:sld xmlns:a="http://schemas.openxmlformats.org/drawingml/2006/main" xmlns:r="http://schemas.openxmlformats.org/officeDocument/2006/relationships" xmlns:p="http://schemas.openxmlformats.org/presentationml/2006/main">
-  <p:cSld>
-    <p:spTree>
-      <p:nvGrpSpPr>
-        <p:cNvPr id="1" name=""/>
-        <p:cNvGrpSpPr/>
-        <p:nvPr/>
-      </p:nvGrpSpPr>
-      <p:grpSpPr>
-        <a:xfrm>
-          <a:off x="0" y="0"/>
-          <a:ext cx="0" cy="0"/>
-          <a:chOff x="0" y="0"/>
-          <a:chExt cx="0" cy="0"/>
-        </a:xfrm>
-      </p:grpSpPr>
-      <p:pic>
-        <p:nvPicPr>
-          <p:cNvPr id="4" name="Picture 3">
-            <a:extLst>
-              <a:ext uri="{FF2B5EF4-FFF2-40B4-BE49-F238E27FC236}">
-                <a16:creationId xmlns:a16="http://schemas.microsoft.com/office/drawing/2014/main" id="{6F8B83C6-8DA1-EBF3-576A-33C5CFBCBBAD}"/>
-              </a:ext>
-            </a:extLst>
-          </p:cNvPr>
-          <p:cNvPicPr>
-            <a:picLocks noChangeAspect="1"/>
-          </p:cNvPicPr>
-          <p:nvPr/>
-        </p:nvPicPr>
-        <p:blipFill>
-          <a:blip r:embed="rId2"/>
-          <a:stretch>
-            <a:fillRect/>
-          </a:stretch>
-        </p:blipFill>
-        <p:spPr>
-          <a:xfrm>
-            <a:off x="279399" y="1975758"/>
-            <a:ext cx="8262985" cy="2200202"/>
-          </a:xfrm>
-          <a:prstGeom prst="rect">
-            <a:avLst/>
-          </a:prstGeom>
-        </p:spPr>
-      </p:pic>
-      <p:sp>
-        <p:nvSpPr>
-          <p:cNvPr id="6" name="Title 2">
-            <a:extLst>
-              <a:ext uri="{FF2B5EF4-FFF2-40B4-BE49-F238E27FC236}">
-                <a16:creationId xmlns:a16="http://schemas.microsoft.com/office/drawing/2014/main" id="{4CBDF9EB-241A-608A-74C3-09817AD32732}"/>
-              </a:ext>
-            </a:extLst>
-          </p:cNvPr>
-          <p:cNvSpPr txBox="1">
-            <a:spLocks/>
-          </p:cNvSpPr>
-          <p:nvPr/>
-        </p:nvSpPr>
-        <p:spPr>
-          <a:xfrm>
-            <a:off x="429870" y="306381"/>
-            <a:ext cx="6598728" cy="1143000"/>
-          </a:xfrm>
-          <a:prstGeom prst="rect">
-            <a:avLst/>
-          </a:prstGeom>
-        </p:spPr>
-        <p:txBody>
-          <a:bodyPr>
-            <a:noAutofit/>
-          </a:bodyPr>
-          <a:lstStyle>
-            <a:lvl1pPr algn="l" defTabSz="342991" rtl="0" eaLnBrk="1" latinLnBrk="0" hangingPunct="1">
-              <a:spcBef>
-                <a:spcPct val="0"/>
-              </a:spcBef>
-              <a:buNone/>
-              <a:defRPr sz="2701" b="1" i="0" kern="1200">
-                <a:solidFill>
-                  <a:srgbClr val="002D50"/>
-                </a:solidFill>
-                <a:latin typeface="Helvetica Neue"/>
-                <a:ea typeface="+mj-ea"/>
-                <a:cs typeface="Helvetica Neue"/>
-              </a:defRPr>
-            </a:lvl1pPr>
-          </a:lstStyle>
-          <a:p>
-            <a:r>
-              <a:rPr lang="en-US" sz="3200" dirty="0"/>
-              <a:t>Using </a:t>
-            </a:r>
-            <a:r>
-              <a:rPr lang="en-US" sz="3200" dirty="0" err="1"/>
-              <a:t>ggplot</a:t>
-            </a:r>
-            <a:endParaRPr lang="en-US" sz="3200" dirty="0"/>
-          </a:p>
-          <a:p>
-            <a:r>
-              <a:rPr lang="en-US" sz="3200" b="0" i="1" dirty="0"/>
-              <a:t>scatterplot with groups</a:t>
-            </a:r>
-          </a:p>
-        </p:txBody>
-      </p:sp>
-    </p:spTree>
-    <p:extLst>
-      <p:ext uri="{BB962C8B-B14F-4D97-AF65-F5344CB8AC3E}">
-        <p14:creationId xmlns:p14="http://schemas.microsoft.com/office/powerpoint/2010/main" val="626083114"/>
-      </p:ext>
-    </p:extLst>
-  </p:cSld>
-  <p:clrMapOvr>
-    <a:masterClrMapping/>
-  </p:clrMapOvr>
-</p:sld>
-</file>
-
-<file path=ppt/slides/slide29.xml><?xml version="1.0" encoding="utf-8"?>
-<p:sld xmlns:a="http://schemas.openxmlformats.org/drawingml/2006/main" xmlns:r="http://schemas.openxmlformats.org/officeDocument/2006/relationships" xmlns:p="http://schemas.openxmlformats.org/presentationml/2006/main">
-  <p:cSld>
-    <p:spTree>
-      <p:nvGrpSpPr>
-        <p:cNvPr id="1" name=""/>
-        <p:cNvGrpSpPr/>
-        <p:nvPr/>
-      </p:nvGrpSpPr>
-      <p:grpSpPr>
-        <a:xfrm>
-          <a:off x="0" y="0"/>
-          <a:ext cx="0" cy="0"/>
-          <a:chOff x="0" y="0"/>
-          <a:chExt cx="0" cy="0"/>
-        </a:xfrm>
-      </p:grpSpPr>
-      <p:pic>
-        <p:nvPicPr>
-          <p:cNvPr id="4" name="Picture 3">
-            <a:extLst>
-              <a:ext uri="{FF2B5EF4-FFF2-40B4-BE49-F238E27FC236}">
-                <a16:creationId xmlns:a16="http://schemas.microsoft.com/office/drawing/2014/main" id="{6F8B83C6-8DA1-EBF3-576A-33C5CFBCBBAD}"/>
-              </a:ext>
-            </a:extLst>
-          </p:cNvPr>
-          <p:cNvPicPr>
-            <a:picLocks noChangeAspect="1"/>
-          </p:cNvPicPr>
-          <p:nvPr/>
-        </p:nvPicPr>
-        <p:blipFill>
-          <a:blip r:embed="rId2"/>
-          <a:stretch>
-            <a:fillRect/>
-          </a:stretch>
-        </p:blipFill>
-        <p:spPr>
-          <a:xfrm>
-            <a:off x="279399" y="1975758"/>
-            <a:ext cx="8262985" cy="2200202"/>
-          </a:xfrm>
-          <a:prstGeom prst="rect">
-            <a:avLst/>
-          </a:prstGeom>
-        </p:spPr>
-      </p:pic>
-      <p:sp>
-        <p:nvSpPr>
-          <p:cNvPr id="6" name="Title 2">
-            <a:extLst>
-              <a:ext uri="{FF2B5EF4-FFF2-40B4-BE49-F238E27FC236}">
-                <a16:creationId xmlns:a16="http://schemas.microsoft.com/office/drawing/2014/main" id="{4CBDF9EB-241A-608A-74C3-09817AD32732}"/>
-              </a:ext>
-            </a:extLst>
-          </p:cNvPr>
-          <p:cNvSpPr txBox="1">
-            <a:spLocks/>
-          </p:cNvSpPr>
-          <p:nvPr/>
-        </p:nvSpPr>
-        <p:spPr>
-          <a:xfrm>
-            <a:off x="429870" y="306381"/>
-            <a:ext cx="6598728" cy="1143000"/>
-          </a:xfrm>
-          <a:prstGeom prst="rect">
-            <a:avLst/>
-          </a:prstGeom>
-        </p:spPr>
-        <p:txBody>
-          <a:bodyPr>
-            <a:noAutofit/>
-          </a:bodyPr>
-          <a:lstStyle>
-            <a:lvl1pPr algn="l" defTabSz="342991" rtl="0" eaLnBrk="1" latinLnBrk="0" hangingPunct="1">
-              <a:spcBef>
-                <a:spcPct val="0"/>
-              </a:spcBef>
-              <a:buNone/>
-              <a:defRPr sz="2701" b="1" i="0" kern="1200">
-                <a:solidFill>
-                  <a:srgbClr val="002D50"/>
-                </a:solidFill>
-                <a:latin typeface="Helvetica Neue"/>
-                <a:ea typeface="+mj-ea"/>
-                <a:cs typeface="Helvetica Neue"/>
-              </a:defRPr>
-            </a:lvl1pPr>
-          </a:lstStyle>
-          <a:p>
-            <a:r>
-              <a:rPr lang="en-US" sz="3200" dirty="0"/>
-              <a:t>Using </a:t>
-            </a:r>
-            <a:r>
-              <a:rPr lang="en-US" sz="3200" dirty="0" err="1"/>
-              <a:t>ggplot</a:t>
-            </a:r>
-            <a:endParaRPr lang="en-US" sz="3200" dirty="0"/>
-          </a:p>
-          <a:p>
-            <a:r>
-              <a:rPr lang="en-US" sz="3200" b="0" i="1" dirty="0"/>
-              <a:t>scatterplot with groups</a:t>
-            </a:r>
-          </a:p>
-        </p:txBody>
-      </p:sp>
-      <p:sp>
-        <p:nvSpPr>
-          <p:cNvPr id="7" name="Oval 6">
-            <a:extLst>
-              <a:ext uri="{FF2B5EF4-FFF2-40B4-BE49-F238E27FC236}">
-                <a16:creationId xmlns:a16="http://schemas.microsoft.com/office/drawing/2014/main" id="{B1211343-E00D-5D90-99EE-863B835582A6}"/>
-              </a:ext>
-            </a:extLst>
-          </p:cNvPr>
-          <p:cNvSpPr/>
-          <p:nvPr/>
-        </p:nvSpPr>
-        <p:spPr>
-          <a:xfrm>
-            <a:off x="937048" y="1975758"/>
-            <a:ext cx="1136681" cy="489856"/>
-          </a:xfrm>
-          <a:prstGeom prst="ellipse">
-            <a:avLst/>
-          </a:prstGeom>
-          <a:noFill/>
-          <a:ln w="76200">
-            <a:solidFill>
-              <a:schemeClr val="accent6">
-                <a:lumMod val="10000"/>
-                <a:lumOff val="90000"/>
-              </a:schemeClr>
-            </a:solidFill>
-          </a:ln>
-          <a:effectLst/>
-        </p:spPr>
-        <p:style>
-          <a:lnRef idx="1">
-            <a:schemeClr val="accent1"/>
-          </a:lnRef>
-          <a:fillRef idx="3">
-            <a:schemeClr val="accent1"/>
-          </a:fillRef>
-          <a:effectRef idx="2">
-            <a:schemeClr val="accent1"/>
-          </a:effectRef>
-          <a:fontRef idx="minor">
-            <a:schemeClr val="lt1"/>
-          </a:fontRef>
-        </p:style>
-        <p:txBody>
-          <a:bodyPr rtlCol="0" anchor="ctr"/>
-          <a:lstStyle/>
-          <a:p>
-            <a:pPr algn="ctr"/>
-            <a:endParaRPr lang="en-US"/>
-          </a:p>
-        </p:txBody>
-      </p:sp>
-      <p:sp>
-        <p:nvSpPr>
-          <p:cNvPr id="8" name="TextBox 7">
-            <a:extLst>
-              <a:ext uri="{FF2B5EF4-FFF2-40B4-BE49-F238E27FC236}">
-                <a16:creationId xmlns:a16="http://schemas.microsoft.com/office/drawing/2014/main" id="{A0172EAF-4A0A-DAC7-B215-C5BE42385912}"/>
-              </a:ext>
-            </a:extLst>
-          </p:cNvPr>
-          <p:cNvSpPr txBox="1"/>
-          <p:nvPr/>
-        </p:nvSpPr>
-        <p:spPr>
-          <a:xfrm>
-            <a:off x="4885980" y="2036020"/>
-            <a:ext cx="1563806" cy="369332"/>
-          </a:xfrm>
-          <a:prstGeom prst="rect">
-            <a:avLst/>
-          </a:prstGeom>
-          <a:noFill/>
-        </p:spPr>
-        <p:txBody>
-          <a:bodyPr wrap="square" rtlCol="0">
-            <a:spAutoFit/>
-          </a:bodyPr>
-          <a:lstStyle/>
-          <a:p>
-            <a:pPr algn="ctr"/>
-            <a:r>
-              <a:rPr lang="en-US" dirty="0">
-                <a:solidFill>
-                  <a:schemeClr val="accent6">
-                    <a:lumMod val="10000"/>
-                    <a:lumOff val="90000"/>
-                  </a:schemeClr>
-                </a:solidFill>
-              </a:rPr>
-              <a:t>Dataset name</a:t>
-            </a:r>
-          </a:p>
-        </p:txBody>
-      </p:sp>
-    </p:spTree>
-    <p:extLst>
-      <p:ext uri="{BB962C8B-B14F-4D97-AF65-F5344CB8AC3E}">
-        <p14:creationId xmlns:p14="http://schemas.microsoft.com/office/powerpoint/2010/main" val="2628198473"/>
-      </p:ext>
-    </p:extLst>
-  </p:cSld>
-  <p:clrMapOvr>
-    <a:masterClrMapping/>
-  </p:clrMapOvr>
-</p:sld>
-</file>
-
 <file path=ppt/slides/slide3.xml><?xml version="1.0" encoding="utf-8"?>
 <p:sld xmlns:a="http://schemas.openxmlformats.org/drawingml/2006/main" xmlns:r="http://schemas.openxmlformats.org/officeDocument/2006/relationships" xmlns:p="http://schemas.openxmlformats.org/presentationml/2006/main">
   <p:cSld>
@@ -8034,7 +4711,7 @@
         </p:nvSpPr>
         <p:spPr>
           <a:xfrm>
-            <a:off x="383218" y="1477992"/>
+            <a:off x="594633" y="3278354"/>
             <a:ext cx="7954732" cy="815898"/>
           </a:xfrm>
           <a:prstGeom prst="rect">
@@ -8062,16 +4739,25 @@
             </a:lvl1pPr>
           </a:lstStyle>
           <a:p>
-            <a:pPr algn="l"/>
-            <a:r>
-              <a:rPr lang="en-US" sz="4051" dirty="0">
+            <a:r>
+              <a:rPr lang="en-US" sz="4051" i="0" dirty="0" err="1">
                 <a:solidFill>
                   <a:schemeClr val="bg1"/>
                 </a:solidFill>
                 <a:latin typeface="Helvetica Neue"/>
                 <a:cs typeface="Helvetica Neue"/>
               </a:rPr>
-              <a:t>Descriptive statistics</a:t>
+              <a:t>bit.ly</a:t>
+            </a:r>
+            <a:r>
+              <a:rPr lang="en-US" sz="4051" i="0" dirty="0">
+                <a:solidFill>
+                  <a:schemeClr val="bg1"/>
+                </a:solidFill>
+                <a:latin typeface="Helvetica Neue"/>
+                <a:cs typeface="Helvetica Neue"/>
+              </a:rPr>
+              <a:t>/r_basics_day3</a:t>
             </a:r>
           </a:p>
         </p:txBody>
@@ -8103,1056 +4789,6 @@
     <p:extLst>
       <p:ext uri="{BB962C8B-B14F-4D97-AF65-F5344CB8AC3E}">
         <p14:creationId xmlns:p14="http://schemas.microsoft.com/office/powerpoint/2010/main" val="3067880805"/>
-      </p:ext>
-    </p:extLst>
-  </p:cSld>
-  <p:clrMapOvr>
-    <a:masterClrMapping/>
-  </p:clrMapOvr>
-</p:sld>
-</file>
-
-<file path=ppt/slides/slide30.xml><?xml version="1.0" encoding="utf-8"?>
-<p:sld xmlns:a="http://schemas.openxmlformats.org/drawingml/2006/main" xmlns:r="http://schemas.openxmlformats.org/officeDocument/2006/relationships" xmlns:p="http://schemas.openxmlformats.org/presentationml/2006/main">
-  <p:cSld>
-    <p:spTree>
-      <p:nvGrpSpPr>
-        <p:cNvPr id="1" name=""/>
-        <p:cNvGrpSpPr/>
-        <p:nvPr/>
-      </p:nvGrpSpPr>
-      <p:grpSpPr>
-        <a:xfrm>
-          <a:off x="0" y="0"/>
-          <a:ext cx="0" cy="0"/>
-          <a:chOff x="0" y="0"/>
-          <a:chExt cx="0" cy="0"/>
-        </a:xfrm>
-      </p:grpSpPr>
-      <p:pic>
-        <p:nvPicPr>
-          <p:cNvPr id="4" name="Picture 3">
-            <a:extLst>
-              <a:ext uri="{FF2B5EF4-FFF2-40B4-BE49-F238E27FC236}">
-                <a16:creationId xmlns:a16="http://schemas.microsoft.com/office/drawing/2014/main" id="{6F8B83C6-8DA1-EBF3-576A-33C5CFBCBBAD}"/>
-              </a:ext>
-            </a:extLst>
-          </p:cNvPr>
-          <p:cNvPicPr>
-            <a:picLocks noChangeAspect="1"/>
-          </p:cNvPicPr>
-          <p:nvPr/>
-        </p:nvPicPr>
-        <p:blipFill>
-          <a:blip r:embed="rId2"/>
-          <a:stretch>
-            <a:fillRect/>
-          </a:stretch>
-        </p:blipFill>
-        <p:spPr>
-          <a:xfrm>
-            <a:off x="279399" y="1975758"/>
-            <a:ext cx="8262985" cy="2200202"/>
-          </a:xfrm>
-          <a:prstGeom prst="rect">
-            <a:avLst/>
-          </a:prstGeom>
-        </p:spPr>
-      </p:pic>
-      <p:sp>
-        <p:nvSpPr>
-          <p:cNvPr id="6" name="Title 2">
-            <a:extLst>
-              <a:ext uri="{FF2B5EF4-FFF2-40B4-BE49-F238E27FC236}">
-                <a16:creationId xmlns:a16="http://schemas.microsoft.com/office/drawing/2014/main" id="{4CBDF9EB-241A-608A-74C3-09817AD32732}"/>
-              </a:ext>
-            </a:extLst>
-          </p:cNvPr>
-          <p:cNvSpPr txBox="1">
-            <a:spLocks/>
-          </p:cNvSpPr>
-          <p:nvPr/>
-        </p:nvSpPr>
-        <p:spPr>
-          <a:xfrm>
-            <a:off x="429870" y="306381"/>
-            <a:ext cx="6598728" cy="1143000"/>
-          </a:xfrm>
-          <a:prstGeom prst="rect">
-            <a:avLst/>
-          </a:prstGeom>
-        </p:spPr>
-        <p:txBody>
-          <a:bodyPr>
-            <a:noAutofit/>
-          </a:bodyPr>
-          <a:lstStyle>
-            <a:lvl1pPr algn="l" defTabSz="342991" rtl="0" eaLnBrk="1" latinLnBrk="0" hangingPunct="1">
-              <a:spcBef>
-                <a:spcPct val="0"/>
-              </a:spcBef>
-              <a:buNone/>
-              <a:defRPr sz="2701" b="1" i="0" kern="1200">
-                <a:solidFill>
-                  <a:srgbClr val="002D50"/>
-                </a:solidFill>
-                <a:latin typeface="Helvetica Neue"/>
-                <a:ea typeface="+mj-ea"/>
-                <a:cs typeface="Helvetica Neue"/>
-              </a:defRPr>
-            </a:lvl1pPr>
-          </a:lstStyle>
-          <a:p>
-            <a:r>
-              <a:rPr lang="en-US" sz="3200" dirty="0"/>
-              <a:t>Using </a:t>
-            </a:r>
-            <a:r>
-              <a:rPr lang="en-US" sz="3200" dirty="0" err="1"/>
-              <a:t>ggplot</a:t>
-            </a:r>
-            <a:endParaRPr lang="en-US" sz="3200" dirty="0"/>
-          </a:p>
-          <a:p>
-            <a:r>
-              <a:rPr lang="en-US" sz="3200" b="0" i="1" dirty="0"/>
-              <a:t>scatterplot with groups</a:t>
-            </a:r>
-          </a:p>
-        </p:txBody>
-      </p:sp>
-      <p:sp>
-        <p:nvSpPr>
-          <p:cNvPr id="7" name="Oval 6">
-            <a:extLst>
-              <a:ext uri="{FF2B5EF4-FFF2-40B4-BE49-F238E27FC236}">
-                <a16:creationId xmlns:a16="http://schemas.microsoft.com/office/drawing/2014/main" id="{B1211343-E00D-5D90-99EE-863B835582A6}"/>
-              </a:ext>
-            </a:extLst>
-          </p:cNvPr>
-          <p:cNvSpPr/>
-          <p:nvPr/>
-        </p:nvSpPr>
-        <p:spPr>
-          <a:xfrm>
-            <a:off x="1230962" y="2220686"/>
-            <a:ext cx="3341038" cy="636814"/>
-          </a:xfrm>
-          <a:prstGeom prst="ellipse">
-            <a:avLst/>
-          </a:prstGeom>
-          <a:noFill/>
-          <a:ln w="76200">
-            <a:solidFill>
-              <a:schemeClr val="accent6">
-                <a:lumMod val="10000"/>
-                <a:lumOff val="90000"/>
-              </a:schemeClr>
-            </a:solidFill>
-          </a:ln>
-          <a:effectLst/>
-        </p:spPr>
-        <p:style>
-          <a:lnRef idx="1">
-            <a:schemeClr val="accent1"/>
-          </a:lnRef>
-          <a:fillRef idx="3">
-            <a:schemeClr val="accent1"/>
-          </a:fillRef>
-          <a:effectRef idx="2">
-            <a:schemeClr val="accent1"/>
-          </a:effectRef>
-          <a:fontRef idx="minor">
-            <a:schemeClr val="lt1"/>
-          </a:fontRef>
-        </p:style>
-        <p:txBody>
-          <a:bodyPr rtlCol="0" anchor="ctr"/>
-          <a:lstStyle/>
-          <a:p>
-            <a:pPr algn="ctr"/>
-            <a:endParaRPr lang="en-US"/>
-          </a:p>
-        </p:txBody>
-      </p:sp>
-      <p:sp>
-        <p:nvSpPr>
-          <p:cNvPr id="8" name="TextBox 7">
-            <a:extLst>
-              <a:ext uri="{FF2B5EF4-FFF2-40B4-BE49-F238E27FC236}">
-                <a16:creationId xmlns:a16="http://schemas.microsoft.com/office/drawing/2014/main" id="{A0172EAF-4A0A-DAC7-B215-C5BE42385912}"/>
-              </a:ext>
-            </a:extLst>
-          </p:cNvPr>
-          <p:cNvSpPr txBox="1"/>
-          <p:nvPr/>
-        </p:nvSpPr>
-        <p:spPr>
-          <a:xfrm>
-            <a:off x="4741660" y="2220686"/>
-            <a:ext cx="1563806" cy="369332"/>
-          </a:xfrm>
-          <a:prstGeom prst="rect">
-            <a:avLst/>
-          </a:prstGeom>
-          <a:noFill/>
-        </p:spPr>
-        <p:txBody>
-          <a:bodyPr wrap="square" rtlCol="0">
-            <a:spAutoFit/>
-          </a:bodyPr>
-          <a:lstStyle/>
-          <a:p>
-            <a:pPr algn="ctr"/>
-            <a:r>
-              <a:rPr lang="en-US" dirty="0">
-                <a:solidFill>
-                  <a:schemeClr val="accent6">
-                    <a:lumMod val="10000"/>
-                    <a:lumOff val="90000"/>
-                  </a:schemeClr>
-                </a:solidFill>
-              </a:rPr>
-              <a:t>X and Y axes</a:t>
-            </a:r>
-          </a:p>
-        </p:txBody>
-      </p:sp>
-    </p:spTree>
-    <p:extLst>
-      <p:ext uri="{BB962C8B-B14F-4D97-AF65-F5344CB8AC3E}">
-        <p14:creationId xmlns:p14="http://schemas.microsoft.com/office/powerpoint/2010/main" val="529568059"/>
-      </p:ext>
-    </p:extLst>
-  </p:cSld>
-  <p:clrMapOvr>
-    <a:masterClrMapping/>
-  </p:clrMapOvr>
-</p:sld>
-</file>
-
-<file path=ppt/slides/slide31.xml><?xml version="1.0" encoding="utf-8"?>
-<p:sld xmlns:a="http://schemas.openxmlformats.org/drawingml/2006/main" xmlns:r="http://schemas.openxmlformats.org/officeDocument/2006/relationships" xmlns:p="http://schemas.openxmlformats.org/presentationml/2006/main">
-  <p:cSld>
-    <p:spTree>
-      <p:nvGrpSpPr>
-        <p:cNvPr id="1" name=""/>
-        <p:cNvGrpSpPr/>
-        <p:nvPr/>
-      </p:nvGrpSpPr>
-      <p:grpSpPr>
-        <a:xfrm>
-          <a:off x="0" y="0"/>
-          <a:ext cx="0" cy="0"/>
-          <a:chOff x="0" y="0"/>
-          <a:chExt cx="0" cy="0"/>
-        </a:xfrm>
-      </p:grpSpPr>
-      <p:pic>
-        <p:nvPicPr>
-          <p:cNvPr id="4" name="Picture 3">
-            <a:extLst>
-              <a:ext uri="{FF2B5EF4-FFF2-40B4-BE49-F238E27FC236}">
-                <a16:creationId xmlns:a16="http://schemas.microsoft.com/office/drawing/2014/main" id="{6F8B83C6-8DA1-EBF3-576A-33C5CFBCBBAD}"/>
-              </a:ext>
-            </a:extLst>
-          </p:cNvPr>
-          <p:cNvPicPr>
-            <a:picLocks noChangeAspect="1"/>
-          </p:cNvPicPr>
-          <p:nvPr/>
-        </p:nvPicPr>
-        <p:blipFill>
-          <a:blip r:embed="rId2"/>
-          <a:stretch>
-            <a:fillRect/>
-          </a:stretch>
-        </p:blipFill>
-        <p:spPr>
-          <a:xfrm>
-            <a:off x="279399" y="1975758"/>
-            <a:ext cx="8262985" cy="2200202"/>
-          </a:xfrm>
-          <a:prstGeom prst="rect">
-            <a:avLst/>
-          </a:prstGeom>
-        </p:spPr>
-      </p:pic>
-      <p:sp>
-        <p:nvSpPr>
-          <p:cNvPr id="6" name="Title 2">
-            <a:extLst>
-              <a:ext uri="{FF2B5EF4-FFF2-40B4-BE49-F238E27FC236}">
-                <a16:creationId xmlns:a16="http://schemas.microsoft.com/office/drawing/2014/main" id="{4CBDF9EB-241A-608A-74C3-09817AD32732}"/>
-              </a:ext>
-            </a:extLst>
-          </p:cNvPr>
-          <p:cNvSpPr txBox="1">
-            <a:spLocks/>
-          </p:cNvSpPr>
-          <p:nvPr/>
-        </p:nvSpPr>
-        <p:spPr>
-          <a:xfrm>
-            <a:off x="429870" y="306381"/>
-            <a:ext cx="6598728" cy="1143000"/>
-          </a:xfrm>
-          <a:prstGeom prst="rect">
-            <a:avLst/>
-          </a:prstGeom>
-        </p:spPr>
-        <p:txBody>
-          <a:bodyPr>
-            <a:noAutofit/>
-          </a:bodyPr>
-          <a:lstStyle>
-            <a:lvl1pPr algn="l" defTabSz="342991" rtl="0" eaLnBrk="1" latinLnBrk="0" hangingPunct="1">
-              <a:spcBef>
-                <a:spcPct val="0"/>
-              </a:spcBef>
-              <a:buNone/>
-              <a:defRPr sz="2701" b="1" i="0" kern="1200">
-                <a:solidFill>
-                  <a:srgbClr val="002D50"/>
-                </a:solidFill>
-                <a:latin typeface="Helvetica Neue"/>
-                <a:ea typeface="+mj-ea"/>
-                <a:cs typeface="Helvetica Neue"/>
-              </a:defRPr>
-            </a:lvl1pPr>
-          </a:lstStyle>
-          <a:p>
-            <a:r>
-              <a:rPr lang="en-US" sz="3200" dirty="0"/>
-              <a:t>Using </a:t>
-            </a:r>
-            <a:r>
-              <a:rPr lang="en-US" sz="3200" dirty="0" err="1"/>
-              <a:t>ggplot</a:t>
-            </a:r>
-            <a:endParaRPr lang="en-US" sz="3200" dirty="0"/>
-          </a:p>
-          <a:p>
-            <a:r>
-              <a:rPr lang="en-US" sz="3200" b="0" i="1" dirty="0"/>
-              <a:t>scatterplot with groups</a:t>
-            </a:r>
-          </a:p>
-        </p:txBody>
-      </p:sp>
-      <p:sp>
-        <p:nvSpPr>
-          <p:cNvPr id="7" name="Oval 6">
-            <a:extLst>
-              <a:ext uri="{FF2B5EF4-FFF2-40B4-BE49-F238E27FC236}">
-                <a16:creationId xmlns:a16="http://schemas.microsoft.com/office/drawing/2014/main" id="{B1211343-E00D-5D90-99EE-863B835582A6}"/>
-              </a:ext>
-            </a:extLst>
-          </p:cNvPr>
-          <p:cNvSpPr/>
-          <p:nvPr/>
-        </p:nvSpPr>
-        <p:spPr>
-          <a:xfrm>
-            <a:off x="1230962" y="2590017"/>
-            <a:ext cx="2051081" cy="528739"/>
-          </a:xfrm>
-          <a:prstGeom prst="ellipse">
-            <a:avLst/>
-          </a:prstGeom>
-          <a:noFill/>
-          <a:ln w="76200">
-            <a:solidFill>
-              <a:schemeClr val="accent6">
-                <a:lumMod val="10000"/>
-                <a:lumOff val="90000"/>
-              </a:schemeClr>
-            </a:solidFill>
-          </a:ln>
-          <a:effectLst/>
-        </p:spPr>
-        <p:style>
-          <a:lnRef idx="1">
-            <a:schemeClr val="accent1"/>
-          </a:lnRef>
-          <a:fillRef idx="3">
-            <a:schemeClr val="accent1"/>
-          </a:fillRef>
-          <a:effectRef idx="2">
-            <a:schemeClr val="accent1"/>
-          </a:effectRef>
-          <a:fontRef idx="minor">
-            <a:schemeClr val="lt1"/>
-          </a:fontRef>
-        </p:style>
-        <p:txBody>
-          <a:bodyPr rtlCol="0" anchor="ctr"/>
-          <a:lstStyle/>
-          <a:p>
-            <a:pPr algn="ctr"/>
-            <a:endParaRPr lang="en-US"/>
-          </a:p>
-        </p:txBody>
-      </p:sp>
-      <p:sp>
-        <p:nvSpPr>
-          <p:cNvPr id="8" name="TextBox 7">
-            <a:extLst>
-              <a:ext uri="{FF2B5EF4-FFF2-40B4-BE49-F238E27FC236}">
-                <a16:creationId xmlns:a16="http://schemas.microsoft.com/office/drawing/2014/main" id="{A0172EAF-4A0A-DAC7-B215-C5BE42385912}"/>
-              </a:ext>
-            </a:extLst>
-          </p:cNvPr>
-          <p:cNvSpPr txBox="1"/>
-          <p:nvPr/>
-        </p:nvSpPr>
-        <p:spPr>
-          <a:xfrm>
-            <a:off x="4741660" y="2220686"/>
-            <a:ext cx="1563806" cy="923330"/>
-          </a:xfrm>
-          <a:prstGeom prst="rect">
-            <a:avLst/>
-          </a:prstGeom>
-          <a:noFill/>
-        </p:spPr>
-        <p:txBody>
-          <a:bodyPr wrap="square" rtlCol="0">
-            <a:spAutoFit/>
-          </a:bodyPr>
-          <a:lstStyle/>
-          <a:p>
-            <a:pPr algn="ctr"/>
-            <a:r>
-              <a:rPr lang="en-US" dirty="0">
-                <a:solidFill>
-                  <a:schemeClr val="accent6">
-                    <a:lumMod val="10000"/>
-                    <a:lumOff val="90000"/>
-                  </a:schemeClr>
-                </a:solidFill>
-              </a:rPr>
-              <a:t>Color the dots based on WHO region</a:t>
-            </a:r>
-          </a:p>
-        </p:txBody>
-      </p:sp>
-    </p:spTree>
-    <p:extLst>
-      <p:ext uri="{BB962C8B-B14F-4D97-AF65-F5344CB8AC3E}">
-        <p14:creationId xmlns:p14="http://schemas.microsoft.com/office/powerpoint/2010/main" val="4258951346"/>
-      </p:ext>
-    </p:extLst>
-  </p:cSld>
-  <p:clrMapOvr>
-    <a:masterClrMapping/>
-  </p:clrMapOvr>
-</p:sld>
-</file>
-
-<file path=ppt/slides/slide32.xml><?xml version="1.0" encoding="utf-8"?>
-<p:sld xmlns:a="http://schemas.openxmlformats.org/drawingml/2006/main" xmlns:r="http://schemas.openxmlformats.org/officeDocument/2006/relationships" xmlns:p="http://schemas.openxmlformats.org/presentationml/2006/main">
-  <p:cSld>
-    <p:spTree>
-      <p:nvGrpSpPr>
-        <p:cNvPr id="1" name=""/>
-        <p:cNvGrpSpPr/>
-        <p:nvPr/>
-      </p:nvGrpSpPr>
-      <p:grpSpPr>
-        <a:xfrm>
-          <a:off x="0" y="0"/>
-          <a:ext cx="0" cy="0"/>
-          <a:chOff x="0" y="0"/>
-          <a:chExt cx="0" cy="0"/>
-        </a:xfrm>
-      </p:grpSpPr>
-      <p:pic>
-        <p:nvPicPr>
-          <p:cNvPr id="4" name="Picture 3">
-            <a:extLst>
-              <a:ext uri="{FF2B5EF4-FFF2-40B4-BE49-F238E27FC236}">
-                <a16:creationId xmlns:a16="http://schemas.microsoft.com/office/drawing/2014/main" id="{6F8B83C6-8DA1-EBF3-576A-33C5CFBCBBAD}"/>
-              </a:ext>
-            </a:extLst>
-          </p:cNvPr>
-          <p:cNvPicPr>
-            <a:picLocks noChangeAspect="1"/>
-          </p:cNvPicPr>
-          <p:nvPr/>
-        </p:nvPicPr>
-        <p:blipFill>
-          <a:blip r:embed="rId2"/>
-          <a:stretch>
-            <a:fillRect/>
-          </a:stretch>
-        </p:blipFill>
-        <p:spPr>
-          <a:xfrm>
-            <a:off x="279399" y="1975758"/>
-            <a:ext cx="8262985" cy="2200202"/>
-          </a:xfrm>
-          <a:prstGeom prst="rect">
-            <a:avLst/>
-          </a:prstGeom>
-        </p:spPr>
-      </p:pic>
-      <p:sp>
-        <p:nvSpPr>
-          <p:cNvPr id="6" name="Title 2">
-            <a:extLst>
-              <a:ext uri="{FF2B5EF4-FFF2-40B4-BE49-F238E27FC236}">
-                <a16:creationId xmlns:a16="http://schemas.microsoft.com/office/drawing/2014/main" id="{4CBDF9EB-241A-608A-74C3-09817AD32732}"/>
-              </a:ext>
-            </a:extLst>
-          </p:cNvPr>
-          <p:cNvSpPr txBox="1">
-            <a:spLocks/>
-          </p:cNvSpPr>
-          <p:nvPr/>
-        </p:nvSpPr>
-        <p:spPr>
-          <a:xfrm>
-            <a:off x="429870" y="306381"/>
-            <a:ext cx="6598728" cy="1143000"/>
-          </a:xfrm>
-          <a:prstGeom prst="rect">
-            <a:avLst/>
-          </a:prstGeom>
-        </p:spPr>
-        <p:txBody>
-          <a:bodyPr>
-            <a:noAutofit/>
-          </a:bodyPr>
-          <a:lstStyle>
-            <a:lvl1pPr algn="l" defTabSz="342991" rtl="0" eaLnBrk="1" latinLnBrk="0" hangingPunct="1">
-              <a:spcBef>
-                <a:spcPct val="0"/>
-              </a:spcBef>
-              <a:buNone/>
-              <a:defRPr sz="2701" b="1" i="0" kern="1200">
-                <a:solidFill>
-                  <a:srgbClr val="002D50"/>
-                </a:solidFill>
-                <a:latin typeface="Helvetica Neue"/>
-                <a:ea typeface="+mj-ea"/>
-                <a:cs typeface="Helvetica Neue"/>
-              </a:defRPr>
-            </a:lvl1pPr>
-          </a:lstStyle>
-          <a:p>
-            <a:r>
-              <a:rPr lang="en-US" sz="3200" dirty="0"/>
-              <a:t>Using </a:t>
-            </a:r>
-            <a:r>
-              <a:rPr lang="en-US" sz="3200" dirty="0" err="1"/>
-              <a:t>ggplot</a:t>
-            </a:r>
-            <a:endParaRPr lang="en-US" sz="3200" dirty="0"/>
-          </a:p>
-          <a:p>
-            <a:r>
-              <a:rPr lang="en-US" sz="3200" b="0" i="1" dirty="0"/>
-              <a:t>scatterplot with groups</a:t>
-            </a:r>
-          </a:p>
-        </p:txBody>
-      </p:sp>
-      <p:sp>
-        <p:nvSpPr>
-          <p:cNvPr id="7" name="Oval 6">
-            <a:extLst>
-              <a:ext uri="{FF2B5EF4-FFF2-40B4-BE49-F238E27FC236}">
-                <a16:creationId xmlns:a16="http://schemas.microsoft.com/office/drawing/2014/main" id="{B1211343-E00D-5D90-99EE-863B835582A6}"/>
-              </a:ext>
-            </a:extLst>
-          </p:cNvPr>
-          <p:cNvSpPr/>
-          <p:nvPr/>
-        </p:nvSpPr>
-        <p:spPr>
-          <a:xfrm>
-            <a:off x="429870" y="2824843"/>
-            <a:ext cx="1563807" cy="519581"/>
-          </a:xfrm>
-          <a:prstGeom prst="ellipse">
-            <a:avLst/>
-          </a:prstGeom>
-          <a:noFill/>
-          <a:ln w="76200">
-            <a:solidFill>
-              <a:schemeClr val="accent6">
-                <a:lumMod val="10000"/>
-                <a:lumOff val="90000"/>
-              </a:schemeClr>
-            </a:solidFill>
-          </a:ln>
-          <a:effectLst/>
-        </p:spPr>
-        <p:style>
-          <a:lnRef idx="1">
-            <a:schemeClr val="accent1"/>
-          </a:lnRef>
-          <a:fillRef idx="3">
-            <a:schemeClr val="accent1"/>
-          </a:fillRef>
-          <a:effectRef idx="2">
-            <a:schemeClr val="accent1"/>
-          </a:effectRef>
-          <a:fontRef idx="minor">
-            <a:schemeClr val="lt1"/>
-          </a:fontRef>
-        </p:style>
-        <p:txBody>
-          <a:bodyPr rtlCol="0" anchor="ctr"/>
-          <a:lstStyle/>
-          <a:p>
-            <a:pPr algn="ctr"/>
-            <a:endParaRPr lang="en-US"/>
-          </a:p>
-        </p:txBody>
-      </p:sp>
-      <p:sp>
-        <p:nvSpPr>
-          <p:cNvPr id="8" name="TextBox 7">
-            <a:extLst>
-              <a:ext uri="{FF2B5EF4-FFF2-40B4-BE49-F238E27FC236}">
-                <a16:creationId xmlns:a16="http://schemas.microsoft.com/office/drawing/2014/main" id="{A0172EAF-4A0A-DAC7-B215-C5BE42385912}"/>
-              </a:ext>
-            </a:extLst>
-          </p:cNvPr>
-          <p:cNvSpPr txBox="1"/>
-          <p:nvPr/>
-        </p:nvSpPr>
-        <p:spPr>
-          <a:xfrm>
-            <a:off x="4572000" y="2616450"/>
-            <a:ext cx="1563806" cy="646331"/>
-          </a:xfrm>
-          <a:prstGeom prst="rect">
-            <a:avLst/>
-          </a:prstGeom>
-          <a:noFill/>
-        </p:spPr>
-        <p:txBody>
-          <a:bodyPr wrap="square" rtlCol="0">
-            <a:spAutoFit/>
-          </a:bodyPr>
-          <a:lstStyle/>
-          <a:p>
-            <a:pPr algn="ctr"/>
-            <a:r>
-              <a:rPr lang="en-US" dirty="0">
-                <a:solidFill>
-                  <a:schemeClr val="accent6">
-                    <a:lumMod val="10000"/>
-                    <a:lumOff val="90000"/>
-                  </a:schemeClr>
-                </a:solidFill>
-              </a:rPr>
-              <a:t>Make a scatterplot</a:t>
-            </a:r>
-          </a:p>
-        </p:txBody>
-      </p:sp>
-    </p:spTree>
-    <p:extLst>
-      <p:ext uri="{BB962C8B-B14F-4D97-AF65-F5344CB8AC3E}">
-        <p14:creationId xmlns:p14="http://schemas.microsoft.com/office/powerpoint/2010/main" val="3762402652"/>
-      </p:ext>
-    </p:extLst>
-  </p:cSld>
-  <p:clrMapOvr>
-    <a:masterClrMapping/>
-  </p:clrMapOvr>
-</p:sld>
-</file>
-
-<file path=ppt/slides/slide33.xml><?xml version="1.0" encoding="utf-8"?>
-<p:sld xmlns:a="http://schemas.openxmlformats.org/drawingml/2006/main" xmlns:r="http://schemas.openxmlformats.org/officeDocument/2006/relationships" xmlns:p="http://schemas.openxmlformats.org/presentationml/2006/main">
-  <p:cSld>
-    <p:spTree>
-      <p:nvGrpSpPr>
-        <p:cNvPr id="1" name=""/>
-        <p:cNvGrpSpPr/>
-        <p:nvPr/>
-      </p:nvGrpSpPr>
-      <p:grpSpPr>
-        <a:xfrm>
-          <a:off x="0" y="0"/>
-          <a:ext cx="0" cy="0"/>
-          <a:chOff x="0" y="0"/>
-          <a:chExt cx="0" cy="0"/>
-        </a:xfrm>
-      </p:grpSpPr>
-      <p:pic>
-        <p:nvPicPr>
-          <p:cNvPr id="4" name="Picture 3">
-            <a:extLst>
-              <a:ext uri="{FF2B5EF4-FFF2-40B4-BE49-F238E27FC236}">
-                <a16:creationId xmlns:a16="http://schemas.microsoft.com/office/drawing/2014/main" id="{6F8B83C6-8DA1-EBF3-576A-33C5CFBCBBAD}"/>
-              </a:ext>
-            </a:extLst>
-          </p:cNvPr>
-          <p:cNvPicPr>
-            <a:picLocks noChangeAspect="1"/>
-          </p:cNvPicPr>
-          <p:nvPr/>
-        </p:nvPicPr>
-        <p:blipFill>
-          <a:blip r:embed="rId2"/>
-          <a:stretch>
-            <a:fillRect/>
-          </a:stretch>
-        </p:blipFill>
-        <p:spPr>
-          <a:xfrm>
-            <a:off x="279399" y="1975758"/>
-            <a:ext cx="8262985" cy="2200202"/>
-          </a:xfrm>
-          <a:prstGeom prst="rect">
-            <a:avLst/>
-          </a:prstGeom>
-        </p:spPr>
-      </p:pic>
-      <p:sp>
-        <p:nvSpPr>
-          <p:cNvPr id="6" name="Title 2">
-            <a:extLst>
-              <a:ext uri="{FF2B5EF4-FFF2-40B4-BE49-F238E27FC236}">
-                <a16:creationId xmlns:a16="http://schemas.microsoft.com/office/drawing/2014/main" id="{4CBDF9EB-241A-608A-74C3-09817AD32732}"/>
-              </a:ext>
-            </a:extLst>
-          </p:cNvPr>
-          <p:cNvSpPr txBox="1">
-            <a:spLocks/>
-          </p:cNvSpPr>
-          <p:nvPr/>
-        </p:nvSpPr>
-        <p:spPr>
-          <a:xfrm>
-            <a:off x="429870" y="306381"/>
-            <a:ext cx="6598728" cy="1143000"/>
-          </a:xfrm>
-          <a:prstGeom prst="rect">
-            <a:avLst/>
-          </a:prstGeom>
-        </p:spPr>
-        <p:txBody>
-          <a:bodyPr>
-            <a:noAutofit/>
-          </a:bodyPr>
-          <a:lstStyle>
-            <a:lvl1pPr algn="l" defTabSz="342991" rtl="0" eaLnBrk="1" latinLnBrk="0" hangingPunct="1">
-              <a:spcBef>
-                <a:spcPct val="0"/>
-              </a:spcBef>
-              <a:buNone/>
-              <a:defRPr sz="2701" b="1" i="0" kern="1200">
-                <a:solidFill>
-                  <a:srgbClr val="002D50"/>
-                </a:solidFill>
-                <a:latin typeface="Helvetica Neue"/>
-                <a:ea typeface="+mj-ea"/>
-                <a:cs typeface="Helvetica Neue"/>
-              </a:defRPr>
-            </a:lvl1pPr>
-          </a:lstStyle>
-          <a:p>
-            <a:r>
-              <a:rPr lang="en-US" sz="3200" dirty="0"/>
-              <a:t>Using </a:t>
-            </a:r>
-            <a:r>
-              <a:rPr lang="en-US" sz="3200" dirty="0" err="1"/>
-              <a:t>ggplot</a:t>
-            </a:r>
-            <a:endParaRPr lang="en-US" sz="3200" dirty="0"/>
-          </a:p>
-          <a:p>
-            <a:r>
-              <a:rPr lang="en-US" sz="3200" b="0" i="1" dirty="0"/>
-              <a:t>scatterplot with groups</a:t>
-            </a:r>
-          </a:p>
-        </p:txBody>
-      </p:sp>
-      <p:sp>
-        <p:nvSpPr>
-          <p:cNvPr id="7" name="Oval 6">
-            <a:extLst>
-              <a:ext uri="{FF2B5EF4-FFF2-40B4-BE49-F238E27FC236}">
-                <a16:creationId xmlns:a16="http://schemas.microsoft.com/office/drawing/2014/main" id="{B1211343-E00D-5D90-99EE-863B835582A6}"/>
-              </a:ext>
-            </a:extLst>
-          </p:cNvPr>
-          <p:cNvSpPr/>
-          <p:nvPr/>
-        </p:nvSpPr>
-        <p:spPr>
-          <a:xfrm>
-            <a:off x="429870" y="3002990"/>
-            <a:ext cx="8262985" cy="1172970"/>
-          </a:xfrm>
-          <a:prstGeom prst="ellipse">
-            <a:avLst/>
-          </a:prstGeom>
-          <a:noFill/>
-          <a:ln w="76200">
-            <a:solidFill>
-              <a:schemeClr val="accent6">
-                <a:lumMod val="10000"/>
-                <a:lumOff val="90000"/>
-              </a:schemeClr>
-            </a:solidFill>
-          </a:ln>
-          <a:effectLst/>
-        </p:spPr>
-        <p:style>
-          <a:lnRef idx="1">
-            <a:schemeClr val="accent1"/>
-          </a:lnRef>
-          <a:fillRef idx="3">
-            <a:schemeClr val="accent1"/>
-          </a:fillRef>
-          <a:effectRef idx="2">
-            <a:schemeClr val="accent1"/>
-          </a:effectRef>
-          <a:fontRef idx="minor">
-            <a:schemeClr val="lt1"/>
-          </a:fontRef>
-        </p:style>
-        <p:txBody>
-          <a:bodyPr rtlCol="0" anchor="ctr"/>
-          <a:lstStyle/>
-          <a:p>
-            <a:pPr algn="ctr"/>
-            <a:endParaRPr lang="en-US"/>
-          </a:p>
-        </p:txBody>
-      </p:sp>
-      <p:sp>
-        <p:nvSpPr>
-          <p:cNvPr id="8" name="TextBox 7">
-            <a:extLst>
-              <a:ext uri="{FF2B5EF4-FFF2-40B4-BE49-F238E27FC236}">
-                <a16:creationId xmlns:a16="http://schemas.microsoft.com/office/drawing/2014/main" id="{A0172EAF-4A0A-DAC7-B215-C5BE42385912}"/>
-              </a:ext>
-            </a:extLst>
-          </p:cNvPr>
-          <p:cNvSpPr txBox="1"/>
-          <p:nvPr/>
-        </p:nvSpPr>
-        <p:spPr>
-          <a:xfrm>
-            <a:off x="7053814" y="2152529"/>
-            <a:ext cx="1563806" cy="923330"/>
-          </a:xfrm>
-          <a:prstGeom prst="rect">
-            <a:avLst/>
-          </a:prstGeom>
-          <a:noFill/>
-        </p:spPr>
-        <p:txBody>
-          <a:bodyPr wrap="square" rtlCol="0">
-            <a:spAutoFit/>
-          </a:bodyPr>
-          <a:lstStyle/>
-          <a:p>
-            <a:pPr algn="ctr"/>
-            <a:r>
-              <a:rPr lang="en-US" dirty="0">
-                <a:solidFill>
-                  <a:schemeClr val="accent6">
-                    <a:lumMod val="10000"/>
-                    <a:lumOff val="90000"/>
-                  </a:schemeClr>
-                </a:solidFill>
-              </a:rPr>
-              <a:t>Specify axis and legend titles</a:t>
-            </a:r>
-          </a:p>
-        </p:txBody>
-      </p:sp>
-    </p:spTree>
-    <p:extLst>
-      <p:ext uri="{BB962C8B-B14F-4D97-AF65-F5344CB8AC3E}">
-        <p14:creationId xmlns:p14="http://schemas.microsoft.com/office/powerpoint/2010/main" val="1605038591"/>
-      </p:ext>
-    </p:extLst>
-  </p:cSld>
-  <p:clrMapOvr>
-    <a:masterClrMapping/>
-  </p:clrMapOvr>
-</p:sld>
-</file>
-
-<file path=ppt/slides/slide34.xml><?xml version="1.0" encoding="utf-8"?>
-<p:sld xmlns:a="http://schemas.openxmlformats.org/drawingml/2006/main" xmlns:r="http://schemas.openxmlformats.org/officeDocument/2006/relationships" xmlns:p="http://schemas.openxmlformats.org/presentationml/2006/main">
-  <p:cSld>
-    <p:spTree>
-      <p:nvGrpSpPr>
-        <p:cNvPr id="1" name=""/>
-        <p:cNvGrpSpPr/>
-        <p:nvPr/>
-      </p:nvGrpSpPr>
-      <p:grpSpPr>
-        <a:xfrm>
-          <a:off x="0" y="0"/>
-          <a:ext cx="0" cy="0"/>
-          <a:chOff x="0" y="0"/>
-          <a:chExt cx="0" cy="0"/>
-        </a:xfrm>
-      </p:grpSpPr>
-      <p:sp>
-        <p:nvSpPr>
-          <p:cNvPr id="2" name="Title 2">
-            <a:extLst>
-              <a:ext uri="{FF2B5EF4-FFF2-40B4-BE49-F238E27FC236}">
-                <a16:creationId xmlns:a16="http://schemas.microsoft.com/office/drawing/2014/main" id="{12BEE06C-3CB4-1A31-1F99-81886307D619}"/>
-              </a:ext>
-            </a:extLst>
-          </p:cNvPr>
-          <p:cNvSpPr txBox="1">
-            <a:spLocks/>
-          </p:cNvSpPr>
-          <p:nvPr/>
-        </p:nvSpPr>
-        <p:spPr>
-          <a:xfrm>
-            <a:off x="429870" y="306380"/>
-            <a:ext cx="7914030" cy="1587733"/>
-          </a:xfrm>
-          <a:prstGeom prst="rect">
-            <a:avLst/>
-          </a:prstGeom>
-        </p:spPr>
-        <p:txBody>
-          <a:bodyPr>
-            <a:noAutofit/>
-          </a:bodyPr>
-          <a:lstStyle>
-            <a:lvl1pPr algn="l" defTabSz="342991" rtl="0" eaLnBrk="1" latinLnBrk="0" hangingPunct="1">
-              <a:spcBef>
-                <a:spcPct val="0"/>
-              </a:spcBef>
-              <a:buNone/>
-              <a:defRPr sz="2701" b="1" i="0" kern="1200">
-                <a:solidFill>
-                  <a:srgbClr val="002D50"/>
-                </a:solidFill>
-                <a:latin typeface="Helvetica Neue"/>
-                <a:ea typeface="+mj-ea"/>
-                <a:cs typeface="Helvetica Neue"/>
-              </a:defRPr>
-            </a:lvl1pPr>
-          </a:lstStyle>
-          <a:p>
-            <a:r>
-              <a:rPr lang="en-US" sz="3200" dirty="0"/>
-              <a:t>Thank you!</a:t>
-            </a:r>
-          </a:p>
-          <a:p>
-            <a:endParaRPr lang="en-US" sz="3200" dirty="0"/>
-          </a:p>
-          <a:p>
-            <a:r>
-              <a:rPr lang="en-US" sz="3200" dirty="0"/>
-              <a:t>See you tomorrow.</a:t>
-            </a:r>
-          </a:p>
-          <a:p>
-            <a:r>
-              <a:rPr lang="en-US" sz="2400" i="1" dirty="0"/>
-              <a:t>Please come with a fully charged laptop.</a:t>
-            </a:r>
-          </a:p>
-          <a:p>
-            <a:endParaRPr lang="en-US" sz="3200" dirty="0"/>
-          </a:p>
-          <a:p>
-            <a:endParaRPr lang="en-US" sz="1800" b="0" dirty="0"/>
-          </a:p>
-          <a:p>
-            <a:endParaRPr lang="en-US" sz="1800" b="0" dirty="0"/>
-          </a:p>
-          <a:p>
-            <a:endParaRPr lang="en-US" sz="1800" b="0" dirty="0"/>
-          </a:p>
-          <a:p>
-            <a:endParaRPr lang="en-US" sz="1800" b="0" dirty="0"/>
-          </a:p>
-          <a:p>
-            <a:endParaRPr lang="en-US" sz="1800" b="0" dirty="0"/>
-          </a:p>
-          <a:p>
-            <a:endParaRPr lang="en-US" sz="1800" b="0" dirty="0"/>
-          </a:p>
-          <a:p>
-            <a:endParaRPr lang="en-US" sz="1800" b="0" dirty="0"/>
-          </a:p>
-          <a:p>
-            <a:endParaRPr lang="en-US" sz="1800" b="0" dirty="0"/>
-          </a:p>
-          <a:p>
-            <a:r>
-              <a:rPr lang="en-US" sz="1600" b="0" dirty="0"/>
-              <a:t>Lecture and course material adapted from Intro to R materials created by Alex Douglas, available online </a:t>
-            </a:r>
-            <a:r>
-              <a:rPr lang="en-US" sz="1600" b="0" dirty="0">
-                <a:hlinkClick r:id="rId2"/>
-              </a:rPr>
-              <a:t>here</a:t>
-            </a:r>
-            <a:r>
-              <a:rPr lang="en-US" sz="1600" b="0" dirty="0"/>
-              <a:t>, with corresponding free online textbook.</a:t>
-            </a:r>
-          </a:p>
-          <a:p>
-            <a:endParaRPr lang="en-US" sz="1800" b="0" dirty="0"/>
-          </a:p>
-        </p:txBody>
-      </p:sp>
-      <p:sp>
-        <p:nvSpPr>
-          <p:cNvPr id="3" name="TextBox 2">
-            <a:extLst>
-              <a:ext uri="{FF2B5EF4-FFF2-40B4-BE49-F238E27FC236}">
-                <a16:creationId xmlns:a16="http://schemas.microsoft.com/office/drawing/2014/main" id="{90953270-FC82-8F69-DD7E-DA9BB724AB36}"/>
-              </a:ext>
-            </a:extLst>
-          </p:cNvPr>
-          <p:cNvSpPr txBox="1"/>
-          <p:nvPr/>
-        </p:nvSpPr>
-        <p:spPr>
-          <a:xfrm>
-            <a:off x="930729" y="832757"/>
-            <a:ext cx="184731" cy="369332"/>
-          </a:xfrm>
-          <a:prstGeom prst="rect">
-            <a:avLst/>
-          </a:prstGeom>
-          <a:noFill/>
-        </p:spPr>
-        <p:txBody>
-          <a:bodyPr wrap="none" rtlCol="0">
-            <a:spAutoFit/>
-          </a:bodyPr>
-          <a:lstStyle/>
-          <a:p>
-            <a:endParaRPr lang="en-US" dirty="0"/>
-          </a:p>
-        </p:txBody>
-      </p:sp>
-    </p:spTree>
-    <p:extLst>
-      <p:ext uri="{BB962C8B-B14F-4D97-AF65-F5344CB8AC3E}">
-        <p14:creationId xmlns:p14="http://schemas.microsoft.com/office/powerpoint/2010/main" val="1064813303"/>
       </p:ext>
     </p:extLst>
   </p:cSld>
@@ -9225,17 +4861,47 @@
           <a:p>
             <a:r>
               <a:rPr lang="en-US" sz="3200" dirty="0"/>
-              <a:t>Descriptive statistics</a:t>
-            </a:r>
-          </a:p>
-        </p:txBody>
-      </p:sp>
-      <p:sp>
-        <p:nvSpPr>
-          <p:cNvPr id="3" name="TextBox 2">
+              <a:t>What are you trying to learn?</a:t>
+            </a:r>
+          </a:p>
+        </p:txBody>
+      </p:sp>
+      <p:pic>
+        <p:nvPicPr>
+          <p:cNvPr id="5" name="Picture 4">
             <a:extLst>
               <a:ext uri="{FF2B5EF4-FFF2-40B4-BE49-F238E27FC236}">
-                <a16:creationId xmlns:a16="http://schemas.microsoft.com/office/drawing/2014/main" id="{84836432-9E19-66D5-27CC-2E1408EE4964}"/>
+                <a16:creationId xmlns:a16="http://schemas.microsoft.com/office/drawing/2014/main" id="{9891814B-5B03-7E02-AE35-F8687510BC10}"/>
+              </a:ext>
+            </a:extLst>
+          </p:cNvPr>
+          <p:cNvPicPr>
+            <a:picLocks noChangeAspect="1"/>
+          </p:cNvPicPr>
+          <p:nvPr/>
+        </p:nvPicPr>
+        <p:blipFill>
+          <a:blip r:embed="rId2"/>
+          <a:stretch>
+            <a:fillRect/>
+          </a:stretch>
+        </p:blipFill>
+        <p:spPr>
+          <a:xfrm>
+            <a:off x="1028701" y="942897"/>
+            <a:ext cx="6417128" cy="4611377"/>
+          </a:xfrm>
+          <a:prstGeom prst="rect">
+            <a:avLst/>
+          </a:prstGeom>
+        </p:spPr>
+      </p:pic>
+      <p:sp>
+        <p:nvSpPr>
+          <p:cNvPr id="6" name="TextBox 5">
+            <a:extLst>
+              <a:ext uri="{FF2B5EF4-FFF2-40B4-BE49-F238E27FC236}">
+                <a16:creationId xmlns:a16="http://schemas.microsoft.com/office/drawing/2014/main" id="{A8D945FA-5FEE-3489-62B2-F3142F074365}"/>
               </a:ext>
             </a:extLst>
           </p:cNvPr>
@@ -9244,8 +4910,8 @@
         </p:nvSpPr>
         <p:spPr>
           <a:xfrm>
-            <a:off x="429869" y="1230992"/>
-            <a:ext cx="8284261" cy="2554545"/>
+            <a:off x="212271" y="5514993"/>
+            <a:ext cx="4419800" cy="400110"/>
           </a:xfrm>
           <a:prstGeom prst="rect">
             <a:avLst/>
@@ -9253,80 +4919,42 @@
           <a:noFill/>
         </p:spPr>
         <p:txBody>
-          <a:bodyPr wrap="square" rtlCol="0">
+          <a:bodyPr wrap="none" rtlCol="0">
             <a:spAutoFit/>
           </a:bodyPr>
           <a:lstStyle/>
           <a:p>
-            <a:pPr marL="457200" indent="-457200">
-              <a:spcBef>
-                <a:spcPts val="600"/>
-              </a:spcBef>
-              <a:spcAft>
-                <a:spcPts val="600"/>
-              </a:spcAft>
-              <a:buFont typeface="Arial" panose="020B0604020202020204" pitchFamily="34" charset="0"/>
-              <a:buChar char="•"/>
-            </a:pPr>
-            <a:r>
-              <a:rPr lang="en-US" sz="2600" dirty="0"/>
-              <a:t>Descriptive statistics summarize data, and typically describe three types of things:</a:t>
-            </a:r>
-          </a:p>
-          <a:p>
-            <a:pPr marL="914400" lvl="1" indent="-457200">
-              <a:spcBef>
-                <a:spcPts val="600"/>
-              </a:spcBef>
-              <a:spcAft>
-                <a:spcPts val="600"/>
-              </a:spcAft>
-              <a:buFont typeface="Arial" panose="020B0604020202020204" pitchFamily="34" charset="0"/>
-              <a:buChar char="•"/>
-            </a:pPr>
-            <a:r>
-              <a:rPr lang="en-US" sz="2600" dirty="0"/>
-              <a:t>center (e.g., mean, median)</a:t>
-            </a:r>
-          </a:p>
-          <a:p>
-            <a:pPr marL="914400" lvl="1" indent="-457200">
-              <a:spcBef>
-                <a:spcPts val="600"/>
-              </a:spcBef>
-              <a:spcAft>
-                <a:spcPts val="600"/>
-              </a:spcAft>
-              <a:buFont typeface="Arial" panose="020B0604020202020204" pitchFamily="34" charset="0"/>
-              <a:buChar char="•"/>
-            </a:pPr>
-            <a:r>
-              <a:rPr lang="en-US" sz="2600" dirty="0"/>
-              <a:t>spread (e.g., standard deviation, interquartile range)</a:t>
-            </a:r>
-          </a:p>
-          <a:p>
-            <a:pPr marL="914400" lvl="1" indent="-457200">
-              <a:spcBef>
-                <a:spcPts val="600"/>
-              </a:spcBef>
-              <a:spcAft>
-                <a:spcPts val="600"/>
-              </a:spcAft>
-              <a:buFont typeface="Arial" panose="020B0604020202020204" pitchFamily="34" charset="0"/>
-              <a:buChar char="•"/>
-            </a:pPr>
-            <a:r>
-              <a:rPr lang="en-US" sz="2600" dirty="0"/>
-              <a:t>counts &amp; rates (e.g., summary tables)</a:t>
-            </a:r>
+            <a:r>
+              <a:rPr lang="en-US" sz="1000" dirty="0"/>
+              <a:t>Graphic by Andrew Abela</a:t>
+            </a:r>
+            <a:endParaRPr lang="en-US" sz="1000" u="sng" dirty="0"/>
+          </a:p>
+          <a:p>
+            <a:r>
+              <a:rPr lang="en-US" sz="1000" dirty="0"/>
+              <a:t>https://</a:t>
+            </a:r>
+            <a:r>
+              <a:rPr lang="en-US" sz="1000" dirty="0" err="1"/>
+              <a:t>extremepresentation.typepad.com</a:t>
+            </a:r>
+            <a:r>
+              <a:rPr lang="en-US" sz="1000" dirty="0"/>
+              <a:t>/blog/2006/09/</a:t>
+            </a:r>
+            <a:r>
+              <a:rPr lang="en-US" sz="1000" dirty="0" err="1"/>
+              <a:t>choosing_a_good.html</a:t>
+            </a:r>
+            <a:endParaRPr lang="en-US" sz="1000" dirty="0"/>
           </a:p>
         </p:txBody>
       </p:sp>
     </p:spTree>
     <p:extLst>
       <p:ext uri="{BB962C8B-B14F-4D97-AF65-F5344CB8AC3E}">
-        <p14:creationId xmlns:p14="http://schemas.microsoft.com/office/powerpoint/2010/main" val="1114020328"/>
+        <p14:creationId xmlns:p14="http://schemas.microsoft.com/office/powerpoint/2010/main" val="4091258642"/>
       </p:ext>
     </p:extLst>
   </p:cSld>
@@ -9399,26 +5027,75 @@
           <a:p>
             <a:r>
               <a:rPr lang="en-US" sz="3200" dirty="0"/>
-              <a:t>Descriptive statistics</a:t>
-            </a:r>
-          </a:p>
-          <a:p>
-            <a:r>
-              <a:rPr lang="en-US" sz="3200" b="0" i="1" dirty="0"/>
-              <a:t>Measures of centrality</a:t>
-            </a:r>
-          </a:p>
-          <a:p>
-            <a:endParaRPr lang="en-US" sz="3200" dirty="0"/>
+              <a:t>What are you trying to learn?</a:t>
+            </a:r>
+          </a:p>
+        </p:txBody>
+      </p:sp>
+      <p:sp>
+        <p:nvSpPr>
+          <p:cNvPr id="6" name="TextBox 5">
+            <a:extLst>
+              <a:ext uri="{FF2B5EF4-FFF2-40B4-BE49-F238E27FC236}">
+                <a16:creationId xmlns:a16="http://schemas.microsoft.com/office/drawing/2014/main" id="{A8D945FA-5FEE-3489-62B2-F3142F074365}"/>
+              </a:ext>
+            </a:extLst>
+          </p:cNvPr>
+          <p:cNvSpPr txBox="1"/>
+          <p:nvPr/>
+        </p:nvSpPr>
+        <p:spPr>
+          <a:xfrm>
+            <a:off x="212271" y="5514993"/>
+            <a:ext cx="1758815" cy="400110"/>
+          </a:xfrm>
+          <a:prstGeom prst="rect">
+            <a:avLst/>
+          </a:prstGeom>
+          <a:noFill/>
+        </p:spPr>
+        <p:txBody>
+          <a:bodyPr wrap="none" rtlCol="0">
+            <a:spAutoFit/>
+          </a:bodyPr>
+          <a:lstStyle/>
+          <a:p>
+            <a:r>
+              <a:rPr lang="en-US" sz="1000" dirty="0"/>
+              <a:t>Graphic by Data to Viz</a:t>
+            </a:r>
+            <a:endParaRPr lang="en-US" sz="1000" u="sng" dirty="0"/>
+          </a:p>
+          <a:p>
+            <a:r>
+              <a:rPr lang="en-US" sz="1000" dirty="0"/>
+              <a:t>https://</a:t>
+            </a:r>
+            <a:r>
+              <a:rPr lang="en-US" sz="1000" dirty="0" err="1"/>
+              <a:t>www.data</a:t>
+            </a:r>
+            <a:r>
+              <a:rPr lang="en-US" sz="1000" dirty="0"/>
+              <a:t>-to-</a:t>
+            </a:r>
+            <a:r>
+              <a:rPr lang="en-US" sz="1000" dirty="0" err="1"/>
+              <a:t>viz.com</a:t>
+            </a:r>
+            <a:r>
+              <a:rPr lang="en-US" sz="1000" dirty="0"/>
+              <a:t>/</a:t>
+            </a:r>
           </a:p>
         </p:txBody>
       </p:sp>
       <p:pic>
         <p:nvPicPr>
-          <p:cNvPr id="5" name="Picture 4">
+          <p:cNvPr id="4" name="Picture 3">
             <a:extLst>
               <a:ext uri="{FF2B5EF4-FFF2-40B4-BE49-F238E27FC236}">
-                <a16:creationId xmlns:a16="http://schemas.microsoft.com/office/drawing/2014/main" id="{B733D9E9-725E-B1FA-F4C8-B35F71D82C4C}"/>
+                <a16:creationId xmlns:a16="http://schemas.microsoft.com/office/drawing/2014/main" id="{609F97E0-0D75-7ED3-B9B3-9ECE26BF1F11}"/>
               </a:ext>
             </a:extLst>
           </p:cNvPr>
@@ -9435,8 +5112,8 @@
         </p:blipFill>
         <p:spPr>
           <a:xfrm>
-            <a:off x="685800" y="1734974"/>
-            <a:ext cx="7772400" cy="2796567"/>
+            <a:off x="745871" y="942897"/>
+            <a:ext cx="7772400" cy="4375149"/>
           </a:xfrm>
           <a:prstGeom prst="rect">
             <a:avLst/>
@@ -9446,7 +5123,7 @@
     </p:spTree>
     <p:extLst>
       <p:ext uri="{BB962C8B-B14F-4D97-AF65-F5344CB8AC3E}">
-        <p14:creationId xmlns:p14="http://schemas.microsoft.com/office/powerpoint/2010/main" val="322481520"/>
+        <p14:creationId xmlns:p14="http://schemas.microsoft.com/office/powerpoint/2010/main" val="3622336025"/>
       </p:ext>
     </p:extLst>
   </p:cSld>
@@ -9519,17 +5196,8 @@
           <a:p>
             <a:r>
               <a:rPr lang="en-US" sz="3200" dirty="0"/>
-              <a:t>Descriptive statistics</a:t>
-            </a:r>
-          </a:p>
-          <a:p>
-            <a:r>
-              <a:rPr lang="en-US" sz="3200" b="0" i="1" dirty="0"/>
-              <a:t>Measures of spread</a:t>
-            </a:r>
-          </a:p>
-          <a:p>
-            <a:endParaRPr lang="en-US" sz="3200" dirty="0"/>
+              <a:t>Exporting plots from RStudio</a:t>
+            </a:r>
           </a:p>
         </p:txBody>
       </p:sp>
@@ -9538,7 +5206,7 @@
           <p:cNvPr id="4" name="Picture 3">
             <a:extLst>
               <a:ext uri="{FF2B5EF4-FFF2-40B4-BE49-F238E27FC236}">
-                <a16:creationId xmlns:a16="http://schemas.microsoft.com/office/drawing/2014/main" id="{E626A1B5-0F5E-18A2-F43A-94F42EE3CC3F}"/>
+                <a16:creationId xmlns:a16="http://schemas.microsoft.com/office/drawing/2014/main" id="{08159F5E-43C1-C2D1-6262-FF3C87098728}"/>
               </a:ext>
             </a:extLst>
           </p:cNvPr>
@@ -9555,18 +5223,72 @@
         </p:blipFill>
         <p:spPr>
           <a:xfrm>
-            <a:off x="941730" y="1568912"/>
-            <a:ext cx="7320527" cy="3964917"/>
+            <a:off x="1445079" y="1449381"/>
+            <a:ext cx="5461907" cy="4142187"/>
           </a:xfrm>
           <a:prstGeom prst="rect">
             <a:avLst/>
           </a:prstGeom>
         </p:spPr>
       </p:pic>
+      <p:sp>
+        <p:nvSpPr>
+          <p:cNvPr id="5" name="Oval 4">
+            <a:extLst>
+              <a:ext uri="{FF2B5EF4-FFF2-40B4-BE49-F238E27FC236}">
+                <a16:creationId xmlns:a16="http://schemas.microsoft.com/office/drawing/2014/main" id="{4FE5D7DE-C36F-2526-504A-29765E94A7A1}"/>
+              </a:ext>
+            </a:extLst>
+          </p:cNvPr>
+          <p:cNvSpPr/>
+          <p:nvPr/>
+        </p:nvSpPr>
+        <p:spPr>
+          <a:xfrm>
+            <a:off x="2684206" y="1681842"/>
+            <a:ext cx="1045028" cy="457201"/>
+          </a:xfrm>
+          <a:prstGeom prst="ellipse">
+            <a:avLst/>
+          </a:prstGeom>
+          <a:noFill/>
+          <a:ln w="76200">
+            <a:solidFill>
+              <a:schemeClr val="accent6">
+                <a:lumMod val="75000"/>
+                <a:lumOff val="25000"/>
+              </a:schemeClr>
+            </a:solidFill>
+          </a:ln>
+          <a:effectLst/>
+        </p:spPr>
+        <p:style>
+          <a:lnRef idx="1">
+            <a:schemeClr val="accent1"/>
+          </a:lnRef>
+          <a:fillRef idx="3">
+            <a:schemeClr val="accent1"/>
+          </a:fillRef>
+          <a:effectRef idx="2">
+            <a:schemeClr val="accent1"/>
+          </a:effectRef>
+          <a:fontRef idx="minor">
+            <a:schemeClr val="lt1"/>
+          </a:fontRef>
+        </p:style>
+        <p:txBody>
+          <a:bodyPr rtlCol="0" anchor="ctr"/>
+          <a:lstStyle/>
+          <a:p>
+            <a:pPr algn="ctr"/>
+            <a:endParaRPr lang="en-US"/>
+          </a:p>
+        </p:txBody>
+      </p:sp>
     </p:spTree>
     <p:extLst>
       <p:ext uri="{BB962C8B-B14F-4D97-AF65-F5344CB8AC3E}">
-        <p14:creationId xmlns:p14="http://schemas.microsoft.com/office/powerpoint/2010/main" val="881120866"/>
+        <p14:creationId xmlns:p14="http://schemas.microsoft.com/office/powerpoint/2010/main" val="4129198636"/>
       </p:ext>
     </p:extLst>
   </p:cSld>
@@ -9639,26 +5361,17 @@
           <a:p>
             <a:r>
               <a:rPr lang="en-US" sz="3200" dirty="0"/>
-              <a:t>Descriptive statistics</a:t>
-            </a:r>
-          </a:p>
-          <a:p>
-            <a:r>
-              <a:rPr lang="en-US" sz="3200" b="0" i="1" dirty="0"/>
-              <a:t>Counts and rates</a:t>
-            </a:r>
-          </a:p>
-          <a:p>
-            <a:endParaRPr lang="en-US" sz="3200" dirty="0"/>
+              <a:t>Exporting plots from RStudio</a:t>
+            </a:r>
           </a:p>
         </p:txBody>
       </p:sp>
       <p:pic>
         <p:nvPicPr>
-          <p:cNvPr id="5" name="Picture 4">
+          <p:cNvPr id="6" name="Picture 5">
             <a:extLst>
               <a:ext uri="{FF2B5EF4-FFF2-40B4-BE49-F238E27FC236}">
-                <a16:creationId xmlns:a16="http://schemas.microsoft.com/office/drawing/2014/main" id="{06A8096A-E80E-D258-CCB8-DCE8A68A2708}"/>
+                <a16:creationId xmlns:a16="http://schemas.microsoft.com/office/drawing/2014/main" id="{6E8EF685-415F-F6DD-FD5D-4366DDE38733}"/>
               </a:ext>
             </a:extLst>
           </p:cNvPr>
@@ -9675,18 +5388,72 @@
         </p:blipFill>
         <p:spPr>
           <a:xfrm>
-            <a:off x="1207823" y="1449380"/>
-            <a:ext cx="6221677" cy="4265619"/>
+            <a:off x="1253272" y="1140393"/>
+            <a:ext cx="6218042" cy="4329678"/>
           </a:xfrm>
           <a:prstGeom prst="rect">
             <a:avLst/>
           </a:prstGeom>
         </p:spPr>
       </p:pic>
+      <p:sp>
+        <p:nvSpPr>
+          <p:cNvPr id="5" name="Oval 4">
+            <a:extLst>
+              <a:ext uri="{FF2B5EF4-FFF2-40B4-BE49-F238E27FC236}">
+                <a16:creationId xmlns:a16="http://schemas.microsoft.com/office/drawing/2014/main" id="{4FE5D7DE-C36F-2526-504A-29765E94A7A1}"/>
+              </a:ext>
+            </a:extLst>
+          </p:cNvPr>
+          <p:cNvSpPr/>
+          <p:nvPr/>
+        </p:nvSpPr>
+        <p:spPr>
+          <a:xfrm>
+            <a:off x="2455606" y="1449381"/>
+            <a:ext cx="2116394" cy="643684"/>
+          </a:xfrm>
+          <a:prstGeom prst="ellipse">
+            <a:avLst/>
+          </a:prstGeom>
+          <a:noFill/>
+          <a:ln w="76200">
+            <a:solidFill>
+              <a:schemeClr val="accent6">
+                <a:lumMod val="10000"/>
+                <a:lumOff val="90000"/>
+              </a:schemeClr>
+            </a:solidFill>
+          </a:ln>
+          <a:effectLst/>
+        </p:spPr>
+        <p:style>
+          <a:lnRef idx="1">
+            <a:schemeClr val="accent1"/>
+          </a:lnRef>
+          <a:fillRef idx="3">
+            <a:schemeClr val="accent1"/>
+          </a:fillRef>
+          <a:effectRef idx="2">
+            <a:schemeClr val="accent1"/>
+          </a:effectRef>
+          <a:fontRef idx="minor">
+            <a:schemeClr val="lt1"/>
+          </a:fontRef>
+        </p:style>
+        <p:txBody>
+          <a:bodyPr rtlCol="0" anchor="ctr"/>
+          <a:lstStyle/>
+          <a:p>
+            <a:pPr algn="ctr"/>
+            <a:endParaRPr lang="en-US"/>
+          </a:p>
+        </p:txBody>
+      </p:sp>
     </p:spTree>
     <p:extLst>
       <p:ext uri="{BB962C8B-B14F-4D97-AF65-F5344CB8AC3E}">
-        <p14:creationId xmlns:p14="http://schemas.microsoft.com/office/powerpoint/2010/main" val="3838771328"/>
+        <p14:creationId xmlns:p14="http://schemas.microsoft.com/office/powerpoint/2010/main" val="2501297589"/>
       </p:ext>
     </p:extLst>
   </p:cSld>
@@ -9759,7 +5526,7 @@
           <a:p>
             <a:r>
               <a:rPr lang="en-US" sz="3200" dirty="0"/>
-              <a:t>Basic data summarization </a:t>
+              <a:t>Exporting plots from RStudio</a:t>
             </a:r>
           </a:p>
         </p:txBody>
@@ -9769,7 +5536,7 @@
           <p:cNvPr id="4" name="Picture 3">
             <a:extLst>
               <a:ext uri="{FF2B5EF4-FFF2-40B4-BE49-F238E27FC236}">
-                <a16:creationId xmlns:a16="http://schemas.microsoft.com/office/drawing/2014/main" id="{A0ED023A-138E-A95A-4D5A-D9D25C0A3509}"/>
+                <a16:creationId xmlns:a16="http://schemas.microsoft.com/office/drawing/2014/main" id="{88BA4FB7-7302-E0E4-8C9B-82971EC8BB12}"/>
               </a:ext>
             </a:extLst>
           </p:cNvPr>
@@ -9786,18 +5553,114 @@
         </p:blipFill>
         <p:spPr>
           <a:xfrm>
-            <a:off x="941730" y="1222031"/>
-            <a:ext cx="7772400" cy="1864263"/>
+            <a:off x="2167962" y="1130057"/>
+            <a:ext cx="4808075" cy="4597886"/>
           </a:xfrm>
           <a:prstGeom prst="rect">
             <a:avLst/>
           </a:prstGeom>
         </p:spPr>
       </p:pic>
+      <p:sp>
+        <p:nvSpPr>
+          <p:cNvPr id="7" name="Oval 6">
+            <a:extLst>
+              <a:ext uri="{FF2B5EF4-FFF2-40B4-BE49-F238E27FC236}">
+                <a16:creationId xmlns:a16="http://schemas.microsoft.com/office/drawing/2014/main" id="{5A69257F-8797-3B96-F39F-0E9359D56484}"/>
+              </a:ext>
+            </a:extLst>
+          </p:cNvPr>
+          <p:cNvSpPr/>
+          <p:nvPr/>
+        </p:nvSpPr>
+        <p:spPr>
+          <a:xfrm>
+            <a:off x="2684206" y="1681842"/>
+            <a:ext cx="1045028" cy="457201"/>
+          </a:xfrm>
+          <a:prstGeom prst="ellipse">
+            <a:avLst/>
+          </a:prstGeom>
+          <a:noFill/>
+          <a:ln w="76200">
+            <a:solidFill>
+              <a:schemeClr val="accent6">
+                <a:lumMod val="75000"/>
+                <a:lumOff val="25000"/>
+              </a:schemeClr>
+            </a:solidFill>
+          </a:ln>
+          <a:effectLst/>
+        </p:spPr>
+        <p:style>
+          <a:lnRef idx="1">
+            <a:schemeClr val="accent1"/>
+          </a:lnRef>
+          <a:fillRef idx="3">
+            <a:schemeClr val="accent1"/>
+          </a:fillRef>
+          <a:effectRef idx="2">
+            <a:schemeClr val="accent1"/>
+          </a:effectRef>
+          <a:fontRef idx="minor">
+            <a:schemeClr val="lt1"/>
+          </a:fontRef>
+        </p:style>
+        <p:txBody>
+          <a:bodyPr rtlCol="0" anchor="ctr"/>
+          <a:lstStyle/>
+          <a:p>
+            <a:pPr algn="ctr"/>
+            <a:endParaRPr lang="en-US"/>
+          </a:p>
+        </p:txBody>
+      </p:sp>
+      <p:sp>
+        <p:nvSpPr>
+          <p:cNvPr id="8" name="TextBox 7">
+            <a:extLst>
+              <a:ext uri="{FF2B5EF4-FFF2-40B4-BE49-F238E27FC236}">
+                <a16:creationId xmlns:a16="http://schemas.microsoft.com/office/drawing/2014/main" id="{B6FFBE20-A358-5495-F4B2-B0A127556307}"/>
+              </a:ext>
+            </a:extLst>
+          </p:cNvPr>
+          <p:cNvSpPr txBox="1"/>
+          <p:nvPr/>
+        </p:nvSpPr>
+        <p:spPr>
+          <a:xfrm>
+            <a:off x="3544813" y="2088391"/>
+            <a:ext cx="1807822" cy="369332"/>
+          </a:xfrm>
+          <a:prstGeom prst="rect">
+            <a:avLst/>
+          </a:prstGeom>
+          <a:noFill/>
+        </p:spPr>
+        <p:txBody>
+          <a:bodyPr wrap="square" rtlCol="0">
+            <a:spAutoFit/>
+          </a:bodyPr>
+          <a:lstStyle/>
+          <a:p>
+            <a:pPr algn="ctr"/>
+            <a:r>
+              <a:rPr lang="en-US" dirty="0">
+                <a:solidFill>
+                  <a:schemeClr val="accent5">
+                    <a:lumMod val="75000"/>
+                  </a:schemeClr>
+                </a:solidFill>
+              </a:rPr>
+              <a:t>Name your file</a:t>
+            </a:r>
+          </a:p>
+        </p:txBody>
+      </p:sp>
     </p:spTree>
     <p:extLst>
       <p:ext uri="{BB962C8B-B14F-4D97-AF65-F5344CB8AC3E}">
-        <p14:creationId xmlns:p14="http://schemas.microsoft.com/office/powerpoint/2010/main" val="2734654945"/>
+        <p14:creationId xmlns:p14="http://schemas.microsoft.com/office/powerpoint/2010/main" val="2530619488"/>
       </p:ext>
     </p:extLst>
   </p:cSld>
@@ -9826,21 +5689,115 @@
       </p:grpSpPr>
       <p:sp>
         <p:nvSpPr>
-          <p:cNvPr id="10" name="Rectangle 9"/>
-          <p:cNvSpPr/>
+          <p:cNvPr id="2" name="Title 2">
+            <a:extLst>
+              <a:ext uri="{FF2B5EF4-FFF2-40B4-BE49-F238E27FC236}">
+                <a16:creationId xmlns:a16="http://schemas.microsoft.com/office/drawing/2014/main" id="{12BEE06C-3CB4-1A31-1F99-81886307D619}"/>
+              </a:ext>
+            </a:extLst>
+          </p:cNvPr>
+          <p:cNvSpPr txBox="1">
+            <a:spLocks/>
+          </p:cNvSpPr>
           <p:nvPr/>
         </p:nvSpPr>
         <p:spPr>
           <a:xfrm>
-            <a:off x="-1" y="1330504"/>
-            <a:ext cx="9144001" cy="5527496"/>
+            <a:off x="429870" y="306381"/>
+            <a:ext cx="6598728" cy="1143000"/>
           </a:xfrm>
           <a:prstGeom prst="rect">
             <a:avLst/>
           </a:prstGeom>
-          <a:solidFill>
-            <a:srgbClr val="041E42"/>
-          </a:solidFill>
+        </p:spPr>
+        <p:txBody>
+          <a:bodyPr>
+            <a:noAutofit/>
+          </a:bodyPr>
+          <a:lstStyle>
+            <a:lvl1pPr algn="l" defTabSz="342991" rtl="0" eaLnBrk="1" latinLnBrk="0" hangingPunct="1">
+              <a:spcBef>
+                <a:spcPct val="0"/>
+              </a:spcBef>
+              <a:buNone/>
+              <a:defRPr sz="2701" b="1" i="0" kern="1200">
+                <a:solidFill>
+                  <a:srgbClr val="002D50"/>
+                </a:solidFill>
+                <a:latin typeface="Helvetica Neue"/>
+                <a:ea typeface="+mj-ea"/>
+                <a:cs typeface="Helvetica Neue"/>
+              </a:defRPr>
+            </a:lvl1pPr>
+          </a:lstStyle>
+          <a:p>
+            <a:r>
+              <a:rPr lang="en-US" sz="3200" dirty="0"/>
+              <a:t>Exporting plots from RStudio</a:t>
+            </a:r>
+          </a:p>
+        </p:txBody>
+      </p:sp>
+      <p:pic>
+        <p:nvPicPr>
+          <p:cNvPr id="4" name="Picture 3">
+            <a:extLst>
+              <a:ext uri="{FF2B5EF4-FFF2-40B4-BE49-F238E27FC236}">
+                <a16:creationId xmlns:a16="http://schemas.microsoft.com/office/drawing/2014/main" id="{88BA4FB7-7302-E0E4-8C9B-82971EC8BB12}"/>
+              </a:ext>
+            </a:extLst>
+          </p:cNvPr>
+          <p:cNvPicPr>
+            <a:picLocks noChangeAspect="1"/>
+          </p:cNvPicPr>
+          <p:nvPr/>
+        </p:nvPicPr>
+        <p:blipFill>
+          <a:blip r:embed="rId2"/>
+          <a:stretch>
+            <a:fillRect/>
+          </a:stretch>
+        </p:blipFill>
+        <p:spPr>
+          <a:xfrm>
+            <a:off x="2167962" y="1130057"/>
+            <a:ext cx="4808075" cy="4597886"/>
+          </a:xfrm>
+          <a:prstGeom prst="rect">
+            <a:avLst/>
+          </a:prstGeom>
+        </p:spPr>
+      </p:pic>
+      <p:sp>
+        <p:nvSpPr>
+          <p:cNvPr id="7" name="Oval 6">
+            <a:extLst>
+              <a:ext uri="{FF2B5EF4-FFF2-40B4-BE49-F238E27FC236}">
+                <a16:creationId xmlns:a16="http://schemas.microsoft.com/office/drawing/2014/main" id="{5A69257F-8797-3B96-F39F-0E9359D56484}"/>
+              </a:ext>
+            </a:extLst>
+          </p:cNvPr>
+          <p:cNvSpPr/>
+          <p:nvPr/>
+        </p:nvSpPr>
+        <p:spPr>
+          <a:xfrm>
+            <a:off x="2880148" y="1447953"/>
+            <a:ext cx="2720551" cy="457201"/>
+          </a:xfrm>
+          <a:prstGeom prst="ellipse">
+            <a:avLst/>
+          </a:prstGeom>
+          <a:noFill/>
+          <a:ln w="76200">
+            <a:solidFill>
+              <a:schemeClr val="accent6">
+                <a:lumMod val="75000"/>
+                <a:lumOff val="25000"/>
+              </a:schemeClr>
+            </a:solidFill>
+          </a:ln>
+          <a:effectLst/>
         </p:spPr>
         <p:style>
           <a:lnRef idx="1">
@@ -9861,89 +5818,56 @@
           <a:lstStyle/>
           <a:p>
             <a:pPr algn="ctr"/>
-            <a:endParaRPr lang="en-US" sz="1350" dirty="0"/>
-          </a:p>
-        </p:txBody>
-      </p:sp>
-      <p:sp>
-        <p:nvSpPr>
-          <p:cNvPr id="8" name="Title 5"/>
-          <p:cNvSpPr txBox="1">
-            <a:spLocks/>
-          </p:cNvSpPr>
+            <a:endParaRPr lang="en-US"/>
+          </a:p>
+        </p:txBody>
+      </p:sp>
+      <p:sp>
+        <p:nvSpPr>
+          <p:cNvPr id="8" name="TextBox 7">
+            <a:extLst>
+              <a:ext uri="{FF2B5EF4-FFF2-40B4-BE49-F238E27FC236}">
+                <a16:creationId xmlns:a16="http://schemas.microsoft.com/office/drawing/2014/main" id="{B6FFBE20-A358-5495-F4B2-B0A127556307}"/>
+              </a:ext>
+            </a:extLst>
+          </p:cNvPr>
+          <p:cNvSpPr txBox="1"/>
           <p:nvPr/>
         </p:nvSpPr>
         <p:spPr>
           <a:xfrm>
-            <a:off x="383218" y="1477992"/>
-            <a:ext cx="7954732" cy="815898"/>
+            <a:off x="6976037" y="753938"/>
+            <a:ext cx="1807822" cy="923330"/>
           </a:xfrm>
           <a:prstGeom prst="rect">
             <a:avLst/>
           </a:prstGeom>
-        </p:spPr>
-        <p:txBody>
-          <a:bodyPr>
-            <a:noAutofit/>
+          <a:noFill/>
+        </p:spPr>
+        <p:txBody>
+          <a:bodyPr wrap="square" rtlCol="0">
+            <a:spAutoFit/>
           </a:bodyPr>
-          <a:lstStyle>
-            <a:lvl1pPr algn="ctr" defTabSz="457200" rtl="0" eaLnBrk="1" latinLnBrk="0" hangingPunct="1">
-              <a:spcBef>
-                <a:spcPct val="0"/>
-              </a:spcBef>
-              <a:buNone/>
-              <a:defRPr sz="4200" b="0" i="1" kern="1200">
+          <a:lstStyle/>
+          <a:p>
+            <a:pPr algn="ctr"/>
+            <a:r>
+              <a:rPr lang="en-US" dirty="0">
                 <a:solidFill>
-                  <a:srgbClr val="002D50"/>
+                  <a:schemeClr val="accent5">
+                    <a:lumMod val="75000"/>
+                  </a:schemeClr>
                 </a:solidFill>
-                <a:latin typeface="Adobe Caslon Pro"/>
-                <a:ea typeface="+mj-ea"/>
-                <a:cs typeface="Adobe Caslon Pro"/>
-              </a:defRPr>
-            </a:lvl1pPr>
-          </a:lstStyle>
-          <a:p>
-            <a:pPr algn="l"/>
-            <a:r>
-              <a:rPr lang="en-US" sz="4051" dirty="0">
-                <a:solidFill>
-                  <a:schemeClr val="bg1"/>
-                </a:solidFill>
-                <a:latin typeface="Helvetica Neue"/>
-                <a:cs typeface="Helvetica Neue"/>
               </a:rPr>
-              <a:t>Data visualization</a:t>
-            </a:r>
-          </a:p>
-        </p:txBody>
-      </p:sp>
-      <p:pic>
-        <p:nvPicPr>
-          <p:cNvPr id="12" name="Picture 11"/>
-          <p:cNvPicPr>
-            <a:picLocks noChangeAspect="1"/>
-          </p:cNvPicPr>
-          <p:nvPr/>
-        </p:nvPicPr>
-        <p:blipFill>
-          <a:blip r:embed="rId3"/>
-          <a:srcRect/>
-          <a:stretch/>
-        </p:blipFill>
-        <p:spPr>
-          <a:xfrm>
-            <a:off x="263465" y="398530"/>
-            <a:ext cx="5120827" cy="556906"/>
-          </a:xfrm>
-          <a:prstGeom prst="rect">
-            <a:avLst/>
-          </a:prstGeom>
-        </p:spPr>
-      </p:pic>
+              <a:t>Specify where you want to save the file</a:t>
+            </a:r>
+          </a:p>
+        </p:txBody>
+      </p:sp>
     </p:spTree>
     <p:extLst>
       <p:ext uri="{BB962C8B-B14F-4D97-AF65-F5344CB8AC3E}">
-        <p14:creationId xmlns:p14="http://schemas.microsoft.com/office/powerpoint/2010/main" val="4047090485"/>
+        <p14:creationId xmlns:p14="http://schemas.microsoft.com/office/powerpoint/2010/main" val="2491453275"/>
       </p:ext>
     </p:extLst>
   </p:cSld>

--- a/day3/R Workshop Day 3 Slides.pptx
+++ b/day3/R Workshop Day 3 Slides.pptx
@@ -4668,7 +4668,7 @@
         </p:nvSpPr>
         <p:spPr>
           <a:xfrm>
-            <a:off x="-1" y="1330504"/>
+            <a:off x="-1" y="1346833"/>
             <a:ext cx="9144001" cy="5527496"/>
           </a:xfrm>
           <a:prstGeom prst="rect">
